--- a/Introduction to Gradle.pptx
+++ b/Introduction to Gradle.pptx
@@ -661,11 +661,7 @@
           <a:p>
             <a:r>
               <a:rPr lang="en-US" dirty="0" smtClean="0"/>
-              <a:t>https://</a:t>
-            </a:r>
-            <a:r>
-              <a:rPr lang="en-US" dirty="0" smtClean="0"/>
-              <a:t>docs.gradle.org/current/userguide/tutorial_gradle_command_line.html</a:t>
+              <a:t>https://docs.gradle.org/current/userguide/tutorial_gradle_command_line.html</a:t>
             </a:r>
             <a:endParaRPr lang="pl-PL" dirty="0" smtClean="0"/>
           </a:p>
@@ -1647,7 +1643,6 @@
               <a:rPr lang="en-US" dirty="0" smtClean="0"/>
               <a:t> should use fully qualified name)</a:t>
             </a:r>
-            <a:endParaRPr lang="en-US" dirty="0" smtClean="0"/>
           </a:p>
         </p:txBody>
       </p:sp>
@@ -4905,11 +4900,7 @@
             <a:pPr lvl="1"/>
             <a:r>
               <a:rPr lang="en-US" dirty="0" smtClean="0"/>
-              <a:t>Groovy script variables – </a:t>
-            </a:r>
-            <a:r>
-              <a:rPr lang="en-US" dirty="0" smtClean="0"/>
-              <a:t>traps</a:t>
+              <a:t>Groovy script variables – traps</a:t>
             </a:r>
             <a:r>
               <a:rPr lang="pl-PL" dirty="0" smtClean="0"/>
@@ -4919,13 +4910,7 @@
               <a:rPr lang="pl-PL" dirty="0" smtClean="0">
                 <a:hlinkClick r:id="rId2"/>
               </a:rPr>
-              <a:t>https://</a:t>
-            </a:r>
-            <a:r>
-              <a:rPr lang="pl-PL" dirty="0" smtClean="0">
-                <a:hlinkClick r:id="rId2"/>
-              </a:rPr>
-              <a:t>docs.gradle.org/current/userguide/potential_traps.html</a:t>
+              <a:t>https://docs.gradle.org/current/userguide/potential_traps.html</a:t>
             </a:r>
             <a:r>
               <a:rPr lang="pl-PL" dirty="0" smtClean="0"/>
@@ -5219,13 +5204,8 @@
             </a:r>
             <a:r>
               <a:rPr lang="en-US" dirty="0" smtClean="0"/>
-              <a:t>(&lt;name&gt;) method to check </a:t>
-            </a:r>
-            <a:r>
-              <a:rPr lang="en-US" dirty="0" smtClean="0"/>
-              <a:t>existence</a:t>
-            </a:r>
-            <a:endParaRPr lang="en-US" dirty="0" smtClean="0"/>
+              <a:t>(&lt;name&gt;) method to check existence</a:t>
+            </a:r>
           </a:p>
           <a:p>
             <a:r>
@@ -6024,38 +6004,26 @@
           <a:p>
             <a:pPr lvl="1"/>
             <a:r>
-              <a:rPr lang="en-US" dirty="0" smtClean="0">
+              <a:rPr lang="en-US" sz="2200" dirty="0" smtClean="0">
                 <a:hlinkClick r:id="rId3"/>
               </a:rPr>
-              <a:t>https://</a:t>
-            </a:r>
-            <a:r>
-              <a:rPr lang="en-US" dirty="0" smtClean="0">
-                <a:hlinkClick r:id="rId3"/>
-              </a:rPr>
-              <a:t>docs.gradle.org/current/userguide/standard_plugins.html</a:t>
-            </a:r>
-            <a:r>
-              <a:rPr lang="pl-PL" dirty="0" smtClean="0"/>
+              <a:t>https://docs.gradle.org/current/userguide/standard_plugins.html</a:t>
+            </a:r>
+            <a:r>
+              <a:rPr lang="pl-PL" sz="2200" dirty="0" smtClean="0"/>
               <a:t> - core/standard plugins</a:t>
             </a:r>
           </a:p>
           <a:p>
             <a:pPr lvl="1"/>
             <a:r>
-              <a:rPr lang="en-US" dirty="0" smtClean="0">
+              <a:rPr lang="en-US" sz="2200" dirty="0" smtClean="0">
                 <a:hlinkClick r:id="rId4"/>
               </a:rPr>
-              <a:t>https</a:t>
-            </a:r>
-            <a:r>
-              <a:rPr lang="en-US" dirty="0" smtClean="0">
-                <a:hlinkClick r:id="rId4"/>
-              </a:rPr>
-              <a:t>://plugins.gradle.org/</a:t>
-            </a:r>
-            <a:r>
-              <a:rPr lang="en-US" dirty="0" smtClean="0"/>
+              <a:t>https://plugins.gradle.org/</a:t>
+            </a:r>
+            <a:r>
+              <a:rPr lang="en-US" sz="2200" dirty="0" smtClean="0"/>
               <a:t> - custom plugin portal</a:t>
             </a:r>
           </a:p>
@@ -6111,11 +6079,7 @@
           <a:p>
             <a:r>
               <a:rPr lang="pl-PL" dirty="0" smtClean="0"/>
-              <a:t>Applying a binary </a:t>
-            </a:r>
-            <a:r>
-              <a:rPr lang="pl-PL" dirty="0" smtClean="0"/>
-              <a:t>plugin</a:t>
+              <a:t>Applying a binary plugin</a:t>
             </a:r>
             <a:endParaRPr lang="pl-PL" dirty="0"/>
           </a:p>
@@ -6142,11 +6106,7 @@
             </a:pPr>
             <a:r>
               <a:rPr lang="en-US" dirty="0" smtClean="0"/>
-              <a:t>apply </a:t>
-            </a:r>
-            <a:r>
-              <a:rPr lang="en-US" dirty="0" smtClean="0"/>
-              <a:t>by</a:t>
+              <a:t>apply by</a:t>
             </a:r>
             <a:r>
               <a:rPr lang="pl-PL" dirty="0" smtClean="0"/>
@@ -6380,11 +6340,7 @@
           <a:p>
             <a:r>
               <a:rPr lang="en-US" dirty="0" smtClean="0"/>
-              <a:t>Organizing build </a:t>
-            </a:r>
-            <a:r>
-              <a:rPr lang="en-US" dirty="0" smtClean="0"/>
-              <a:t>logic</a:t>
+              <a:t>Organizing build logic</a:t>
             </a:r>
             <a:endParaRPr lang="pl-PL" dirty="0" smtClean="0"/>
           </a:p>
@@ -6397,11 +6353,7 @@
           <a:p>
             <a:r>
               <a:rPr lang="en-US" dirty="0" smtClean="0"/>
-              <a:t>Why </a:t>
-            </a:r>
-            <a:r>
-              <a:rPr lang="en-US" dirty="0" smtClean="0"/>
-              <a:t>Gradle</a:t>
+              <a:t>Why Gradle</a:t>
             </a:r>
           </a:p>
           <a:p>
@@ -6543,11 +6495,7 @@
           <a:p>
             <a:r>
               <a:rPr lang="en-US" dirty="0" smtClean="0"/>
-              <a:t>Custom </a:t>
-            </a:r>
-            <a:r>
-              <a:rPr lang="en-US" dirty="0" smtClean="0"/>
-              <a:t>plugin</a:t>
+              <a:t>Custom plugin</a:t>
             </a:r>
             <a:endParaRPr lang="en-US" dirty="0"/>
           </a:p>
@@ -6639,11 +6587,7 @@
             </a:r>
             <a:r>
               <a:rPr lang="en-US" dirty="0" smtClean="0"/>
-              <a:t> </a:t>
-            </a:r>
-            <a:r>
-              <a:rPr lang="en-US" dirty="0" smtClean="0"/>
-              <a:t>properties</a:t>
+              <a:t> properties</a:t>
             </a:r>
             <a:r>
               <a:rPr lang="pl-PL" dirty="0" smtClean="0"/>
@@ -6888,11 +6832,7 @@
             </a:r>
             <a:r>
               <a:rPr lang="en-US" dirty="0" smtClean="0"/>
-              <a:t>ask </a:t>
-            </a:r>
-            <a:r>
-              <a:rPr lang="en-US" dirty="0" smtClean="0"/>
-              <a:t>name abbreviation</a:t>
+              <a:t>ask name abbreviation</a:t>
             </a:r>
           </a:p>
           <a:p>
@@ -6931,13 +6871,8 @@
             </a:r>
             <a:r>
               <a:rPr lang="en-US" dirty="0" smtClean="0"/>
-              <a:t>--</a:t>
-            </a:r>
-            <a:r>
-              <a:rPr lang="en-US" dirty="0" smtClean="0"/>
-              <a:t>continue</a:t>
-            </a:r>
-            <a:endParaRPr lang="en-US" dirty="0" smtClean="0"/>
+              <a:t>--continue</a:t>
+            </a:r>
           </a:p>
           <a:p>
             <a:r>
@@ -7065,15 +7000,7 @@
             </a:r>
             <a:r>
               <a:rPr lang="pl-PL" b="1" dirty="0" smtClean="0"/>
-              <a:t> </a:t>
-            </a:r>
-            <a:r>
-              <a:rPr lang="pl-PL" b="1" dirty="0" smtClean="0"/>
-              <a:t>or </a:t>
-            </a:r>
-            <a:r>
-              <a:rPr lang="pl-PL" b="1" dirty="0" smtClean="0"/>
-              <a:t>GradleWrapperMain</a:t>
+              <a:t> or GradleWrapperMain</a:t>
             </a:r>
             <a:endParaRPr lang="en-US" b="1" dirty="0" smtClean="0"/>
           </a:p>
@@ -7093,11 +7020,7 @@
             </a:r>
             <a:r>
               <a:rPr lang="en-US" dirty="0" smtClean="0"/>
-              <a:t>– </a:t>
-            </a:r>
-            <a:r>
-              <a:rPr lang="en-US" dirty="0" smtClean="0"/>
-              <a:t>always 1 new </a:t>
+              <a:t>– always 1 new </a:t>
             </a:r>
             <a:r>
               <a:rPr lang="en-US" dirty="0" err="1" smtClean="0"/>
@@ -7120,11 +7043,7 @@
             </a:r>
             <a:r>
               <a:rPr lang="pl-PL" dirty="0" smtClean="0"/>
-              <a:t> </a:t>
-            </a:r>
-            <a:r>
-              <a:rPr lang="pl-PL" dirty="0" smtClean="0"/>
-              <a:t>is specified then </a:t>
+              <a:t> is specified then </a:t>
             </a:r>
             <a:r>
               <a:rPr lang="en-US" dirty="0" smtClean="0"/>
@@ -7144,19 +7063,7 @@
             </a:r>
             <a:r>
               <a:rPr lang="pl-PL" dirty="0" smtClean="0"/>
-              <a:t> is created</a:t>
-            </a:r>
-            <a:r>
-              <a:rPr lang="pl-PL" dirty="0" smtClean="0"/>
-              <a:t> </a:t>
-            </a:r>
-            <a:r>
-              <a:rPr lang="pl-PL" dirty="0" smtClean="0"/>
-              <a:t>(</a:t>
-            </a:r>
-            <a:r>
-              <a:rPr lang="pl-PL" dirty="0" smtClean="0"/>
-              <a:t>GradleDaemon)</a:t>
+              <a:t> is created (GradleDaemon)</a:t>
             </a:r>
             <a:endParaRPr lang="en-US" dirty="0" smtClean="0"/>
           </a:p>
@@ -7357,11 +7264,7 @@
             <a:pPr lvl="1"/>
             <a:r>
               <a:rPr lang="pl-PL" dirty="0" smtClean="0"/>
-              <a:t>also supported via</a:t>
-            </a:r>
-            <a:r>
-              <a:rPr lang="pl-PL" dirty="0" smtClean="0"/>
-              <a:t> </a:t>
+              <a:t>also supported via </a:t>
             </a:r>
             <a:r>
               <a:rPr lang="en-US" dirty="0" err="1" smtClean="0"/>
@@ -7375,7 +7278,6 @@
               <a:rPr lang="en-US" dirty="0" smtClean="0"/>
               <a:t>GRADLE_OPTS</a:t>
             </a:r>
-            <a:endParaRPr lang="en-US" dirty="0" smtClean="0"/>
           </a:p>
           <a:p>
             <a:endParaRPr lang="en-US" dirty="0"/>
@@ -7585,11 +7487,7 @@
             </a:r>
             <a:r>
               <a:rPr lang="en-US" sz="2000" dirty="0" smtClean="0"/>
-              <a:t>s</a:t>
-            </a:r>
-            <a:r>
-              <a:rPr lang="en-US" sz="2000" dirty="0" smtClean="0"/>
-              <a:t>“</a:t>
+              <a:t>s“</a:t>
             </a:r>
             <a:br>
               <a:rPr lang="en-US" sz="2000" dirty="0" smtClean="0"/>
@@ -7663,10 +7561,6 @@
               <a:rPr lang="en-US" sz="2000" dirty="0" smtClean="0"/>
               <a:t>]</a:t>
             </a:r>
-            <a:r>
-              <a:rPr lang="en-US" sz="2000" dirty="0" smtClean="0"/>
-              <a:t/>
-            </a:r>
             <a:br>
               <a:rPr lang="en-US" sz="2000" dirty="0" smtClean="0"/>
             </a:br>
@@ -7717,11 +7611,7 @@
             </a:r>
             <a:r>
               <a:rPr lang="en-US" sz="2000" b="1" dirty="0" smtClean="0"/>
-              <a:t>--</a:t>
-            </a:r>
-            <a:r>
-              <a:rPr lang="en-US" sz="2000" b="1" dirty="0" smtClean="0"/>
-              <a:t>debug-</a:t>
+              <a:t>--debug-</a:t>
             </a:r>
             <a:r>
               <a:rPr lang="en-US" sz="2000" b="1" dirty="0" err="1" smtClean="0"/>
@@ -7847,11 +7737,7 @@
             </a:r>
             <a:r>
               <a:rPr lang="en-US" dirty="0" smtClean="0"/>
-              <a:t> --</a:t>
-            </a:r>
-            <a:r>
-              <a:rPr lang="en-US" dirty="0" smtClean="0"/>
-              <a:t>no-daemon</a:t>
+              <a:t> --no-daemon</a:t>
             </a:r>
             <a:endParaRPr lang="pl-PL" dirty="0" smtClean="0"/>
           </a:p>
@@ -7937,7 +7823,9 @@
         </p:nvSpPr>
         <p:spPr/>
         <p:txBody>
-          <a:bodyPr/>
+          <a:bodyPr>
+            <a:normAutofit fontScale="92500" lnSpcReduction="20000"/>
+          </a:bodyPr>
           <a:lstStyle/>
           <a:p>
             <a:r>
@@ -7968,19 +7856,11 @@
             </a:r>
             <a:r>
               <a:rPr lang="en-US" dirty="0" smtClean="0"/>
-              <a:t> = </a:t>
-            </a:r>
-            <a:r>
-              <a:rPr lang="en-US" dirty="0" smtClean="0"/>
-              <a:t>'2.</a:t>
+              <a:t> = '2.</a:t>
             </a:r>
             <a:r>
               <a:rPr lang="pl-PL" dirty="0" smtClean="0"/>
-              <a:t>9</a:t>
-            </a:r>
-            <a:r>
-              <a:rPr lang="pl-PL" dirty="0" smtClean="0"/>
-              <a:t>’</a:t>
+              <a:t>9’</a:t>
             </a:r>
             <a:r>
               <a:rPr lang="en-US" dirty="0" smtClean="0"/>
@@ -7997,19 +7877,7 @@
           <a:p>
             <a:r>
               <a:rPr lang="en-US" dirty="0" smtClean="0"/>
-              <a:t>Result </a:t>
-            </a:r>
-            <a:r>
-              <a:rPr lang="en-US" dirty="0" smtClean="0"/>
-              <a:t>of </a:t>
-            </a:r>
-            <a:r>
-              <a:rPr lang="en-US" dirty="0" smtClean="0"/>
-              <a:t>Wrapper task execution should be committed to </a:t>
-            </a:r>
-            <a:r>
-              <a:rPr lang="en-US" dirty="0" smtClean="0"/>
-              <a:t>repository</a:t>
+              <a:t>Result of Wrapper task execution should be committed to repository</a:t>
             </a:r>
             <a:r>
               <a:rPr lang="pl-PL" dirty="0" smtClean="0"/>
@@ -8029,7 +7897,44 @@
             </a:r>
             <a:r>
               <a:rPr lang="en-US" dirty="0" smtClean="0"/>
-              <a:t>) </a:t>
+              <a:t>)</a:t>
+            </a:r>
+          </a:p>
+          <a:p>
+            <a:r>
+              <a:rPr lang="en-US" dirty="0" smtClean="0"/>
+              <a:t>Accessing from sub-projects</a:t>
+            </a:r>
+          </a:p>
+          <a:p>
+            <a:pPr lvl="1"/>
+            <a:r>
+              <a:rPr lang="en-US" dirty="0" smtClean="0">
+                <a:hlinkClick r:id="rId2"/>
+              </a:rPr>
+              <a:t>https://issues.gradle.org/browse/GRADLE-2429</a:t>
+            </a:r>
+            <a:endParaRPr lang="en-US" dirty="0" smtClean="0"/>
+          </a:p>
+          <a:p>
+            <a:pPr lvl="1"/>
+            <a:r>
+              <a:rPr lang="en-US" dirty="0" smtClean="0">
+                <a:hlinkClick r:id="rId3"/>
+              </a:rPr>
+              <a:t>http</a:t>
+            </a:r>
+            <a:r>
+              <a:rPr lang="en-US" dirty="0" smtClean="0">
+                <a:hlinkClick r:id="rId3"/>
+              </a:rPr>
+              <a:t>://www.gdub.rocks</a:t>
+            </a:r>
+            <a:r>
+              <a:rPr lang="en-US" dirty="0" smtClean="0">
+                <a:hlinkClick r:id="rId3"/>
+              </a:rPr>
+              <a:t>/</a:t>
             </a:r>
             <a:endParaRPr lang="en-US" dirty="0" smtClean="0"/>
           </a:p>
@@ -8940,21 +8845,11 @@
               <a:rPr lang="en-US" dirty="0" smtClean="0">
                 <a:hlinkClick r:id="rId3"/>
               </a:rPr>
-              <a:t>http://zeroturnaround.com/rebellabs/java-build-tools-part-2-a-decision-makers-comparison-of-maven-gradle-and-ant-ivy</a:t>
-            </a:r>
-            <a:r>
-              <a:rPr lang="en-US" dirty="0" smtClean="0">
-                <a:hlinkClick r:id="rId3"/>
-              </a:rPr>
-              <a:t>/</a:t>
+              <a:t>http://zeroturnaround.com/rebellabs/java-build-tools-part-2-a-decision-makers-comparison-of-maven-gradle-and-ant-ivy/</a:t>
             </a:r>
             <a:r>
               <a:rPr lang="pl-PL" dirty="0" smtClean="0"/>
-              <a:t> - </a:t>
-            </a:r>
-            <a:r>
-              <a:rPr lang="pl-PL" dirty="0" smtClean="0"/>
-              <a:t> August 21, 2014</a:t>
+              <a:t> -  August 21, 2014</a:t>
             </a:r>
           </a:p>
           <a:p>
@@ -9236,31 +9131,45 @@
           <a:p>
             <a:r>
               <a:rPr lang="pl-PL" dirty="0" smtClean="0"/>
-              <a:t>Explore existing projects/plugins (e.g</a:t>
+              <a:t>Explore </a:t>
+            </a:r>
+            <a:r>
+              <a:rPr lang="pl-PL" dirty="0" err="1" smtClean="0"/>
+              <a:t>existing</a:t>
             </a:r>
             <a:r>
               <a:rPr lang="pl-PL" dirty="0" smtClean="0"/>
-              <a:t>. spring-framework, </a:t>
+              <a:t> </a:t>
+            </a:r>
+            <a:r>
+              <a:rPr lang="pl-PL" dirty="0" err="1" smtClean="0"/>
+              <a:t>projects</a:t>
             </a:r>
             <a:r>
               <a:rPr lang="pl-PL" dirty="0" smtClean="0"/>
-              <a:t>mockito</a:t>
+              <a:t>/plugins (</a:t>
+            </a:r>
+            <a:r>
+              <a:rPr lang="pl-PL" dirty="0" err="1" smtClean="0"/>
+              <a:t>e.g</a:t>
             </a:r>
             <a:r>
               <a:rPr lang="pl-PL" dirty="0" smtClean="0"/>
-              <a:t>, </a:t>
+              <a:t>. </a:t>
+            </a:r>
+            <a:r>
+              <a:rPr lang="pl-PL" dirty="0" err="1" smtClean="0"/>
+              <a:t>spring-framework</a:t>
+            </a:r>
+            <a:r>
+              <a:rPr lang="pl-PL" dirty="0" smtClean="0"/>
+              <a:t>, mockito, </a:t>
             </a:r>
             <a:r>
               <a:rPr lang="pl-PL" dirty="0" smtClean="0">
                 <a:hlinkClick r:id="rId6"/>
               </a:rPr>
-              <a:t>https://</a:t>
-            </a:r>
-            <a:r>
-              <a:rPr lang="pl-PL" dirty="0" smtClean="0">
-                <a:hlinkClick r:id="rId6"/>
-              </a:rPr>
-              <a:t>github.com/nebula-plugins</a:t>
+              <a:t>https://github.com/nebula-plugins</a:t>
             </a:r>
             <a:r>
               <a:rPr lang="pl-PL" dirty="0" smtClean="0"/>

--- a/Introduction to Gradle.pptx
+++ b/Introduction to Gradle.pptx
@@ -230,7 +230,7 @@
             <a:fld id="{AA2A308B-6F90-4754-832D-E98F3D7923D8}" type="datetimeFigureOut">
               <a:rPr lang="en-US" smtClean="0"/>
               <a:pPr/>
-              <a:t>1/17/2016</a:t>
+              <a:t>1/18/2016</a:t>
             </a:fld>
             <a:endParaRPr lang="en-US"/>
           </a:p>
@@ -660,8 +660,25 @@
           <a:lstStyle/>
           <a:p>
             <a:r>
-              <a:rPr lang="en-US" dirty="0" smtClean="0"/>
-              <a:t>https://docs.gradle.org/current/userguide/tutorial_gradle_command_line.html</a:t>
+              <a:rPr lang="en-US" dirty="0" err="1" smtClean="0"/>
+              <a:t>Cli</a:t>
+            </a:r>
+            <a:r>
+              <a:rPr lang="en-US" baseline="0" dirty="0" smtClean="0"/>
+              <a:t> example based on Ex10</a:t>
+            </a:r>
+          </a:p>
+          <a:p>
+            <a:endParaRPr lang="en-US" dirty="0" smtClean="0"/>
+          </a:p>
+          <a:p>
+            <a:r>
+              <a:rPr lang="en-US" dirty="0" smtClean="0"/>
+              <a:t>https</a:t>
+            </a:r>
+            <a:r>
+              <a:rPr lang="en-US" dirty="0" smtClean="0"/>
+              <a:t>://docs.gradle.org/current/userguide/tutorial_gradle_command_line.html</a:t>
             </a:r>
             <a:endParaRPr lang="pl-PL" dirty="0" smtClean="0"/>
           </a:p>
@@ -722,6 +739,204 @@
 </file>
 
 <file path=ppt/notesSlides/notesSlide11.xml><?xml version="1.0" encoding="utf-8"?>
+<p:notes xmlns:a="http://schemas.openxmlformats.org/drawingml/2006/main" xmlns:r="http://schemas.openxmlformats.org/officeDocument/2006/relationships" xmlns:p="http://schemas.openxmlformats.org/presentationml/2006/main">
+  <p:cSld>
+    <p:spTree>
+      <p:nvGrpSpPr>
+        <p:cNvPr id="1" name=""/>
+        <p:cNvGrpSpPr/>
+        <p:nvPr/>
+      </p:nvGrpSpPr>
+      <p:grpSpPr>
+        <a:xfrm>
+          <a:off x="0" y="0"/>
+          <a:ext cx="0" cy="0"/>
+          <a:chOff x="0" y="0"/>
+          <a:chExt cx="0" cy="0"/>
+        </a:xfrm>
+      </p:grpSpPr>
+      <p:sp>
+        <p:nvSpPr>
+          <p:cNvPr id="2" name="Slide Image Placeholder 1"/>
+          <p:cNvSpPr>
+            <a:spLocks noGrp="1" noRot="1" noChangeAspect="1"/>
+          </p:cNvSpPr>
+          <p:nvPr>
+            <p:ph type="sldImg"/>
+          </p:nvPr>
+        </p:nvSpPr>
+        <p:spPr/>
+      </p:sp>
+      <p:sp>
+        <p:nvSpPr>
+          <p:cNvPr id="3" name="Notes Placeholder 2"/>
+          <p:cNvSpPr>
+            <a:spLocks noGrp="1"/>
+          </p:cNvSpPr>
+          <p:nvPr>
+            <p:ph type="body" idx="1"/>
+          </p:nvPr>
+        </p:nvSpPr>
+        <p:spPr/>
+        <p:txBody>
+          <a:bodyPr>
+            <a:normAutofit/>
+          </a:bodyPr>
+          <a:lstStyle/>
+          <a:p>
+            <a:r>
+              <a:rPr lang="en-US" dirty="0" smtClean="0"/>
+              <a:t>1. IDE</a:t>
+            </a:r>
+            <a:r>
+              <a:rPr lang="en-US" baseline="0" dirty="0" smtClean="0"/>
+              <a:t> </a:t>
+            </a:r>
+            <a:r>
+              <a:rPr lang="en-US" baseline="0" dirty="0" err="1" smtClean="0"/>
+              <a:t>dubug</a:t>
+            </a:r>
+            <a:endParaRPr lang="en-US" baseline="0" dirty="0" smtClean="0"/>
+          </a:p>
+          <a:p>
+            <a:r>
+              <a:rPr lang="en-US" baseline="0" dirty="0" smtClean="0"/>
+              <a:t>Ex10, </a:t>
+            </a:r>
+            <a:r>
+              <a:rPr lang="en-US" baseline="0" dirty="0" err="1" smtClean="0"/>
+              <a:t>JavaPlugin</a:t>
+            </a:r>
+            <a:r>
+              <a:rPr lang="en-US" baseline="0" dirty="0" smtClean="0"/>
+              <a:t> breakpoint, run </a:t>
+            </a:r>
+            <a:r>
+              <a:rPr lang="en-US" baseline="0" dirty="0" err="1" smtClean="0"/>
+              <a:t>build.gradle</a:t>
+            </a:r>
+            <a:endParaRPr lang="en-US" baseline="0" dirty="0" smtClean="0"/>
+          </a:p>
+          <a:p>
+            <a:endParaRPr lang="en-US" baseline="0" dirty="0" smtClean="0"/>
+          </a:p>
+        </p:txBody>
+      </p:sp>
+      <p:sp>
+        <p:nvSpPr>
+          <p:cNvPr id="4" name="Slide Number Placeholder 3"/>
+          <p:cNvSpPr>
+            <a:spLocks noGrp="1"/>
+          </p:cNvSpPr>
+          <p:nvPr>
+            <p:ph type="sldNum" sz="quarter" idx="10"/>
+          </p:nvPr>
+        </p:nvSpPr>
+        <p:spPr/>
+        <p:txBody>
+          <a:bodyPr/>
+          <a:lstStyle/>
+          <a:p>
+            <a:fld id="{A731FDFD-A218-4148-99B7-B51AF9CA9585}" type="slidenum">
+              <a:rPr lang="en-US" smtClean="0"/>
+              <a:pPr/>
+              <a:t>24</a:t>
+            </a:fld>
+            <a:endParaRPr lang="en-US"/>
+          </a:p>
+        </p:txBody>
+      </p:sp>
+    </p:spTree>
+  </p:cSld>
+  <p:clrMapOvr>
+    <a:masterClrMapping/>
+  </p:clrMapOvr>
+</p:notes>
+</file>
+
+<file path=ppt/notesSlides/notesSlide12.xml><?xml version="1.0" encoding="utf-8"?>
+<p:notes xmlns:a="http://schemas.openxmlformats.org/drawingml/2006/main" xmlns:r="http://schemas.openxmlformats.org/officeDocument/2006/relationships" xmlns:p="http://schemas.openxmlformats.org/presentationml/2006/main">
+  <p:cSld>
+    <p:spTree>
+      <p:nvGrpSpPr>
+        <p:cNvPr id="1" name=""/>
+        <p:cNvGrpSpPr/>
+        <p:nvPr/>
+      </p:nvGrpSpPr>
+      <p:grpSpPr>
+        <a:xfrm>
+          <a:off x="0" y="0"/>
+          <a:ext cx="0" cy="0"/>
+          <a:chOff x="0" y="0"/>
+          <a:chExt cx="0" cy="0"/>
+        </a:xfrm>
+      </p:grpSpPr>
+      <p:sp>
+        <p:nvSpPr>
+          <p:cNvPr id="2" name="Slide Image Placeholder 1"/>
+          <p:cNvSpPr>
+            <a:spLocks noGrp="1" noRot="1" noChangeAspect="1"/>
+          </p:cNvSpPr>
+          <p:nvPr>
+            <p:ph type="sldImg"/>
+          </p:nvPr>
+        </p:nvSpPr>
+        <p:spPr/>
+      </p:sp>
+      <p:sp>
+        <p:nvSpPr>
+          <p:cNvPr id="3" name="Notes Placeholder 2"/>
+          <p:cNvSpPr>
+            <a:spLocks noGrp="1"/>
+          </p:cNvSpPr>
+          <p:nvPr>
+            <p:ph type="body" idx="1"/>
+          </p:nvPr>
+        </p:nvSpPr>
+        <p:spPr/>
+        <p:txBody>
+          <a:bodyPr>
+            <a:normAutofit/>
+          </a:bodyPr>
+          <a:lstStyle/>
+          <a:p>
+            <a:endParaRPr lang="en-US"/>
+          </a:p>
+        </p:txBody>
+      </p:sp>
+      <p:sp>
+        <p:nvSpPr>
+          <p:cNvPr id="4" name="Slide Number Placeholder 3"/>
+          <p:cNvSpPr>
+            <a:spLocks noGrp="1"/>
+          </p:cNvSpPr>
+          <p:nvPr>
+            <p:ph type="sldNum" sz="quarter" idx="10"/>
+          </p:nvPr>
+        </p:nvSpPr>
+        <p:spPr/>
+        <p:txBody>
+          <a:bodyPr/>
+          <a:lstStyle/>
+          <a:p>
+            <a:fld id="{A731FDFD-A218-4148-99B7-B51AF9CA9585}" type="slidenum">
+              <a:rPr lang="en-US" smtClean="0"/>
+              <a:pPr/>
+              <a:t>25</a:t>
+            </a:fld>
+            <a:endParaRPr lang="en-US"/>
+          </a:p>
+        </p:txBody>
+      </p:sp>
+    </p:spTree>
+  </p:cSld>
+  <p:clrMapOvr>
+    <a:masterClrMapping/>
+  </p:clrMapOvr>
+</p:notes>
+</file>
+
+<file path=ppt/notesSlides/notesSlide13.xml><?xml version="1.0" encoding="utf-8"?>
 <p:notes xmlns:a="http://schemas.openxmlformats.org/drawingml/2006/main" xmlns:r="http://schemas.openxmlformats.org/officeDocument/2006/relationships" xmlns:p="http://schemas.openxmlformats.org/presentationml/2006/main">
   <p:cSld>
     <p:spTree>
@@ -1860,7 +2075,7 @@
             <a:fld id="{8E40BA57-46E3-4466-90A1-75266991A688}" type="datetimeFigureOut">
               <a:rPr lang="en-US" smtClean="0"/>
               <a:pPr/>
-              <a:t>1/17/2016</a:t>
+              <a:t>1/18/2016</a:t>
             </a:fld>
             <a:endParaRPr lang="en-US"/>
           </a:p>
@@ -2027,7 +2242,7 @@
             <a:fld id="{8E40BA57-46E3-4466-90A1-75266991A688}" type="datetimeFigureOut">
               <a:rPr lang="en-US" smtClean="0"/>
               <a:pPr/>
-              <a:t>1/17/2016</a:t>
+              <a:t>1/18/2016</a:t>
             </a:fld>
             <a:endParaRPr lang="en-US"/>
           </a:p>
@@ -2204,7 +2419,7 @@
             <a:fld id="{8E40BA57-46E3-4466-90A1-75266991A688}" type="datetimeFigureOut">
               <a:rPr lang="en-US" smtClean="0"/>
               <a:pPr/>
-              <a:t>1/17/2016</a:t>
+              <a:t>1/18/2016</a:t>
             </a:fld>
             <a:endParaRPr lang="en-US"/>
           </a:p>
@@ -2371,7 +2586,7 @@
             <a:fld id="{8E40BA57-46E3-4466-90A1-75266991A688}" type="datetimeFigureOut">
               <a:rPr lang="en-US" smtClean="0"/>
               <a:pPr/>
-              <a:t>1/17/2016</a:t>
+              <a:t>1/18/2016</a:t>
             </a:fld>
             <a:endParaRPr lang="en-US"/>
           </a:p>
@@ -2614,7 +2829,7 @@
             <a:fld id="{8E40BA57-46E3-4466-90A1-75266991A688}" type="datetimeFigureOut">
               <a:rPr lang="en-US" smtClean="0"/>
               <a:pPr/>
-              <a:t>1/17/2016</a:t>
+              <a:t>1/18/2016</a:t>
             </a:fld>
             <a:endParaRPr lang="en-US"/>
           </a:p>
@@ -2899,7 +3114,7 @@
             <a:fld id="{8E40BA57-46E3-4466-90A1-75266991A688}" type="datetimeFigureOut">
               <a:rPr lang="en-US" smtClean="0"/>
               <a:pPr/>
-              <a:t>1/17/2016</a:t>
+              <a:t>1/18/2016</a:t>
             </a:fld>
             <a:endParaRPr lang="en-US"/>
           </a:p>
@@ -3318,7 +3533,7 @@
             <a:fld id="{8E40BA57-46E3-4466-90A1-75266991A688}" type="datetimeFigureOut">
               <a:rPr lang="en-US" smtClean="0"/>
               <a:pPr/>
-              <a:t>1/17/2016</a:t>
+              <a:t>1/18/2016</a:t>
             </a:fld>
             <a:endParaRPr lang="en-US"/>
           </a:p>
@@ -3433,7 +3648,7 @@
             <a:fld id="{8E40BA57-46E3-4466-90A1-75266991A688}" type="datetimeFigureOut">
               <a:rPr lang="en-US" smtClean="0"/>
               <a:pPr/>
-              <a:t>1/17/2016</a:t>
+              <a:t>1/18/2016</a:t>
             </a:fld>
             <a:endParaRPr lang="en-US"/>
           </a:p>
@@ -3525,7 +3740,7 @@
             <a:fld id="{8E40BA57-46E3-4466-90A1-75266991A688}" type="datetimeFigureOut">
               <a:rPr lang="en-US" smtClean="0"/>
               <a:pPr/>
-              <a:t>1/17/2016</a:t>
+              <a:t>1/18/2016</a:t>
             </a:fld>
             <a:endParaRPr lang="en-US"/>
           </a:p>
@@ -3799,7 +4014,7 @@
             <a:fld id="{8E40BA57-46E3-4466-90A1-75266991A688}" type="datetimeFigureOut">
               <a:rPr lang="en-US" smtClean="0"/>
               <a:pPr/>
-              <a:t>1/17/2016</a:t>
+              <a:t>1/18/2016</a:t>
             </a:fld>
             <a:endParaRPr lang="en-US"/>
           </a:p>
@@ -4049,7 +4264,7 @@
             <a:fld id="{8E40BA57-46E3-4466-90A1-75266991A688}" type="datetimeFigureOut">
               <a:rPr lang="en-US" smtClean="0"/>
               <a:pPr/>
-              <a:t>1/17/2016</a:t>
+              <a:t>1/18/2016</a:t>
             </a:fld>
             <a:endParaRPr lang="en-US"/>
           </a:p>
@@ -4259,7 +4474,7 @@
             <a:fld id="{8E40BA57-46E3-4466-90A1-75266991A688}" type="datetimeFigureOut">
               <a:rPr lang="en-US" smtClean="0"/>
               <a:pPr/>
-              <a:t>1/17/2016</a:t>
+              <a:t>1/18/2016</a:t>
             </a:fld>
             <a:endParaRPr lang="en-US"/>
           </a:p>
@@ -6294,28 +6509,43 @@
           <a:p>
             <a:r>
               <a:rPr lang="en-US" dirty="0" smtClean="0"/>
-              <a:t>High level concepts</a:t>
-            </a:r>
-          </a:p>
-          <a:p>
+              <a:t>Part 1</a:t>
+            </a:r>
+          </a:p>
+          <a:p>
+            <a:pPr lvl="1"/>
+            <a:r>
+              <a:rPr lang="en-US" dirty="0" smtClean="0"/>
+              <a:t>High </a:t>
+            </a:r>
+            <a:r>
+              <a:rPr lang="en-US" dirty="0" smtClean="0"/>
+              <a:t>level concepts</a:t>
+            </a:r>
+          </a:p>
+          <a:p>
+            <a:pPr lvl="1"/>
             <a:r>
               <a:rPr lang="en-US" dirty="0" smtClean="0"/>
               <a:t>Build lifecycle</a:t>
             </a:r>
           </a:p>
           <a:p>
+            <a:pPr lvl="1"/>
             <a:r>
               <a:rPr lang="en-US" dirty="0" smtClean="0"/>
               <a:t>Gradle scripts syntax</a:t>
             </a:r>
           </a:p>
           <a:p>
+            <a:pPr lvl="1"/>
             <a:r>
               <a:rPr lang="en-US" dirty="0" smtClean="0"/>
               <a:t>Variables, properties</a:t>
             </a:r>
           </a:p>
           <a:p>
+            <a:pPr lvl="1"/>
             <a:r>
               <a:rPr lang="en-US" dirty="0" smtClean="0"/>
               <a:t>Tasks</a:t>
@@ -6324,10 +6554,19 @@
           <a:p>
             <a:r>
               <a:rPr lang="en-US" dirty="0" smtClean="0"/>
+              <a:t>Part 2</a:t>
+            </a:r>
+          </a:p>
+          <a:p>
+            <a:pPr lvl="1"/>
+            <a:r>
+              <a:rPr lang="en-US" dirty="0" smtClean="0"/>
               <a:t>Plugins</a:t>
             </a:r>
-          </a:p>
-          <a:p>
+            <a:endParaRPr lang="en-US" dirty="0" smtClean="0"/>
+          </a:p>
+          <a:p>
+            <a:pPr lvl="1"/>
             <a:r>
               <a:rPr lang="en-US" dirty="0" err="1" smtClean="0"/>
               <a:t>Cli</a:t>
@@ -6338,6 +6577,7 @@
             </a:r>
           </a:p>
           <a:p>
+            <a:pPr lvl="1"/>
             <a:r>
               <a:rPr lang="en-US" dirty="0" smtClean="0"/>
               <a:t>Organizing build logic</a:t>
@@ -6345,18 +6585,21 @@
             <a:endParaRPr lang="pl-PL" dirty="0" smtClean="0"/>
           </a:p>
           <a:p>
+            <a:pPr lvl="1"/>
             <a:r>
               <a:rPr lang="pl-PL" dirty="0" smtClean="0"/>
               <a:t>Java plugin</a:t>
             </a:r>
           </a:p>
           <a:p>
+            <a:pPr lvl="1"/>
             <a:r>
               <a:rPr lang="en-US" dirty="0" smtClean="0"/>
               <a:t>Why Gradle</a:t>
             </a:r>
           </a:p>
           <a:p>
+            <a:pPr lvl="1"/>
             <a:r>
               <a:rPr lang="en-US" dirty="0" smtClean="0"/>
               <a:t>References</a:t>
@@ -6582,16 +6825,40 @@
           <a:p>
             <a:pPr lvl="1"/>
             <a:r>
+              <a:rPr lang="en-US" dirty="0" smtClean="0"/>
+              <a:t>./</a:t>
+            </a:r>
+            <a:r>
               <a:rPr lang="en-US" dirty="0" err="1" smtClean="0"/>
               <a:t>gradle</a:t>
             </a:r>
             <a:r>
               <a:rPr lang="en-US" dirty="0" smtClean="0"/>
-              <a:t> properties</a:t>
+              <a:t> </a:t>
+            </a:r>
+            <a:r>
+              <a:rPr lang="en-US" dirty="0" smtClean="0"/>
+              <a:t>properties</a:t>
             </a:r>
             <a:r>
               <a:rPr lang="pl-PL" dirty="0" smtClean="0"/>
-              <a:t> (property plugins)</a:t>
+              <a:t> (</a:t>
+            </a:r>
+            <a:r>
+              <a:rPr lang="pl-PL" dirty="0" smtClean="0"/>
+              <a:t>property</a:t>
+            </a:r>
+            <a:r>
+              <a:rPr lang="en-US" dirty="0" smtClean="0"/>
+              <a:t> key:</a:t>
+            </a:r>
+            <a:r>
+              <a:rPr lang="pl-PL" dirty="0" smtClean="0"/>
+              <a:t> </a:t>
+            </a:r>
+            <a:r>
+              <a:rPr lang="pl-PL" dirty="0" smtClean="0"/>
+              <a:t>plugins)</a:t>
             </a:r>
             <a:endParaRPr lang="en-US" dirty="0" smtClean="0"/>
           </a:p>
@@ -6713,8 +6980,13 @@
             </a:r>
             <a:r>
               <a:rPr lang="en-US" dirty="0" smtClean="0"/>
-              <a:t> help --task &lt;name&gt;</a:t>
-            </a:r>
+              <a:t> tasks </a:t>
+            </a:r>
+            <a:r>
+              <a:rPr lang="en-US" dirty="0" smtClean="0"/>
+              <a:t>--all</a:t>
+            </a:r>
+            <a:endParaRPr lang="en-US" dirty="0" smtClean="0"/>
           </a:p>
           <a:p>
             <a:r>
@@ -6723,7 +6995,11 @@
             </a:r>
             <a:r>
               <a:rPr lang="en-US" dirty="0" smtClean="0"/>
-              <a:t> tasks --all</a:t>
+              <a:t> </a:t>
+            </a:r>
+            <a:r>
+              <a:rPr lang="en-US" dirty="0" smtClean="0"/>
+              <a:t>help --task &lt;name&gt;</a:t>
             </a:r>
           </a:p>
           <a:p>
@@ -6733,7 +7009,11 @@
             </a:r>
             <a:r>
               <a:rPr lang="en-US" dirty="0" smtClean="0"/>
-              <a:t> projects</a:t>
+              <a:t> </a:t>
+            </a:r>
+            <a:r>
+              <a:rPr lang="en-US" dirty="0" smtClean="0"/>
+              <a:t>projects</a:t>
             </a:r>
           </a:p>
           <a:p>
@@ -7208,14 +7488,26 @@
             <a:pPr lvl="1"/>
             <a:r>
               <a:rPr lang="pl-PL" b="1" dirty="0" smtClean="0"/>
-              <a:t>./gradle </a:t>
-            </a:r>
-            <a:r>
-              <a:rPr lang="pl-PL" dirty="0" smtClean="0"/>
-              <a:t>–D</a:t>
+              <a:t>./</a:t>
+            </a:r>
+            <a:r>
+              <a:rPr lang="pl-PL" b="1" dirty="0" err="1" smtClean="0"/>
+              <a:t>gradle</a:t>
             </a:r>
             <a:r>
               <a:rPr lang="pl-PL" b="1" dirty="0" smtClean="0"/>
+              <a:t> </a:t>
+            </a:r>
+            <a:r>
+              <a:rPr lang="en-US" b="1" dirty="0" smtClean="0"/>
+              <a:t>-</a:t>
+            </a:r>
+            <a:r>
+              <a:rPr lang="pl-PL" dirty="0" err="1" smtClean="0"/>
+              <a:t>D</a:t>
+            </a:r>
+            <a:r>
+              <a:rPr lang="pl-PL" b="1" dirty="0" err="1" smtClean="0"/>
               <a:t>org.gradle.jvmargs</a:t>
             </a:r>
             <a:r>
@@ -7289,6 +7581,13 @@
   <p:clrMapOvr>
     <a:masterClrMapping/>
   </p:clrMapOvr>
+  <p:timing>
+    <p:tnLst>
+      <p:par>
+        <p:cTn id="1" dur="indefinite" restart="never" nodeType="tmRoot"/>
+      </p:par>
+    </p:tnLst>
+  </p:timing>
 </p:sld>
 </file>
 
@@ -7824,7 +8123,7 @@
         <p:spPr/>
         <p:txBody>
           <a:bodyPr>
-            <a:normAutofit fontScale="92500" lnSpcReduction="20000"/>
+            <a:normAutofit fontScale="85000" lnSpcReduction="10000"/>
           </a:bodyPr>
           <a:lstStyle/>
           <a:p>
@@ -7893,11 +8192,7 @@
             </a:r>
             <a:r>
               <a:rPr lang="en-US" dirty="0" smtClean="0"/>
-              <a:t>files</a:t>
-            </a:r>
-            <a:r>
-              <a:rPr lang="en-US" dirty="0" smtClean="0"/>
-              <a:t>)</a:t>
+              <a:t>files)</a:t>
             </a:r>
           </a:p>
           <a:p>
@@ -7922,19 +8217,20 @@
               <a:rPr lang="en-US" dirty="0" smtClean="0">
                 <a:hlinkClick r:id="rId3"/>
               </a:rPr>
-              <a:t>http</a:t>
-            </a:r>
-            <a:r>
-              <a:rPr lang="en-US" dirty="0" smtClean="0">
-                <a:hlinkClick r:id="rId3"/>
-              </a:rPr>
-              <a:t>://www.gdub.rocks</a:t>
+              <a:t>http://www.gdub.rocks</a:t>
             </a:r>
             <a:r>
               <a:rPr lang="en-US" dirty="0" smtClean="0">
                 <a:hlinkClick r:id="rId3"/>
               </a:rPr>
               <a:t>/</a:t>
+            </a:r>
+            <a:endParaRPr lang="en-US" dirty="0" smtClean="0"/>
+          </a:p>
+          <a:p>
+            <a:r>
+              <a:rPr lang="en-US" dirty="0" smtClean="0"/>
+              <a:t>Ex 11</a:t>
             </a:r>
             <a:endParaRPr lang="en-US" dirty="0" smtClean="0"/>
           </a:p>

--- a/Introduction to Gradle.pptx
+++ b/Introduction to Gradle.pptx
@@ -5,7 +5,7 @@
     <p:sldMasterId id="2147483648" r:id="rId1"/>
   </p:sldMasterIdLst>
   <p:notesMasterIdLst>
-    <p:notesMasterId r:id="rId40"/>
+    <p:notesMasterId r:id="rId41"/>
   </p:notesMasterIdLst>
   <p:sldIdLst>
     <p:sldId id="256" r:id="rId2"/>
@@ -18,34 +18,35 @@
     <p:sldId id="266" r:id="rId9"/>
     <p:sldId id="269" r:id="rId10"/>
     <p:sldId id="271" r:id="rId11"/>
-    <p:sldId id="272" r:id="rId12"/>
-    <p:sldId id="274" r:id="rId13"/>
-    <p:sldId id="273" r:id="rId14"/>
-    <p:sldId id="277" r:id="rId15"/>
-    <p:sldId id="276" r:id="rId16"/>
-    <p:sldId id="279" r:id="rId17"/>
-    <p:sldId id="280" r:id="rId18"/>
-    <p:sldId id="281" r:id="rId19"/>
-    <p:sldId id="294" r:id="rId20"/>
-    <p:sldId id="283" r:id="rId21"/>
-    <p:sldId id="284" r:id="rId22"/>
-    <p:sldId id="287" r:id="rId23"/>
-    <p:sldId id="286" r:id="rId24"/>
-    <p:sldId id="288" r:id="rId25"/>
-    <p:sldId id="289" r:id="rId26"/>
-    <p:sldId id="290" r:id="rId27"/>
-    <p:sldId id="291" r:id="rId28"/>
-    <p:sldId id="282" r:id="rId29"/>
-    <p:sldId id="298" r:id="rId30"/>
-    <p:sldId id="299" r:id="rId31"/>
-    <p:sldId id="296" r:id="rId32"/>
-    <p:sldId id="297" r:id="rId33"/>
-    <p:sldId id="301" r:id="rId34"/>
-    <p:sldId id="292" r:id="rId35"/>
-    <p:sldId id="293" r:id="rId36"/>
-    <p:sldId id="259" r:id="rId37"/>
-    <p:sldId id="285" r:id="rId38"/>
-    <p:sldId id="258" r:id="rId39"/>
+    <p:sldId id="302" r:id="rId12"/>
+    <p:sldId id="303" r:id="rId13"/>
+    <p:sldId id="304" r:id="rId14"/>
+    <p:sldId id="273" r:id="rId15"/>
+    <p:sldId id="277" r:id="rId16"/>
+    <p:sldId id="276" r:id="rId17"/>
+    <p:sldId id="279" r:id="rId18"/>
+    <p:sldId id="280" r:id="rId19"/>
+    <p:sldId id="281" r:id="rId20"/>
+    <p:sldId id="294" r:id="rId21"/>
+    <p:sldId id="283" r:id="rId22"/>
+    <p:sldId id="284" r:id="rId23"/>
+    <p:sldId id="287" r:id="rId24"/>
+    <p:sldId id="286" r:id="rId25"/>
+    <p:sldId id="288" r:id="rId26"/>
+    <p:sldId id="289" r:id="rId27"/>
+    <p:sldId id="290" r:id="rId28"/>
+    <p:sldId id="291" r:id="rId29"/>
+    <p:sldId id="282" r:id="rId30"/>
+    <p:sldId id="298" r:id="rId31"/>
+    <p:sldId id="299" r:id="rId32"/>
+    <p:sldId id="296" r:id="rId33"/>
+    <p:sldId id="297" r:id="rId34"/>
+    <p:sldId id="301" r:id="rId35"/>
+    <p:sldId id="292" r:id="rId36"/>
+    <p:sldId id="293" r:id="rId37"/>
+    <p:sldId id="259" r:id="rId38"/>
+    <p:sldId id="285" r:id="rId39"/>
+    <p:sldId id="258" r:id="rId40"/>
   </p:sldIdLst>
   <p:sldSz cx="9144000" cy="6858000" type="screen4x3"/>
   <p:notesSz cx="6858000" cy="9144000"/>
@@ -230,7 +231,7 @@
             <a:fld id="{AA2A308B-6F90-4754-832D-E98F3D7923D8}" type="datetimeFigureOut">
               <a:rPr lang="en-US" smtClean="0"/>
               <a:pPr/>
-              <a:t>1/18/2016</a:t>
+              <a:t>4/17/2016</a:t>
             </a:fld>
             <a:endParaRPr lang="en-US"/>
           </a:p>
@@ -659,50 +660,30 @@
           </a:bodyPr>
           <a:lstStyle/>
           <a:p>
+            <a:pPr fontAlgn="ctr">
+              <a:buFont typeface="Arial" charset="0"/>
+              <a:buChar char="•"/>
+            </a:pPr>
+            <a:r>
+              <a:rPr lang="en-US" dirty="0" smtClean="0"/>
+              <a:t>apply by id (core </a:t>
+            </a:r>
             <a:r>
               <a:rPr lang="en-US" dirty="0" err="1" smtClean="0"/>
-              <a:t>Cli</a:t>
-            </a:r>
-            <a:r>
-              <a:rPr lang="en-US" baseline="0" dirty="0" smtClean="0"/>
-              <a:t> example based on Ex10</a:t>
-            </a:r>
-          </a:p>
-          <a:p>
-            <a:endParaRPr lang="en-US" dirty="0" smtClean="0"/>
-          </a:p>
-          <a:p>
-            <a:r>
-              <a:rPr lang="en-US" dirty="0" smtClean="0"/>
-              <a:t>https</a:t>
-            </a:r>
-            <a:r>
-              <a:rPr lang="en-US" dirty="0" smtClean="0"/>
-              <a:t>://docs.gradle.org/current/userguide/tutorial_gradle_command_line.html</a:t>
-            </a:r>
-            <a:endParaRPr lang="pl-PL" dirty="0" smtClean="0"/>
-          </a:p>
-          <a:p>
-            <a:endParaRPr lang="pl-PL" dirty="0" smtClean="0"/>
-          </a:p>
-          <a:p>
-            <a:r>
-              <a:rPr lang="pl-PL" dirty="0" smtClean="0"/>
-              <a:t>gradle --profile</a:t>
-            </a:r>
-          </a:p>
-          <a:p>
-            <a:r>
-              <a:rPr lang="pl-PL" dirty="0" smtClean="0"/>
-              <a:t>- generate</a:t>
-            </a:r>
-            <a:r>
-              <a:rPr lang="pl-PL" baseline="0" dirty="0" smtClean="0"/>
-              <a:t>s execution report</a:t>
-            </a:r>
-          </a:p>
-          <a:p>
-            <a:endParaRPr lang="en-US" dirty="0"/>
+              <a:t>plugins</a:t>
+            </a:r>
+            <a:r>
+              <a:rPr lang="en-US" dirty="0" smtClean="0"/>
+              <a:t> uses short name, community </a:t>
+            </a:r>
+            <a:r>
+              <a:rPr lang="en-US" dirty="0" err="1" smtClean="0"/>
+              <a:t>plugins</a:t>
+            </a:r>
+            <a:r>
+              <a:rPr lang="en-US" dirty="0" smtClean="0"/>
+              <a:t> should use fully qualified name)</a:t>
+            </a:r>
           </a:p>
         </p:txBody>
       </p:sp>
@@ -724,7 +705,7 @@
             <a:fld id="{A731FDFD-A218-4148-99B7-B51AF9CA9585}" type="slidenum">
               <a:rPr lang="en-US" smtClean="0"/>
               <a:pPr/>
-              <a:t>22</a:t>
+              <a:t>20</a:t>
             </a:fld>
             <a:endParaRPr lang="en-US"/>
           </a:p>
@@ -785,40 +766,45 @@
           <a:lstStyle/>
           <a:p>
             <a:r>
-              <a:rPr lang="en-US" dirty="0" smtClean="0"/>
-              <a:t>1. IDE</a:t>
+              <a:rPr lang="en-US" dirty="0" err="1" smtClean="0"/>
+              <a:t>Cli</a:t>
             </a:r>
             <a:r>
               <a:rPr lang="en-US" baseline="0" dirty="0" smtClean="0"/>
-              <a:t> </a:t>
-            </a:r>
-            <a:r>
-              <a:rPr lang="en-US" baseline="0" dirty="0" err="1" smtClean="0"/>
-              <a:t>dubug</a:t>
-            </a:r>
-            <a:endParaRPr lang="en-US" baseline="0" dirty="0" smtClean="0"/>
-          </a:p>
-          <a:p>
-            <a:r>
-              <a:rPr lang="en-US" baseline="0" dirty="0" smtClean="0"/>
-              <a:t>Ex10, </a:t>
-            </a:r>
-            <a:r>
-              <a:rPr lang="en-US" baseline="0" dirty="0" err="1" smtClean="0"/>
-              <a:t>JavaPlugin</a:t>
-            </a:r>
-            <a:r>
-              <a:rPr lang="en-US" baseline="0" dirty="0" smtClean="0"/>
-              <a:t> breakpoint, run </a:t>
-            </a:r>
-            <a:r>
-              <a:rPr lang="en-US" baseline="0" dirty="0" err="1" smtClean="0"/>
-              <a:t>build.gradle</a:t>
-            </a:r>
-            <a:endParaRPr lang="en-US" baseline="0" dirty="0" smtClean="0"/>
-          </a:p>
-          <a:p>
-            <a:endParaRPr lang="en-US" baseline="0" dirty="0" smtClean="0"/>
+              <a:t> example based on Ex10</a:t>
+            </a:r>
+          </a:p>
+          <a:p>
+            <a:endParaRPr lang="en-US" dirty="0" smtClean="0"/>
+          </a:p>
+          <a:p>
+            <a:r>
+              <a:rPr lang="en-US" dirty="0" smtClean="0"/>
+              <a:t>https://docs.gradle.org/current/userguide/tutorial_gradle_command_line.html</a:t>
+            </a:r>
+            <a:endParaRPr lang="pl-PL" dirty="0" smtClean="0"/>
+          </a:p>
+          <a:p>
+            <a:endParaRPr lang="pl-PL" dirty="0" smtClean="0"/>
+          </a:p>
+          <a:p>
+            <a:r>
+              <a:rPr lang="pl-PL" dirty="0" smtClean="0"/>
+              <a:t>gradle --profile</a:t>
+            </a:r>
+          </a:p>
+          <a:p>
+            <a:r>
+              <a:rPr lang="pl-PL" dirty="0" smtClean="0"/>
+              <a:t>- generate</a:t>
+            </a:r>
+            <a:r>
+              <a:rPr lang="pl-PL" baseline="0" dirty="0" smtClean="0"/>
+              <a:t>s execution report</a:t>
+            </a:r>
+          </a:p>
+          <a:p>
+            <a:endParaRPr lang="en-US" dirty="0"/>
           </a:p>
         </p:txBody>
       </p:sp>
@@ -840,7 +826,7 @@
             <a:fld id="{A731FDFD-A218-4148-99B7-B51AF9CA9585}" type="slidenum">
               <a:rPr lang="en-US" smtClean="0"/>
               <a:pPr/>
-              <a:t>24</a:t>
+              <a:t>23</a:t>
             </a:fld>
             <a:endParaRPr lang="en-US"/>
           </a:p>
@@ -900,7 +886,41 @@
           </a:bodyPr>
           <a:lstStyle/>
           <a:p>
-            <a:endParaRPr lang="en-US"/>
+            <a:r>
+              <a:rPr lang="en-US" dirty="0" smtClean="0"/>
+              <a:t>1. IDE</a:t>
+            </a:r>
+            <a:r>
+              <a:rPr lang="en-US" baseline="0" dirty="0" smtClean="0"/>
+              <a:t> </a:t>
+            </a:r>
+            <a:r>
+              <a:rPr lang="en-US" baseline="0" dirty="0" err="1" smtClean="0"/>
+              <a:t>dubug</a:t>
+            </a:r>
+            <a:endParaRPr lang="en-US" baseline="0" dirty="0" smtClean="0"/>
+          </a:p>
+          <a:p>
+            <a:r>
+              <a:rPr lang="en-US" baseline="0" dirty="0" smtClean="0"/>
+              <a:t>Ex10, </a:t>
+            </a:r>
+            <a:r>
+              <a:rPr lang="en-US" baseline="0" dirty="0" err="1" smtClean="0"/>
+              <a:t>JavaPlugin</a:t>
+            </a:r>
+            <a:r>
+              <a:rPr lang="en-US" baseline="0" dirty="0" smtClean="0"/>
+              <a:t> breakpoint, run </a:t>
+            </a:r>
+            <a:r>
+              <a:rPr lang="en-US" baseline="0" dirty="0" err="1" smtClean="0"/>
+              <a:t>build.gradle</a:t>
+            </a:r>
+            <a:endParaRPr lang="en-US" baseline="0" dirty="0" smtClean="0"/>
+          </a:p>
+          <a:p>
+            <a:endParaRPr lang="en-US" baseline="0" dirty="0" smtClean="0"/>
           </a:p>
         </p:txBody>
       </p:sp>
@@ -982,17 +1002,7 @@
           </a:bodyPr>
           <a:lstStyle/>
           <a:p>
-            <a:r>
-              <a:rPr lang="en-US" dirty="0" smtClean="0"/>
-              <a:t>http://technologyconversations.com/2014/06/18/build-tools/</a:t>
-            </a:r>
-          </a:p>
-          <a:p>
-            <a:r>
-              <a:rPr lang="en-US" dirty="0" smtClean="0"/>
-              <a:t>http://zeroturnaround.com/rebellabs/java-build-tools-part-2-a-decision-makers-comparison-of-maven-gradle-and-ant-ivy/</a:t>
-            </a:r>
-            <a:endParaRPr lang="en-US" dirty="0"/>
+            <a:endParaRPr lang="en-US"/>
           </a:p>
         </p:txBody>
       </p:sp>
@@ -1014,7 +1024,99 @@
             <a:fld id="{A731FDFD-A218-4148-99B7-B51AF9CA9585}" type="slidenum">
               <a:rPr lang="en-US" smtClean="0"/>
               <a:pPr/>
-              <a:t>34</a:t>
+              <a:t>26</a:t>
+            </a:fld>
+            <a:endParaRPr lang="en-US"/>
+          </a:p>
+        </p:txBody>
+      </p:sp>
+    </p:spTree>
+  </p:cSld>
+  <p:clrMapOvr>
+    <a:masterClrMapping/>
+  </p:clrMapOvr>
+</p:notes>
+</file>
+
+<file path=ppt/notesSlides/notesSlide14.xml><?xml version="1.0" encoding="utf-8"?>
+<p:notes xmlns:a="http://schemas.openxmlformats.org/drawingml/2006/main" xmlns:r="http://schemas.openxmlformats.org/officeDocument/2006/relationships" xmlns:p="http://schemas.openxmlformats.org/presentationml/2006/main">
+  <p:cSld>
+    <p:spTree>
+      <p:nvGrpSpPr>
+        <p:cNvPr id="1" name=""/>
+        <p:cNvGrpSpPr/>
+        <p:nvPr/>
+      </p:nvGrpSpPr>
+      <p:grpSpPr>
+        <a:xfrm>
+          <a:off x="0" y="0"/>
+          <a:ext cx="0" cy="0"/>
+          <a:chOff x="0" y="0"/>
+          <a:chExt cx="0" cy="0"/>
+        </a:xfrm>
+      </p:grpSpPr>
+      <p:sp>
+        <p:nvSpPr>
+          <p:cNvPr id="2" name="Slide Image Placeholder 1"/>
+          <p:cNvSpPr>
+            <a:spLocks noGrp="1" noRot="1" noChangeAspect="1"/>
+          </p:cNvSpPr>
+          <p:nvPr>
+            <p:ph type="sldImg"/>
+          </p:nvPr>
+        </p:nvSpPr>
+        <p:spPr/>
+      </p:sp>
+      <p:sp>
+        <p:nvSpPr>
+          <p:cNvPr id="3" name="Notes Placeholder 2"/>
+          <p:cNvSpPr>
+            <a:spLocks noGrp="1"/>
+          </p:cNvSpPr>
+          <p:nvPr>
+            <p:ph type="body" idx="1"/>
+          </p:nvPr>
+        </p:nvSpPr>
+        <p:spPr/>
+        <p:txBody>
+          <a:bodyPr>
+            <a:normAutofit/>
+          </a:bodyPr>
+          <a:lstStyle/>
+          <a:p>
+            <a:r>
+              <a:rPr lang="en-US" dirty="0" smtClean="0"/>
+              <a:t>http://technologyconversations.com/2014/06/18/build-tools/</a:t>
+            </a:r>
+          </a:p>
+          <a:p>
+            <a:r>
+              <a:rPr lang="en-US" dirty="0" smtClean="0"/>
+              <a:t>http://zeroturnaround.com/rebellabs/java-build-tools-part-2-a-decision-makers-comparison-of-maven-gradle-and-ant-ivy/</a:t>
+            </a:r>
+            <a:endParaRPr lang="en-US" dirty="0"/>
+          </a:p>
+        </p:txBody>
+      </p:sp>
+      <p:sp>
+        <p:nvSpPr>
+          <p:cNvPr id="4" name="Slide Number Placeholder 3"/>
+          <p:cNvSpPr>
+            <a:spLocks noGrp="1"/>
+          </p:cNvSpPr>
+          <p:nvPr>
+            <p:ph type="sldNum" sz="quarter" idx="10"/>
+          </p:nvPr>
+        </p:nvSpPr>
+        <p:spPr/>
+        <p:txBody>
+          <a:bodyPr/>
+          <a:lstStyle/>
+          <a:p>
+            <a:fld id="{A731FDFD-A218-4148-99B7-B51AF9CA9585}" type="slidenum">
+              <a:rPr lang="en-US" smtClean="0"/>
+              <a:pPr/>
+              <a:t>35</a:t>
             </a:fld>
             <a:endParaRPr lang="en-US"/>
           </a:p>
@@ -1237,8 +1339,71 @@
             </a:pPr>
             <a:r>
               <a:rPr lang="en-US" dirty="0" smtClean="0"/>
-              <a:t>https://docs.gradle.org/current/dsl/org.gradle.api.Project.html</a:t>
-            </a:r>
+              <a:t>https://</a:t>
+            </a:r>
+            <a:r>
+              <a:rPr lang="en-US" dirty="0" smtClean="0"/>
+              <a:t>docs.gradle.org/current/dsl/org.gradle.api.Project.html</a:t>
+            </a:r>
+          </a:p>
+          <a:p>
+            <a:pPr marL="0" marR="0" indent="0" algn="l" defTabSz="914400" rtl="0" eaLnBrk="1" fontAlgn="auto" latinLnBrk="0" hangingPunct="1">
+              <a:lnSpc>
+                <a:spcPct val="100000"/>
+              </a:lnSpc>
+              <a:spcBef>
+                <a:spcPts val="0"/>
+              </a:spcBef>
+              <a:spcAft>
+                <a:spcPts val="0"/>
+              </a:spcAft>
+              <a:buClrTx/>
+              <a:buSzTx/>
+              <a:buFontTx/>
+              <a:buNone/>
+              <a:tabLst/>
+              <a:defRPr/>
+            </a:pPr>
+            <a:endParaRPr lang="en-US" dirty="0" smtClean="0"/>
+          </a:p>
+          <a:p>
+            <a:pPr marL="0" marR="0" indent="0" algn="l" defTabSz="914400" rtl="0" eaLnBrk="1" fontAlgn="auto" latinLnBrk="0" hangingPunct="1">
+              <a:lnSpc>
+                <a:spcPct val="100000"/>
+              </a:lnSpc>
+              <a:spcBef>
+                <a:spcPts val="0"/>
+              </a:spcBef>
+              <a:spcAft>
+                <a:spcPts val="0"/>
+              </a:spcAft>
+              <a:buClrTx/>
+              <a:buSzTx/>
+              <a:buFontTx/>
+              <a:buNone/>
+              <a:tabLst/>
+              <a:defRPr/>
+            </a:pPr>
+            <a:r>
+              <a:rPr lang="en-US" dirty="0" smtClean="0"/>
+              <a:t>--configure-on-demand   Only relevant projects are configured in this build run. This means faster build for large multi-project builds. [incubating].</a:t>
+            </a:r>
+            <a:r>
+              <a:rPr lang="en-US" baseline="0" dirty="0" smtClean="0"/>
+              <a:t> </a:t>
+            </a:r>
+            <a:r>
+              <a:rPr lang="en-US" sz="1200" b="0" i="0" kern="1200" dirty="0" smtClean="0">
+                <a:solidFill>
+                  <a:schemeClr val="tx1"/>
+                </a:solidFill>
+                <a:latin typeface="+mn-lt"/>
+                <a:ea typeface="+mn-ea"/>
+                <a:cs typeface="+mn-cs"/>
+              </a:rPr>
+              <a:t>In the long term, this mode will become the default mode</a:t>
+            </a:r>
+            <a:endParaRPr lang="en-US" dirty="0" smtClean="0"/>
           </a:p>
           <a:p>
             <a:pPr marL="0" marR="0" indent="0" algn="l" defTabSz="914400" rtl="0" eaLnBrk="1" fontAlgn="auto" latinLnBrk="0" hangingPunct="1">
@@ -1466,6 +1631,7 @@
               <a:rPr lang="en-US" dirty="0" smtClean="0"/>
               <a:t>http://www.groovy-lang.org/semantics.html</a:t>
             </a:r>
+            <a:endParaRPr lang="en-US" dirty="0" smtClean="0"/>
           </a:p>
           <a:p>
             <a:endParaRPr lang="en-US" dirty="0"/>
@@ -1586,6 +1752,9 @@
             </a:r>
             <a:endParaRPr lang="en-US" dirty="0" smtClean="0"/>
           </a:p>
+          <a:p>
+            <a:endParaRPr lang="pl-PL" dirty="0"/>
+          </a:p>
         </p:txBody>
       </p:sp>
       <p:sp>
@@ -1666,11 +1835,7 @@
           </a:bodyPr>
           <a:lstStyle/>
           <a:p>
-            <a:r>
-              <a:rPr lang="en-US" dirty="0" smtClean="0"/>
-              <a:t>https://docs.gradle.org/current/userguide/custom_tasks.html</a:t>
-            </a:r>
-            <a:endParaRPr lang="en-US" dirty="0"/>
+            <a:endParaRPr lang="pl-PL" dirty="0"/>
           </a:p>
         </p:txBody>
       </p:sp>
@@ -1692,7 +1857,7 @@
             <a:fld id="{A731FDFD-A218-4148-99B7-B51AF9CA9585}" type="slidenum">
               <a:rPr lang="en-US" smtClean="0"/>
               <a:pPr/>
-              <a:t>16</a:t>
+              <a:t>12</a:t>
             </a:fld>
             <a:endParaRPr lang="en-US"/>
           </a:p>
@@ -1752,6 +1917,10 @@
           </a:bodyPr>
           <a:lstStyle/>
           <a:p>
+            <a:r>
+              <a:rPr lang="en-US" dirty="0" smtClean="0"/>
+              <a:t>https://docs.gradle.org/current/userguide/custom_tasks.html</a:t>
+            </a:r>
             <a:endParaRPr lang="en-US" dirty="0"/>
           </a:p>
         </p:txBody>
@@ -1774,7 +1943,7 @@
             <a:fld id="{A731FDFD-A218-4148-99B7-B51AF9CA9585}" type="slidenum">
               <a:rPr lang="en-US" smtClean="0"/>
               <a:pPr/>
-              <a:t>18</a:t>
+              <a:t>17</a:t>
             </a:fld>
             <a:endParaRPr lang="en-US"/>
           </a:p>
@@ -1834,30 +2003,7 @@
           </a:bodyPr>
           <a:lstStyle/>
           <a:p>
-            <a:pPr fontAlgn="ctr">
-              <a:buFont typeface="Arial" charset="0"/>
-              <a:buChar char="•"/>
-            </a:pPr>
-            <a:r>
-              <a:rPr lang="en-US" dirty="0" smtClean="0"/>
-              <a:t>apply by id (core </a:t>
-            </a:r>
-            <a:r>
-              <a:rPr lang="en-US" dirty="0" err="1" smtClean="0"/>
-              <a:t>plugins</a:t>
-            </a:r>
-            <a:r>
-              <a:rPr lang="en-US" dirty="0" smtClean="0"/>
-              <a:t> uses short name, community </a:t>
-            </a:r>
-            <a:r>
-              <a:rPr lang="en-US" dirty="0" err="1" smtClean="0"/>
-              <a:t>plugins</a:t>
-            </a:r>
-            <a:r>
-              <a:rPr lang="en-US" dirty="0" smtClean="0"/>
-              <a:t> should use fully qualified name)</a:t>
-            </a:r>
+            <a:endParaRPr lang="en-US" dirty="0"/>
           </a:p>
         </p:txBody>
       </p:sp>
@@ -2075,7 +2221,7 @@
             <a:fld id="{8E40BA57-46E3-4466-90A1-75266991A688}" type="datetimeFigureOut">
               <a:rPr lang="en-US" smtClean="0"/>
               <a:pPr/>
-              <a:t>1/18/2016</a:t>
+              <a:t>4/17/2016</a:t>
             </a:fld>
             <a:endParaRPr lang="en-US"/>
           </a:p>
@@ -2242,7 +2388,7 @@
             <a:fld id="{8E40BA57-46E3-4466-90A1-75266991A688}" type="datetimeFigureOut">
               <a:rPr lang="en-US" smtClean="0"/>
               <a:pPr/>
-              <a:t>1/18/2016</a:t>
+              <a:t>4/17/2016</a:t>
             </a:fld>
             <a:endParaRPr lang="en-US"/>
           </a:p>
@@ -2419,7 +2565,7 @@
             <a:fld id="{8E40BA57-46E3-4466-90A1-75266991A688}" type="datetimeFigureOut">
               <a:rPr lang="en-US" smtClean="0"/>
               <a:pPr/>
-              <a:t>1/18/2016</a:t>
+              <a:t>4/17/2016</a:t>
             </a:fld>
             <a:endParaRPr lang="en-US"/>
           </a:p>
@@ -2586,7 +2732,7 @@
             <a:fld id="{8E40BA57-46E3-4466-90A1-75266991A688}" type="datetimeFigureOut">
               <a:rPr lang="en-US" smtClean="0"/>
               <a:pPr/>
-              <a:t>1/18/2016</a:t>
+              <a:t>4/17/2016</a:t>
             </a:fld>
             <a:endParaRPr lang="en-US"/>
           </a:p>
@@ -2829,7 +2975,7 @@
             <a:fld id="{8E40BA57-46E3-4466-90A1-75266991A688}" type="datetimeFigureOut">
               <a:rPr lang="en-US" smtClean="0"/>
               <a:pPr/>
-              <a:t>1/18/2016</a:t>
+              <a:t>4/17/2016</a:t>
             </a:fld>
             <a:endParaRPr lang="en-US"/>
           </a:p>
@@ -3114,7 +3260,7 @@
             <a:fld id="{8E40BA57-46E3-4466-90A1-75266991A688}" type="datetimeFigureOut">
               <a:rPr lang="en-US" smtClean="0"/>
               <a:pPr/>
-              <a:t>1/18/2016</a:t>
+              <a:t>4/17/2016</a:t>
             </a:fld>
             <a:endParaRPr lang="en-US"/>
           </a:p>
@@ -3533,7 +3679,7 @@
             <a:fld id="{8E40BA57-46E3-4466-90A1-75266991A688}" type="datetimeFigureOut">
               <a:rPr lang="en-US" smtClean="0"/>
               <a:pPr/>
-              <a:t>1/18/2016</a:t>
+              <a:t>4/17/2016</a:t>
             </a:fld>
             <a:endParaRPr lang="en-US"/>
           </a:p>
@@ -3648,7 +3794,7 @@
             <a:fld id="{8E40BA57-46E3-4466-90A1-75266991A688}" type="datetimeFigureOut">
               <a:rPr lang="en-US" smtClean="0"/>
               <a:pPr/>
-              <a:t>1/18/2016</a:t>
+              <a:t>4/17/2016</a:t>
             </a:fld>
             <a:endParaRPr lang="en-US"/>
           </a:p>
@@ -3740,7 +3886,7 @@
             <a:fld id="{8E40BA57-46E3-4466-90A1-75266991A688}" type="datetimeFigureOut">
               <a:rPr lang="en-US" smtClean="0"/>
               <a:pPr/>
-              <a:t>1/18/2016</a:t>
+              <a:t>4/17/2016</a:t>
             </a:fld>
             <a:endParaRPr lang="en-US"/>
           </a:p>
@@ -4014,7 +4160,7 @@
             <a:fld id="{8E40BA57-46E3-4466-90A1-75266991A688}" type="datetimeFigureOut">
               <a:rPr lang="en-US" smtClean="0"/>
               <a:pPr/>
-              <a:t>1/18/2016</a:t>
+              <a:t>4/17/2016</a:t>
             </a:fld>
             <a:endParaRPr lang="en-US"/>
           </a:p>
@@ -4264,7 +4410,7 @@
             <a:fld id="{8E40BA57-46E3-4466-90A1-75266991A688}" type="datetimeFigureOut">
               <a:rPr lang="en-US" smtClean="0"/>
               <a:pPr/>
-              <a:t>1/18/2016</a:t>
+              <a:t>4/17/2016</a:t>
             </a:fld>
             <a:endParaRPr lang="en-US"/>
           </a:p>
@@ -4474,7 +4620,7 @@
             <a:fld id="{8E40BA57-46E3-4466-90A1-75266991A688}" type="datetimeFigureOut">
               <a:rPr lang="en-US" smtClean="0"/>
               <a:pPr/>
-              <a:t>1/18/2016</a:t>
+              <a:t>4/17/2016</a:t>
             </a:fld>
             <a:endParaRPr lang="en-US"/>
           </a:p>
@@ -5194,9 +5340,9 @@
           <a:p>
             <a:r>
               <a:rPr lang="en-US" dirty="0" smtClean="0"/>
-              <a:t>Project properties</a:t>
-            </a:r>
-            <a:endParaRPr lang="en-US" dirty="0"/>
+              <a:t>Build properties</a:t>
+            </a:r>
+            <a:endParaRPr lang="pl-PL" dirty="0"/>
           </a:p>
         </p:txBody>
       </p:sp>
@@ -5210,123 +5356,147 @@
             <p:ph idx="1"/>
           </p:nvPr>
         </p:nvSpPr>
-        <p:spPr>
-          <a:xfrm>
-            <a:off x="457200" y="1600200"/>
-            <a:ext cx="8229600" cy="4757758"/>
-          </a:xfrm>
-        </p:spPr>
+        <p:spPr/>
         <p:txBody>
           <a:bodyPr>
-            <a:normAutofit fontScale="62500" lnSpcReduction="20000"/>
+            <a:normAutofit fontScale="92500" lnSpcReduction="20000"/>
           </a:bodyPr>
           <a:lstStyle/>
           <a:p>
             <a:r>
               <a:rPr lang="en-US" dirty="0" smtClean="0"/>
-              <a:t>$GRADLE_USER_HOME/</a:t>
-            </a:r>
-            <a:r>
-              <a:rPr lang="en-US" dirty="0" err="1" smtClean="0"/>
+              <a:t>Some properties</a:t>
+            </a:r>
+          </a:p>
+          <a:p>
+            <a:pPr lvl="1"/>
+            <a:r>
+              <a:rPr lang="pl-PL" dirty="0" smtClean="0"/>
+              <a:t>org.gradle.daemon</a:t>
+            </a:r>
+            <a:r>
+              <a:rPr lang="en-US" dirty="0" smtClean="0"/>
+              <a:t>=true</a:t>
+            </a:r>
+          </a:p>
+          <a:p>
+            <a:pPr lvl="1"/>
+            <a:r>
+              <a:rPr lang="pl-PL" dirty="0" smtClean="0"/>
+              <a:t>org.gradle.debug</a:t>
+            </a:r>
+            <a:r>
+              <a:rPr lang="en-US" dirty="0" smtClean="0"/>
+              <a:t>=true</a:t>
+            </a:r>
+          </a:p>
+          <a:p>
+            <a:pPr lvl="1"/>
+            <a:r>
+              <a:rPr lang="pl-PL" dirty="0" smtClean="0"/>
+              <a:t>org.gradle.jvmargs</a:t>
+            </a:r>
+            <a:r>
+              <a:rPr lang="en-US" dirty="0" smtClean="0"/>
+              <a:t>=…</a:t>
+            </a:r>
+          </a:p>
+          <a:p>
+            <a:r>
+              <a:rPr lang="en-US" dirty="0" smtClean="0"/>
+              <a:t>How to set</a:t>
+            </a:r>
+          </a:p>
+          <a:p>
+            <a:pPr lvl="1" fontAlgn="base"/>
+            <a:r>
+              <a:rPr lang="en-US" b="1" dirty="0" err="1" smtClean="0"/>
               <a:t>gradle.properties</a:t>
             </a:r>
             <a:r>
               <a:rPr lang="en-US" dirty="0" smtClean="0"/>
-              <a:t> or $USER_HOME/.</a:t>
+              <a:t> in </a:t>
+            </a:r>
+            <a:r>
+              <a:rPr lang="en-US" dirty="0" smtClean="0"/>
+              <a:t>project dir</a:t>
+            </a:r>
+            <a:endParaRPr lang="en-US" dirty="0" smtClean="0"/>
+          </a:p>
+          <a:p>
+            <a:pPr lvl="1" fontAlgn="base"/>
+            <a:r>
+              <a:rPr lang="en-US" b="1" dirty="0" err="1" smtClean="0"/>
+              <a:t>gradle.properties</a:t>
+            </a:r>
+            <a:r>
+              <a:rPr lang="en-US" dirty="0" smtClean="0"/>
+              <a:t> in $GRADLE_USER_HOME or in $USER_HOME/.</a:t>
             </a:r>
             <a:r>
               <a:rPr lang="en-US" dirty="0" err="1" smtClean="0"/>
               <a:t>gradle</a:t>
             </a:r>
-            <a:r>
-              <a:rPr lang="en-US" dirty="0" smtClean="0"/>
-              <a:t>/</a:t>
+            <a:endParaRPr lang="en-US" dirty="0" smtClean="0"/>
+          </a:p>
+          <a:p>
+            <a:pPr lvl="1" fontAlgn="base"/>
+            <a:r>
+              <a:rPr lang="en-US" dirty="0" smtClean="0"/>
+              <a:t>Command line, -</a:t>
             </a:r>
             <a:r>
               <a:rPr lang="en-US" dirty="0" err="1" smtClean="0"/>
-              <a:t>gradle.properties</a:t>
+              <a:t>D</a:t>
+            </a:r>
+            <a:r>
+              <a:rPr lang="en-US" b="1" dirty="0" err="1" smtClean="0"/>
+              <a:t>org.gradle</a:t>
+            </a:r>
+            <a:r>
+              <a:rPr lang="en-US" dirty="0" err="1" smtClean="0"/>
+              <a:t>.debug</a:t>
+            </a:r>
+            <a:r>
+              <a:rPr lang="en-US" dirty="0" smtClean="0"/>
+              <a:t>=true</a:t>
+            </a:r>
+          </a:p>
+          <a:p>
+            <a:pPr lvl="1" fontAlgn="base"/>
+            <a:r>
+              <a:rPr lang="pl-PL" b="1" dirty="0" smtClean="0"/>
+              <a:t>GRADLE_OPTS</a:t>
+            </a:r>
+            <a:r>
+              <a:rPr lang="pl-PL" dirty="0" smtClean="0"/>
+              <a:t> </a:t>
+            </a:r>
+            <a:r>
+              <a:rPr lang="pl-PL" dirty="0" smtClean="0"/>
+              <a:t>or </a:t>
+            </a:r>
+            <a:r>
+              <a:rPr lang="pl-PL" b="1" dirty="0" smtClean="0"/>
+              <a:t>JAVA_OPTS</a:t>
+            </a:r>
+            <a:endParaRPr lang="en-US" b="1" dirty="0" smtClean="0"/>
+          </a:p>
+          <a:p>
+            <a:pPr fontAlgn="base"/>
+            <a:r>
+              <a:rPr lang="en-US" dirty="0" smtClean="0"/>
+              <a:t>Ex4</a:t>
             </a:r>
             <a:endParaRPr lang="en-US" dirty="0" smtClean="0"/>
           </a:p>
           <a:p>
+            <a:pPr lvl="1"/>
             <a:endParaRPr lang="en-US" dirty="0" smtClean="0"/>
           </a:p>
           <a:p>
-            <a:r>
-              <a:rPr lang="en-US" dirty="0" smtClean="0"/>
-              <a:t>-P&lt;key&gt;=&lt;value&gt;</a:t>
-            </a:r>
-          </a:p>
-          <a:p>
-            <a:endParaRPr lang="en-US" dirty="0" smtClean="0"/>
-          </a:p>
-          <a:p>
-            <a:r>
-              <a:rPr lang="en-US" dirty="0" smtClean="0"/>
-              <a:t>-</a:t>
-            </a:r>
-            <a:r>
-              <a:rPr lang="en-US" dirty="0" err="1" smtClean="0"/>
-              <a:t>Dorg.gradle.project</a:t>
-            </a:r>
-            <a:r>
-              <a:rPr lang="en-US" dirty="0" smtClean="0"/>
-              <a:t>.&lt;key&gt;=&lt;value&gt;</a:t>
-            </a:r>
-          </a:p>
-          <a:p>
-            <a:endParaRPr lang="en-US" dirty="0" smtClean="0"/>
-          </a:p>
-          <a:p>
-            <a:r>
-              <a:rPr lang="en-US" dirty="0" smtClean="0"/>
-              <a:t>Environment variable  ORG_GRADLE_PROJECT_&lt;key&gt;=&lt;value&gt;</a:t>
-            </a:r>
-          </a:p>
-          <a:p>
-            <a:endParaRPr lang="en-US" dirty="0" smtClean="0"/>
-          </a:p>
-          <a:p>
-            <a:r>
-              <a:rPr lang="en-US" dirty="0" smtClean="0"/>
-              <a:t>&lt;project dir&gt;/</a:t>
-            </a:r>
-            <a:r>
-              <a:rPr lang="en-US" dirty="0" err="1" smtClean="0"/>
-              <a:t>gradle.propertie</a:t>
-            </a:r>
-            <a:endParaRPr lang="en-US" dirty="0" smtClean="0"/>
-          </a:p>
-          <a:p>
             <a:pPr lvl="1"/>
-            <a:r>
-              <a:rPr lang="en-US" dirty="0" smtClean="0"/>
-              <a:t>Supported by any sub-project dir</a:t>
-            </a:r>
-          </a:p>
-          <a:p>
-            <a:endParaRPr lang="en-US" dirty="0" smtClean="0"/>
-          </a:p>
-          <a:p>
-            <a:r>
-              <a:rPr lang="en-US" dirty="0" smtClean="0"/>
-              <a:t>Extra properties - &lt;object&gt;.ext.&lt;property&gt;	</a:t>
-            </a:r>
-          </a:p>
-          <a:p>
-            <a:pPr lvl="1"/>
-            <a:r>
-              <a:rPr lang="en-US" dirty="0" smtClean="0"/>
-              <a:t>Supported by Settings, Project, Task</a:t>
-            </a:r>
-          </a:p>
-          <a:p>
-            <a:pPr lvl="1"/>
-            <a:r>
-              <a:rPr lang="en-US" dirty="0" smtClean="0"/>
-              <a:t>Visible in sub-projects (but not from Settings)</a:t>
-            </a:r>
-            <a:endParaRPr lang="en-US" dirty="0"/>
+            <a:endParaRPr lang="pl-PL" dirty="0"/>
           </a:p>
         </p:txBody>
       </p:sp>
@@ -5335,13 +5505,6 @@
   <p:clrMapOvr>
     <a:masterClrMapping/>
   </p:clrMapOvr>
-  <p:timing>
-    <p:tnLst>
-      <p:par>
-        <p:cTn id="1" dur="indefinite" restart="never" nodeType="tmRoot"/>
-      </p:par>
-    </p:tnLst>
-  </p:timing>
 </p:sld>
 </file>
 
@@ -5381,7 +5544,7 @@
               <a:rPr lang="en-US" dirty="0" smtClean="0"/>
               <a:t>Project properties</a:t>
             </a:r>
-            <a:endParaRPr lang="en-US" dirty="0"/>
+            <a:endParaRPr lang="pl-PL" dirty="0"/>
           </a:p>
         </p:txBody>
       </p:sp>
@@ -5397,7 +5560,9 @@
         </p:nvSpPr>
         <p:spPr/>
         <p:txBody>
-          <a:bodyPr/>
+          <a:bodyPr>
+            <a:normAutofit/>
+          </a:bodyPr>
           <a:lstStyle/>
           <a:p>
             <a:r>
@@ -5419,14 +5584,46 @@
             </a:r>
             <a:r>
               <a:rPr lang="en-US" dirty="0" smtClean="0"/>
-              <a:t>(&lt;name&gt;) method to check existence</a:t>
-            </a:r>
-          </a:p>
-          <a:p>
-            <a:r>
-              <a:rPr lang="en-US" dirty="0" smtClean="0"/>
-              <a:t>Ex4</a:t>
-            </a:r>
+              <a:t>(&lt;name&gt;) method to check </a:t>
+            </a:r>
+            <a:r>
+              <a:rPr lang="en-US" dirty="0" smtClean="0"/>
+              <a:t>existence</a:t>
+            </a:r>
+          </a:p>
+          <a:p>
+            <a:r>
+              <a:rPr lang="en-US" dirty="0" smtClean="0"/>
+              <a:t>Visible in </a:t>
+            </a:r>
+            <a:r>
+              <a:rPr lang="en-US" dirty="0" smtClean="0"/>
+              <a:t>sub-projects</a:t>
+            </a:r>
+          </a:p>
+          <a:p>
+            <a:pPr lvl="1"/>
+            <a:r>
+              <a:rPr lang="en-US" dirty="0" smtClean="0"/>
+              <a:t>Use this feature to define e.g. versions in root project</a:t>
+            </a:r>
+          </a:p>
+          <a:p>
+            <a:pPr lvl="1">
+              <a:buNone/>
+            </a:pPr>
+            <a:endParaRPr lang="en-US" dirty="0" smtClean="0"/>
+          </a:p>
+          <a:p>
+            <a:pPr lvl="1"/>
+            <a:endParaRPr lang="en-US" dirty="0" smtClean="0"/>
+          </a:p>
+          <a:p>
+            <a:pPr lvl="1"/>
+            <a:endParaRPr lang="en-US" dirty="0" smtClean="0"/>
+          </a:p>
+          <a:p>
+            <a:endParaRPr lang="pl-PL" dirty="0"/>
           </a:p>
         </p:txBody>
       </p:sp>
@@ -5467,53 +5664,140 @@
         </p:nvSpPr>
         <p:spPr/>
         <p:txBody>
+          <a:bodyPr/>
+          <a:lstStyle/>
+          <a:p>
+            <a:r>
+              <a:rPr lang="en-US" dirty="0" smtClean="0"/>
+              <a:t>Project properties</a:t>
+            </a:r>
+            <a:endParaRPr lang="pl-PL" dirty="0"/>
+          </a:p>
+        </p:txBody>
+      </p:sp>
+      <p:sp>
+        <p:nvSpPr>
+          <p:cNvPr id="3" name="Content Placeholder 2"/>
+          <p:cNvSpPr>
+            <a:spLocks noGrp="1"/>
+          </p:cNvSpPr>
+          <p:nvPr>
+            <p:ph idx="1"/>
+          </p:nvPr>
+        </p:nvSpPr>
+        <p:spPr/>
+        <p:txBody>
           <a:bodyPr>
-            <a:normAutofit/>
+            <a:normAutofit fontScale="92500" lnSpcReduction="20000"/>
           </a:bodyPr>
           <a:lstStyle/>
           <a:p>
             <a:r>
               <a:rPr lang="en-US" dirty="0" smtClean="0"/>
-              <a:t>System properties</a:t>
-            </a:r>
-            <a:endParaRPr lang="en-US" dirty="0"/>
-          </a:p>
-        </p:txBody>
-      </p:sp>
-      <p:sp>
-        <p:nvSpPr>
-          <p:cNvPr id="3" name="Content Placeholder 2"/>
-          <p:cNvSpPr>
-            <a:spLocks noGrp="1"/>
-          </p:cNvSpPr>
-          <p:nvPr>
-            <p:ph idx="1"/>
-          </p:nvPr>
-        </p:nvSpPr>
-        <p:spPr/>
-        <p:txBody>
-          <a:bodyPr/>
-          <a:lstStyle/>
-          <a:p>
-            <a:r>
-              <a:rPr lang="en-US" dirty="0" smtClean="0"/>
-              <a:t>Could be set in </a:t>
+              <a:t>How to set</a:t>
+            </a:r>
+          </a:p>
+          <a:p>
+            <a:pPr lvl="1"/>
+            <a:r>
+              <a:rPr lang="en-US" b="1" dirty="0" err="1" smtClean="0"/>
+              <a:t>gradle.properties</a:t>
+            </a:r>
+            <a:r>
+              <a:rPr lang="en-US" dirty="0" smtClean="0"/>
+              <a:t> in project </a:t>
+            </a:r>
+            <a:r>
+              <a:rPr lang="en-US" dirty="0" smtClean="0"/>
+              <a:t>(sub-project) dir</a:t>
+            </a:r>
+            <a:endParaRPr lang="en-US" dirty="0" smtClean="0"/>
+          </a:p>
+          <a:p>
+            <a:pPr lvl="1"/>
+            <a:r>
+              <a:rPr lang="en-US" b="1" dirty="0" err="1" smtClean="0"/>
+              <a:t>gradle.properties</a:t>
+            </a:r>
+            <a:r>
+              <a:rPr lang="en-US" dirty="0" smtClean="0"/>
+              <a:t> in $GRADLE_USER_HOME or in $USER_HOME/.</a:t>
             </a:r>
             <a:r>
               <a:rPr lang="en-US" dirty="0" err="1" smtClean="0"/>
-              <a:t>gradle.properties</a:t>
-            </a:r>
-            <a:r>
-              <a:rPr lang="en-US" dirty="0" smtClean="0"/>
-              <a:t> file via </a:t>
-            </a:r>
-            <a:r>
-              <a:rPr lang="en-US" dirty="0" err="1" smtClean="0"/>
-              <a:t>systemProp</a:t>
-            </a:r>
-            <a:r>
-              <a:rPr lang="en-US" dirty="0" smtClean="0"/>
-              <a:t>.&lt;key&gt;=&lt;value&gt;</a:t>
+              <a:t>gradle</a:t>
+            </a:r>
+            <a:endParaRPr lang="en-US" dirty="0" smtClean="0"/>
+          </a:p>
+          <a:p>
+            <a:pPr lvl="1"/>
+            <a:r>
+              <a:rPr lang="en-US" dirty="0" smtClean="0"/>
+              <a:t>Command line</a:t>
+            </a:r>
+          </a:p>
+          <a:p>
+            <a:pPr lvl="2"/>
+            <a:r>
+              <a:rPr lang="en-US" b="1" dirty="0" smtClean="0"/>
+              <a:t>-P</a:t>
+            </a:r>
+            <a:r>
+              <a:rPr lang="en-US" dirty="0" smtClean="0"/>
+              <a:t>&lt;key&gt;=&lt;value</a:t>
+            </a:r>
+            <a:r>
+              <a:rPr lang="en-US" dirty="0" smtClean="0"/>
+              <a:t>&gt;</a:t>
+            </a:r>
+          </a:p>
+          <a:p>
+            <a:pPr lvl="2"/>
+            <a:r>
+              <a:rPr lang="en-US" b="1" dirty="0" smtClean="0"/>
+              <a:t>-</a:t>
+            </a:r>
+            <a:r>
+              <a:rPr lang="en-US" b="1" dirty="0" err="1" smtClean="0"/>
+              <a:t>Dorg.gradle.project</a:t>
+            </a:r>
+            <a:r>
+              <a:rPr lang="en-US" dirty="0" smtClean="0"/>
+              <a:t>.&lt;key&gt;=&lt;value</a:t>
+            </a:r>
+            <a:r>
+              <a:rPr lang="en-US" dirty="0" smtClean="0"/>
+              <a:t>&gt;</a:t>
+            </a:r>
+          </a:p>
+          <a:p>
+            <a:pPr lvl="1"/>
+            <a:r>
+              <a:rPr lang="en-US" dirty="0" smtClean="0"/>
+              <a:t>Environment </a:t>
+            </a:r>
+            <a:r>
+              <a:rPr lang="en-US" dirty="0" smtClean="0"/>
+              <a:t>variable </a:t>
+            </a:r>
+            <a:r>
+              <a:rPr lang="en-US" b="1" dirty="0" smtClean="0"/>
+              <a:t>ORG_GRADLE_PROJECT</a:t>
+            </a:r>
+            <a:r>
+              <a:rPr lang="en-US" dirty="0" smtClean="0"/>
+              <a:t>_&lt;key&gt;=&lt;value</a:t>
+            </a:r>
+            <a:r>
+              <a:rPr lang="en-US" dirty="0" smtClean="0"/>
+              <a:t>&gt;</a:t>
+            </a:r>
+          </a:p>
+          <a:p>
+            <a:pPr lvl="1"/>
+            <a:r>
+              <a:rPr lang="en-US" dirty="0" smtClean="0"/>
+              <a:t>Extra properties (supported also for Task)</a:t>
             </a:r>
           </a:p>
           <a:p>
@@ -5521,6 +5805,9 @@
               <a:rPr lang="en-US" dirty="0" smtClean="0"/>
               <a:t>Ex4</a:t>
             </a:r>
+          </a:p>
+          <a:p>
+            <a:endParaRPr lang="pl-PL" dirty="0"/>
           </a:p>
         </p:txBody>
       </p:sp>
@@ -5529,13 +5816,6 @@
   <p:clrMapOvr>
     <a:masterClrMapping/>
   </p:clrMapOvr>
-  <p:timing>
-    <p:tnLst>
-      <p:par>
-        <p:cTn id="1" dur="indefinite" restart="never" nodeType="tmRoot"/>
-      </p:par>
-    </p:tnLst>
-  </p:timing>
 </p:sld>
 </file>
 
@@ -5568,70 +5848,59 @@
         </p:nvSpPr>
         <p:spPr/>
         <p:txBody>
+          <a:bodyPr>
+            <a:normAutofit/>
+          </a:bodyPr>
+          <a:lstStyle/>
+          <a:p>
+            <a:r>
+              <a:rPr lang="en-US" dirty="0" smtClean="0"/>
+              <a:t>System properties</a:t>
+            </a:r>
+            <a:endParaRPr lang="en-US" dirty="0"/>
+          </a:p>
+        </p:txBody>
+      </p:sp>
+      <p:sp>
+        <p:nvSpPr>
+          <p:cNvPr id="3" name="Content Placeholder 2"/>
+          <p:cNvSpPr>
+            <a:spLocks noGrp="1"/>
+          </p:cNvSpPr>
+          <p:nvPr>
+            <p:ph idx="1"/>
+          </p:nvPr>
+        </p:nvSpPr>
+        <p:spPr/>
+        <p:txBody>
           <a:bodyPr/>
           <a:lstStyle/>
           <a:p>
             <a:r>
               <a:rPr lang="en-US" dirty="0" smtClean="0"/>
-              <a:t>Task – essentials</a:t>
-            </a:r>
-            <a:endParaRPr lang="en-US" dirty="0"/>
-          </a:p>
-        </p:txBody>
-      </p:sp>
-      <p:sp>
-        <p:nvSpPr>
-          <p:cNvPr id="5" name="Content Placeholder 4"/>
-          <p:cNvSpPr>
-            <a:spLocks noGrp="1"/>
-          </p:cNvSpPr>
-          <p:nvPr>
-            <p:ph idx="1"/>
-          </p:nvPr>
-        </p:nvSpPr>
-        <p:spPr/>
-        <p:txBody>
-          <a:bodyPr/>
-          <a:lstStyle/>
-          <a:p>
-            <a:r>
-              <a:rPr lang="en-US" dirty="0" smtClean="0"/>
-              <a:t>Has a name</a:t>
-            </a:r>
-          </a:p>
-          <a:p>
-            <a:r>
-              <a:rPr lang="en-US" dirty="0" smtClean="0"/>
-              <a:t>Made up of sequence of Actions</a:t>
-            </a:r>
-          </a:p>
-          <a:p>
-            <a:r>
-              <a:rPr lang="en-US" dirty="0" smtClean="0"/>
-              <a:t>Can depends on other Tasks</a:t>
-            </a:r>
-          </a:p>
-          <a:p>
-            <a:r>
-              <a:rPr lang="en-US" dirty="0" smtClean="0"/>
-              <a:t>Registered as project property</a:t>
-            </a:r>
-          </a:p>
-          <a:p>
-            <a:r>
-              <a:rPr lang="en-US" dirty="0" smtClean="0"/>
-              <a:t>Not inherited between projects</a:t>
-            </a:r>
-          </a:p>
-          <a:p>
-            <a:r>
-              <a:rPr lang="en-US" dirty="0" smtClean="0"/>
-              <a:t>Executed only once</a:t>
-            </a:r>
-          </a:p>
-          <a:p>
-            <a:pPr lvl="1"/>
-            <a:endParaRPr lang="en-US" dirty="0"/>
+              <a:t>Could be set in </a:t>
+            </a:r>
+            <a:r>
+              <a:rPr lang="en-US" dirty="0" err="1" smtClean="0"/>
+              <a:t>gradle.properties</a:t>
+            </a:r>
+            <a:r>
+              <a:rPr lang="en-US" dirty="0" smtClean="0"/>
+              <a:t> file via </a:t>
+            </a:r>
+            <a:r>
+              <a:rPr lang="en-US" dirty="0" err="1" smtClean="0"/>
+              <a:t>systemProp</a:t>
+            </a:r>
+            <a:r>
+              <a:rPr lang="en-US" dirty="0" smtClean="0"/>
+              <a:t>.&lt;key&gt;=&lt;value</a:t>
+            </a:r>
+            <a:r>
+              <a:rPr lang="en-US" dirty="0" smtClean="0"/>
+              <a:t>&gt;</a:t>
+            </a:r>
+            <a:endParaRPr lang="en-US" dirty="0" smtClean="0"/>
           </a:p>
         </p:txBody>
       </p:sp>
@@ -5640,6 +5909,13 @@
   <p:clrMapOvr>
     <a:masterClrMapping/>
   </p:clrMapOvr>
+  <p:timing>
+    <p:tnLst>
+      <p:par>
+        <p:cTn id="1" dur="indefinite" restart="never" nodeType="tmRoot"/>
+      </p:par>
+    </p:tnLst>
+  </p:timing>
 </p:sld>
 </file>
 
@@ -5685,7 +5961,7 @@
       </p:sp>
       <p:sp>
         <p:nvSpPr>
-          <p:cNvPr id="3" name="Content Placeholder 2"/>
+          <p:cNvPr id="5" name="Content Placeholder 4"/>
           <p:cNvSpPr>
             <a:spLocks noGrp="1"/>
           </p:cNvSpPr>
@@ -5695,54 +5971,42 @@
         </p:nvSpPr>
         <p:spPr/>
         <p:txBody>
-          <a:bodyPr>
-            <a:normAutofit/>
-          </a:bodyPr>
-          <a:lstStyle/>
-          <a:p>
-            <a:r>
-              <a:rPr lang="en-US" dirty="0" smtClean="0"/>
-              <a:t>Creation</a:t>
-            </a:r>
-          </a:p>
-          <a:p>
-            <a:pPr lvl="1"/>
-            <a:r>
-              <a:rPr lang="en-US" dirty="0" smtClean="0"/>
-              <a:t>Project creates Task</a:t>
-            </a:r>
-          </a:p>
-          <a:p>
-            <a:pPr lvl="1"/>
-            <a:r>
-              <a:rPr lang="en-US" dirty="0" smtClean="0"/>
-              <a:t>Task belongs only to one Project instance</a:t>
-            </a:r>
-          </a:p>
-          <a:p>
-            <a:pPr lvl="1"/>
-            <a:r>
-              <a:rPr lang="en-US" dirty="0" smtClean="0"/>
-              <a:t>Various methods to create Task</a:t>
-            </a:r>
-          </a:p>
-          <a:p>
-            <a:r>
-              <a:rPr lang="en-US" dirty="0" smtClean="0"/>
-              <a:t>Supports ext properties</a:t>
-            </a:r>
-          </a:p>
-          <a:p>
-            <a:r>
-              <a:rPr lang="en-US" dirty="0" err="1" smtClean="0"/>
-              <a:t>Project.defaultTasks</a:t>
-            </a:r>
-            <a:endParaRPr lang="en-US" dirty="0" smtClean="0"/>
-          </a:p>
-          <a:p>
-            <a:r>
-              <a:rPr lang="en-US" dirty="0" smtClean="0"/>
-              <a:t>Ex5</a:t>
+          <a:bodyPr/>
+          <a:lstStyle/>
+          <a:p>
+            <a:r>
+              <a:rPr lang="en-US" dirty="0" smtClean="0"/>
+              <a:t>Has a name</a:t>
+            </a:r>
+          </a:p>
+          <a:p>
+            <a:r>
+              <a:rPr lang="en-US" dirty="0" smtClean="0"/>
+              <a:t>Made up of sequence of Actions</a:t>
+            </a:r>
+          </a:p>
+          <a:p>
+            <a:r>
+              <a:rPr lang="en-US" dirty="0" smtClean="0"/>
+              <a:t>Can depends on other Tasks</a:t>
+            </a:r>
+          </a:p>
+          <a:p>
+            <a:r>
+              <a:rPr lang="en-US" dirty="0" smtClean="0"/>
+              <a:t>Registered as project property</a:t>
+            </a:r>
+          </a:p>
+          <a:p>
+            <a:r>
+              <a:rPr lang="en-US" dirty="0" smtClean="0"/>
+              <a:t>Not inherited between projects</a:t>
+            </a:r>
+          </a:p>
+          <a:p>
+            <a:r>
+              <a:rPr lang="en-US" dirty="0" smtClean="0"/>
+              <a:t>Executed only once</a:t>
             </a:r>
           </a:p>
           <a:p>
@@ -5793,7 +6057,7 @@
           <a:p>
             <a:r>
               <a:rPr lang="en-US" dirty="0" smtClean="0"/>
-              <a:t>Task – a bit more</a:t>
+              <a:t>Task – essentials</a:t>
             </a:r>
             <a:endParaRPr lang="en-US" dirty="0"/>
           </a:p>
@@ -5812,120 +6076,58 @@
         <p:spPr/>
         <p:txBody>
           <a:bodyPr>
-            <a:normAutofit fontScale="85000" lnSpcReduction="10000"/>
+            <a:normAutofit/>
           </a:bodyPr>
           <a:lstStyle/>
           <a:p>
             <a:r>
               <a:rPr lang="en-US" dirty="0" smtClean="0"/>
-              <a:t>Custom task – Ex6</a:t>
-            </a:r>
-          </a:p>
-          <a:p>
-            <a:r>
-              <a:rPr lang="en-US" dirty="0" smtClean="0"/>
-              <a:t>Skipping tasks</a:t>
+              <a:t>Creation</a:t>
             </a:r>
           </a:p>
           <a:p>
             <a:pPr lvl="1"/>
             <a:r>
               <a:rPr lang="en-US" dirty="0" smtClean="0"/>
-              <a:t>Using predicate </a:t>
-            </a:r>
+              <a:t>Project creates Task</a:t>
+            </a:r>
+          </a:p>
+          <a:p>
+            <a:pPr lvl="1"/>
+            <a:r>
+              <a:rPr lang="en-US" dirty="0" smtClean="0"/>
+              <a:t>Task belongs only to one Project instance</a:t>
+            </a:r>
+          </a:p>
+          <a:p>
+            <a:pPr lvl="1"/>
+            <a:r>
+              <a:rPr lang="en-US" dirty="0" smtClean="0"/>
+              <a:t>Various methods to create Task</a:t>
+            </a:r>
+          </a:p>
+          <a:p>
+            <a:r>
+              <a:rPr lang="en-US" dirty="0" smtClean="0"/>
+              <a:t>Supports ext properties</a:t>
+            </a:r>
+          </a:p>
+          <a:p>
             <a:r>
               <a:rPr lang="en-US" dirty="0" err="1" smtClean="0"/>
-              <a:t>onlyIf</a:t>
+              <a:t>Project.defaultTasks</a:t>
             </a:r>
             <a:endParaRPr lang="en-US" dirty="0" smtClean="0"/>
           </a:p>
           <a:p>
+            <a:r>
+              <a:rPr lang="en-US" dirty="0" smtClean="0"/>
+              <a:t>Ex5</a:t>
+            </a:r>
+          </a:p>
+          <a:p>
             <a:pPr lvl="1"/>
-            <a:r>
-              <a:rPr lang="en-US" dirty="0" smtClean="0"/>
-              <a:t>Throw </a:t>
-            </a:r>
-            <a:r>
-              <a:rPr lang="en-US" dirty="0" err="1" smtClean="0"/>
-              <a:t>StopExecutionException</a:t>
-            </a:r>
-            <a:endParaRPr lang="en-US" dirty="0" smtClean="0"/>
-          </a:p>
-          <a:p>
-            <a:pPr lvl="1"/>
-            <a:r>
-              <a:rPr lang="en-US" dirty="0" smtClean="0"/>
-              <a:t>Enabling and disabling tasks &lt;task&gt;.enabled = false</a:t>
-            </a:r>
-          </a:p>
-          <a:p>
-            <a:r>
-              <a:rPr lang="en-US" dirty="0" smtClean="0"/>
-              <a:t>Skipping tasks that are up-to-date – Ex7</a:t>
-            </a:r>
-          </a:p>
-          <a:p>
-            <a:pPr lvl="1"/>
-            <a:r>
-              <a:rPr lang="en-US" dirty="0" smtClean="0"/>
-              <a:t>Define </a:t>
-            </a:r>
-            <a:r>
-              <a:rPr lang="en-US" dirty="0" err="1" smtClean="0"/>
-              <a:t>TaskInputs</a:t>
-            </a:r>
-            <a:r>
-              <a:rPr lang="en-US" dirty="0" smtClean="0"/>
-              <a:t>/</a:t>
-            </a:r>
-            <a:r>
-              <a:rPr lang="en-US" dirty="0" err="1" smtClean="0"/>
-              <a:t>TaskOutputs</a:t>
-            </a:r>
-            <a:endParaRPr lang="en-US" dirty="0" smtClean="0"/>
-          </a:p>
-          <a:p>
-            <a:pPr lvl="1"/>
-            <a:r>
-              <a:rPr lang="en-US" dirty="0" err="1" smtClean="0"/>
-              <a:t>TaskOutputs.upToDateWhen</a:t>
-            </a:r>
-            <a:r>
-              <a:rPr lang="en-US" dirty="0" smtClean="0"/>
-              <a:t>() for not file oriented outputs</a:t>
-            </a:r>
-          </a:p>
-          <a:p>
-            <a:r>
-              <a:rPr lang="en-US" dirty="0" smtClean="0"/>
-              <a:t>Incremental task – incubating feature</a:t>
-            </a:r>
-          </a:p>
-          <a:p>
-            <a:pPr lvl="1"/>
-            <a:r>
-              <a:rPr lang="en-US" dirty="0" smtClean="0"/>
-              <a:t>@</a:t>
-            </a:r>
-            <a:r>
-              <a:rPr lang="en-US" dirty="0" err="1" smtClean="0"/>
-              <a:t>TaskAction</a:t>
-            </a:r>
-            <a:r>
-              <a:rPr lang="en-US" dirty="0" smtClean="0"/>
-              <a:t> void execute(</a:t>
-            </a:r>
-            <a:r>
-              <a:rPr lang="en-US" dirty="0" err="1" smtClean="0"/>
-              <a:t>IncrementalTaskInputs</a:t>
-            </a:r>
-            <a:r>
-              <a:rPr lang="en-US" dirty="0" smtClean="0"/>
-              <a:t> inputs) {}</a:t>
-            </a:r>
-          </a:p>
-          <a:p>
-            <a:endParaRPr lang="en-US" dirty="0" smtClean="0"/>
+            <a:endParaRPr lang="en-US" dirty="0"/>
           </a:p>
         </p:txBody>
       </p:sp>
@@ -5989,37 +6191,76 @@
         </p:nvSpPr>
         <p:spPr/>
         <p:txBody>
-          <a:bodyPr/>
-          <a:lstStyle/>
-          <a:p>
-            <a:r>
-              <a:rPr lang="en-US" dirty="0" smtClean="0"/>
-              <a:t>Task rules and options – Ex8</a:t>
-            </a:r>
-          </a:p>
-          <a:p>
+          <a:bodyPr>
+            <a:normAutofit fontScale="85000" lnSpcReduction="10000"/>
+          </a:bodyPr>
+          <a:lstStyle/>
+          <a:p>
+            <a:r>
+              <a:rPr lang="en-US" dirty="0" smtClean="0"/>
+              <a:t>Custom task – Ex6</a:t>
+            </a:r>
+          </a:p>
+          <a:p>
+            <a:r>
+              <a:rPr lang="en-US" dirty="0" smtClean="0"/>
+              <a:t>Skipping tasks</a:t>
+            </a:r>
+          </a:p>
+          <a:p>
+            <a:pPr lvl="1"/>
+            <a:r>
+              <a:rPr lang="en-US" dirty="0" smtClean="0"/>
+              <a:t>Using predicate </a:t>
+            </a:r>
             <a:r>
               <a:rPr lang="en-US" dirty="0" err="1" smtClean="0"/>
-              <a:t>Finalizer</a:t>
-            </a:r>
-            <a:r>
-              <a:rPr lang="en-US" dirty="0" smtClean="0"/>
-              <a:t> tasks</a:t>
-            </a:r>
+              <a:t>onlyIf</a:t>
+            </a:r>
+            <a:endParaRPr lang="en-US" dirty="0" smtClean="0"/>
           </a:p>
           <a:p>
             <a:pPr lvl="1"/>
             <a:r>
+              <a:rPr lang="en-US" dirty="0" smtClean="0"/>
+              <a:t>Throw </a:t>
+            </a:r>
+            <a:r>
               <a:rPr lang="en-US" dirty="0" err="1" smtClean="0"/>
-              <a:t>taskX.finalizedBy</a:t>
-            </a:r>
-            <a:r>
-              <a:rPr lang="en-US" dirty="0" smtClean="0"/>
-              <a:t> </a:t>
+              <a:t>StopExecutionException</a:t>
+            </a:r>
+            <a:endParaRPr lang="en-US" dirty="0" smtClean="0"/>
+          </a:p>
+          <a:p>
+            <a:pPr lvl="1"/>
+            <a:r>
+              <a:rPr lang="en-US" dirty="0" smtClean="0"/>
+              <a:t>Enabling and disabling tasks &lt;task&gt;.enabled = false</a:t>
+            </a:r>
+          </a:p>
+          <a:p>
+            <a:r>
+              <a:rPr lang="en-US" dirty="0" smtClean="0"/>
+              <a:t>Skipping tasks that are up-to-date – Ex7</a:t>
+            </a:r>
+          </a:p>
+          <a:p>
+            <a:pPr lvl="1"/>
+            <a:r>
+              <a:rPr lang="en-US" dirty="0" smtClean="0"/>
+              <a:t>Define </a:t>
             </a:r>
             <a:r>
               <a:rPr lang="en-US" dirty="0" err="1" smtClean="0"/>
-              <a:t>taskY</a:t>
+              <a:t>TaskInputs</a:t>
+            </a:r>
+            <a:r>
+              <a:rPr lang="en-US" dirty="0" smtClean="0"/>
+              <a:t>/</a:t>
+            </a:r>
+            <a:r>
+              <a:rPr lang="en-US" dirty="0" err="1" smtClean="0"/>
+              <a:t>TaskOutputs</a:t>
             </a:r>
             <a:endParaRPr lang="en-US" dirty="0" smtClean="0"/>
           </a:p>
@@ -6027,12 +6268,44 @@
             <a:pPr lvl="1"/>
             <a:r>
               <a:rPr lang="en-US" dirty="0" err="1" smtClean="0"/>
-              <a:t>Finalizer</a:t>
-            </a:r>
-            <a:r>
-              <a:rPr lang="en-US" dirty="0" smtClean="0"/>
-              <a:t> tasks will be executed even if the finalized task fails</a:t>
-            </a:r>
+              <a:t>TaskOutputs.upToDateWhen</a:t>
+            </a:r>
+            <a:r>
+              <a:rPr lang="en-US" dirty="0" smtClean="0"/>
+              <a:t>() for not file oriented outputs</a:t>
+            </a:r>
+          </a:p>
+          <a:p>
+            <a:r>
+              <a:rPr lang="en-US" dirty="0" smtClean="0"/>
+              <a:t>Incremental task – incubating feature</a:t>
+            </a:r>
+          </a:p>
+          <a:p>
+            <a:pPr lvl="1"/>
+            <a:r>
+              <a:rPr lang="en-US" dirty="0" smtClean="0"/>
+              <a:t>@</a:t>
+            </a:r>
+            <a:r>
+              <a:rPr lang="en-US" dirty="0" err="1" smtClean="0"/>
+              <a:t>TaskAction</a:t>
+            </a:r>
+            <a:r>
+              <a:rPr lang="en-US" dirty="0" smtClean="0"/>
+              <a:t> void execute(</a:t>
+            </a:r>
+            <a:r>
+              <a:rPr lang="en-US" dirty="0" err="1" smtClean="0"/>
+              <a:t>IncrementalTaskInputs</a:t>
+            </a:r>
+            <a:r>
+              <a:rPr lang="en-US" dirty="0" smtClean="0"/>
+              <a:t> inputs) {}</a:t>
+            </a:r>
+          </a:p>
+          <a:p>
+            <a:endParaRPr lang="en-US" dirty="0" smtClean="0"/>
           </a:p>
         </p:txBody>
       </p:sp>
@@ -6078,7 +6351,7 @@
           <a:p>
             <a:r>
               <a:rPr lang="en-US" dirty="0" smtClean="0"/>
-              <a:t>Plugin</a:t>
+              <a:t>Task – a bit more</a:t>
             </a:r>
             <a:endParaRPr lang="en-US" dirty="0"/>
           </a:p>
@@ -6096,159 +6369,50 @@
         </p:nvSpPr>
         <p:spPr/>
         <p:txBody>
-          <a:bodyPr>
-            <a:normAutofit fontScale="92500" lnSpcReduction="20000"/>
-          </a:bodyPr>
-          <a:lstStyle/>
-          <a:p>
-            <a:r>
-              <a:rPr lang="en-US" dirty="0" smtClean="0"/>
-              <a:t>Extends project's capabilities</a:t>
+          <a:bodyPr/>
+          <a:lstStyle/>
+          <a:p>
+            <a:r>
+              <a:rPr lang="en-US" dirty="0" smtClean="0"/>
+              <a:t>Task rules and options – Ex8</a:t>
+            </a:r>
+          </a:p>
+          <a:p>
+            <a:r>
+              <a:rPr lang="en-US" dirty="0" err="1" smtClean="0"/>
+              <a:t>Finalizer</a:t>
+            </a:r>
+            <a:r>
+              <a:rPr lang="en-US" dirty="0" smtClean="0"/>
+              <a:t> tasks</a:t>
             </a:r>
           </a:p>
           <a:p>
             <a:pPr lvl="1"/>
             <a:r>
-              <a:rPr lang="en-US" b="1" dirty="0" smtClean="0"/>
-              <a:t>Creates</a:t>
-            </a:r>
-            <a:r>
-              <a:rPr lang="en-US" dirty="0" smtClean="0"/>
-              <a:t> new Tasks</a:t>
-            </a:r>
+              <a:rPr lang="en-US" dirty="0" err="1" smtClean="0"/>
+              <a:t>taskX.finalizedBy</a:t>
+            </a:r>
+            <a:r>
+              <a:rPr lang="en-US" dirty="0" smtClean="0"/>
+              <a:t> </a:t>
+            </a:r>
+            <a:r>
+              <a:rPr lang="en-US" dirty="0" err="1" smtClean="0"/>
+              <a:t>taskY</a:t>
+            </a:r>
+            <a:endParaRPr lang="en-US" dirty="0" smtClean="0"/>
           </a:p>
           <a:p>
             <a:pPr lvl="1"/>
             <a:r>
-              <a:rPr lang="en-US" b="1" dirty="0" smtClean="0"/>
-              <a:t>Configures</a:t>
-            </a:r>
-            <a:r>
-              <a:rPr lang="en-US" dirty="0" smtClean="0"/>
-              <a:t> Project</a:t>
-            </a:r>
-          </a:p>
-          <a:p>
-            <a:pPr lvl="1"/>
-            <a:r>
-              <a:rPr lang="en-US" b="1" dirty="0" smtClean="0"/>
-              <a:t>Adds</a:t>
-            </a:r>
-            <a:r>
-              <a:rPr lang="en-US" dirty="0" smtClean="0"/>
-              <a:t> new DSL to the Project</a:t>
-            </a:r>
-          </a:p>
-          <a:p>
-            <a:r>
-              <a:rPr lang="en-US" dirty="0" smtClean="0"/>
-              <a:t>Types</a:t>
-            </a:r>
-          </a:p>
-          <a:p>
-            <a:pPr lvl="1"/>
-            <a:r>
-              <a:rPr lang="en-US" b="1" dirty="0" smtClean="0"/>
-              <a:t>Script</a:t>
-            </a:r>
-            <a:r>
-              <a:rPr lang="en-US" dirty="0" smtClean="0"/>
-              <a:t>: apply from: </a:t>
-            </a:r>
-            <a:r>
-              <a:rPr lang="pl-PL" dirty="0" smtClean="0"/>
-              <a:t>‘</a:t>
-            </a:r>
-            <a:r>
               <a:rPr lang="en-US" dirty="0" err="1" smtClean="0"/>
-              <a:t>other.gradle</a:t>
-            </a:r>
-            <a:r>
-              <a:rPr lang="pl-PL" dirty="0" smtClean="0"/>
-              <a:t>’</a:t>
-            </a:r>
-            <a:endParaRPr lang="en-US" dirty="0" smtClean="0"/>
-          </a:p>
-          <a:p>
-            <a:pPr lvl="1"/>
-            <a:r>
-              <a:rPr lang="en-US" b="1" dirty="0" smtClean="0"/>
-              <a:t>Binary</a:t>
-            </a:r>
-            <a:r>
-              <a:rPr lang="en-US" dirty="0" smtClean="0"/>
-              <a:t>: apply plugin: </a:t>
-            </a:r>
-            <a:r>
-              <a:rPr lang="pl-PL" dirty="0" smtClean="0"/>
-              <a:t>‘</a:t>
-            </a:r>
-            <a:r>
-              <a:rPr lang="en-US" dirty="0" smtClean="0"/>
-              <a:t>java</a:t>
-            </a:r>
-            <a:r>
-              <a:rPr lang="pl-PL" dirty="0" smtClean="0"/>
-              <a:t>’</a:t>
-            </a:r>
-            <a:endParaRPr lang="en-US" dirty="0" smtClean="0"/>
-          </a:p>
-          <a:p>
-            <a:r>
-              <a:rPr lang="en-US" b="1" dirty="0" smtClean="0"/>
-              <a:t>Core</a:t>
-            </a:r>
-            <a:r>
-              <a:rPr lang="en-US" dirty="0" smtClean="0"/>
-              <a:t> and </a:t>
-            </a:r>
-            <a:r>
-              <a:rPr lang="en-US" b="1" dirty="0" smtClean="0"/>
-              <a:t>Custom</a:t>
-            </a:r>
-            <a:r>
-              <a:rPr lang="en-US" dirty="0" smtClean="0"/>
-              <a:t> </a:t>
-            </a:r>
-            <a:r>
-              <a:rPr lang="en-US" dirty="0" err="1" smtClean="0"/>
-              <a:t>plugins</a:t>
-            </a:r>
-            <a:endParaRPr lang="pl-PL" dirty="0" smtClean="0"/>
-          </a:p>
-          <a:p>
-            <a:pPr lvl="1"/>
-            <a:r>
-              <a:rPr lang="en-US" sz="2200" dirty="0" smtClean="0">
-                <a:hlinkClick r:id="rId3"/>
-              </a:rPr>
-              <a:t>https://docs.gradle.org/current/userguide/standard_plugins.html</a:t>
-            </a:r>
-            <a:r>
-              <a:rPr lang="pl-PL" sz="2200" dirty="0" smtClean="0"/>
-              <a:t> - core/standard plugins</a:t>
-            </a:r>
-          </a:p>
-          <a:p>
-            <a:pPr lvl="1"/>
-            <a:r>
-              <a:rPr lang="en-US" sz="2200" dirty="0" smtClean="0">
-                <a:hlinkClick r:id="rId4"/>
-              </a:rPr>
-              <a:t>https://plugins.gradle.org/</a:t>
-            </a:r>
-            <a:r>
-              <a:rPr lang="en-US" sz="2200" dirty="0" smtClean="0"/>
-              <a:t> - custom plugin portal</a:t>
-            </a:r>
-          </a:p>
-          <a:p>
-            <a:pPr lvl="1"/>
-            <a:endParaRPr lang="en-US" dirty="0" smtClean="0"/>
-          </a:p>
-          <a:p>
-            <a:pPr lvl="1"/>
-            <a:endParaRPr lang="en-US" dirty="0" smtClean="0"/>
+              <a:t>Finalizer</a:t>
+            </a:r>
+            <a:r>
+              <a:rPr lang="en-US" dirty="0" smtClean="0"/>
+              <a:t> tasks will be executed even if the finalized task fails</a:t>
+            </a:r>
           </a:p>
         </p:txBody>
       </p:sp>
@@ -6293,10 +6457,10 @@
           <a:lstStyle/>
           <a:p>
             <a:r>
-              <a:rPr lang="pl-PL" dirty="0" smtClean="0"/>
-              <a:t>Applying a binary plugin</a:t>
-            </a:r>
-            <a:endParaRPr lang="pl-PL" dirty="0"/>
+              <a:rPr lang="en-US" dirty="0" smtClean="0"/>
+              <a:t>Plugin</a:t>
+            </a:r>
+            <a:endParaRPr lang="en-US" dirty="0"/>
           </a:p>
         </p:txBody>
       </p:sp>
@@ -6312,47 +6476,72 @@
         </p:nvSpPr>
         <p:spPr/>
         <p:txBody>
-          <a:bodyPr/>
-          <a:lstStyle/>
-          <a:p>
-            <a:pPr fontAlgn="ctr">
-              <a:buFont typeface="Arial" charset="0"/>
-              <a:buChar char="•"/>
-            </a:pPr>
-            <a:r>
-              <a:rPr lang="en-US" dirty="0" smtClean="0"/>
-              <a:t>apply by</a:t>
-            </a:r>
-            <a:r>
-              <a:rPr lang="pl-PL" dirty="0" smtClean="0"/>
-              <a:t> id</a:t>
-            </a:r>
-            <a:endParaRPr lang="en-US" dirty="0" smtClean="0"/>
-          </a:p>
-          <a:p>
-            <a:pPr lvl="1" fontAlgn="ctr">
-              <a:buFont typeface="Arial" charset="0"/>
-              <a:buChar char="•"/>
-            </a:pPr>
-            <a:r>
-              <a:rPr lang="en-US" dirty="0" smtClean="0"/>
-              <a:t>apply </a:t>
-            </a:r>
-            <a:r>
-              <a:rPr lang="en-US" dirty="0" err="1" smtClean="0"/>
-              <a:t>plugin</a:t>
-            </a:r>
-            <a:r>
-              <a:rPr lang="en-US" dirty="0" smtClean="0"/>
-              <a:t>: </a:t>
+          <a:bodyPr>
+            <a:normAutofit fontScale="92500" lnSpcReduction="20000"/>
+          </a:bodyPr>
+          <a:lstStyle/>
+          <a:p>
+            <a:r>
+              <a:rPr lang="en-US" dirty="0" smtClean="0"/>
+              <a:t>Extends project's capabilities</a:t>
+            </a:r>
+          </a:p>
+          <a:p>
+            <a:pPr lvl="1"/>
+            <a:r>
+              <a:rPr lang="en-US" b="1" dirty="0" smtClean="0"/>
+              <a:t>Creates</a:t>
+            </a:r>
+            <a:r>
+              <a:rPr lang="en-US" dirty="0" smtClean="0"/>
+              <a:t> new Tasks</a:t>
+            </a:r>
+          </a:p>
+          <a:p>
+            <a:pPr lvl="1"/>
+            <a:r>
+              <a:rPr lang="en-US" b="1" dirty="0" smtClean="0"/>
+              <a:t>Configures</a:t>
+            </a:r>
+            <a:r>
+              <a:rPr lang="en-US" dirty="0" smtClean="0"/>
+              <a:t> Project</a:t>
+            </a:r>
+          </a:p>
+          <a:p>
+            <a:pPr lvl="1"/>
+            <a:r>
+              <a:rPr lang="en-US" b="1" dirty="0" smtClean="0"/>
+              <a:t>Adds</a:t>
+            </a:r>
+            <a:r>
+              <a:rPr lang="en-US" dirty="0" smtClean="0"/>
+              <a:t> new DSL to the Project</a:t>
+            </a:r>
+          </a:p>
+          <a:p>
+            <a:r>
+              <a:rPr lang="en-US" dirty="0" smtClean="0"/>
+              <a:t>Types</a:t>
+            </a:r>
+          </a:p>
+          <a:p>
+            <a:pPr lvl="1"/>
+            <a:r>
+              <a:rPr lang="en-US" b="1" dirty="0" smtClean="0"/>
+              <a:t>Script</a:t>
+            </a:r>
+            <a:r>
+              <a:rPr lang="en-US" dirty="0" smtClean="0"/>
+              <a:t>: apply from: </a:t>
             </a:r>
             <a:r>
               <a:rPr lang="pl-PL" dirty="0" smtClean="0"/>
               <a:t>‘</a:t>
             </a:r>
             <a:r>
-              <a:rPr lang="en-US" dirty="0" smtClean="0"/>
-              <a:t>java</a:t>
+              <a:rPr lang="en-US" dirty="0" err="1" smtClean="0"/>
+              <a:t>other.gradle</a:t>
             </a:r>
             <a:r>
               <a:rPr lang="pl-PL" dirty="0" smtClean="0"/>
@@ -6361,79 +6550,85 @@
             <a:endParaRPr lang="en-US" dirty="0" smtClean="0"/>
           </a:p>
           <a:p>
-            <a:pPr fontAlgn="ctr">
-              <a:buFont typeface="Arial" charset="0"/>
-              <a:buChar char="•"/>
-            </a:pPr>
-            <a:r>
-              <a:rPr lang="en-US" dirty="0" smtClean="0"/>
-              <a:t>apply by type (class name)</a:t>
-            </a:r>
-          </a:p>
-          <a:p>
-            <a:pPr lvl="1" fontAlgn="ctr">
-              <a:buFont typeface="Arial" charset="0"/>
-              <a:buChar char="•"/>
-            </a:pPr>
-            <a:r>
-              <a:rPr lang="en-US" dirty="0" smtClean="0"/>
-              <a:t>apply </a:t>
+            <a:pPr lvl="1"/>
+            <a:r>
+              <a:rPr lang="en-US" b="1" dirty="0" smtClean="0"/>
+              <a:t>Binary</a:t>
+            </a:r>
+            <a:r>
+              <a:rPr lang="en-US" dirty="0" smtClean="0"/>
+              <a:t>: apply plugin: </a:t>
+            </a:r>
+            <a:r>
+              <a:rPr lang="pl-PL" dirty="0" smtClean="0"/>
+              <a:t>‘</a:t>
+            </a:r>
+            <a:r>
+              <a:rPr lang="en-US" dirty="0" smtClean="0"/>
+              <a:t>java</a:t>
+            </a:r>
+            <a:r>
+              <a:rPr lang="pl-PL" dirty="0" smtClean="0"/>
+              <a:t>’</a:t>
+            </a:r>
+            <a:endParaRPr lang="en-US" dirty="0" smtClean="0"/>
+          </a:p>
+          <a:p>
+            <a:r>
+              <a:rPr lang="en-US" b="1" dirty="0" smtClean="0"/>
+              <a:t>Core</a:t>
+            </a:r>
+            <a:r>
+              <a:rPr lang="en-US" dirty="0" smtClean="0"/>
+              <a:t> and </a:t>
+            </a:r>
+            <a:r>
+              <a:rPr lang="en-US" b="1" dirty="0" smtClean="0"/>
+              <a:t>Custom</a:t>
+            </a:r>
+            <a:r>
+              <a:rPr lang="en-US" dirty="0" smtClean="0"/>
+              <a:t> </a:t>
             </a:r>
             <a:r>
               <a:rPr lang="en-US" dirty="0" err="1" smtClean="0"/>
-              <a:t>plugin</a:t>
-            </a:r>
-            <a:r>
-              <a:rPr lang="en-US" dirty="0" smtClean="0"/>
-              <a:t>: </a:t>
-            </a:r>
-            <a:r>
-              <a:rPr lang="en-US" dirty="0" err="1" smtClean="0"/>
-              <a:t>JavaPlugin</a:t>
+              <a:t>plugins</a:t>
             </a:r>
             <a:endParaRPr lang="pl-PL" dirty="0" smtClean="0"/>
           </a:p>
           <a:p>
-            <a:pPr fontAlgn="ctr">
-              <a:buFont typeface="Arial" charset="0"/>
-              <a:buChar char="•"/>
-            </a:pPr>
-            <a:r>
-              <a:rPr lang="pl-PL" dirty="0" smtClean="0"/>
-              <a:t>or via new DSL</a:t>
-            </a:r>
-          </a:p>
-          <a:p>
-            <a:pPr lvl="1" fontAlgn="ctr">
-              <a:buFont typeface="Arial" charset="0"/>
-              <a:buChar char="•"/>
-            </a:pPr>
-            <a:r>
-              <a:rPr lang="pl-PL" dirty="0" smtClean="0"/>
-              <a:t>plugins {</a:t>
-            </a:r>
-          </a:p>
-          <a:p>
-            <a:pPr lvl="2" fontAlgn="ctr">
-              <a:buNone/>
-            </a:pPr>
-            <a:r>
-              <a:rPr lang="pl-PL" dirty="0" smtClean="0"/>
-              <a:t>id ‘java’</a:t>
-            </a:r>
-          </a:p>
-          <a:p>
-            <a:pPr lvl="1" fontAlgn="ctr">
-              <a:buNone/>
-            </a:pPr>
-            <a:r>
-              <a:rPr lang="pl-PL" dirty="0" smtClean="0"/>
-              <a:t>	}</a:t>
-            </a:r>
+            <a:pPr lvl="1"/>
+            <a:r>
+              <a:rPr lang="en-US" sz="2200" dirty="0" smtClean="0">
+                <a:hlinkClick r:id="rId3"/>
+              </a:rPr>
+              <a:t>https://docs.gradle.org/current/userguide/standard_plugins.html</a:t>
+            </a:r>
+            <a:r>
+              <a:rPr lang="pl-PL" sz="2200" dirty="0" smtClean="0"/>
+              <a:t> - core/standard plugins</a:t>
+            </a:r>
+          </a:p>
+          <a:p>
+            <a:pPr lvl="1"/>
+            <a:r>
+              <a:rPr lang="en-US" sz="2200" dirty="0" smtClean="0">
+                <a:hlinkClick r:id="rId4"/>
+              </a:rPr>
+              <a:t>https://plugins.gradle.org/</a:t>
+            </a:r>
+            <a:r>
+              <a:rPr lang="en-US" sz="2200" dirty="0" smtClean="0"/>
+              <a:t> - custom plugin portal</a:t>
+            </a:r>
+          </a:p>
+          <a:p>
+            <a:pPr lvl="1"/>
             <a:endParaRPr lang="en-US" dirty="0" smtClean="0"/>
           </a:p>
           <a:p>
-            <a:endParaRPr lang="pl-PL" dirty="0"/>
+            <a:pPr lvl="1"/>
+            <a:endParaRPr lang="en-US" dirty="0" smtClean="0"/>
           </a:p>
         </p:txBody>
       </p:sp>
@@ -6516,11 +6711,7 @@
             <a:pPr lvl="1"/>
             <a:r>
               <a:rPr lang="en-US" dirty="0" smtClean="0"/>
-              <a:t>High </a:t>
-            </a:r>
-            <a:r>
-              <a:rPr lang="en-US" dirty="0" smtClean="0"/>
-              <a:t>level concepts</a:t>
+              <a:t>High level concepts</a:t>
             </a:r>
           </a:p>
           <a:p>
@@ -6563,7 +6754,6 @@
               <a:rPr lang="en-US" dirty="0" smtClean="0"/>
               <a:t>Plugins</a:t>
             </a:r>
-            <a:endParaRPr lang="en-US" dirty="0" smtClean="0"/>
           </a:p>
           <a:p>
             <a:pPr lvl="1"/>
@@ -6624,6 +6814,191 @@
 </file>
 
 <file path=ppt/slides/slide20.xml><?xml version="1.0" encoding="utf-8"?>
+<p:sld xmlns:a="http://schemas.openxmlformats.org/drawingml/2006/main" xmlns:r="http://schemas.openxmlformats.org/officeDocument/2006/relationships" xmlns:p="http://schemas.openxmlformats.org/presentationml/2006/main">
+  <p:cSld>
+    <p:spTree>
+      <p:nvGrpSpPr>
+        <p:cNvPr id="1" name=""/>
+        <p:cNvGrpSpPr/>
+        <p:nvPr/>
+      </p:nvGrpSpPr>
+      <p:grpSpPr>
+        <a:xfrm>
+          <a:off x="0" y="0"/>
+          <a:ext cx="0" cy="0"/>
+          <a:chOff x="0" y="0"/>
+          <a:chExt cx="0" cy="0"/>
+        </a:xfrm>
+      </p:grpSpPr>
+      <p:sp>
+        <p:nvSpPr>
+          <p:cNvPr id="2" name="Title 1"/>
+          <p:cNvSpPr>
+            <a:spLocks noGrp="1"/>
+          </p:cNvSpPr>
+          <p:nvPr>
+            <p:ph type="title"/>
+          </p:nvPr>
+        </p:nvSpPr>
+        <p:spPr/>
+        <p:txBody>
+          <a:bodyPr/>
+          <a:lstStyle/>
+          <a:p>
+            <a:r>
+              <a:rPr lang="pl-PL" dirty="0" smtClean="0"/>
+              <a:t>Applying a binary plugin</a:t>
+            </a:r>
+            <a:endParaRPr lang="pl-PL" dirty="0"/>
+          </a:p>
+        </p:txBody>
+      </p:sp>
+      <p:sp>
+        <p:nvSpPr>
+          <p:cNvPr id="3" name="Content Placeholder 2"/>
+          <p:cNvSpPr>
+            <a:spLocks noGrp="1"/>
+          </p:cNvSpPr>
+          <p:nvPr>
+            <p:ph idx="1"/>
+          </p:nvPr>
+        </p:nvSpPr>
+        <p:spPr/>
+        <p:txBody>
+          <a:bodyPr/>
+          <a:lstStyle/>
+          <a:p>
+            <a:pPr fontAlgn="ctr">
+              <a:buFont typeface="Arial" charset="0"/>
+              <a:buChar char="•"/>
+            </a:pPr>
+            <a:r>
+              <a:rPr lang="en-US" dirty="0" smtClean="0"/>
+              <a:t>apply by</a:t>
+            </a:r>
+            <a:r>
+              <a:rPr lang="pl-PL" dirty="0" smtClean="0"/>
+              <a:t> id</a:t>
+            </a:r>
+            <a:endParaRPr lang="en-US" dirty="0" smtClean="0"/>
+          </a:p>
+          <a:p>
+            <a:pPr lvl="1" fontAlgn="ctr">
+              <a:buFont typeface="Arial" charset="0"/>
+              <a:buChar char="•"/>
+            </a:pPr>
+            <a:r>
+              <a:rPr lang="en-US" dirty="0" smtClean="0"/>
+              <a:t>apply </a:t>
+            </a:r>
+            <a:r>
+              <a:rPr lang="en-US" dirty="0" err="1" smtClean="0"/>
+              <a:t>plugin</a:t>
+            </a:r>
+            <a:r>
+              <a:rPr lang="en-US" dirty="0" smtClean="0"/>
+              <a:t>: </a:t>
+            </a:r>
+            <a:r>
+              <a:rPr lang="pl-PL" dirty="0" smtClean="0"/>
+              <a:t>‘</a:t>
+            </a:r>
+            <a:r>
+              <a:rPr lang="en-US" dirty="0" smtClean="0"/>
+              <a:t>java</a:t>
+            </a:r>
+            <a:r>
+              <a:rPr lang="pl-PL" dirty="0" smtClean="0"/>
+              <a:t>’</a:t>
+            </a:r>
+            <a:endParaRPr lang="en-US" dirty="0" smtClean="0"/>
+          </a:p>
+          <a:p>
+            <a:pPr fontAlgn="ctr">
+              <a:buFont typeface="Arial" charset="0"/>
+              <a:buChar char="•"/>
+            </a:pPr>
+            <a:r>
+              <a:rPr lang="en-US" dirty="0" smtClean="0"/>
+              <a:t>apply by type (class name)</a:t>
+            </a:r>
+          </a:p>
+          <a:p>
+            <a:pPr lvl="1" fontAlgn="ctr">
+              <a:buFont typeface="Arial" charset="0"/>
+              <a:buChar char="•"/>
+            </a:pPr>
+            <a:r>
+              <a:rPr lang="en-US" dirty="0" smtClean="0"/>
+              <a:t>apply </a:t>
+            </a:r>
+            <a:r>
+              <a:rPr lang="en-US" dirty="0" err="1" smtClean="0"/>
+              <a:t>plugin</a:t>
+            </a:r>
+            <a:r>
+              <a:rPr lang="en-US" dirty="0" smtClean="0"/>
+              <a:t>: </a:t>
+            </a:r>
+            <a:r>
+              <a:rPr lang="en-US" dirty="0" err="1" smtClean="0"/>
+              <a:t>JavaPlugin</a:t>
+            </a:r>
+            <a:endParaRPr lang="pl-PL" dirty="0" smtClean="0"/>
+          </a:p>
+          <a:p>
+            <a:pPr fontAlgn="ctr">
+              <a:buFont typeface="Arial" charset="0"/>
+              <a:buChar char="•"/>
+            </a:pPr>
+            <a:r>
+              <a:rPr lang="pl-PL" dirty="0" smtClean="0"/>
+              <a:t>or via new DSL</a:t>
+            </a:r>
+          </a:p>
+          <a:p>
+            <a:pPr lvl="1" fontAlgn="ctr">
+              <a:buFont typeface="Arial" charset="0"/>
+              <a:buChar char="•"/>
+            </a:pPr>
+            <a:r>
+              <a:rPr lang="pl-PL" dirty="0" smtClean="0"/>
+              <a:t>plugins {</a:t>
+            </a:r>
+          </a:p>
+          <a:p>
+            <a:pPr lvl="2" fontAlgn="ctr">
+              <a:buNone/>
+            </a:pPr>
+            <a:r>
+              <a:rPr lang="pl-PL" dirty="0" smtClean="0"/>
+              <a:t>id ‘java’</a:t>
+            </a:r>
+          </a:p>
+          <a:p>
+            <a:pPr lvl="1" fontAlgn="ctr">
+              <a:buNone/>
+            </a:pPr>
+            <a:r>
+              <a:rPr lang="pl-PL" dirty="0" smtClean="0"/>
+              <a:t>	}</a:t>
+            </a:r>
+            <a:endParaRPr lang="en-US" dirty="0" smtClean="0"/>
+          </a:p>
+          <a:p>
+            <a:endParaRPr lang="pl-PL" dirty="0"/>
+          </a:p>
+        </p:txBody>
+      </p:sp>
+    </p:spTree>
+  </p:cSld>
+  <p:clrMapOvr>
+    <a:masterClrMapping/>
+  </p:clrMapOvr>
+</p:sld>
+</file>
+
+<file path=ppt/slides/slide21.xml><?xml version="1.0" encoding="utf-8"?>
 <p:sld xmlns:a="http://schemas.openxmlformats.org/drawingml/2006/main" xmlns:r="http://schemas.openxmlformats.org/officeDocument/2006/relationships" xmlns:p="http://schemas.openxmlformats.org/presentationml/2006/main">
   <p:cSld>
     <p:spTree>
@@ -6704,184 +7079,6 @@
 </p:sld>
 </file>
 
-<file path=ppt/slides/slide21.xml><?xml version="1.0" encoding="utf-8"?>
-<p:sld xmlns:a="http://schemas.openxmlformats.org/drawingml/2006/main" xmlns:r="http://schemas.openxmlformats.org/officeDocument/2006/relationships" xmlns:p="http://schemas.openxmlformats.org/presentationml/2006/main">
-  <p:cSld>
-    <p:spTree>
-      <p:nvGrpSpPr>
-        <p:cNvPr id="1" name=""/>
-        <p:cNvGrpSpPr/>
-        <p:nvPr/>
-      </p:nvGrpSpPr>
-      <p:grpSpPr>
-        <a:xfrm>
-          <a:off x="0" y="0"/>
-          <a:ext cx="0" cy="0"/>
-          <a:chOff x="0" y="0"/>
-          <a:chExt cx="0" cy="0"/>
-        </a:xfrm>
-      </p:grpSpPr>
-      <p:sp>
-        <p:nvSpPr>
-          <p:cNvPr id="2" name="Title 1"/>
-          <p:cNvSpPr>
-            <a:spLocks noGrp="1"/>
-          </p:cNvSpPr>
-          <p:nvPr>
-            <p:ph type="title"/>
-          </p:nvPr>
-        </p:nvSpPr>
-        <p:spPr/>
-        <p:txBody>
-          <a:bodyPr/>
-          <a:lstStyle/>
-          <a:p>
-            <a:r>
-              <a:rPr lang="en-US" dirty="0" smtClean="0"/>
-              <a:t>Custom plugin</a:t>
-            </a:r>
-            <a:endParaRPr lang="en-US" dirty="0"/>
-          </a:p>
-        </p:txBody>
-      </p:sp>
-      <p:sp>
-        <p:nvSpPr>
-          <p:cNvPr id="3" name="Content Placeholder 2"/>
-          <p:cNvSpPr>
-            <a:spLocks noGrp="1"/>
-          </p:cNvSpPr>
-          <p:nvPr>
-            <p:ph idx="1"/>
-          </p:nvPr>
-        </p:nvSpPr>
-        <p:spPr/>
-        <p:txBody>
-          <a:bodyPr/>
-          <a:lstStyle/>
-          <a:p>
-            <a:r>
-              <a:rPr lang="en-US" dirty="0" smtClean="0"/>
-              <a:t>Where to put plugin source code</a:t>
-            </a:r>
-          </a:p>
-          <a:p>
-            <a:pPr lvl="1"/>
-            <a:r>
-              <a:rPr lang="en-US" dirty="0" smtClean="0"/>
-              <a:t>build script</a:t>
-            </a:r>
-          </a:p>
-          <a:p>
-            <a:pPr lvl="1"/>
-            <a:r>
-              <a:rPr lang="en-US" dirty="0" err="1" smtClean="0"/>
-              <a:t>buildSrc</a:t>
-            </a:r>
-            <a:r>
-              <a:rPr lang="en-US" dirty="0" smtClean="0"/>
-              <a:t> project</a:t>
-            </a:r>
-          </a:p>
-          <a:p>
-            <a:pPr lvl="2"/>
-            <a:r>
-              <a:rPr lang="en-US" i="1" dirty="0" err="1" smtClean="0"/>
-              <a:t>rootProjectDir</a:t>
-            </a:r>
-            <a:r>
-              <a:rPr lang="en-US" dirty="0" smtClean="0"/>
-              <a:t>/</a:t>
-            </a:r>
-            <a:r>
-              <a:rPr lang="en-US" dirty="0" err="1" smtClean="0"/>
-              <a:t>buildSrc</a:t>
-            </a:r>
-            <a:r>
-              <a:rPr lang="en-US" dirty="0" smtClean="0"/>
-              <a:t>/</a:t>
-            </a:r>
-            <a:r>
-              <a:rPr lang="en-US" dirty="0" err="1" smtClean="0"/>
-              <a:t>src</a:t>
-            </a:r>
-            <a:r>
-              <a:rPr lang="en-US" dirty="0" smtClean="0"/>
-              <a:t>/main/groovy</a:t>
-            </a:r>
-          </a:p>
-          <a:p>
-            <a:pPr lvl="1"/>
-            <a:r>
-              <a:rPr lang="en-US" dirty="0" smtClean="0"/>
-              <a:t>standalone project</a:t>
-            </a:r>
-          </a:p>
-          <a:p>
-            <a:r>
-              <a:rPr lang="en-US" dirty="0" smtClean="0"/>
-              <a:t>Which plugins were applied?</a:t>
-            </a:r>
-          </a:p>
-          <a:p>
-            <a:pPr lvl="1"/>
-            <a:r>
-              <a:rPr lang="en-US" dirty="0" smtClean="0"/>
-              <a:t>./</a:t>
-            </a:r>
-            <a:r>
-              <a:rPr lang="en-US" dirty="0" err="1" smtClean="0"/>
-              <a:t>gradle</a:t>
-            </a:r>
-            <a:r>
-              <a:rPr lang="en-US" dirty="0" smtClean="0"/>
-              <a:t> </a:t>
-            </a:r>
-            <a:r>
-              <a:rPr lang="en-US" dirty="0" smtClean="0"/>
-              <a:t>properties</a:t>
-            </a:r>
-            <a:r>
-              <a:rPr lang="pl-PL" dirty="0" smtClean="0"/>
-              <a:t> (</a:t>
-            </a:r>
-            <a:r>
-              <a:rPr lang="pl-PL" dirty="0" smtClean="0"/>
-              <a:t>property</a:t>
-            </a:r>
-            <a:r>
-              <a:rPr lang="en-US" dirty="0" smtClean="0"/>
-              <a:t> key:</a:t>
-            </a:r>
-            <a:r>
-              <a:rPr lang="pl-PL" dirty="0" smtClean="0"/>
-              <a:t> </a:t>
-            </a:r>
-            <a:r>
-              <a:rPr lang="pl-PL" dirty="0" smtClean="0"/>
-              <a:t>plugins)</a:t>
-            </a:r>
-            <a:endParaRPr lang="en-US" dirty="0" smtClean="0"/>
-          </a:p>
-          <a:p>
-            <a:r>
-              <a:rPr lang="en-US" dirty="0" smtClean="0"/>
-              <a:t>Ex9</a:t>
-            </a:r>
-          </a:p>
-          <a:p>
-            <a:pPr lvl="1"/>
-            <a:endParaRPr lang="en-US" dirty="0"/>
-          </a:p>
-        </p:txBody>
-      </p:sp>
-    </p:spTree>
-  </p:cSld>
-  <p:clrMapOvr>
-    <a:masterClrMapping/>
-  </p:clrMapOvr>
-</p:sld>
-</file>
-
 <file path=ppt/slides/slide22.xml><?xml version="1.0" encoding="utf-8"?>
 <p:sld xmlns:a="http://schemas.openxmlformats.org/drawingml/2006/main" xmlns:r="http://schemas.openxmlformats.org/officeDocument/2006/relationships" xmlns:p="http://schemas.openxmlformats.org/presentationml/2006/main">
   <p:cSld>
@@ -6915,259 +7112,128 @@
           <a:lstStyle/>
           <a:p>
             <a:r>
+              <a:rPr lang="en-US" dirty="0" smtClean="0"/>
+              <a:t>Custom plugin</a:t>
+            </a:r>
+            <a:endParaRPr lang="en-US" dirty="0"/>
+          </a:p>
+        </p:txBody>
+      </p:sp>
+      <p:sp>
+        <p:nvSpPr>
+          <p:cNvPr id="3" name="Content Placeholder 2"/>
+          <p:cNvSpPr>
+            <a:spLocks noGrp="1"/>
+          </p:cNvSpPr>
+          <p:nvPr>
+            <p:ph idx="1"/>
+          </p:nvPr>
+        </p:nvSpPr>
+        <p:spPr/>
+        <p:txBody>
+          <a:bodyPr/>
+          <a:lstStyle/>
+          <a:p>
+            <a:r>
+              <a:rPr lang="en-US" dirty="0" smtClean="0"/>
+              <a:t>Where to put plugin source code</a:t>
+            </a:r>
+          </a:p>
+          <a:p>
+            <a:pPr lvl="1"/>
+            <a:r>
+              <a:rPr lang="en-US" dirty="0" smtClean="0"/>
+              <a:t>build script</a:t>
+            </a:r>
+          </a:p>
+          <a:p>
+            <a:pPr lvl="1"/>
+            <a:r>
               <a:rPr lang="en-US" dirty="0" err="1" smtClean="0"/>
-              <a:t>Cli</a:t>
-            </a:r>
-            <a:endParaRPr lang="en-US" dirty="0"/>
-          </a:p>
-        </p:txBody>
-      </p:sp>
-      <p:sp>
-        <p:nvSpPr>
-          <p:cNvPr id="3" name="Content Placeholder 2"/>
-          <p:cNvSpPr>
-            <a:spLocks noGrp="1"/>
-          </p:cNvSpPr>
-          <p:nvPr>
-            <p:ph idx="1"/>
-          </p:nvPr>
-        </p:nvSpPr>
-        <p:spPr>
-          <a:xfrm>
-            <a:off x="457200" y="1600200"/>
-            <a:ext cx="8229600" cy="4972072"/>
-          </a:xfrm>
-        </p:spPr>
-        <p:txBody>
-          <a:bodyPr>
-            <a:normAutofit fontScale="55000" lnSpcReduction="20000"/>
-          </a:bodyPr>
-          <a:lstStyle/>
-          <a:p>
+              <a:t>buildSrc</a:t>
+            </a:r>
+            <a:r>
+              <a:rPr lang="en-US" dirty="0" smtClean="0"/>
+              <a:t> project</a:t>
+            </a:r>
+          </a:p>
+          <a:p>
+            <a:pPr lvl="2"/>
+            <a:r>
+              <a:rPr lang="en-US" i="1" dirty="0" err="1" smtClean="0"/>
+              <a:t>rootProjectDir</a:t>
+            </a:r>
+            <a:r>
+              <a:rPr lang="en-US" dirty="0" smtClean="0"/>
+              <a:t>/</a:t>
+            </a:r>
+            <a:r>
+              <a:rPr lang="en-US" dirty="0" err="1" smtClean="0"/>
+              <a:t>buildSrc</a:t>
+            </a:r>
+            <a:r>
+              <a:rPr lang="en-US" dirty="0" smtClean="0"/>
+              <a:t>/</a:t>
+            </a:r>
+            <a:r>
+              <a:rPr lang="en-US" dirty="0" err="1" smtClean="0"/>
+              <a:t>src</a:t>
+            </a:r>
+            <a:r>
+              <a:rPr lang="en-US" dirty="0" smtClean="0"/>
+              <a:t>/main/groovy</a:t>
+            </a:r>
+          </a:p>
+          <a:p>
+            <a:pPr lvl="1"/>
+            <a:r>
+              <a:rPr lang="en-US" dirty="0" smtClean="0"/>
+              <a:t>standalone project</a:t>
+            </a:r>
+          </a:p>
+          <a:p>
+            <a:r>
+              <a:rPr lang="en-US" dirty="0" smtClean="0"/>
+              <a:t>Which plugins were applied?</a:t>
+            </a:r>
+          </a:p>
+          <a:p>
+            <a:pPr lvl="1"/>
+            <a:r>
+              <a:rPr lang="en-US" dirty="0" smtClean="0"/>
+              <a:t>./</a:t>
+            </a:r>
             <a:r>
               <a:rPr lang="en-US" dirty="0" err="1" smtClean="0"/>
               <a:t>gradle</a:t>
             </a:r>
             <a:r>
               <a:rPr lang="en-US" dirty="0" smtClean="0"/>
-              <a:t> [option...] [task...]</a:t>
-            </a:r>
-          </a:p>
-          <a:p>
-            <a:r>
-              <a:rPr lang="en-US" dirty="0" err="1" smtClean="0"/>
-              <a:t>gradle</a:t>
-            </a:r>
-            <a:r>
-              <a:rPr lang="en-US" dirty="0" smtClean="0"/>
-              <a:t> -h</a:t>
-            </a:r>
-          </a:p>
-          <a:p>
-            <a:r>
-              <a:rPr lang="en-US" dirty="0" err="1" smtClean="0"/>
-              <a:t>gradle</a:t>
-            </a:r>
-            <a:r>
-              <a:rPr lang="en-US" dirty="0" smtClean="0"/>
-              <a:t> help</a:t>
-            </a:r>
-          </a:p>
-          <a:p>
-            <a:r>
-              <a:rPr lang="en-US" dirty="0" err="1" smtClean="0"/>
-              <a:t>gradle</a:t>
-            </a:r>
-            <a:r>
-              <a:rPr lang="en-US" dirty="0" smtClean="0"/>
-              <a:t> tasks </a:t>
-            </a:r>
-            <a:r>
-              <a:rPr lang="en-US" dirty="0" smtClean="0"/>
-              <a:t>--all</a:t>
+              <a:t> properties</a:t>
+            </a:r>
+            <a:r>
+              <a:rPr lang="pl-PL" dirty="0" smtClean="0"/>
+              <a:t> (property</a:t>
+            </a:r>
+            <a:r>
+              <a:rPr lang="en-US" dirty="0" smtClean="0"/>
+              <a:t> key:</a:t>
+            </a:r>
+            <a:r>
+              <a:rPr lang="pl-PL" dirty="0" smtClean="0"/>
+              <a:t> plugins)</a:t>
             </a:r>
             <a:endParaRPr lang="en-US" dirty="0" smtClean="0"/>
           </a:p>
           <a:p>
             <a:r>
-              <a:rPr lang="en-US" dirty="0" err="1" smtClean="0"/>
-              <a:t>gradle</a:t>
-            </a:r>
-            <a:r>
-              <a:rPr lang="en-US" dirty="0" smtClean="0"/>
-              <a:t> </a:t>
-            </a:r>
-            <a:r>
-              <a:rPr lang="en-US" dirty="0" smtClean="0"/>
-              <a:t>help --task &lt;name&gt;</a:t>
-            </a:r>
-          </a:p>
-          <a:p>
-            <a:r>
-              <a:rPr lang="en-US" dirty="0" err="1" smtClean="0"/>
-              <a:t>gradle</a:t>
-            </a:r>
-            <a:r>
-              <a:rPr lang="en-US" dirty="0" smtClean="0"/>
-              <a:t> </a:t>
-            </a:r>
-            <a:r>
-              <a:rPr lang="en-US" dirty="0" smtClean="0"/>
-              <a:t>projects</a:t>
-            </a:r>
-          </a:p>
-          <a:p>
-            <a:r>
-              <a:rPr lang="en-US" dirty="0" err="1" smtClean="0"/>
-              <a:t>gradle</a:t>
-            </a:r>
-            <a:r>
-              <a:rPr lang="en-US" dirty="0" smtClean="0"/>
-              <a:t> properties</a:t>
-            </a:r>
-          </a:p>
-          <a:p>
-            <a:r>
-              <a:rPr lang="en-US" dirty="0" err="1" smtClean="0"/>
-              <a:t>gradle</a:t>
-            </a:r>
-            <a:r>
-              <a:rPr lang="en-US" dirty="0" smtClean="0"/>
-              <a:t> --info --debug --</a:t>
-            </a:r>
-            <a:r>
-              <a:rPr lang="en-US" dirty="0" err="1" smtClean="0"/>
-              <a:t>stacktrace</a:t>
-            </a:r>
-            <a:endParaRPr lang="en-US" dirty="0" smtClean="0"/>
-          </a:p>
-          <a:p>
-            <a:r>
-              <a:rPr lang="en-US" dirty="0" err="1" smtClean="0"/>
-              <a:t>gradle</a:t>
-            </a:r>
-            <a:r>
-              <a:rPr lang="en-US" dirty="0" smtClean="0"/>
-              <a:t> --profile</a:t>
-            </a:r>
-          </a:p>
-          <a:p>
-            <a:r>
-              <a:rPr lang="en-US" dirty="0" err="1" smtClean="0"/>
-              <a:t>gradle</a:t>
-            </a:r>
-            <a:r>
-              <a:rPr lang="en-US" dirty="0" smtClean="0"/>
-              <a:t> task1 </a:t>
-            </a:r>
-            <a:r>
-              <a:rPr lang="en-US" dirty="0" err="1" smtClean="0"/>
-              <a:t>task1</a:t>
-            </a:r>
-            <a:endParaRPr lang="en-US" dirty="0" smtClean="0"/>
+              <a:rPr lang="en-US" dirty="0" smtClean="0"/>
+              <a:t>Ex9</a:t>
+            </a:r>
           </a:p>
           <a:p>
             <a:pPr lvl="1"/>
-            <a:r>
-              <a:rPr lang="en-US" dirty="0" smtClean="0"/>
-              <a:t>task1 will be executed once</a:t>
-            </a:r>
-          </a:p>
-          <a:p>
-            <a:r>
-              <a:rPr lang="en-US" dirty="0" err="1" smtClean="0"/>
-              <a:t>gradle</a:t>
-            </a:r>
-            <a:r>
-              <a:rPr lang="en-US" dirty="0" smtClean="0"/>
-              <a:t> </a:t>
-            </a:r>
-            <a:r>
-              <a:rPr lang="en-US" dirty="0" err="1" smtClean="0"/>
-              <a:t>mT</a:t>
-            </a:r>
-            <a:r>
-              <a:rPr lang="en-US" dirty="0" smtClean="0"/>
-              <a:t> = </a:t>
-            </a:r>
-            <a:r>
-              <a:rPr lang="en-US" dirty="0" err="1" smtClean="0"/>
-              <a:t>gradle</a:t>
-            </a:r>
-            <a:r>
-              <a:rPr lang="en-US" dirty="0" smtClean="0"/>
-              <a:t> </a:t>
-            </a:r>
-            <a:r>
-              <a:rPr lang="en-US" dirty="0" err="1" smtClean="0"/>
-              <a:t>myTask</a:t>
-            </a:r>
-            <a:endParaRPr lang="en-US" dirty="0" smtClean="0"/>
-          </a:p>
-          <a:p>
-            <a:pPr lvl="1"/>
-            <a:r>
-              <a:rPr lang="pl-PL" dirty="0" smtClean="0"/>
-              <a:t>t</a:t>
-            </a:r>
-            <a:r>
-              <a:rPr lang="en-US" dirty="0" smtClean="0"/>
-              <a:t>ask name abbreviation</a:t>
-            </a:r>
-          </a:p>
-          <a:p>
-            <a:r>
-              <a:rPr lang="en-US" dirty="0" err="1" smtClean="0"/>
-              <a:t>gradle</a:t>
-            </a:r>
-            <a:r>
-              <a:rPr lang="en-US" dirty="0" smtClean="0"/>
-              <a:t> dist -x test</a:t>
-            </a:r>
-          </a:p>
-          <a:p>
-            <a:r>
-              <a:rPr lang="pl-PL" dirty="0" err="1" smtClean="0"/>
-              <a:t>g</a:t>
-            </a:r>
-            <a:r>
-              <a:rPr lang="en-US" dirty="0" err="1" smtClean="0"/>
-              <a:t>radle</a:t>
-            </a:r>
-            <a:r>
-              <a:rPr lang="pl-PL" dirty="0" smtClean="0"/>
-              <a:t> --</a:t>
-            </a:r>
-            <a:r>
-              <a:rPr lang="en-US" dirty="0" smtClean="0"/>
-              <a:t>continuous</a:t>
-            </a:r>
-            <a:endParaRPr lang="pl-PL" dirty="0" smtClean="0"/>
-          </a:p>
-          <a:p>
-            <a:r>
-              <a:rPr lang="pl-PL" dirty="0" smtClean="0"/>
-              <a:t>gradle </a:t>
-            </a:r>
-            <a:r>
-              <a:rPr lang="en-US" dirty="0" smtClean="0"/>
-              <a:t>--continue</a:t>
-            </a:r>
-          </a:p>
-          <a:p>
-            <a:r>
-              <a:rPr lang="en-US" dirty="0" err="1" smtClean="0"/>
-              <a:t>gradle</a:t>
-            </a:r>
-            <a:r>
-              <a:rPr lang="en-US" dirty="0" smtClean="0"/>
-              <a:t> --</a:t>
-            </a:r>
-            <a:r>
-              <a:rPr lang="en-US" dirty="0" err="1" smtClean="0"/>
-              <a:t>gui</a:t>
-            </a:r>
-            <a:endParaRPr lang="en-US" dirty="0" smtClean="0"/>
+            <a:endParaRPr lang="en-US" dirty="0"/>
           </a:p>
         </p:txBody>
       </p:sp>
@@ -7176,13 +7242,6 @@
   <p:clrMapOvr>
     <a:masterClrMapping/>
   </p:clrMapOvr>
-  <p:timing>
-    <p:tnLst>
-      <p:par>
-        <p:cTn id="1" dur="indefinite" restart="never" nodeType="tmRoot"/>
-      </p:par>
-    </p:tnLst>
-  </p:timing>
 </p:sld>
 </file>
 
@@ -7219,39 +7278,13 @@
           <a:lstStyle/>
           <a:p>
             <a:r>
-              <a:rPr lang="en-US" dirty="0" smtClean="0"/>
-              <a:t>Java processes</a:t>
+              <a:rPr lang="en-US" dirty="0" err="1" smtClean="0"/>
+              <a:t>Cli</a:t>
             </a:r>
             <a:endParaRPr lang="en-US" dirty="0"/>
           </a:p>
         </p:txBody>
       </p:sp>
-      <p:pic>
-        <p:nvPicPr>
-          <p:cNvPr id="4" name="Picture 2" descr="C:\Users\adaml\Desktop\gradle-processes.png"/>
-          <p:cNvPicPr>
-            <a:picLocks noChangeAspect="1" noChangeArrowheads="1"/>
-          </p:cNvPicPr>
-          <p:nvPr/>
-        </p:nvPicPr>
-        <p:blipFill>
-          <a:blip r:embed="rId2"/>
-          <a:srcRect/>
-          <a:stretch>
-            <a:fillRect/>
-          </a:stretch>
-        </p:blipFill>
-        <p:spPr bwMode="auto">
-          <a:xfrm>
-            <a:off x="163890" y="1309689"/>
-            <a:ext cx="8816221" cy="3190881"/>
-          </a:xfrm>
-          <a:prstGeom prst="rect">
-            <a:avLst/>
-          </a:prstGeom>
-          <a:noFill/>
-        </p:spPr>
-      </p:pic>
       <p:sp>
         <p:nvSpPr>
           <p:cNvPr id="3" name="Content Placeholder 2"/>
@@ -7264,132 +7297,226 @@
         </p:nvSpPr>
         <p:spPr>
           <a:xfrm>
-            <a:off x="285720" y="2857496"/>
-            <a:ext cx="6429420" cy="3500462"/>
+            <a:off x="457200" y="1600200"/>
+            <a:ext cx="8229600" cy="4972072"/>
           </a:xfrm>
         </p:spPr>
         <p:txBody>
           <a:bodyPr>
-            <a:normAutofit fontScale="77500" lnSpcReduction="20000"/>
+            <a:normAutofit fontScale="55000" lnSpcReduction="20000"/>
           </a:bodyPr>
           <a:lstStyle/>
           <a:p>
-            <a:r>
-              <a:rPr lang="en-US" b="1" dirty="0" err="1" smtClean="0"/>
-              <a:t>GradleMain</a:t>
-            </a:r>
-            <a:r>
-              <a:rPr lang="pl-PL" b="1" dirty="0" smtClean="0"/>
-              <a:t> or GradleWrapperMain</a:t>
-            </a:r>
-            <a:endParaRPr lang="en-US" b="1" dirty="0" smtClean="0"/>
-          </a:p>
-          <a:p>
-            <a:pPr lvl="1"/>
-            <a:r>
-              <a:rPr lang="en-US" dirty="0" smtClean="0"/>
-              <a:t>./</a:t>
-            </a:r>
             <a:r>
               <a:rPr lang="en-US" dirty="0" err="1" smtClean="0"/>
               <a:t>gradle</a:t>
             </a:r>
             <a:r>
+              <a:rPr lang="en-US" dirty="0" smtClean="0"/>
+              <a:t> [option...] [task...]</a:t>
+            </a:r>
+          </a:p>
+          <a:p>
+            <a:r>
+              <a:rPr lang="en-US" dirty="0" err="1" smtClean="0"/>
+              <a:t>gradle</a:t>
+            </a:r>
+            <a:r>
+              <a:rPr lang="en-US" dirty="0" smtClean="0"/>
+              <a:t> -h</a:t>
+            </a:r>
+          </a:p>
+          <a:p>
+            <a:r>
+              <a:rPr lang="en-US" dirty="0" err="1" smtClean="0"/>
+              <a:t>gradle</a:t>
+            </a:r>
+            <a:r>
+              <a:rPr lang="en-US" dirty="0" smtClean="0"/>
+              <a:t> help</a:t>
+            </a:r>
+          </a:p>
+          <a:p>
+            <a:r>
+              <a:rPr lang="en-US" dirty="0" err="1" smtClean="0"/>
+              <a:t>gradle</a:t>
+            </a:r>
+            <a:r>
+              <a:rPr lang="en-US" dirty="0" smtClean="0"/>
+              <a:t> tasks --all</a:t>
+            </a:r>
+          </a:p>
+          <a:p>
+            <a:r>
+              <a:rPr lang="en-US" dirty="0" err="1" smtClean="0"/>
+              <a:t>gradle</a:t>
+            </a:r>
+            <a:r>
+              <a:rPr lang="en-US" dirty="0" smtClean="0"/>
+              <a:t> help --task &lt;name&gt;</a:t>
+            </a:r>
+          </a:p>
+          <a:p>
+            <a:r>
+              <a:rPr lang="en-US" dirty="0" err="1" smtClean="0"/>
+              <a:t>gradle</a:t>
+            </a:r>
+            <a:r>
+              <a:rPr lang="en-US" dirty="0" smtClean="0"/>
+              <a:t> projects</a:t>
+            </a:r>
+          </a:p>
+          <a:p>
+            <a:r>
+              <a:rPr lang="en-US" dirty="0" err="1" smtClean="0"/>
+              <a:t>gradle</a:t>
+            </a:r>
+            <a:r>
+              <a:rPr lang="en-US" dirty="0" smtClean="0"/>
+              <a:t> properties</a:t>
+            </a:r>
+          </a:p>
+          <a:p>
+            <a:r>
+              <a:rPr lang="en-US" dirty="0" err="1" smtClean="0"/>
+              <a:t>gradle</a:t>
+            </a:r>
+            <a:r>
+              <a:rPr lang="en-US" dirty="0" smtClean="0"/>
+              <a:t> --info --debug --</a:t>
+            </a:r>
+            <a:r>
+              <a:rPr lang="en-US" dirty="0" err="1" smtClean="0"/>
+              <a:t>stacktrace</a:t>
+            </a:r>
+            <a:endParaRPr lang="en-US" dirty="0" smtClean="0"/>
+          </a:p>
+          <a:p>
+            <a:r>
+              <a:rPr lang="en-US" dirty="0" err="1" smtClean="0"/>
+              <a:t>gradle</a:t>
+            </a:r>
+            <a:r>
+              <a:rPr lang="en-US" dirty="0" smtClean="0"/>
+              <a:t> --profile</a:t>
+            </a:r>
+          </a:p>
+          <a:p>
+            <a:r>
+              <a:rPr lang="en-US" dirty="0" err="1" smtClean="0"/>
+              <a:t>gradle</a:t>
+            </a:r>
+            <a:r>
+              <a:rPr lang="en-US" dirty="0" smtClean="0"/>
+              <a:t> task1 </a:t>
+            </a:r>
+            <a:r>
+              <a:rPr lang="en-US" dirty="0" err="1" smtClean="0"/>
+              <a:t>task1</a:t>
+            </a:r>
+            <a:endParaRPr lang="en-US" dirty="0" smtClean="0"/>
+          </a:p>
+          <a:p>
+            <a:pPr lvl="1"/>
+            <a:r>
+              <a:rPr lang="en-US" dirty="0" smtClean="0"/>
+              <a:t>task1 will be executed once</a:t>
+            </a:r>
+          </a:p>
+          <a:p>
+            <a:r>
+              <a:rPr lang="en-US" dirty="0" err="1" smtClean="0"/>
+              <a:t>gradle</a:t>
+            </a:r>
+            <a:r>
+              <a:rPr lang="en-US" dirty="0" smtClean="0"/>
+              <a:t> </a:t>
+            </a:r>
+            <a:r>
+              <a:rPr lang="en-US" dirty="0" err="1" smtClean="0"/>
+              <a:t>mT</a:t>
+            </a:r>
+            <a:r>
+              <a:rPr lang="en-US" dirty="0" smtClean="0"/>
+              <a:t> = </a:t>
+            </a:r>
+            <a:r>
+              <a:rPr lang="en-US" dirty="0" err="1" smtClean="0"/>
+              <a:t>gradle</a:t>
+            </a:r>
+            <a:r>
+              <a:rPr lang="en-US" dirty="0" smtClean="0"/>
+              <a:t> </a:t>
+            </a:r>
+            <a:r>
+              <a:rPr lang="en-US" dirty="0" err="1" smtClean="0"/>
+              <a:t>myTask</a:t>
+            </a:r>
+            <a:endParaRPr lang="en-US" dirty="0" smtClean="0"/>
+          </a:p>
+          <a:p>
+            <a:pPr lvl="1"/>
+            <a:r>
               <a:rPr lang="pl-PL" dirty="0" smtClean="0"/>
-              <a:t>, ./gradlew </a:t>
-            </a:r>
-            <a:r>
-              <a:rPr lang="en-US" dirty="0" smtClean="0"/>
-              <a:t>– always 1 new </a:t>
-            </a:r>
+              <a:t>t</a:t>
+            </a:r>
+            <a:r>
+              <a:rPr lang="en-US" dirty="0" smtClean="0"/>
+              <a:t>ask name abbreviation</a:t>
+            </a:r>
+          </a:p>
+          <a:p>
             <a:r>
               <a:rPr lang="en-US" dirty="0" err="1" smtClean="0"/>
-              <a:t>jvm</a:t>
-            </a:r>
-            <a:r>
-              <a:rPr lang="en-US" dirty="0" smtClean="0"/>
-              <a:t> created</a:t>
-            </a:r>
-          </a:p>
-          <a:p>
-            <a:pPr lvl="1"/>
+              <a:t>gradle</a:t>
+            </a:r>
+            <a:r>
+              <a:rPr lang="en-US" dirty="0" smtClean="0"/>
+              <a:t> dist -x test</a:t>
+            </a:r>
+          </a:p>
+          <a:p>
+            <a:r>
+              <a:rPr lang="pl-PL" dirty="0" err="1" smtClean="0"/>
+              <a:t>g</a:t>
+            </a:r>
+            <a:r>
+              <a:rPr lang="en-US" dirty="0" err="1" smtClean="0"/>
+              <a:t>radle</a:t>
+            </a:r>
             <a:r>
               <a:rPr lang="pl-PL" dirty="0" smtClean="0"/>
-              <a:t>When </a:t>
-            </a:r>
+              <a:t> --</a:t>
+            </a:r>
+            <a:r>
+              <a:rPr lang="en-US" dirty="0" smtClean="0"/>
+              <a:t>continuous</a:t>
+            </a:r>
+            <a:endParaRPr lang="pl-PL" dirty="0" smtClean="0"/>
+          </a:p>
+          <a:p>
+            <a:r>
+              <a:rPr lang="pl-PL" dirty="0" smtClean="0"/>
+              <a:t>gradle </a:t>
+            </a:r>
+            <a:r>
+              <a:rPr lang="en-US" dirty="0" smtClean="0"/>
+              <a:t>--continue</a:t>
+            </a:r>
+          </a:p>
+          <a:p>
             <a:r>
               <a:rPr lang="en-US" dirty="0" err="1" smtClean="0"/>
-              <a:t>org.gradle.jvmargs</a:t>
-            </a:r>
-            <a:r>
-              <a:rPr lang="pl-PL" dirty="0" smtClean="0"/>
-              <a:t> is specified then </a:t>
-            </a:r>
-            <a:r>
-              <a:rPr lang="en-US" dirty="0" smtClean="0"/>
-              <a:t>2</a:t>
-            </a:r>
-            <a:r>
-              <a:rPr lang="en-US" baseline="30000" dirty="0" smtClean="0"/>
-              <a:t>nd</a:t>
-            </a:r>
-            <a:r>
-              <a:rPr lang="en-US" dirty="0" smtClean="0"/>
-              <a:t> </a:t>
+              <a:t>gradle</a:t>
+            </a:r>
+            <a:r>
+              <a:rPr lang="en-US" dirty="0" smtClean="0"/>
+              <a:t> --</a:t>
             </a:r>
             <a:r>
               <a:rPr lang="en-US" dirty="0" err="1" smtClean="0"/>
-              <a:t>jvm</a:t>
-            </a:r>
-            <a:r>
-              <a:rPr lang="pl-PL" dirty="0" smtClean="0"/>
-              <a:t> is created (GradleDaemon)</a:t>
-            </a:r>
-            <a:endParaRPr lang="en-US" dirty="0" smtClean="0"/>
-          </a:p>
-          <a:p>
-            <a:r>
-              <a:rPr lang="en-US" b="1" dirty="0" err="1" smtClean="0"/>
-              <a:t>GradleDaemon</a:t>
-            </a:r>
-            <a:endParaRPr lang="pl-PL" b="1" dirty="0" smtClean="0"/>
-          </a:p>
-          <a:p>
-            <a:r>
-              <a:rPr lang="en-US" b="1" dirty="0" err="1" smtClean="0"/>
-              <a:t>GradleWorkerMain</a:t>
-            </a:r>
-            <a:endParaRPr lang="en-US" b="1" dirty="0" smtClean="0"/>
-          </a:p>
-          <a:p>
-            <a:pPr lvl="1"/>
-            <a:r>
-              <a:rPr lang="en-US" dirty="0" smtClean="0"/>
-              <a:t>Each execution of test task creates new worker</a:t>
-            </a:r>
-          </a:p>
-          <a:p>
-            <a:pPr lvl="1"/>
-            <a:r>
-              <a:rPr lang="en-US" dirty="0" smtClean="0"/>
-              <a:t>--parallel option</a:t>
-            </a:r>
-          </a:p>
-          <a:p>
-            <a:pPr lvl="1"/>
-            <a:r>
-              <a:rPr lang="en-US" dirty="0" smtClean="0"/>
-              <a:t>max-workers = number of processors by default</a:t>
-            </a:r>
-          </a:p>
-          <a:p>
-            <a:endParaRPr lang="en-US" b="1" dirty="0" smtClean="0"/>
-          </a:p>
-          <a:p>
-            <a:endParaRPr lang="en-US" dirty="0" smtClean="0"/>
-          </a:p>
-          <a:p>
-            <a:pPr lvl="1"/>
+              <a:t>gui</a:t>
+            </a:r>
             <a:endParaRPr lang="en-US" dirty="0" smtClean="0"/>
           </a:p>
         </p:txBody>
@@ -7443,136 +7570,177 @@
           <a:p>
             <a:r>
               <a:rPr lang="en-US" dirty="0" smtClean="0"/>
-              <a:t>Debugging </a:t>
+              <a:t>Java processes</a:t>
+            </a:r>
+            <a:endParaRPr lang="en-US" dirty="0"/>
+          </a:p>
+        </p:txBody>
+      </p:sp>
+      <p:pic>
+        <p:nvPicPr>
+          <p:cNvPr id="4" name="Picture 2" descr="C:\Users\adaml\Desktop\gradle-processes.png"/>
+          <p:cNvPicPr>
+            <a:picLocks noChangeAspect="1" noChangeArrowheads="1"/>
+          </p:cNvPicPr>
+          <p:nvPr/>
+        </p:nvPicPr>
+        <p:blipFill>
+          <a:blip r:embed="rId2"/>
+          <a:srcRect/>
+          <a:stretch>
+            <a:fillRect/>
+          </a:stretch>
+        </p:blipFill>
+        <p:spPr bwMode="auto">
+          <a:xfrm>
+            <a:off x="163890" y="1309689"/>
+            <a:ext cx="8816221" cy="3190881"/>
+          </a:xfrm>
+          <a:prstGeom prst="rect">
+            <a:avLst/>
+          </a:prstGeom>
+          <a:noFill/>
+        </p:spPr>
+      </p:pic>
+      <p:sp>
+        <p:nvSpPr>
+          <p:cNvPr id="3" name="Content Placeholder 2"/>
+          <p:cNvSpPr>
+            <a:spLocks noGrp="1"/>
+          </p:cNvSpPr>
+          <p:nvPr>
+            <p:ph idx="1"/>
+          </p:nvPr>
+        </p:nvSpPr>
+        <p:spPr>
+          <a:xfrm>
+            <a:off x="285720" y="2857496"/>
+            <a:ext cx="6429420" cy="3500462"/>
+          </a:xfrm>
+        </p:spPr>
+        <p:txBody>
+          <a:bodyPr>
+            <a:normAutofit fontScale="77500" lnSpcReduction="20000"/>
+          </a:bodyPr>
+          <a:lstStyle/>
+          <a:p>
+            <a:r>
+              <a:rPr lang="en-US" b="1" dirty="0" err="1" smtClean="0"/>
+              <a:t>GradleMain</a:t>
+            </a:r>
+            <a:r>
+              <a:rPr lang="pl-PL" b="1" dirty="0" smtClean="0"/>
+              <a:t> or GradleWrapperMain</a:t>
+            </a:r>
+            <a:endParaRPr lang="en-US" b="1" dirty="0" smtClean="0"/>
+          </a:p>
+          <a:p>
+            <a:pPr lvl="1"/>
+            <a:r>
+              <a:rPr lang="en-US" dirty="0" smtClean="0"/>
+              <a:t>./</a:t>
+            </a:r>
+            <a:r>
+              <a:rPr lang="en-US" dirty="0" err="1" smtClean="0"/>
+              <a:t>gradle</a:t>
             </a:r>
             <a:r>
               <a:rPr lang="pl-PL" dirty="0" smtClean="0"/>
-              <a:t>gradle script</a:t>
-            </a:r>
-            <a:endParaRPr lang="en-US" dirty="0"/>
-          </a:p>
-        </p:txBody>
-      </p:sp>
-      <p:sp>
-        <p:nvSpPr>
-          <p:cNvPr id="3" name="Content Placeholder 2"/>
-          <p:cNvSpPr>
-            <a:spLocks noGrp="1"/>
-          </p:cNvSpPr>
-          <p:nvPr>
-            <p:ph idx="1"/>
-          </p:nvPr>
-        </p:nvSpPr>
-        <p:spPr/>
-        <p:txBody>
-          <a:bodyPr/>
-          <a:lstStyle/>
-          <a:p>
-            <a:r>
-              <a:rPr lang="en-US" dirty="0" smtClean="0"/>
-              <a:t>Run build script as debug in IDE</a:t>
-            </a:r>
-          </a:p>
-          <a:p>
-            <a:r>
-              <a:rPr lang="en-US" dirty="0" smtClean="0"/>
-              <a:t>Remote debug, set </a:t>
+              <a:t>, ./gradlew </a:t>
+            </a:r>
+            <a:r>
+              <a:rPr lang="en-US" dirty="0" smtClean="0"/>
+              <a:t>– always 1 new </a:t>
             </a:r>
             <a:r>
               <a:rPr lang="en-US" dirty="0" err="1" smtClean="0"/>
-              <a:t>jvmargs</a:t>
+              <a:t>jvm</a:t>
+            </a:r>
+            <a:r>
+              <a:rPr lang="en-US" dirty="0" smtClean="0"/>
+              <a:t> created</a:t>
+            </a:r>
+          </a:p>
+          <a:p>
+            <a:pPr lvl="1"/>
+            <a:r>
+              <a:rPr lang="pl-PL" dirty="0" smtClean="0"/>
+              <a:t>When </a:t>
+            </a:r>
+            <a:r>
+              <a:rPr lang="en-US" dirty="0" err="1" smtClean="0"/>
+              <a:t>org.gradle.jvmargs</a:t>
+            </a:r>
+            <a:r>
+              <a:rPr lang="pl-PL" dirty="0" smtClean="0"/>
+              <a:t> is specified then </a:t>
+            </a:r>
+            <a:r>
+              <a:rPr lang="en-US" dirty="0" smtClean="0"/>
+              <a:t>2</a:t>
+            </a:r>
+            <a:r>
+              <a:rPr lang="en-US" baseline="30000" dirty="0" smtClean="0"/>
+              <a:t>nd</a:t>
+            </a:r>
+            <a:r>
+              <a:rPr lang="en-US" dirty="0" smtClean="0"/>
+              <a:t> </a:t>
+            </a:r>
+            <a:r>
+              <a:rPr lang="en-US" dirty="0" err="1" smtClean="0"/>
+              <a:t>jvm</a:t>
+            </a:r>
+            <a:r>
+              <a:rPr lang="pl-PL" dirty="0" smtClean="0"/>
+              <a:t> is created (GradleDaemon)</a:t>
             </a:r>
             <a:endParaRPr lang="en-US" dirty="0" smtClean="0"/>
           </a:p>
           <a:p>
+            <a:r>
+              <a:rPr lang="en-US" b="1" dirty="0" err="1" smtClean="0"/>
+              <a:t>GradleDaemon</a:t>
+            </a:r>
+            <a:endParaRPr lang="pl-PL" b="1" dirty="0" smtClean="0"/>
+          </a:p>
+          <a:p>
+            <a:r>
+              <a:rPr lang="en-US" b="1" dirty="0" err="1" smtClean="0"/>
+              <a:t>GradleWorkerMain</a:t>
+            </a:r>
+            <a:endParaRPr lang="en-US" b="1" dirty="0" smtClean="0"/>
+          </a:p>
+          <a:p>
             <a:pPr lvl="1"/>
             <a:r>
-              <a:rPr lang="pl-PL" b="1" dirty="0" smtClean="0"/>
-              <a:t>./</a:t>
-            </a:r>
-            <a:r>
-              <a:rPr lang="pl-PL" b="1" dirty="0" err="1" smtClean="0"/>
-              <a:t>gradle</a:t>
-            </a:r>
-            <a:r>
-              <a:rPr lang="pl-PL" b="1" dirty="0" smtClean="0"/>
-              <a:t> </a:t>
-            </a:r>
-            <a:r>
-              <a:rPr lang="en-US" b="1" dirty="0" smtClean="0"/>
-              <a:t>-</a:t>
-            </a:r>
-            <a:r>
-              <a:rPr lang="pl-PL" dirty="0" err="1" smtClean="0"/>
-              <a:t>D</a:t>
-            </a:r>
-            <a:r>
-              <a:rPr lang="pl-PL" b="1" dirty="0" err="1" smtClean="0"/>
-              <a:t>org.gradle.jvmargs</a:t>
-            </a:r>
-            <a:r>
-              <a:rPr lang="pl-PL" dirty="0" smtClean="0"/>
-              <a:t>=</a:t>
-            </a:r>
-            <a:r>
-              <a:rPr lang="en-US" dirty="0" smtClean="0"/>
-              <a:t>-</a:t>
-            </a:r>
-            <a:r>
-              <a:rPr lang="en-US" dirty="0" err="1" smtClean="0"/>
-              <a:t>agentlib:jdwp</a:t>
-            </a:r>
-            <a:r>
-              <a:rPr lang="en-US" dirty="0" smtClean="0"/>
-              <a:t>=transport=</a:t>
-            </a:r>
-            <a:r>
-              <a:rPr lang="en-US" dirty="0" err="1" smtClean="0"/>
-              <a:t>dt_socket,server</a:t>
-            </a:r>
-            <a:r>
-              <a:rPr lang="en-US" dirty="0" smtClean="0"/>
-              <a:t>=</a:t>
-            </a:r>
-            <a:r>
-              <a:rPr lang="en-US" dirty="0" err="1" smtClean="0"/>
-              <a:t>y,suspend</a:t>
-            </a:r>
-            <a:r>
-              <a:rPr lang="en-US" dirty="0" smtClean="0"/>
-              <a:t>=</a:t>
-            </a:r>
-            <a:r>
-              <a:rPr lang="en-US" dirty="0" err="1" smtClean="0"/>
-              <a:t>y,address</a:t>
-            </a:r>
-            <a:r>
-              <a:rPr lang="en-US" dirty="0" smtClean="0"/>
-              <a:t>=5005</a:t>
-            </a:r>
-            <a:endParaRPr lang="pl-PL" dirty="0" smtClean="0"/>
+              <a:rPr lang="en-US" dirty="0" smtClean="0"/>
+              <a:t>Each execution of test task creates new worker</a:t>
+            </a:r>
           </a:p>
           <a:p>
             <a:pPr lvl="1"/>
             <a:r>
-              <a:rPr lang="pl-PL" dirty="0" smtClean="0"/>
-              <a:t>also supported via </a:t>
-            </a:r>
-            <a:r>
-              <a:rPr lang="en-US" dirty="0" err="1" smtClean="0"/>
-              <a:t>gradle.properties</a:t>
-            </a:r>
-            <a:r>
-              <a:rPr lang="pl-PL" dirty="0" smtClean="0"/>
-              <a:t>, </a:t>
-            </a:r>
-            <a:r>
-              <a:rPr lang="en-US" dirty="0" smtClean="0"/>
-              <a:t>GRADLE_OPTS</a:t>
-            </a:r>
-          </a:p>
-          <a:p>
-            <a:endParaRPr lang="en-US" dirty="0"/>
+              <a:rPr lang="en-US" dirty="0" smtClean="0"/>
+              <a:t>--parallel option</a:t>
+            </a:r>
+          </a:p>
+          <a:p>
+            <a:pPr lvl="1"/>
+            <a:r>
+              <a:rPr lang="en-US" dirty="0" smtClean="0"/>
+              <a:t>max-workers = number of processors by default</a:t>
+            </a:r>
+          </a:p>
+          <a:p>
+            <a:endParaRPr lang="en-US" b="1" dirty="0" smtClean="0"/>
+          </a:p>
+          <a:p>
+            <a:endParaRPr lang="en-US" dirty="0" smtClean="0"/>
+          </a:p>
+          <a:p>
+            <a:pPr lvl="1"/>
+            <a:endParaRPr lang="en-US" dirty="0" smtClean="0"/>
           </a:p>
         </p:txBody>
       </p:sp>
@@ -7620,9 +7788,7 @@
         </p:nvSpPr>
         <p:spPr/>
         <p:txBody>
-          <a:bodyPr>
-            <a:normAutofit fontScale="90000"/>
-          </a:bodyPr>
+          <a:bodyPr/>
           <a:lstStyle/>
           <a:p>
             <a:r>
@@ -7631,292 +7797,132 @@
             </a:r>
             <a:r>
               <a:rPr lang="pl-PL" dirty="0" smtClean="0"/>
-              <a:t>forked jvm</a:t>
-            </a:r>
-            <a:br>
+              <a:t>gradle script</a:t>
+            </a:r>
+            <a:endParaRPr lang="en-US" dirty="0"/>
+          </a:p>
+        </p:txBody>
+      </p:sp>
+      <p:sp>
+        <p:nvSpPr>
+          <p:cNvPr id="3" name="Content Placeholder 2"/>
+          <p:cNvSpPr>
+            <a:spLocks noGrp="1"/>
+          </p:cNvSpPr>
+          <p:nvPr>
+            <p:ph idx="1"/>
+          </p:nvPr>
+        </p:nvSpPr>
+        <p:spPr/>
+        <p:txBody>
+          <a:bodyPr/>
+          <a:lstStyle/>
+          <a:p>
+            <a:r>
+              <a:rPr lang="en-US" dirty="0" smtClean="0"/>
+              <a:t>Run build script as debug in IDE</a:t>
+            </a:r>
+          </a:p>
+          <a:p>
+            <a:r>
+              <a:rPr lang="en-US" dirty="0" smtClean="0"/>
+              <a:t>Remote debug, set </a:t>
+            </a:r>
+            <a:r>
+              <a:rPr lang="en-US" dirty="0" err="1" smtClean="0"/>
+              <a:t>jvmargs</a:t>
+            </a:r>
+            <a:endParaRPr lang="en-US" dirty="0" smtClean="0"/>
+          </a:p>
+          <a:p>
+            <a:pPr lvl="1"/>
+            <a:r>
+              <a:rPr lang="pl-PL" b="1" dirty="0" smtClean="0"/>
+              <a:t>./</a:t>
+            </a:r>
+            <a:r>
+              <a:rPr lang="pl-PL" b="1" dirty="0" err="1" smtClean="0"/>
+              <a:t>gradle</a:t>
+            </a:r>
+            <a:r>
+              <a:rPr lang="pl-PL" b="1" dirty="0" smtClean="0"/>
+              <a:t> </a:t>
+            </a:r>
+            <a:r>
+              <a:rPr lang="en-US" b="1" dirty="0" smtClean="0"/>
+              <a:t>-</a:t>
+            </a:r>
+            <a:r>
+              <a:rPr lang="pl-PL" dirty="0" err="1" smtClean="0"/>
+              <a:t>D</a:t>
+            </a:r>
+            <a:r>
+              <a:rPr lang="pl-PL" b="1" dirty="0" err="1" smtClean="0"/>
+              <a:t>org.gradle.jvmargs</a:t>
+            </a:r>
+            <a:r>
               <a:rPr lang="pl-PL" dirty="0" smtClean="0"/>
-            </a:br>
+              <a:t>=</a:t>
+            </a:r>
+            <a:r>
+              <a:rPr lang="en-US" dirty="0" smtClean="0"/>
+              <a:t>-</a:t>
+            </a:r>
             <a:r>
               <a:rPr lang="en-US" dirty="0" err="1" smtClean="0"/>
-              <a:t>GradleWorkerMain</a:t>
-            </a:r>
+              <a:t>agentlib:jdwp</a:t>
+            </a:r>
+            <a:r>
+              <a:rPr lang="en-US" dirty="0" smtClean="0"/>
+              <a:t>=transport=</a:t>
+            </a:r>
+            <a:r>
+              <a:rPr lang="en-US" dirty="0" err="1" smtClean="0"/>
+              <a:t>dt_socket,server</a:t>
+            </a:r>
+            <a:r>
+              <a:rPr lang="en-US" dirty="0" smtClean="0"/>
+              <a:t>=</a:t>
+            </a:r>
+            <a:r>
+              <a:rPr lang="en-US" dirty="0" err="1" smtClean="0"/>
+              <a:t>y,suspend</a:t>
+            </a:r>
+            <a:r>
+              <a:rPr lang="en-US" dirty="0" smtClean="0"/>
+              <a:t>=</a:t>
+            </a:r>
+            <a:r>
+              <a:rPr lang="en-US" dirty="0" err="1" smtClean="0"/>
+              <a:t>y,address</a:t>
+            </a:r>
+            <a:r>
+              <a:rPr lang="en-US" dirty="0" smtClean="0"/>
+              <a:t>=5005</a:t>
+            </a:r>
+            <a:endParaRPr lang="pl-PL" dirty="0" smtClean="0"/>
+          </a:p>
+          <a:p>
+            <a:pPr lvl="1"/>
+            <a:r>
+              <a:rPr lang="pl-PL" dirty="0" smtClean="0"/>
+              <a:t>also supported via </a:t>
+            </a:r>
+            <a:r>
+              <a:rPr lang="en-US" dirty="0" err="1" smtClean="0"/>
+              <a:t>gradle.properties</a:t>
+            </a:r>
+            <a:r>
+              <a:rPr lang="pl-PL" dirty="0" smtClean="0"/>
+              <a:t>, </a:t>
+            </a:r>
+            <a:r>
+              <a:rPr lang="en-US" dirty="0" smtClean="0"/>
+              <a:t>GRADLE_OPTS</a:t>
+            </a:r>
+          </a:p>
+          <a:p>
             <a:endParaRPr lang="en-US" dirty="0"/>
-          </a:p>
-        </p:txBody>
-      </p:sp>
-      <p:sp>
-        <p:nvSpPr>
-          <p:cNvPr id="3" name="Content Placeholder 2"/>
-          <p:cNvSpPr>
-            <a:spLocks noGrp="1"/>
-          </p:cNvSpPr>
-          <p:nvPr>
-            <p:ph idx="1"/>
-          </p:nvPr>
-        </p:nvSpPr>
-        <p:spPr/>
-        <p:txBody>
-          <a:bodyPr>
-            <a:normAutofit/>
-          </a:bodyPr>
-          <a:lstStyle/>
-          <a:p>
-            <a:r>
-              <a:rPr lang="en-US" sz="2000" dirty="0" smtClean="0"/>
-              <a:t>Only </a:t>
-            </a:r>
-            <a:r>
-              <a:rPr lang="en-US" sz="2000" b="1" dirty="0" smtClean="0"/>
-              <a:t>remote </a:t>
-            </a:r>
-            <a:r>
-              <a:rPr lang="en-US" sz="2000" dirty="0" err="1" smtClean="0"/>
-              <a:t>debuging</a:t>
-            </a:r>
-            <a:endParaRPr lang="en-US" sz="2000" dirty="0" smtClean="0"/>
-          </a:p>
-          <a:p>
-            <a:pPr lvl="1"/>
-            <a:r>
-              <a:rPr lang="en-US" sz="2000" dirty="0" smtClean="0"/>
-              <a:t>-</a:t>
-            </a:r>
-            <a:r>
-              <a:rPr lang="en-US" sz="2000" dirty="0" err="1" smtClean="0"/>
-              <a:t>agentlib:jdwp</a:t>
-            </a:r>
-            <a:r>
-              <a:rPr lang="en-US" sz="2000" dirty="0" smtClean="0"/>
-              <a:t>=transport=</a:t>
-            </a:r>
-            <a:r>
-              <a:rPr lang="en-US" sz="2000" dirty="0" err="1" smtClean="0"/>
-              <a:t>dt_socket,server</a:t>
-            </a:r>
-            <a:r>
-              <a:rPr lang="en-US" sz="2000" dirty="0" smtClean="0"/>
-              <a:t>=</a:t>
-            </a:r>
-            <a:r>
-              <a:rPr lang="en-US" sz="2000" dirty="0" err="1" smtClean="0"/>
-              <a:t>y,suspend</a:t>
-            </a:r>
-            <a:r>
-              <a:rPr lang="en-US" sz="2000" dirty="0" smtClean="0"/>
-              <a:t>=</a:t>
-            </a:r>
-            <a:r>
-              <a:rPr lang="en-US" sz="2000" dirty="0" err="1" smtClean="0"/>
-              <a:t>y,address</a:t>
-            </a:r>
-            <a:r>
-              <a:rPr lang="en-US" sz="2000" dirty="0" smtClean="0"/>
-              <a:t>=5005</a:t>
-            </a:r>
-          </a:p>
-          <a:p>
-            <a:r>
-              <a:rPr lang="en-US" sz="2000" dirty="0" smtClean="0"/>
-              <a:t>Can be specified </a:t>
-            </a:r>
-            <a:r>
-              <a:rPr lang="en-US" sz="2000" b="1" dirty="0" smtClean="0"/>
-              <a:t>only</a:t>
-            </a:r>
-            <a:r>
-              <a:rPr lang="en-US" sz="2000" dirty="0" smtClean="0"/>
-              <a:t> in task configuration</a:t>
-            </a:r>
-          </a:p>
-          <a:p>
-            <a:pPr lvl="1"/>
-            <a:r>
-              <a:rPr lang="en-US" sz="2000" dirty="0" err="1" smtClean="0"/>
-              <a:t>tasks.withType</a:t>
-            </a:r>
-            <a:r>
-              <a:rPr lang="en-US" sz="2000" dirty="0" smtClean="0"/>
-              <a:t>(</a:t>
-            </a:r>
-            <a:r>
-              <a:rPr lang="en-US" sz="2000" dirty="0" err="1" smtClean="0"/>
-              <a:t>JavaForkOptions</a:t>
-            </a:r>
-            <a:r>
-              <a:rPr lang="en-US" sz="2000" dirty="0" smtClean="0"/>
-              <a:t>) {</a:t>
-            </a:r>
-            <a:br>
-              <a:rPr lang="en-US" sz="2000" dirty="0" smtClean="0"/>
-            </a:br>
-            <a:r>
-              <a:rPr lang="en-US" sz="2000" dirty="0" smtClean="0"/>
-              <a:t>  </a:t>
-            </a:r>
-            <a:r>
-              <a:rPr lang="en-US" sz="2000" dirty="0" err="1" smtClean="0"/>
-              <a:t>systemProperty</a:t>
-            </a:r>
-            <a:r>
-              <a:rPr lang="en-US" sz="2000" dirty="0" smtClean="0"/>
-              <a:t> "cool.opt", "1“</a:t>
-            </a:r>
-            <a:br>
-              <a:rPr lang="en-US" sz="2000" dirty="0" smtClean="0"/>
-            </a:br>
-            <a:r>
-              <a:rPr lang="en-US" sz="2000" dirty="0" smtClean="0"/>
-              <a:t>  </a:t>
-            </a:r>
-            <a:r>
-              <a:rPr lang="en-US" sz="2000" b="1" dirty="0" err="1" smtClean="0"/>
-              <a:t>jvmArgs</a:t>
-            </a:r>
-            <a:r>
-              <a:rPr lang="en-US" sz="2000" dirty="0" smtClean="0"/>
-              <a:t> “</a:t>
-            </a:r>
-            <a:r>
-              <a:rPr lang="en-US" sz="2000" dirty="0" err="1" smtClean="0"/>
-              <a:t>ar</a:t>
-            </a:r>
-            <a:r>
-              <a:rPr lang="pl-PL" sz="2000" dirty="0" smtClean="0"/>
-              <a:t>g</a:t>
-            </a:r>
-            <a:r>
-              <a:rPr lang="en-US" sz="2000" dirty="0" smtClean="0"/>
-              <a:t>s“</a:t>
-            </a:r>
-            <a:br>
-              <a:rPr lang="en-US" sz="2000" dirty="0" smtClean="0"/>
-            </a:br>
-            <a:r>
-              <a:rPr lang="en-US" sz="2000" dirty="0" smtClean="0"/>
-              <a:t>}</a:t>
-            </a:r>
-          </a:p>
-          <a:p>
-            <a:pPr lvl="1"/>
-            <a:r>
-              <a:rPr lang="en-US" sz="2000" dirty="0" err="1" smtClean="0"/>
-              <a:t>tasks.withType</a:t>
-            </a:r>
-            <a:r>
-              <a:rPr lang="en-US" sz="2000" dirty="0" smtClean="0"/>
-              <a:t>(</a:t>
-            </a:r>
-            <a:r>
-              <a:rPr lang="en-US" sz="2000" dirty="0" err="1" smtClean="0"/>
-              <a:t>JavaCompile</a:t>
-            </a:r>
-            <a:r>
-              <a:rPr lang="en-US" sz="2000" dirty="0" smtClean="0"/>
-              <a:t>) {</a:t>
-            </a:r>
-            <a:br>
-              <a:rPr lang="en-US" sz="2000" dirty="0" smtClean="0"/>
-            </a:br>
-            <a:r>
-              <a:rPr lang="en-US" sz="2000" dirty="0" smtClean="0"/>
-              <a:t>  </a:t>
-            </a:r>
-            <a:r>
-              <a:rPr lang="en-US" sz="2000" dirty="0" err="1" smtClean="0"/>
-              <a:t>options.fork</a:t>
-            </a:r>
-            <a:r>
-              <a:rPr lang="en-US" sz="2000" dirty="0" smtClean="0"/>
-              <a:t> = true // otherwise won't fork</a:t>
-            </a:r>
-            <a:br>
-              <a:rPr lang="en-US" sz="2000" dirty="0" smtClean="0"/>
-            </a:br>
-            <a:r>
-              <a:rPr lang="en-US" sz="2000" dirty="0" smtClean="0"/>
-              <a:t>  </a:t>
-            </a:r>
-            <a:r>
-              <a:rPr lang="en-US" sz="2000" dirty="0" err="1" smtClean="0"/>
-              <a:t>options.forkOptions.</a:t>
-            </a:r>
-            <a:r>
-              <a:rPr lang="en-US" sz="2000" b="1" dirty="0" err="1" smtClean="0"/>
-              <a:t>jvmArgs</a:t>
-            </a:r>
-            <a:r>
-              <a:rPr lang="en-US" sz="2000" dirty="0" smtClean="0"/>
-              <a:t> = [“</a:t>
-            </a:r>
-            <a:r>
-              <a:rPr lang="en-US" sz="2000" dirty="0" err="1" smtClean="0"/>
-              <a:t>arg</a:t>
-            </a:r>
-            <a:r>
-              <a:rPr lang="pl-PL" sz="2000" dirty="0" smtClean="0"/>
-              <a:t>s”</a:t>
-            </a:r>
-            <a:r>
-              <a:rPr lang="en-US" sz="2000" dirty="0" smtClean="0"/>
-              <a:t>]</a:t>
-            </a:r>
-            <a:br>
-              <a:rPr lang="en-US" sz="2000" dirty="0" smtClean="0"/>
-            </a:br>
-            <a:r>
-              <a:rPr lang="en-US" sz="2000" dirty="0" smtClean="0"/>
-              <a:t>}</a:t>
-            </a:r>
-          </a:p>
-          <a:p>
-            <a:r>
-              <a:rPr lang="en-US" sz="2000" b="1" dirty="0" smtClean="0"/>
-              <a:t>Test task</a:t>
-            </a:r>
-            <a:r>
-              <a:rPr lang="en-US" sz="2000" dirty="0" smtClean="0"/>
-              <a:t> (</a:t>
-            </a:r>
-            <a:r>
-              <a:rPr lang="en-US" sz="2000" dirty="0" err="1" smtClean="0"/>
-              <a:t>gradle</a:t>
-            </a:r>
-            <a:r>
-              <a:rPr lang="en-US" sz="2000" dirty="0" smtClean="0"/>
-              <a:t> help --task test)</a:t>
-            </a:r>
-          </a:p>
-          <a:p>
-            <a:pPr lvl="1"/>
-            <a:r>
-              <a:rPr lang="en-US" sz="2000" dirty="0" smtClean="0"/>
-              <a:t>shortcut: </a:t>
-            </a:r>
-            <a:r>
-              <a:rPr lang="en-US" sz="2000" b="1" dirty="0" err="1" smtClean="0"/>
-              <a:t>gradle</a:t>
-            </a:r>
-            <a:r>
-              <a:rPr lang="en-US" sz="2000" dirty="0" smtClean="0"/>
-              <a:t> </a:t>
-            </a:r>
-            <a:r>
-              <a:rPr lang="en-US" sz="2000" dirty="0" err="1" smtClean="0"/>
-              <a:t>someTestTask</a:t>
-            </a:r>
-            <a:r>
-              <a:rPr lang="en-US" sz="2000" dirty="0" smtClean="0"/>
-              <a:t> </a:t>
-            </a:r>
-            <a:r>
-              <a:rPr lang="en-US" sz="2000" b="1" dirty="0" smtClean="0"/>
-              <a:t>--debug-</a:t>
-            </a:r>
-            <a:r>
-              <a:rPr lang="en-US" sz="2000" b="1" dirty="0" err="1" smtClean="0"/>
-              <a:t>jvm</a:t>
-            </a:r>
-            <a:endParaRPr lang="en-US" sz="2000" dirty="0" smtClean="0"/>
           </a:p>
         </p:txBody>
       </p:sp>
@@ -7964,12 +7970,25 @@
         </p:nvSpPr>
         <p:spPr/>
         <p:txBody>
-          <a:bodyPr/>
-          <a:lstStyle/>
-          <a:p>
-            <a:r>
-              <a:rPr lang="en-US" dirty="0" smtClean="0"/>
-              <a:t>Daemon</a:t>
+          <a:bodyPr>
+            <a:normAutofit fontScale="90000"/>
+          </a:bodyPr>
+          <a:lstStyle/>
+          <a:p>
+            <a:r>
+              <a:rPr lang="en-US" dirty="0" smtClean="0"/>
+              <a:t>Debugging </a:t>
+            </a:r>
+            <a:r>
+              <a:rPr lang="pl-PL" dirty="0" smtClean="0"/>
+              <a:t>forked jvm</a:t>
+            </a:r>
+            <a:br>
+              <a:rPr lang="pl-PL" dirty="0" smtClean="0"/>
+            </a:br>
+            <a:r>
+              <a:rPr lang="en-US" dirty="0" err="1" smtClean="0"/>
+              <a:t>GradleWorkerMain</a:t>
             </a:r>
             <a:endParaRPr lang="en-US" dirty="0"/>
           </a:p>
@@ -7987,71 +8006,267 @@
         </p:nvSpPr>
         <p:spPr/>
         <p:txBody>
-          <a:bodyPr/>
-          <a:lstStyle/>
-          <a:p>
-            <a:r>
-              <a:rPr lang="en-US" dirty="0" smtClean="0"/>
-              <a:t>Use it always on local dev machine</a:t>
-            </a:r>
-          </a:p>
-          <a:p>
-            <a:r>
-              <a:rPr lang="en-US" dirty="0" smtClean="0"/>
-              <a:t>Activation</a:t>
-            </a:r>
+          <a:bodyPr>
+            <a:normAutofit/>
+          </a:bodyPr>
+          <a:lstStyle/>
+          <a:p>
+            <a:r>
+              <a:rPr lang="en-US" sz="2000" dirty="0" smtClean="0"/>
+              <a:t>Only </a:t>
+            </a:r>
+            <a:r>
+              <a:rPr lang="en-US" sz="2000" b="1" dirty="0" smtClean="0"/>
+              <a:t>remote </a:t>
+            </a:r>
+            <a:r>
+              <a:rPr lang="en-US" sz="2000" dirty="0" err="1" smtClean="0"/>
+              <a:t>debuging</a:t>
+            </a:r>
+            <a:endParaRPr lang="en-US" sz="2000" dirty="0" smtClean="0"/>
           </a:p>
           <a:p>
             <a:pPr lvl="1"/>
             <a:r>
-              <a:rPr lang="en-US" dirty="0" err="1" smtClean="0"/>
-              <a:t>org.gradle.daemon</a:t>
-            </a:r>
-            <a:r>
-              <a:rPr lang="en-US" dirty="0" smtClean="0"/>
-              <a:t>=true in </a:t>
-            </a:r>
-            <a:r>
-              <a:rPr lang="en-US" dirty="0" err="1" smtClean="0"/>
-              <a:t>gradle.properties</a:t>
-            </a:r>
-            <a:endParaRPr lang="en-US" dirty="0" smtClean="0"/>
+              <a:rPr lang="en-US" sz="2000" dirty="0" smtClean="0"/>
+              <a:t>-</a:t>
+            </a:r>
+            <a:r>
+              <a:rPr lang="en-US" sz="2000" dirty="0" err="1" smtClean="0"/>
+              <a:t>agentlib:jdwp</a:t>
+            </a:r>
+            <a:r>
+              <a:rPr lang="en-US" sz="2000" dirty="0" smtClean="0"/>
+              <a:t>=transport=</a:t>
+            </a:r>
+            <a:r>
+              <a:rPr lang="en-US" sz="2000" dirty="0" err="1" smtClean="0"/>
+              <a:t>dt_socket,server</a:t>
+            </a:r>
+            <a:r>
+              <a:rPr lang="en-US" sz="2000" dirty="0" smtClean="0"/>
+              <a:t>=</a:t>
+            </a:r>
+            <a:r>
+              <a:rPr lang="en-US" sz="2000" dirty="0" err="1" smtClean="0"/>
+              <a:t>y,suspend</a:t>
+            </a:r>
+            <a:r>
+              <a:rPr lang="en-US" sz="2000" dirty="0" smtClean="0"/>
+              <a:t>=</a:t>
+            </a:r>
+            <a:r>
+              <a:rPr lang="en-US" sz="2000" dirty="0" err="1" smtClean="0"/>
+              <a:t>y,address</a:t>
+            </a:r>
+            <a:r>
+              <a:rPr lang="en-US" sz="2000" dirty="0" smtClean="0"/>
+              <a:t>=5005</a:t>
+            </a:r>
+          </a:p>
+          <a:p>
+            <a:r>
+              <a:rPr lang="en-US" sz="2000" dirty="0" smtClean="0"/>
+              <a:t>Can be specified </a:t>
+            </a:r>
+            <a:r>
+              <a:rPr lang="en-US" sz="2000" b="1" dirty="0" smtClean="0"/>
+              <a:t>only</a:t>
+            </a:r>
+            <a:r>
+              <a:rPr lang="en-US" sz="2000" dirty="0" smtClean="0"/>
+              <a:t> in task configuration</a:t>
+            </a:r>
           </a:p>
           <a:p>
             <a:pPr lvl="1"/>
             <a:r>
-              <a:rPr lang="en-US" dirty="0" err="1" smtClean="0"/>
+              <a:rPr lang="en-US" sz="2000" dirty="0" err="1" smtClean="0"/>
+              <a:t>tasks.withType</a:t>
+            </a:r>
+            <a:r>
+              <a:rPr lang="en-US" sz="2000" dirty="0" smtClean="0"/>
+              <a:t>(</a:t>
+            </a:r>
+            <a:r>
+              <a:rPr lang="en-US" sz="2000" dirty="0" err="1" smtClean="0"/>
+              <a:t>JavaForkOptions</a:t>
+            </a:r>
+            <a:r>
+              <a:rPr lang="en-US" sz="2000" dirty="0" smtClean="0"/>
+              <a:t>) {</a:t>
+            </a:r>
+            <a:br>
+              <a:rPr lang="en-US" sz="2000" dirty="0" smtClean="0"/>
+            </a:br>
+            <a:r>
+              <a:rPr lang="en-US" sz="2000" dirty="0" smtClean="0"/>
+              <a:t>  </a:t>
+            </a:r>
+            <a:r>
+              <a:rPr lang="en-US" sz="2000" dirty="0" err="1" smtClean="0"/>
+              <a:t>systemProperty</a:t>
+            </a:r>
+            <a:r>
+              <a:rPr lang="en-US" sz="2000" dirty="0" smtClean="0"/>
+              <a:t> "cool.opt", "1“</a:t>
+            </a:r>
+            <a:br>
+              <a:rPr lang="en-US" sz="2000" dirty="0" smtClean="0"/>
+            </a:br>
+            <a:r>
+              <a:rPr lang="en-US" sz="2000" dirty="0" smtClean="0"/>
+              <a:t>  </a:t>
+            </a:r>
+            <a:r>
+              <a:rPr lang="en-US" sz="2000" b="1" dirty="0" err="1" smtClean="0"/>
+              <a:t>jvmArgs</a:t>
+            </a:r>
+            <a:r>
+              <a:rPr lang="en-US" sz="2000" dirty="0" smtClean="0"/>
+              <a:t> “</a:t>
+            </a:r>
+            <a:r>
+              <a:rPr lang="en-US" sz="2000" dirty="0" err="1" smtClean="0"/>
+              <a:t>ar</a:t>
+            </a:r>
+            <a:r>
+              <a:rPr lang="pl-PL" sz="2000" dirty="0" smtClean="0"/>
+              <a:t>g</a:t>
+            </a:r>
+            <a:r>
+              <a:rPr lang="en-US" sz="2000" dirty="0" smtClean="0"/>
+              <a:t>s“</a:t>
+            </a:r>
+            <a:br>
+              <a:rPr lang="en-US" sz="2000" dirty="0" smtClean="0"/>
+            </a:br>
+            <a:r>
+              <a:rPr lang="en-US" sz="2000" dirty="0" smtClean="0"/>
+              <a:t>}</a:t>
+            </a:r>
+          </a:p>
+          <a:p>
+            <a:pPr lvl="1"/>
+            <a:r>
+              <a:rPr lang="en-US" sz="2000" dirty="0" err="1" smtClean="0"/>
+              <a:t>tasks.withType</a:t>
+            </a:r>
+            <a:r>
+              <a:rPr lang="en-US" sz="2000" dirty="0" smtClean="0"/>
+              <a:t>(</a:t>
+            </a:r>
+            <a:r>
+              <a:rPr lang="en-US" sz="2000" dirty="0" err="1" smtClean="0"/>
+              <a:t>JavaCompile</a:t>
+            </a:r>
+            <a:r>
+              <a:rPr lang="en-US" sz="2000" dirty="0" smtClean="0"/>
+              <a:t>) {</a:t>
+            </a:r>
+            <a:br>
+              <a:rPr lang="en-US" sz="2000" dirty="0" smtClean="0"/>
+            </a:br>
+            <a:r>
+              <a:rPr lang="en-US" sz="2000" dirty="0" smtClean="0"/>
+              <a:t>  </a:t>
+            </a:r>
+            <a:r>
+              <a:rPr lang="en-US" sz="2000" dirty="0" err="1" smtClean="0"/>
+              <a:t>options.fork</a:t>
+            </a:r>
+            <a:r>
+              <a:rPr lang="en-US" sz="2000" dirty="0" smtClean="0"/>
+              <a:t> = true // otherwise won't fork</a:t>
+            </a:r>
+            <a:br>
+              <a:rPr lang="en-US" sz="2000" dirty="0" smtClean="0"/>
+            </a:br>
+            <a:r>
+              <a:rPr lang="en-US" sz="2000" dirty="0" smtClean="0"/>
+              <a:t>  </a:t>
+            </a:r>
+            <a:r>
+              <a:rPr lang="en-US" sz="2000" dirty="0" err="1" smtClean="0"/>
+              <a:t>options.forkOptions.</a:t>
+            </a:r>
+            <a:r>
+              <a:rPr lang="en-US" sz="2000" b="1" dirty="0" err="1" smtClean="0"/>
+              <a:t>jvmArgs</a:t>
+            </a:r>
+            <a:r>
+              <a:rPr lang="en-US" sz="2000" dirty="0" smtClean="0"/>
+              <a:t> = [“</a:t>
+            </a:r>
+            <a:r>
+              <a:rPr lang="en-US" sz="2000" dirty="0" err="1" smtClean="0"/>
+              <a:t>arg</a:t>
+            </a:r>
+            <a:r>
+              <a:rPr lang="pl-PL" sz="2000" dirty="0" smtClean="0"/>
+              <a:t>s”</a:t>
+            </a:r>
+            <a:r>
+              <a:rPr lang="en-US" sz="2000" dirty="0" smtClean="0"/>
+              <a:t>]</a:t>
+            </a:r>
+            <a:br>
+              <a:rPr lang="en-US" sz="2000" dirty="0" smtClean="0"/>
+            </a:br>
+            <a:r>
+              <a:rPr lang="en-US" sz="2000" dirty="0" smtClean="0"/>
+              <a:t>}</a:t>
+            </a:r>
+          </a:p>
+          <a:p>
+            <a:r>
+              <a:rPr lang="en-US" sz="2000" b="1" dirty="0" smtClean="0"/>
+              <a:t>Test task</a:t>
+            </a:r>
+            <a:r>
+              <a:rPr lang="en-US" sz="2000" dirty="0" smtClean="0"/>
+              <a:t> (</a:t>
+            </a:r>
+            <a:r>
+              <a:rPr lang="en-US" sz="2000" dirty="0" err="1" smtClean="0"/>
               <a:t>gradle</a:t>
             </a:r>
             <a:r>
-              <a:rPr lang="en-US" dirty="0" smtClean="0"/>
-              <a:t> --daemon</a:t>
+              <a:rPr lang="en-US" sz="2000" dirty="0" smtClean="0"/>
+              <a:t> help --task test)</a:t>
             </a:r>
           </a:p>
           <a:p>
             <a:pPr lvl="1"/>
             <a:r>
-              <a:rPr lang="en-US" dirty="0" err="1" smtClean="0"/>
+              <a:rPr lang="en-US" sz="2000" dirty="0" smtClean="0"/>
+              <a:t>shortcut: </a:t>
+            </a:r>
+            <a:r>
+              <a:rPr lang="en-US" sz="2000" b="1" dirty="0" err="1" smtClean="0"/>
               <a:t>gradle</a:t>
             </a:r>
             <a:r>
-              <a:rPr lang="en-US" dirty="0" smtClean="0"/>
-              <a:t> --no-daemon</a:t>
-            </a:r>
-            <a:endParaRPr lang="pl-PL" dirty="0" smtClean="0"/>
-          </a:p>
-          <a:p>
-            <a:r>
-              <a:rPr lang="pl-PL" dirty="0" smtClean="0"/>
-              <a:t>Daemon can be debugged</a:t>
-            </a:r>
-            <a:endParaRPr lang="en-US" dirty="0" smtClean="0"/>
-          </a:p>
-          <a:p>
-            <a:pPr>
-              <a:buNone/>
-            </a:pPr>
-            <a:endParaRPr lang="en-US" dirty="0"/>
+              <a:rPr lang="en-US" sz="2000" dirty="0" smtClean="0"/>
+              <a:t> </a:t>
+            </a:r>
+            <a:r>
+              <a:rPr lang="en-US" sz="2000" dirty="0" err="1" smtClean="0"/>
+              <a:t>someTestTask</a:t>
+            </a:r>
+            <a:r>
+              <a:rPr lang="en-US" sz="2000" dirty="0" smtClean="0"/>
+              <a:t> </a:t>
+            </a:r>
+            <a:r>
+              <a:rPr lang="en-US" sz="2000" b="1" dirty="0" smtClean="0"/>
+              <a:t>--debug-</a:t>
+            </a:r>
+            <a:r>
+              <a:rPr lang="en-US" sz="2000" b="1" dirty="0" err="1" smtClean="0"/>
+              <a:t>jvm</a:t>
+            </a:r>
+            <a:endParaRPr lang="en-US" sz="2000" dirty="0" smtClean="0"/>
           </a:p>
         </p:txBody>
       </p:sp>
@@ -8104,7 +8319,7 @@
           <a:p>
             <a:r>
               <a:rPr lang="en-US" dirty="0" smtClean="0"/>
-              <a:t>Wrapper</a:t>
+              <a:t>Daemon</a:t>
             </a:r>
             <a:endParaRPr lang="en-US" dirty="0"/>
           </a:p>
@@ -8122,119 +8337,70 @@
         </p:nvSpPr>
         <p:spPr/>
         <p:txBody>
-          <a:bodyPr>
-            <a:normAutofit fontScale="85000" lnSpcReduction="10000"/>
-          </a:bodyPr>
-          <a:lstStyle/>
-          <a:p>
-            <a:r>
-              <a:rPr lang="en-US" dirty="0" smtClean="0"/>
-              <a:t>Script which download (if needed) and start </a:t>
-            </a:r>
+          <a:bodyPr/>
+          <a:lstStyle/>
+          <a:p>
+            <a:r>
+              <a:rPr lang="en-US" dirty="0" smtClean="0"/>
+              <a:t>Use it always on local dev machine</a:t>
+            </a:r>
+          </a:p>
+          <a:p>
+            <a:r>
+              <a:rPr lang="en-US" dirty="0" smtClean="0"/>
+              <a:t>Activation</a:t>
+            </a:r>
+          </a:p>
+          <a:p>
+            <a:pPr lvl="1"/>
+            <a:r>
+              <a:rPr lang="en-US" dirty="0" err="1" smtClean="0"/>
+              <a:t>org.gradle.daemon</a:t>
+            </a:r>
+            <a:r>
+              <a:rPr lang="en-US" dirty="0" smtClean="0"/>
+              <a:t>=true in </a:t>
+            </a:r>
+            <a:r>
+              <a:rPr lang="en-US" dirty="0" err="1" smtClean="0"/>
+              <a:t>gradle.properties</a:t>
+            </a:r>
+            <a:endParaRPr lang="en-US" dirty="0" smtClean="0"/>
+          </a:p>
+          <a:p>
+            <a:pPr lvl="1"/>
             <a:r>
               <a:rPr lang="en-US" dirty="0" err="1" smtClean="0"/>
               <a:t>gradle</a:t>
             </a:r>
+            <a:r>
+              <a:rPr lang="en-US" dirty="0" smtClean="0"/>
+              <a:t> --daemon</a:t>
+            </a:r>
+          </a:p>
+          <a:p>
+            <a:pPr lvl="1"/>
+            <a:r>
+              <a:rPr lang="en-US" dirty="0" err="1" smtClean="0"/>
+              <a:t>gradle</a:t>
+            </a:r>
+            <a:r>
+              <a:rPr lang="en-US" dirty="0" smtClean="0"/>
+              <a:t> --no-daemon</a:t>
+            </a:r>
+            <a:endParaRPr lang="pl-PL" dirty="0" smtClean="0"/>
+          </a:p>
+          <a:p>
+            <a:r>
+              <a:rPr lang="pl-PL" dirty="0" smtClean="0"/>
+              <a:t>Daemon can be debugged</a:t>
+            </a:r>
             <a:endParaRPr lang="en-US" dirty="0" smtClean="0"/>
           </a:p>
           <a:p>
-            <a:r>
-              <a:rPr lang="en-US" dirty="0" smtClean="0"/>
-              <a:t>task wrapper(type: Wrapper) {</a:t>
-            </a:r>
-            <a:br>
-              <a:rPr lang="en-US" dirty="0" smtClean="0"/>
-            </a:br>
-            <a:r>
-              <a:rPr lang="en-US" dirty="0" smtClean="0"/>
-              <a:t>  </a:t>
-            </a:r>
-            <a:r>
-              <a:rPr lang="en-US" dirty="0" err="1" smtClean="0"/>
-              <a:t>gradleVersion</a:t>
-            </a:r>
-            <a:r>
-              <a:rPr lang="en-US" dirty="0" smtClean="0"/>
-              <a:t> = '2.</a:t>
-            </a:r>
-            <a:r>
-              <a:rPr lang="pl-PL" dirty="0" smtClean="0"/>
-              <a:t>9’</a:t>
-            </a:r>
-            <a:r>
-              <a:rPr lang="en-US" dirty="0" smtClean="0"/>
-              <a:t/>
-            </a:r>
-            <a:br>
-              <a:rPr lang="en-US" dirty="0" smtClean="0"/>
-            </a:br>
-            <a:r>
-              <a:rPr lang="en-US" dirty="0" smtClean="0"/>
-              <a:t>}</a:t>
-            </a:r>
-          </a:p>
-          <a:p>
-            <a:r>
-              <a:rPr lang="en-US" dirty="0" smtClean="0"/>
-              <a:t>Result of Wrapper task execution should be committed to repository</a:t>
-            </a:r>
-            <a:r>
-              <a:rPr lang="pl-PL" dirty="0" smtClean="0"/>
-              <a:t> (</a:t>
-            </a:r>
-            <a:r>
-              <a:rPr lang="en-US" dirty="0" smtClean="0"/>
-              <a:t>few </a:t>
-            </a:r>
-            <a:r>
-              <a:rPr lang="pl-PL" dirty="0" smtClean="0"/>
-              <a:t>small </a:t>
-            </a:r>
-            <a:r>
-              <a:rPr lang="en-US" dirty="0" smtClean="0"/>
-              <a:t>files)</a:t>
-            </a:r>
-          </a:p>
-          <a:p>
-            <a:r>
-              <a:rPr lang="en-US" dirty="0" smtClean="0"/>
-              <a:t>Accessing from sub-projects</a:t>
-            </a:r>
-          </a:p>
-          <a:p>
-            <a:pPr lvl="1"/>
-            <a:r>
-              <a:rPr lang="en-US" dirty="0" smtClean="0">
-                <a:hlinkClick r:id="rId2"/>
-              </a:rPr>
-              <a:t>https://issues.gradle.org/browse/GRADLE-2429</a:t>
-            </a:r>
-            <a:endParaRPr lang="en-US" dirty="0" smtClean="0"/>
-          </a:p>
-          <a:p>
-            <a:pPr lvl="1"/>
-            <a:r>
-              <a:rPr lang="en-US" dirty="0" smtClean="0">
-                <a:hlinkClick r:id="rId3"/>
-              </a:rPr>
-              <a:t>http://www.gdub.rocks</a:t>
-            </a:r>
-            <a:r>
-              <a:rPr lang="en-US" dirty="0" smtClean="0">
-                <a:hlinkClick r:id="rId3"/>
-              </a:rPr>
-              <a:t>/</a:t>
-            </a:r>
-            <a:endParaRPr lang="en-US" dirty="0" smtClean="0"/>
-          </a:p>
-          <a:p>
-            <a:r>
-              <a:rPr lang="en-US" dirty="0" smtClean="0"/>
-              <a:t>Ex 11</a:t>
-            </a:r>
-            <a:endParaRPr lang="en-US" dirty="0" smtClean="0"/>
-          </a:p>
-          <a:p>
+            <a:pPr>
+              <a:buNone/>
+            </a:pPr>
             <a:endParaRPr lang="en-US" dirty="0"/>
           </a:p>
         </p:txBody>
@@ -8244,6 +8410,13 @@
   <p:clrMapOvr>
     <a:masterClrMapping/>
   </p:clrMapOvr>
+  <p:timing>
+    <p:tnLst>
+      <p:par>
+        <p:cTn id="1" dur="indefinite" restart="never" nodeType="tmRoot"/>
+      </p:par>
+    </p:tnLst>
+  </p:timing>
 </p:sld>
 </file>
 
@@ -8276,183 +8449,133 @@
         </p:nvSpPr>
         <p:spPr/>
         <p:txBody>
+          <a:bodyPr/>
+          <a:lstStyle/>
+          <a:p>
+            <a:r>
+              <a:rPr lang="en-US" dirty="0" smtClean="0"/>
+              <a:t>Wrapper</a:t>
+            </a:r>
+            <a:endParaRPr lang="en-US" dirty="0"/>
+          </a:p>
+        </p:txBody>
+      </p:sp>
+      <p:sp>
+        <p:nvSpPr>
+          <p:cNvPr id="3" name="Content Placeholder 2"/>
+          <p:cNvSpPr>
+            <a:spLocks noGrp="1"/>
+          </p:cNvSpPr>
+          <p:nvPr>
+            <p:ph idx="1"/>
+          </p:nvPr>
+        </p:nvSpPr>
+        <p:spPr/>
+        <p:txBody>
           <a:bodyPr>
-            <a:normAutofit/>
+            <a:normAutofit fontScale="85000" lnSpcReduction="10000"/>
           </a:bodyPr>
           <a:lstStyle/>
           <a:p>
             <a:r>
               <a:rPr lang="en-US" dirty="0" smtClean="0"/>
-              <a:t>Organizing build logic</a:t>
-            </a:r>
-            <a:endParaRPr lang="en-US" dirty="0"/>
-          </a:p>
-        </p:txBody>
-      </p:sp>
-      <p:sp>
-        <p:nvSpPr>
-          <p:cNvPr id="3" name="Content Placeholder 2"/>
-          <p:cNvSpPr>
-            <a:spLocks noGrp="1"/>
-          </p:cNvSpPr>
-          <p:nvPr>
-            <p:ph idx="1"/>
-          </p:nvPr>
-        </p:nvSpPr>
-        <p:spPr/>
-        <p:txBody>
-          <a:bodyPr>
-            <a:normAutofit fontScale="77500" lnSpcReduction="20000"/>
-          </a:bodyPr>
-          <a:lstStyle/>
-          <a:p>
-            <a:r>
-              <a:rPr lang="en-US" b="1" dirty="0" smtClean="0"/>
-              <a:t>Custom tasks/plugins</a:t>
-            </a:r>
-          </a:p>
-          <a:p>
-            <a:r>
-              <a:rPr lang="en-US" b="1" dirty="0" smtClean="0"/>
-              <a:t>Multi-project</a:t>
-            </a:r>
-            <a:r>
-              <a:rPr lang="en-US" dirty="0" smtClean="0"/>
-              <a:t> build</a:t>
+              <a:t>Script which download (if needed) and start </a:t>
+            </a:r>
+            <a:r>
+              <a:rPr lang="en-US" dirty="0" err="1" smtClean="0"/>
+              <a:t>gradle</a:t>
+            </a:r>
+            <a:endParaRPr lang="en-US" dirty="0" smtClean="0"/>
+          </a:p>
+          <a:p>
+            <a:r>
+              <a:rPr lang="en-US" dirty="0" smtClean="0"/>
+              <a:t>task wrapper(type: Wrapper) {</a:t>
+            </a:r>
+            <a:br>
+              <a:rPr lang="en-US" dirty="0" smtClean="0"/>
+            </a:br>
+            <a:r>
+              <a:rPr lang="en-US" dirty="0" smtClean="0"/>
+              <a:t>  </a:t>
+            </a:r>
+            <a:r>
+              <a:rPr lang="en-US" dirty="0" err="1" smtClean="0"/>
+              <a:t>gradleVersion</a:t>
+            </a:r>
+            <a:r>
+              <a:rPr lang="en-US" dirty="0" smtClean="0"/>
+              <a:t> = '2.</a:t>
+            </a:r>
+            <a:r>
+              <a:rPr lang="pl-PL" dirty="0" smtClean="0"/>
+              <a:t>9’</a:t>
+            </a:r>
+            <a:r>
+              <a:rPr lang="en-US" dirty="0" smtClean="0"/>
+              <a:t/>
+            </a:r>
+            <a:br>
+              <a:rPr lang="en-US" dirty="0" smtClean="0"/>
+            </a:br>
+            <a:r>
+              <a:rPr lang="en-US" dirty="0" smtClean="0"/>
+              <a:t>}</a:t>
+            </a:r>
+          </a:p>
+          <a:p>
+            <a:r>
+              <a:rPr lang="en-US" dirty="0" smtClean="0"/>
+              <a:t>Result of Wrapper task execution should be committed to repository</a:t>
+            </a:r>
+            <a:r>
+              <a:rPr lang="pl-PL" dirty="0" smtClean="0"/>
+              <a:t> (</a:t>
+            </a:r>
+            <a:r>
+              <a:rPr lang="en-US" dirty="0" smtClean="0"/>
+              <a:t>few </a:t>
+            </a:r>
+            <a:r>
+              <a:rPr lang="pl-PL" dirty="0" smtClean="0"/>
+              <a:t>small </a:t>
+            </a:r>
+            <a:r>
+              <a:rPr lang="en-US" dirty="0" smtClean="0"/>
+              <a:t>files)</a:t>
+            </a:r>
+          </a:p>
+          <a:p>
+            <a:r>
+              <a:rPr lang="en-US" dirty="0" smtClean="0"/>
+              <a:t>Accessing from sub-projects</a:t>
             </a:r>
           </a:p>
           <a:p>
             <a:pPr lvl="1"/>
-            <a:r>
-              <a:rPr lang="en-US" dirty="0" smtClean="0"/>
-              <a:t>Inherited properties and methods</a:t>
-            </a:r>
-          </a:p>
-          <a:p>
-            <a:pPr lvl="1"/>
-            <a:r>
-              <a:rPr lang="en-US" dirty="0" smtClean="0"/>
-              <a:t>Injected configuration</a:t>
-            </a:r>
-          </a:p>
-          <a:p>
-            <a:pPr lvl="2"/>
-            <a:r>
-              <a:rPr lang="en-US" dirty="0" smtClean="0"/>
-              <a:t>subprojects {}, </a:t>
-            </a:r>
-            <a:r>
-              <a:rPr lang="en-US" dirty="0" err="1" smtClean="0"/>
-              <a:t>allprojects</a:t>
-            </a:r>
-            <a:r>
-              <a:rPr lang="en-US" dirty="0" smtClean="0"/>
-              <a:t> {}, project(name).task &lt;&lt; {}</a:t>
-            </a:r>
-          </a:p>
-          <a:p>
-            <a:r>
-              <a:rPr lang="en-US" b="1" dirty="0" err="1" smtClean="0"/>
-              <a:t>buildSrc</a:t>
-            </a:r>
-            <a:r>
-              <a:rPr lang="en-US" b="1" dirty="0" smtClean="0"/>
-              <a:t> project</a:t>
-            </a:r>
-          </a:p>
-          <a:p>
-            <a:pPr lvl="1"/>
-            <a:r>
-              <a:rPr lang="en-US" dirty="0" err="1" smtClean="0"/>
-              <a:t>build.gradle</a:t>
-            </a:r>
-            <a:r>
-              <a:rPr lang="en-US" dirty="0" smtClean="0"/>
-              <a:t> is optional, by default groovy plugin applied</a:t>
-            </a:r>
-          </a:p>
-          <a:p>
-            <a:pPr lvl="1"/>
-            <a:r>
-              <a:rPr lang="en-US" dirty="0" smtClean="0"/>
-              <a:t>Ex - </a:t>
-            </a:r>
             <a:r>
               <a:rPr lang="en-US" dirty="0" smtClean="0">
                 <a:hlinkClick r:id="rId2"/>
               </a:rPr>
-              <a:t>https://github.com/mockito/mockito</a:t>
+              <a:t>https://issues.gradle.org/browse/GRADLE-2429</a:t>
             </a:r>
             <a:endParaRPr lang="en-US" dirty="0" smtClean="0"/>
           </a:p>
           <a:p>
-            <a:r>
-              <a:rPr lang="en-US" b="1" dirty="0" smtClean="0"/>
-              <a:t>Shared scripts</a:t>
-            </a:r>
-          </a:p>
-          <a:p>
             <a:pPr lvl="1"/>
             <a:r>
-              <a:rPr lang="en-US" dirty="0" smtClean="0"/>
-              <a:t>apply from: '</a:t>
-            </a:r>
-            <a:r>
-              <a:rPr lang="en-US" dirty="0" err="1" smtClean="0"/>
-              <a:t>other.gradle</a:t>
-            </a:r>
-            <a:r>
-              <a:rPr lang="en-US" dirty="0" smtClean="0"/>
-              <a:t>‘</a:t>
-            </a:r>
-          </a:p>
-          <a:p>
-            <a:r>
-              <a:rPr lang="en-US" b="1" dirty="0" smtClean="0"/>
-              <a:t>Execute external build</a:t>
-            </a:r>
-          </a:p>
-          <a:p>
-            <a:pPr lvl="1"/>
-            <a:r>
-              <a:rPr lang="en-US" dirty="0" smtClean="0"/>
-              <a:t>task build(type: </a:t>
-            </a:r>
-            <a:r>
-              <a:rPr lang="en-US" dirty="0" err="1" smtClean="0"/>
-              <a:t>GradleBuild</a:t>
-            </a:r>
-            <a:r>
-              <a:rPr lang="en-US" dirty="0" smtClean="0"/>
-              <a:t>) </a:t>
-            </a:r>
-            <a:br>
-              <a:rPr lang="en-US" dirty="0" smtClean="0"/>
-            </a:br>
-            <a:r>
-              <a:rPr lang="en-US" dirty="0" smtClean="0"/>
-              <a:t>{ </a:t>
-            </a:r>
-            <a:r>
-              <a:rPr lang="en-US" dirty="0" err="1" smtClean="0"/>
-              <a:t>buildFile</a:t>
-            </a:r>
-            <a:r>
-              <a:rPr lang="en-US" dirty="0" smtClean="0"/>
-              <a:t> = '</a:t>
-            </a:r>
-            <a:r>
-              <a:rPr lang="en-US" dirty="0" err="1" smtClean="0"/>
-              <a:t>other.gradle</a:t>
-            </a:r>
-            <a:r>
-              <a:rPr lang="en-US" dirty="0" smtClean="0"/>
-              <a:t>' tasks = ['hello'] }</a:t>
-            </a:r>
-          </a:p>
-          <a:p>
-            <a:pPr lvl="1"/>
+              <a:rPr lang="en-US" dirty="0" smtClean="0">
+                <a:hlinkClick r:id="rId3"/>
+              </a:rPr>
+              <a:t>http://www.gdub.rocks/</a:t>
+            </a:r>
             <a:endParaRPr lang="en-US" dirty="0" smtClean="0"/>
+          </a:p>
+          <a:p>
+            <a:r>
+              <a:rPr lang="en-US" dirty="0" smtClean="0"/>
+              <a:t>Ex 11</a:t>
+            </a:r>
           </a:p>
           <a:p>
             <a:endParaRPr lang="en-US" dirty="0"/>
@@ -8464,13 +8587,6 @@
   <p:clrMapOvr>
     <a:masterClrMapping/>
   </p:clrMapOvr>
-  <p:timing>
-    <p:tnLst>
-      <p:par>
-        <p:cTn id="1" dur="indefinite" restart="never" nodeType="tmRoot"/>
-      </p:par>
-    </p:tnLst>
-  </p:timing>
 </p:sld>
 </file>
 
@@ -8509,10 +8625,10 @@
           <a:lstStyle/>
           <a:p>
             <a:r>
-              <a:rPr lang="pl-PL" dirty="0" smtClean="0"/>
-              <a:t>Java plugin</a:t>
-            </a:r>
-            <a:endParaRPr lang="pl-PL" dirty="0"/>
+              <a:rPr lang="en-US" dirty="0" smtClean="0"/>
+              <a:t>Organizing build logic</a:t>
+            </a:r>
+            <a:endParaRPr lang="en-US" dirty="0"/>
           </a:p>
         </p:txBody>
       </p:sp>
@@ -8528,37 +8644,161 @@
         </p:nvSpPr>
         <p:spPr/>
         <p:txBody>
-          <a:bodyPr/>
-          <a:lstStyle/>
-          <a:p>
-            <a:r>
-              <a:rPr lang="pl-PL" dirty="0" smtClean="0"/>
-              <a:t>Source sets – group of source files (main, test)</a:t>
-            </a:r>
-          </a:p>
-          <a:p>
-            <a:r>
-              <a:rPr lang="pl-PL" dirty="0" smtClean="0"/>
-              <a:t>Tasks</a:t>
-            </a:r>
-          </a:p>
-          <a:p>
-            <a:r>
-              <a:rPr lang="pl-PL" dirty="0" smtClean="0"/>
-              <a:t>Dependencies</a:t>
-            </a:r>
-          </a:p>
-          <a:p>
-            <a:r>
-              <a:rPr lang="pl-PL" dirty="0" smtClean="0"/>
-              <a:t>Bunch of project properties (e.g. sourceCompatibility, distsDir, ...)</a:t>
-            </a:r>
-          </a:p>
-          <a:p>
-            <a:endParaRPr lang="pl-PL" dirty="0" smtClean="0"/>
-          </a:p>
-          <a:p>
-            <a:endParaRPr lang="pl-PL" dirty="0"/>
+          <a:bodyPr>
+            <a:normAutofit fontScale="77500" lnSpcReduction="20000"/>
+          </a:bodyPr>
+          <a:lstStyle/>
+          <a:p>
+            <a:r>
+              <a:rPr lang="en-US" b="1" dirty="0" smtClean="0"/>
+              <a:t>Custom tasks/plugins</a:t>
+            </a:r>
+          </a:p>
+          <a:p>
+            <a:r>
+              <a:rPr lang="en-US" b="1" dirty="0" smtClean="0"/>
+              <a:t>Multi-project</a:t>
+            </a:r>
+            <a:r>
+              <a:rPr lang="en-US" dirty="0" smtClean="0"/>
+              <a:t> build</a:t>
+            </a:r>
+          </a:p>
+          <a:p>
+            <a:pPr lvl="1"/>
+            <a:r>
+              <a:rPr lang="en-US" dirty="0" smtClean="0"/>
+              <a:t>Inherited properties and methods</a:t>
+            </a:r>
+          </a:p>
+          <a:p>
+            <a:pPr lvl="1"/>
+            <a:r>
+              <a:rPr lang="en-US" dirty="0" smtClean="0"/>
+              <a:t>Injected configuration</a:t>
+            </a:r>
+          </a:p>
+          <a:p>
+            <a:pPr lvl="2"/>
+            <a:r>
+              <a:rPr lang="en-US" dirty="0" smtClean="0"/>
+              <a:t>subprojects {}, </a:t>
+            </a:r>
+            <a:r>
+              <a:rPr lang="en-US" dirty="0" err="1" smtClean="0"/>
+              <a:t>allprojects</a:t>
+            </a:r>
+            <a:r>
+              <a:rPr lang="en-US" dirty="0" smtClean="0"/>
+              <a:t> {}, project(name).task &lt;&lt; {}</a:t>
+            </a:r>
+          </a:p>
+          <a:p>
+            <a:r>
+              <a:rPr lang="en-US" b="1" dirty="0" err="1" smtClean="0"/>
+              <a:t>buildSrc</a:t>
+            </a:r>
+            <a:r>
+              <a:rPr lang="en-US" b="1" dirty="0" smtClean="0"/>
+              <a:t> project</a:t>
+            </a:r>
+          </a:p>
+          <a:p>
+            <a:pPr lvl="1"/>
+            <a:r>
+              <a:rPr lang="en-US" dirty="0" err="1" smtClean="0"/>
+              <a:t>build.gradle</a:t>
+            </a:r>
+            <a:r>
+              <a:rPr lang="en-US" dirty="0" smtClean="0"/>
+              <a:t> is optional, by default groovy plugin applied</a:t>
+            </a:r>
+          </a:p>
+          <a:p>
+            <a:pPr lvl="1"/>
+            <a:r>
+              <a:rPr lang="en-US" dirty="0" smtClean="0"/>
+              <a:t>Ex - </a:t>
+            </a:r>
+            <a:r>
+              <a:rPr lang="en-US" dirty="0" smtClean="0">
+                <a:hlinkClick r:id="rId2"/>
+              </a:rPr>
+              <a:t>https://github.com/mockito/mockito</a:t>
+            </a:r>
+            <a:endParaRPr lang="en-US" dirty="0" smtClean="0"/>
+          </a:p>
+          <a:p>
+            <a:r>
+              <a:rPr lang="en-US" b="1" dirty="0" smtClean="0"/>
+              <a:t>Shared scripts</a:t>
+            </a:r>
+          </a:p>
+          <a:p>
+            <a:pPr lvl="1"/>
+            <a:r>
+              <a:rPr lang="en-US" dirty="0" smtClean="0"/>
+              <a:t>apply from: '</a:t>
+            </a:r>
+            <a:r>
+              <a:rPr lang="en-US" dirty="0" err="1" smtClean="0"/>
+              <a:t>other.gradle</a:t>
+            </a:r>
+            <a:r>
+              <a:rPr lang="en-US" dirty="0" smtClean="0"/>
+              <a:t>‘</a:t>
+            </a:r>
+          </a:p>
+          <a:p>
+            <a:r>
+              <a:rPr lang="en-US" b="1" dirty="0" smtClean="0"/>
+              <a:t>Execute external build</a:t>
+            </a:r>
+          </a:p>
+          <a:p>
+            <a:pPr lvl="1"/>
+            <a:r>
+              <a:rPr lang="en-US" dirty="0" smtClean="0"/>
+              <a:t>task build(type: </a:t>
+            </a:r>
+            <a:r>
+              <a:rPr lang="en-US" dirty="0" err="1" smtClean="0"/>
+              <a:t>GradleBuild</a:t>
+            </a:r>
+            <a:r>
+              <a:rPr lang="en-US" dirty="0" smtClean="0"/>
+              <a:t>) </a:t>
+            </a:r>
+            <a:br>
+              <a:rPr lang="en-US" dirty="0" smtClean="0"/>
+            </a:br>
+            <a:r>
+              <a:rPr lang="en-US" dirty="0" smtClean="0"/>
+              <a:t>{ </a:t>
+            </a:r>
+            <a:r>
+              <a:rPr lang="en-US" dirty="0" err="1" smtClean="0"/>
+              <a:t>buildFile</a:t>
+            </a:r>
+            <a:r>
+              <a:rPr lang="en-US" dirty="0" smtClean="0"/>
+              <a:t> = '</a:t>
+            </a:r>
+            <a:r>
+              <a:rPr lang="en-US" dirty="0" err="1" smtClean="0"/>
+              <a:t>other.gradle</a:t>
+            </a:r>
+            <a:r>
+              <a:rPr lang="en-US" dirty="0" smtClean="0"/>
+              <a:t>' tasks = ['hello'] }</a:t>
+            </a:r>
+          </a:p>
+          <a:p>
+            <a:pPr lvl="1"/>
+            <a:endParaRPr lang="en-US" dirty="0" smtClean="0"/>
+          </a:p>
+          <a:p>
+            <a:endParaRPr lang="en-US" dirty="0"/>
           </a:p>
         </p:txBody>
       </p:sp>
@@ -8567,6 +8807,13 @@
   <p:clrMapOvr>
     <a:masterClrMapping/>
   </p:clrMapOvr>
+  <p:timing>
+    <p:tnLst>
+      <p:par>
+        <p:cTn id="1" dur="indefinite" restart="never" nodeType="tmRoot"/>
+      </p:par>
+    </p:tnLst>
+  </p:timing>
 </p:sld>
 </file>
 
@@ -8751,6 +8998,102 @@
 </file>
 
 <file path=ppt/slides/slide30.xml><?xml version="1.0" encoding="utf-8"?>
+<p:sld xmlns:a="http://schemas.openxmlformats.org/drawingml/2006/main" xmlns:r="http://schemas.openxmlformats.org/officeDocument/2006/relationships" xmlns:p="http://schemas.openxmlformats.org/presentationml/2006/main">
+  <p:cSld>
+    <p:spTree>
+      <p:nvGrpSpPr>
+        <p:cNvPr id="1" name=""/>
+        <p:cNvGrpSpPr/>
+        <p:nvPr/>
+      </p:nvGrpSpPr>
+      <p:grpSpPr>
+        <a:xfrm>
+          <a:off x="0" y="0"/>
+          <a:ext cx="0" cy="0"/>
+          <a:chOff x="0" y="0"/>
+          <a:chExt cx="0" cy="0"/>
+        </a:xfrm>
+      </p:grpSpPr>
+      <p:sp>
+        <p:nvSpPr>
+          <p:cNvPr id="2" name="Title 1"/>
+          <p:cNvSpPr>
+            <a:spLocks noGrp="1"/>
+          </p:cNvSpPr>
+          <p:nvPr>
+            <p:ph type="title"/>
+          </p:nvPr>
+        </p:nvSpPr>
+        <p:spPr/>
+        <p:txBody>
+          <a:bodyPr>
+            <a:normAutofit/>
+          </a:bodyPr>
+          <a:lstStyle/>
+          <a:p>
+            <a:r>
+              <a:rPr lang="pl-PL" dirty="0" smtClean="0"/>
+              <a:t>Java plugin</a:t>
+            </a:r>
+            <a:endParaRPr lang="pl-PL" dirty="0"/>
+          </a:p>
+        </p:txBody>
+      </p:sp>
+      <p:sp>
+        <p:nvSpPr>
+          <p:cNvPr id="3" name="Content Placeholder 2"/>
+          <p:cNvSpPr>
+            <a:spLocks noGrp="1"/>
+          </p:cNvSpPr>
+          <p:nvPr>
+            <p:ph idx="1"/>
+          </p:nvPr>
+        </p:nvSpPr>
+        <p:spPr/>
+        <p:txBody>
+          <a:bodyPr/>
+          <a:lstStyle/>
+          <a:p>
+            <a:r>
+              <a:rPr lang="pl-PL" dirty="0" smtClean="0"/>
+              <a:t>Source sets – group of source files (main, test)</a:t>
+            </a:r>
+          </a:p>
+          <a:p>
+            <a:r>
+              <a:rPr lang="pl-PL" dirty="0" smtClean="0"/>
+              <a:t>Tasks</a:t>
+            </a:r>
+          </a:p>
+          <a:p>
+            <a:r>
+              <a:rPr lang="pl-PL" dirty="0" smtClean="0"/>
+              <a:t>Dependencies</a:t>
+            </a:r>
+          </a:p>
+          <a:p>
+            <a:r>
+              <a:rPr lang="pl-PL" dirty="0" smtClean="0"/>
+              <a:t>Bunch of project properties (e.g. sourceCompatibility, distsDir, ...)</a:t>
+            </a:r>
+          </a:p>
+          <a:p>
+            <a:endParaRPr lang="pl-PL" dirty="0" smtClean="0"/>
+          </a:p>
+          <a:p>
+            <a:endParaRPr lang="pl-PL" dirty="0"/>
+          </a:p>
+        </p:txBody>
+      </p:sp>
+    </p:spTree>
+  </p:cSld>
+  <p:clrMapOvr>
+    <a:masterClrMapping/>
+  </p:clrMapOvr>
+</p:sld>
+</file>
+
+<file path=ppt/slides/slide31.xml><?xml version="1.0" encoding="utf-8"?>
 <p:sld xmlns:a="http://schemas.openxmlformats.org/drawingml/2006/main" xmlns:r="http://schemas.openxmlformats.org/officeDocument/2006/relationships" xmlns:p="http://schemas.openxmlformats.org/presentationml/2006/main">
   <p:cSld>
     <p:spTree>
@@ -8831,7 +9174,7 @@
 </p:sld>
 </file>
 
-<file path=ppt/slides/slide31.xml><?xml version="1.0" encoding="utf-8"?>
+<file path=ppt/slides/slide32.xml><?xml version="1.0" encoding="utf-8"?>
 <p:sld xmlns:a="http://schemas.openxmlformats.org/drawingml/2006/main" xmlns:r="http://schemas.openxmlformats.org/officeDocument/2006/relationships" xmlns:p="http://schemas.openxmlformats.org/presentationml/2006/main">
   <p:cSld>
     <p:spTree>
@@ -8912,7 +9255,7 @@
 </p:sld>
 </file>
 
-<file path=ppt/slides/slide32.xml><?xml version="1.0" encoding="utf-8"?>
+<file path=ppt/slides/slide33.xml><?xml version="1.0" encoding="utf-8"?>
 <p:sld xmlns:a="http://schemas.openxmlformats.org/drawingml/2006/main" xmlns:r="http://schemas.openxmlformats.org/officeDocument/2006/relationships" xmlns:p="http://schemas.openxmlformats.org/presentationml/2006/main">
   <p:cSld>
     <p:spTree>
@@ -8993,7 +9336,7 @@
 </p:sld>
 </file>
 
-<file path=ppt/slides/slide33.xml><?xml version="1.0" encoding="utf-8"?>
+<file path=ppt/slides/slide34.xml><?xml version="1.0" encoding="utf-8"?>
 <p:sld xmlns:a="http://schemas.openxmlformats.org/drawingml/2006/main" xmlns:r="http://schemas.openxmlformats.org/officeDocument/2006/relationships" xmlns:p="http://schemas.openxmlformats.org/presentationml/2006/main">
   <p:cSld>
     <p:spTree>
@@ -9075,7 +9418,7 @@
 </p:sld>
 </file>
 
-<file path=ppt/slides/slide34.xml><?xml version="1.0" encoding="utf-8"?>
+<file path=ppt/slides/slide35.xml><?xml version="1.0" encoding="utf-8"?>
 <p:sld xmlns:a="http://schemas.openxmlformats.org/drawingml/2006/main" xmlns:r="http://schemas.openxmlformats.org/officeDocument/2006/relationships" xmlns:p="http://schemas.openxmlformats.org/presentationml/2006/main">
   <p:cSld>
     <p:spTree>
@@ -9193,7 +9536,7 @@
 </p:sld>
 </file>
 
-<file path=ppt/slides/slide35.xml><?xml version="1.0" encoding="utf-8"?>
+<file path=ppt/slides/slide36.xml><?xml version="1.0" encoding="utf-8"?>
 <p:sld xmlns:a="http://schemas.openxmlformats.org/drawingml/2006/main" xmlns:r="http://schemas.openxmlformats.org/officeDocument/2006/relationships" xmlns:p="http://schemas.openxmlformats.org/presentationml/2006/main">
   <p:cSld>
     <p:spTree>
@@ -9244,7 +9587,7 @@
 </p:sld>
 </file>
 
-<file path=ppt/slides/slide36.xml><?xml version="1.0" encoding="utf-8"?>
+<file path=ppt/slides/slide37.xml><?xml version="1.0" encoding="utf-8"?>
 <p:sld xmlns:a="http://schemas.openxmlformats.org/drawingml/2006/main" xmlns:r="http://schemas.openxmlformats.org/officeDocument/2006/relationships" xmlns:p="http://schemas.openxmlformats.org/presentationml/2006/main">
   <p:cSld>
     <p:spTree>
@@ -9302,7 +9645,7 @@
 </p:sld>
 </file>
 
-<file path=ppt/slides/slide37.xml><?xml version="1.0" encoding="utf-8"?>
+<file path=ppt/slides/slide38.xml><?xml version="1.0" encoding="utf-8"?>
 <p:sld xmlns:a="http://schemas.openxmlformats.org/drawingml/2006/main" xmlns:r="http://schemas.openxmlformats.org/officeDocument/2006/relationships" xmlns:p="http://schemas.openxmlformats.org/presentationml/2006/main">
   <p:cSld>
     <p:spTree>
@@ -9483,7 +9826,7 @@
 </p:sld>
 </file>
 
-<file path=ppt/slides/slide38.xml><?xml version="1.0" encoding="utf-8"?>
+<file path=ppt/slides/slide39.xml><?xml version="1.0" encoding="utf-8"?>
 <p:sld xmlns:a="http://schemas.openxmlformats.org/drawingml/2006/main" xmlns:r="http://schemas.openxmlformats.org/officeDocument/2006/relationships" xmlns:p="http://schemas.openxmlformats.org/presentationml/2006/main">
   <p:cSld>
     <p:spTree>

--- a/Introduction to Gradle.pptx
+++ b/Introduction to Gradle.pptx
@@ -1339,11 +1339,7 @@
             </a:pPr>
             <a:r>
               <a:rPr lang="en-US" dirty="0" smtClean="0"/>
-              <a:t>https://</a:t>
-            </a:r>
-            <a:r>
-              <a:rPr lang="en-US" dirty="0" smtClean="0"/>
-              <a:t>docs.gradle.org/current/dsl/org.gradle.api.Project.html</a:t>
+              <a:t>https://docs.gradle.org/current/dsl/org.gradle.api.Project.html</a:t>
             </a:r>
           </a:p>
           <a:p>
@@ -1631,7 +1627,6 @@
               <a:rPr lang="en-US" dirty="0" smtClean="0"/>
               <a:t>http://www.groovy-lang.org/semantics.html</a:t>
             </a:r>
-            <a:endParaRPr lang="en-US" dirty="0" smtClean="0"/>
           </a:p>
           <a:p>
             <a:endParaRPr lang="en-US" dirty="0"/>
@@ -5415,13 +5410,8 @@
             </a:r>
             <a:r>
               <a:rPr lang="en-US" dirty="0" smtClean="0"/>
-              <a:t> in </a:t>
-            </a:r>
-            <a:r>
-              <a:rPr lang="en-US" dirty="0" smtClean="0"/>
-              <a:t>project dir</a:t>
-            </a:r>
-            <a:endParaRPr lang="en-US" dirty="0" smtClean="0"/>
+              <a:t> in project dir</a:t>
+            </a:r>
           </a:p>
           <a:p>
             <a:pPr lvl="1" fontAlgn="base"/>
@@ -5470,11 +5460,7 @@
             </a:r>
             <a:r>
               <a:rPr lang="pl-PL" dirty="0" smtClean="0"/>
-              <a:t> </a:t>
-            </a:r>
-            <a:r>
-              <a:rPr lang="pl-PL" dirty="0" smtClean="0"/>
-              <a:t>or </a:t>
+              <a:t> or </a:t>
             </a:r>
             <a:r>
               <a:rPr lang="pl-PL" b="1" dirty="0" smtClean="0"/>
@@ -5488,7 +5474,6 @@
               <a:rPr lang="en-US" dirty="0" smtClean="0"/>
               <a:t>Ex4</a:t>
             </a:r>
-            <a:endParaRPr lang="en-US" dirty="0" smtClean="0"/>
           </a:p>
           <a:p>
             <a:pPr lvl="1"/>
@@ -5584,21 +5569,13 @@
             </a:r>
             <a:r>
               <a:rPr lang="en-US" dirty="0" smtClean="0"/>
-              <a:t>(&lt;name&gt;) method to check </a:t>
-            </a:r>
-            <a:r>
-              <a:rPr lang="en-US" dirty="0" smtClean="0"/>
-              <a:t>existence</a:t>
-            </a:r>
-          </a:p>
-          <a:p>
-            <a:r>
-              <a:rPr lang="en-US" dirty="0" smtClean="0"/>
-              <a:t>Visible in </a:t>
-            </a:r>
-            <a:r>
-              <a:rPr lang="en-US" dirty="0" smtClean="0"/>
-              <a:t>sub-projects</a:t>
+              <a:t>(&lt;name&gt;) method to check existence</a:t>
+            </a:r>
+          </a:p>
+          <a:p>
+            <a:r>
+              <a:rPr lang="en-US" dirty="0" smtClean="0"/>
+              <a:t>Visible in sub-projects</a:t>
             </a:r>
           </a:p>
           <a:p>
@@ -5705,13 +5682,8 @@
             </a:r>
             <a:r>
               <a:rPr lang="en-US" dirty="0" smtClean="0"/>
-              <a:t> in project </a:t>
-            </a:r>
-            <a:r>
-              <a:rPr lang="en-US" dirty="0" smtClean="0"/>
-              <a:t>(sub-project) dir</a:t>
-            </a:r>
-            <a:endParaRPr lang="en-US" dirty="0" smtClean="0"/>
+              <a:t> in project (sub-project) dir</a:t>
+            </a:r>
           </a:p>
           <a:p>
             <a:pPr lvl="1"/>
@@ -5744,11 +5716,7 @@
             </a:r>
             <a:r>
               <a:rPr lang="en-US" dirty="0" smtClean="0"/>
-              <a:t>&lt;key&gt;=&lt;value</a:t>
-            </a:r>
-            <a:r>
-              <a:rPr lang="en-US" dirty="0" smtClean="0"/>
-              <a:t>&gt;</a:t>
+              <a:t>&lt;key&gt;=&lt;value&gt;</a:t>
             </a:r>
           </a:p>
           <a:p>
@@ -5763,22 +5731,14 @@
             </a:r>
             <a:r>
               <a:rPr lang="en-US" dirty="0" smtClean="0"/>
-              <a:t>.&lt;key&gt;=&lt;value</a:t>
-            </a:r>
-            <a:r>
-              <a:rPr lang="en-US" dirty="0" smtClean="0"/>
-              <a:t>&gt;</a:t>
+              <a:t>.&lt;key&gt;=&lt;value&gt;</a:t>
             </a:r>
           </a:p>
           <a:p>
             <a:pPr lvl="1"/>
             <a:r>
               <a:rPr lang="en-US" dirty="0" smtClean="0"/>
-              <a:t>Environment </a:t>
-            </a:r>
-            <a:r>
-              <a:rPr lang="en-US" dirty="0" smtClean="0"/>
-              <a:t>variable </a:t>
+              <a:t>Environment variable </a:t>
             </a:r>
             <a:r>
               <a:rPr lang="en-US" b="1" dirty="0" smtClean="0"/>
@@ -5786,11 +5746,7 @@
             </a:r>
             <a:r>
               <a:rPr lang="en-US" dirty="0" smtClean="0"/>
-              <a:t>_&lt;key&gt;=&lt;value</a:t>
-            </a:r>
-            <a:r>
-              <a:rPr lang="en-US" dirty="0" smtClean="0"/>
-              <a:t>&gt;</a:t>
+              <a:t>_&lt;key&gt;=&lt;value&gt;</a:t>
             </a:r>
           </a:p>
           <a:p>
@@ -5894,13 +5850,8 @@
             </a:r>
             <a:r>
               <a:rPr lang="en-US" dirty="0" smtClean="0"/>
-              <a:t>.&lt;key&gt;=&lt;value</a:t>
-            </a:r>
-            <a:r>
-              <a:rPr lang="en-US" dirty="0" smtClean="0"/>
-              <a:t>&gt;</a:t>
-            </a:r>
-            <a:endParaRPr lang="en-US" dirty="0" smtClean="0"/>
+              <a:t>.&lt;key&gt;=&lt;value&gt;</a:t>
+            </a:r>
           </a:p>
         </p:txBody>
       </p:sp>
@@ -6006,8 +5957,29 @@
           <a:p>
             <a:r>
               <a:rPr lang="en-US" dirty="0" smtClean="0"/>
-              <a:t>Executed only once</a:t>
-            </a:r>
+              <a:t>Executed only </a:t>
+            </a:r>
+            <a:r>
+              <a:rPr lang="en-US" dirty="0" smtClean="0"/>
+              <a:t>once (</a:t>
+            </a:r>
+            <a:r>
+              <a:rPr lang="en-US" dirty="0" err="1" smtClean="0"/>
+              <a:t>gradle</a:t>
+            </a:r>
+            <a:r>
+              <a:rPr lang="en-US" dirty="0" smtClean="0"/>
+              <a:t> clean </a:t>
+            </a:r>
+            <a:r>
+              <a:rPr lang="en-US" dirty="0" err="1" smtClean="0"/>
+              <a:t>clean</a:t>
+            </a:r>
+            <a:r>
+              <a:rPr lang="en-US" dirty="0" smtClean="0"/>
+              <a:t>)</a:t>
+            </a:r>
+            <a:endParaRPr lang="en-US" dirty="0" smtClean="0"/>
           </a:p>
           <a:p>
             <a:pPr lvl="1"/>
@@ -6272,7 +6244,11 @@
             </a:r>
             <a:r>
               <a:rPr lang="en-US" dirty="0" smtClean="0"/>
-              <a:t>() for not file oriented outputs</a:t>
+              <a:t>() </a:t>
+            </a:r>
+            <a:r>
+              <a:rPr lang="en-US" dirty="0" smtClean="0"/>
+              <a:t>for not file oriented outputs</a:t>
             </a:r>
           </a:p>
           <a:p>
@@ -6374,8 +6350,24 @@
           <a:p>
             <a:r>
               <a:rPr lang="en-US" dirty="0" smtClean="0"/>
-              <a:t>Task rules and options – Ex8</a:t>
-            </a:r>
+              <a:t>Task rules and options – </a:t>
+            </a:r>
+            <a:r>
+              <a:rPr lang="en-US" dirty="0" smtClean="0"/>
+              <a:t>Ex8</a:t>
+            </a:r>
+          </a:p>
+          <a:p>
+            <a:pPr lvl="1"/>
+            <a:r>
+              <a:rPr lang="en-US" dirty="0" smtClean="0"/>
+              <a:t>task </a:t>
+            </a:r>
+            <a:r>
+              <a:rPr lang="en-US" dirty="0" smtClean="0"/>
+              <a:t>whose behavior depends on a large or infinite number value range of parameters</a:t>
+            </a:r>
+            <a:endParaRPr lang="en-US" dirty="0" smtClean="0"/>
           </a:p>
           <a:p>
             <a:r>

--- a/Introduction to Gradle.pptx
+++ b/Introduction to Gradle.pptx
@@ -231,7 +231,7 @@
             <a:fld id="{AA2A308B-6F90-4754-832D-E98F3D7923D8}" type="datetimeFigureOut">
               <a:rPr lang="en-US" smtClean="0"/>
               <a:pPr/>
-              <a:t>4/17/2016</a:t>
+              <a:t>4/18/2016</a:t>
             </a:fld>
             <a:endParaRPr lang="en-US"/>
           </a:p>
@@ -2216,7 +2216,7 @@
             <a:fld id="{8E40BA57-46E3-4466-90A1-75266991A688}" type="datetimeFigureOut">
               <a:rPr lang="en-US" smtClean="0"/>
               <a:pPr/>
-              <a:t>4/17/2016</a:t>
+              <a:t>4/18/2016</a:t>
             </a:fld>
             <a:endParaRPr lang="en-US"/>
           </a:p>
@@ -2383,7 +2383,7 @@
             <a:fld id="{8E40BA57-46E3-4466-90A1-75266991A688}" type="datetimeFigureOut">
               <a:rPr lang="en-US" smtClean="0"/>
               <a:pPr/>
-              <a:t>4/17/2016</a:t>
+              <a:t>4/18/2016</a:t>
             </a:fld>
             <a:endParaRPr lang="en-US"/>
           </a:p>
@@ -2560,7 +2560,7 @@
             <a:fld id="{8E40BA57-46E3-4466-90A1-75266991A688}" type="datetimeFigureOut">
               <a:rPr lang="en-US" smtClean="0"/>
               <a:pPr/>
-              <a:t>4/17/2016</a:t>
+              <a:t>4/18/2016</a:t>
             </a:fld>
             <a:endParaRPr lang="en-US"/>
           </a:p>
@@ -2727,7 +2727,7 @@
             <a:fld id="{8E40BA57-46E3-4466-90A1-75266991A688}" type="datetimeFigureOut">
               <a:rPr lang="en-US" smtClean="0"/>
               <a:pPr/>
-              <a:t>4/17/2016</a:t>
+              <a:t>4/18/2016</a:t>
             </a:fld>
             <a:endParaRPr lang="en-US"/>
           </a:p>
@@ -2970,7 +2970,7 @@
             <a:fld id="{8E40BA57-46E3-4466-90A1-75266991A688}" type="datetimeFigureOut">
               <a:rPr lang="en-US" smtClean="0"/>
               <a:pPr/>
-              <a:t>4/17/2016</a:t>
+              <a:t>4/18/2016</a:t>
             </a:fld>
             <a:endParaRPr lang="en-US"/>
           </a:p>
@@ -3255,7 +3255,7 @@
             <a:fld id="{8E40BA57-46E3-4466-90A1-75266991A688}" type="datetimeFigureOut">
               <a:rPr lang="en-US" smtClean="0"/>
               <a:pPr/>
-              <a:t>4/17/2016</a:t>
+              <a:t>4/18/2016</a:t>
             </a:fld>
             <a:endParaRPr lang="en-US"/>
           </a:p>
@@ -3674,7 +3674,7 @@
             <a:fld id="{8E40BA57-46E3-4466-90A1-75266991A688}" type="datetimeFigureOut">
               <a:rPr lang="en-US" smtClean="0"/>
               <a:pPr/>
-              <a:t>4/17/2016</a:t>
+              <a:t>4/18/2016</a:t>
             </a:fld>
             <a:endParaRPr lang="en-US"/>
           </a:p>
@@ -3789,7 +3789,7 @@
             <a:fld id="{8E40BA57-46E3-4466-90A1-75266991A688}" type="datetimeFigureOut">
               <a:rPr lang="en-US" smtClean="0"/>
               <a:pPr/>
-              <a:t>4/17/2016</a:t>
+              <a:t>4/18/2016</a:t>
             </a:fld>
             <a:endParaRPr lang="en-US"/>
           </a:p>
@@ -3881,7 +3881,7 @@
             <a:fld id="{8E40BA57-46E3-4466-90A1-75266991A688}" type="datetimeFigureOut">
               <a:rPr lang="en-US" smtClean="0"/>
               <a:pPr/>
-              <a:t>4/17/2016</a:t>
+              <a:t>4/18/2016</a:t>
             </a:fld>
             <a:endParaRPr lang="en-US"/>
           </a:p>
@@ -4155,7 +4155,7 @@
             <a:fld id="{8E40BA57-46E3-4466-90A1-75266991A688}" type="datetimeFigureOut">
               <a:rPr lang="en-US" smtClean="0"/>
               <a:pPr/>
-              <a:t>4/17/2016</a:t>
+              <a:t>4/18/2016</a:t>
             </a:fld>
             <a:endParaRPr lang="en-US"/>
           </a:p>
@@ -4405,7 +4405,7 @@
             <a:fld id="{8E40BA57-46E3-4466-90A1-75266991A688}" type="datetimeFigureOut">
               <a:rPr lang="en-US" smtClean="0"/>
               <a:pPr/>
-              <a:t>4/17/2016</a:t>
+              <a:t>4/18/2016</a:t>
             </a:fld>
             <a:endParaRPr lang="en-US"/>
           </a:p>
@@ -4615,7 +4615,7 @@
             <a:fld id="{8E40BA57-46E3-4466-90A1-75266991A688}" type="datetimeFigureOut">
               <a:rPr lang="en-US" smtClean="0"/>
               <a:pPr/>
-              <a:t>4/17/2016</a:t>
+              <a:t>4/18/2016</a:t>
             </a:fld>
             <a:endParaRPr lang="en-US"/>
           </a:p>
@@ -5933,7 +5933,7 @@
           <a:p>
             <a:r>
               <a:rPr lang="en-US" dirty="0" smtClean="0"/>
-              <a:t>Made up of sequence of Actions</a:t>
+              <a:t>Made up of a sequence of Actions</a:t>
             </a:r>
           </a:p>
           <a:p>
@@ -5957,11 +5957,7 @@
           <a:p>
             <a:r>
               <a:rPr lang="en-US" dirty="0" smtClean="0"/>
-              <a:t>Executed only </a:t>
-            </a:r>
-            <a:r>
-              <a:rPr lang="en-US" dirty="0" smtClean="0"/>
-              <a:t>once (</a:t>
+              <a:t>Executed only once (</a:t>
             </a:r>
             <a:r>
               <a:rPr lang="en-US" dirty="0" err="1" smtClean="0"/>
@@ -5979,7 +5975,6 @@
               <a:rPr lang="en-US" dirty="0" smtClean="0"/>
               <a:t>)</a:t>
             </a:r>
-            <a:endParaRPr lang="en-US" dirty="0" smtClean="0"/>
           </a:p>
           <a:p>
             <a:pPr lvl="1"/>
@@ -6244,11 +6239,7 @@
             </a:r>
             <a:r>
               <a:rPr lang="en-US" dirty="0" smtClean="0"/>
-              <a:t>() </a:t>
-            </a:r>
-            <a:r>
-              <a:rPr lang="en-US" dirty="0" smtClean="0"/>
-              <a:t>for not file oriented outputs</a:t>
+              <a:t>() for not file oriented outputs</a:t>
             </a:r>
           </a:p>
           <a:p>
@@ -6350,24 +6341,15 @@
           <a:p>
             <a:r>
               <a:rPr lang="en-US" dirty="0" smtClean="0"/>
-              <a:t>Task rules and options – </a:t>
-            </a:r>
-            <a:r>
-              <a:rPr lang="en-US" dirty="0" smtClean="0"/>
-              <a:t>Ex8</a:t>
+              <a:t>Task rules and options – Ex8</a:t>
             </a:r>
           </a:p>
           <a:p>
             <a:pPr lvl="1"/>
             <a:r>
               <a:rPr lang="en-US" dirty="0" smtClean="0"/>
-              <a:t>task </a:t>
-            </a:r>
-            <a:r>
-              <a:rPr lang="en-US" dirty="0" smtClean="0"/>
-              <a:t>whose behavior depends on a large or infinite number value range of parameters</a:t>
-            </a:r>
-            <a:endParaRPr lang="en-US" dirty="0" smtClean="0"/>
+              <a:t>task whose behavior depends on a large or infinite number value range of parameters</a:t>
+            </a:r>
           </a:p>
           <a:p>
             <a:r>
@@ -7818,13 +7800,12 @@
           <a:p>
             <a:r>
               <a:rPr lang="en-US" dirty="0" smtClean="0"/>
-              <a:t>Remote debug, set </a:t>
-            </a:r>
-            <a:r>
-              <a:rPr lang="en-US" dirty="0" err="1" smtClean="0"/>
-              <a:t>jvmargs</a:t>
-            </a:r>
-            <a:endParaRPr lang="en-US" dirty="0" smtClean="0"/>
+              <a:t>Remote </a:t>
+            </a:r>
+            <a:r>
+              <a:rPr lang="en-US" dirty="0" smtClean="0"/>
+              <a:t>debug</a:t>
+            </a:r>
           </a:p>
           <a:p>
             <a:pPr lvl="1"/>
@@ -7850,7 +7831,15 @@
             </a:r>
             <a:r>
               <a:rPr lang="pl-PL" b="1" dirty="0" err="1" smtClean="0"/>
-              <a:t>org.gradle.jvmargs</a:t>
+              <a:t>org.gradle</a:t>
+            </a:r>
+            <a:r>
+              <a:rPr lang="pl-PL" b="1" dirty="0" smtClean="0"/>
+              <a:t>.</a:t>
+            </a:r>
+            <a:r>
+              <a:rPr lang="en-US" b="1" dirty="0" smtClean="0"/>
+              <a:t>debug</a:t>
             </a:r>
             <a:r>
               <a:rPr lang="pl-PL" dirty="0" smtClean="0"/>
@@ -7858,47 +7847,22 @@
             </a:r>
             <a:r>
               <a:rPr lang="en-US" dirty="0" smtClean="0"/>
-              <a:t>-</a:t>
-            </a:r>
-            <a:r>
-              <a:rPr lang="en-US" dirty="0" err="1" smtClean="0"/>
-              <a:t>agentlib:jdwp</a:t>
-            </a:r>
-            <a:r>
-              <a:rPr lang="en-US" dirty="0" smtClean="0"/>
-              <a:t>=transport=</a:t>
-            </a:r>
-            <a:r>
-              <a:rPr lang="en-US" dirty="0" err="1" smtClean="0"/>
-              <a:t>dt_socket,server</a:t>
-            </a:r>
-            <a:r>
-              <a:rPr lang="en-US" dirty="0" smtClean="0"/>
-              <a:t>=</a:t>
-            </a:r>
-            <a:r>
-              <a:rPr lang="en-US" dirty="0" err="1" smtClean="0"/>
-              <a:t>y,suspend</a:t>
-            </a:r>
-            <a:r>
-              <a:rPr lang="en-US" dirty="0" smtClean="0"/>
-              <a:t>=</a:t>
-            </a:r>
-            <a:r>
-              <a:rPr lang="en-US" dirty="0" err="1" smtClean="0"/>
-              <a:t>y,address</a:t>
-            </a:r>
-            <a:r>
-              <a:rPr lang="en-US" dirty="0" smtClean="0"/>
-              <a:t>=5005</a:t>
-            </a:r>
-            <a:endParaRPr lang="pl-PL" dirty="0" smtClean="0"/>
+              <a:t>true</a:t>
+            </a:r>
           </a:p>
           <a:p>
             <a:pPr lvl="1"/>
             <a:r>
+              <a:rPr lang="pl-PL" dirty="0" err="1" smtClean="0"/>
+              <a:t>also</a:t>
+            </a:r>
+            <a:r>
               <a:rPr lang="pl-PL" dirty="0" smtClean="0"/>
-              <a:t>also supported via </a:t>
+              <a:t> </a:t>
+            </a:r>
+            <a:r>
+              <a:rPr lang="pl-PL" dirty="0" smtClean="0"/>
+              <a:t>supported via </a:t>
             </a:r>
             <a:r>
               <a:rPr lang="en-US" dirty="0" err="1" smtClean="0"/>
@@ -7912,6 +7876,22 @@
               <a:rPr lang="en-US" dirty="0" smtClean="0"/>
               <a:t>GRADLE_OPTS</a:t>
             </a:r>
+          </a:p>
+          <a:p>
+            <a:pPr lvl="1"/>
+            <a:r>
+              <a:rPr lang="en-US" dirty="0" smtClean="0"/>
+              <a:t>or -</a:t>
+            </a:r>
+            <a:r>
+              <a:rPr lang="en-US" dirty="0" err="1" smtClean="0"/>
+              <a:t>Dorg.gradle.jvmargs</a:t>
+            </a:r>
+            <a:r>
+              <a:rPr lang="en-US" dirty="0" smtClean="0"/>
+              <a:t>=…</a:t>
+            </a:r>
+            <a:endParaRPr lang="en-US" dirty="0" smtClean="0"/>
           </a:p>
           <a:p>
             <a:endParaRPr lang="en-US" dirty="0"/>
@@ -8465,7 +8445,7 @@
         <p:spPr/>
         <p:txBody>
           <a:bodyPr>
-            <a:normAutofit fontScale="85000" lnSpcReduction="10000"/>
+            <a:normAutofit fontScale="92500" lnSpcReduction="20000"/>
           </a:bodyPr>
           <a:lstStyle/>
           <a:p>
@@ -8564,10 +8544,7 @@
             <a:endParaRPr lang="en-US" dirty="0" smtClean="0"/>
           </a:p>
           <a:p>
-            <a:r>
-              <a:rPr lang="en-US" dirty="0" smtClean="0"/>
-              <a:t>Ex 11</a:t>
-            </a:r>
+            <a:endParaRPr lang="en-US" dirty="0" smtClean="0"/>
           </a:p>
           <a:p>
             <a:endParaRPr lang="en-US" dirty="0"/>

--- a/Introduction to Gradle.pptx
+++ b/Introduction to Gradle.pptx
@@ -5,7 +5,7 @@
     <p:sldMasterId id="2147483648" r:id="rId1"/>
   </p:sldMasterIdLst>
   <p:notesMasterIdLst>
-    <p:notesMasterId r:id="rId41"/>
+    <p:notesMasterId r:id="rId42"/>
   </p:notesMasterIdLst>
   <p:sldIdLst>
     <p:sldId id="256" r:id="rId2"/>
@@ -30,23 +30,24 @@
     <p:sldId id="294" r:id="rId21"/>
     <p:sldId id="283" r:id="rId22"/>
     <p:sldId id="284" r:id="rId23"/>
-    <p:sldId id="287" r:id="rId24"/>
-    <p:sldId id="286" r:id="rId25"/>
-    <p:sldId id="288" r:id="rId26"/>
-    <p:sldId id="289" r:id="rId27"/>
-    <p:sldId id="290" r:id="rId28"/>
-    <p:sldId id="291" r:id="rId29"/>
-    <p:sldId id="282" r:id="rId30"/>
-    <p:sldId id="298" r:id="rId31"/>
-    <p:sldId id="299" r:id="rId32"/>
-    <p:sldId id="296" r:id="rId33"/>
-    <p:sldId id="297" r:id="rId34"/>
-    <p:sldId id="301" r:id="rId35"/>
-    <p:sldId id="292" r:id="rId36"/>
-    <p:sldId id="293" r:id="rId37"/>
-    <p:sldId id="259" r:id="rId38"/>
-    <p:sldId id="285" r:id="rId39"/>
-    <p:sldId id="258" r:id="rId40"/>
+    <p:sldId id="305" r:id="rId24"/>
+    <p:sldId id="287" r:id="rId25"/>
+    <p:sldId id="286" r:id="rId26"/>
+    <p:sldId id="288" r:id="rId27"/>
+    <p:sldId id="289" r:id="rId28"/>
+    <p:sldId id="290" r:id="rId29"/>
+    <p:sldId id="291" r:id="rId30"/>
+    <p:sldId id="282" r:id="rId31"/>
+    <p:sldId id="298" r:id="rId32"/>
+    <p:sldId id="299" r:id="rId33"/>
+    <p:sldId id="296" r:id="rId34"/>
+    <p:sldId id="297" r:id="rId35"/>
+    <p:sldId id="301" r:id="rId36"/>
+    <p:sldId id="292" r:id="rId37"/>
+    <p:sldId id="293" r:id="rId38"/>
+    <p:sldId id="259" r:id="rId39"/>
+    <p:sldId id="285" r:id="rId40"/>
+    <p:sldId id="258" r:id="rId41"/>
   </p:sldIdLst>
   <p:sldSz cx="9144000" cy="6858000" type="screen4x3"/>
   <p:notesSz cx="6858000" cy="9144000"/>
@@ -231,7 +232,7 @@
             <a:fld id="{AA2A308B-6F90-4754-832D-E98F3D7923D8}" type="datetimeFigureOut">
               <a:rPr lang="en-US" smtClean="0"/>
               <a:pPr/>
-              <a:t>4/18/2016</a:t>
+              <a:t>11/13/2016</a:t>
             </a:fld>
             <a:endParaRPr lang="en-US"/>
           </a:p>
@@ -766,45 +767,165 @@
           <a:lstStyle/>
           <a:p>
             <a:r>
-              <a:rPr lang="en-US" dirty="0" err="1" smtClean="0"/>
-              <a:t>Cli</a:t>
-            </a:r>
-            <a:r>
-              <a:rPr lang="en-US" baseline="0" dirty="0" smtClean="0"/>
-              <a:t> example based on Ex10</a:t>
-            </a:r>
-          </a:p>
-          <a:p>
-            <a:endParaRPr lang="en-US" dirty="0" smtClean="0"/>
-          </a:p>
-          <a:p>
-            <a:r>
-              <a:rPr lang="en-US" dirty="0" smtClean="0"/>
-              <a:t>https://docs.gradle.org/current/userguide/tutorial_gradle_command_line.html</a:t>
-            </a:r>
-            <a:endParaRPr lang="pl-PL" dirty="0" smtClean="0"/>
-          </a:p>
-          <a:p>
-            <a:endParaRPr lang="pl-PL" dirty="0" smtClean="0"/>
+              <a:rPr lang="pl-PL" baseline="0" dirty="0" smtClean="0"/>
+              <a:t>ProjectBuilder</a:t>
+            </a:r>
+          </a:p>
+          <a:p>
+            <a:r>
+              <a:rPr lang="en-US" sz="1200" kern="1200" dirty="0" smtClean="0">
+                <a:solidFill>
+                  <a:schemeClr val="tx1"/>
+                </a:solidFill>
+                <a:latin typeface="+mn-lt"/>
+                <a:ea typeface="+mn-ea"/>
+                <a:cs typeface="+mn-cs"/>
+                <a:hlinkClick r:id="rId3"/>
+              </a:rPr>
+              <a:t>https://docs.gradle.org/current/userguide/custom_plugins.html#sec:writing_tests_for_your_plugin</a:t>
+            </a:r>
+            <a:endParaRPr lang="en-US" sz="1200" kern="1200" dirty="0" smtClean="0">
+              <a:solidFill>
+                <a:schemeClr val="tx1"/>
+              </a:solidFill>
+              <a:latin typeface="+mn-lt"/>
+              <a:ea typeface="+mn-ea"/>
+              <a:cs typeface="+mn-cs"/>
+            </a:endParaRPr>
+          </a:p>
+          <a:p>
+            <a:r>
+              <a:rPr lang="en-US" sz="1200" kern="1200" dirty="0" smtClean="0">
+                <a:solidFill>
+                  <a:schemeClr val="tx1"/>
+                </a:solidFill>
+                <a:latin typeface="+mn-lt"/>
+                <a:ea typeface="+mn-ea"/>
+                <a:cs typeface="+mn-cs"/>
+                <a:hlinkClick r:id="rId4"/>
+              </a:rPr>
+              <a:t>https://discuss.gradle.org/t/how-to-execute-a-task-in-unit-test-for-custom-plugin/6771</a:t>
+            </a:r>
+            <a:endParaRPr lang="en-US" sz="1200" kern="1200" dirty="0" smtClean="0">
+              <a:solidFill>
+                <a:schemeClr val="tx1"/>
+              </a:solidFill>
+              <a:latin typeface="+mn-lt"/>
+              <a:ea typeface="+mn-ea"/>
+              <a:cs typeface="+mn-cs"/>
+            </a:endParaRPr>
+          </a:p>
+          <a:p>
+            <a:r>
+              <a:rPr lang="pl-PL" baseline="0" dirty="0" smtClean="0"/>
+              <a:t>TestKit</a:t>
+            </a:r>
+            <a:endParaRPr lang="pl-PL" sz="1200" kern="1200" dirty="0" smtClean="0">
+              <a:solidFill>
+                <a:schemeClr val="tx1"/>
+              </a:solidFill>
+              <a:latin typeface="+mn-lt"/>
+              <a:ea typeface="+mn-ea"/>
+              <a:cs typeface="+mn-cs"/>
+              <a:hlinkClick r:id="rId5"/>
+            </a:endParaRPr>
+          </a:p>
+          <a:p>
+            <a:r>
+              <a:rPr lang="en-US" sz="1200" kern="1200" dirty="0" smtClean="0">
+                <a:solidFill>
+                  <a:schemeClr val="tx1"/>
+                </a:solidFill>
+                <a:latin typeface="+mn-lt"/>
+                <a:ea typeface="+mn-ea"/>
+                <a:cs typeface="+mn-cs"/>
+                <a:hlinkClick r:id="rId5"/>
+              </a:rPr>
+              <a:t>https://docs.gradle.org/current/userguide/test_kit.html</a:t>
+            </a:r>
+            <a:endParaRPr lang="en-US" sz="1200" kern="1200" dirty="0" smtClean="0">
+              <a:solidFill>
+                <a:schemeClr val="tx1"/>
+              </a:solidFill>
+              <a:latin typeface="+mn-lt"/>
+              <a:ea typeface="+mn-ea"/>
+              <a:cs typeface="+mn-cs"/>
+            </a:endParaRPr>
+          </a:p>
+          <a:p>
+            <a:r>
+              <a:rPr lang="en-US" sz="1200" kern="1200" dirty="0" smtClean="0">
+                <a:solidFill>
+                  <a:schemeClr val="tx1"/>
+                </a:solidFill>
+                <a:latin typeface="+mn-lt"/>
+                <a:ea typeface="+mn-ea"/>
+                <a:cs typeface="+mn-cs"/>
+                <a:hlinkClick r:id="rId6"/>
+              </a:rPr>
+              <a:t>https://github.com/gradle/gradle/blob/master/design-docs/testing-toolkit.md</a:t>
+            </a:r>
+            <a:endParaRPr lang="en-US" sz="1200" kern="1200" dirty="0" smtClean="0">
+              <a:solidFill>
+                <a:schemeClr val="tx1"/>
+              </a:solidFill>
+              <a:latin typeface="+mn-lt"/>
+              <a:ea typeface="+mn-ea"/>
+              <a:cs typeface="+mn-cs"/>
+            </a:endParaRPr>
           </a:p>
           <a:p>
             <a:r>
               <a:rPr lang="pl-PL" dirty="0" smtClean="0"/>
-              <a:t>gradle --profile</a:t>
-            </a:r>
-          </a:p>
-          <a:p>
-            <a:r>
-              <a:rPr lang="pl-PL" dirty="0" smtClean="0"/>
-              <a:t>- generate</a:t>
-            </a:r>
-            <a:r>
-              <a:rPr lang="pl-PL" baseline="0" dirty="0" smtClean="0"/>
-              <a:t>s execution report</a:t>
-            </a:r>
-          </a:p>
-          <a:p>
-            <a:endParaRPr lang="en-US" dirty="0"/>
+              <a:t>Nebula</a:t>
+            </a:r>
+          </a:p>
+          <a:p>
+            <a:r>
+              <a:rPr lang="pl-PL" sz="1200" kern="1200" dirty="0" smtClean="0">
+                <a:solidFill>
+                  <a:schemeClr val="tx1"/>
+                </a:solidFill>
+                <a:latin typeface="+mn-lt"/>
+                <a:ea typeface="+mn-ea"/>
+                <a:cs typeface="+mn-cs"/>
+                <a:hlinkClick r:id="rId7"/>
+              </a:rPr>
+              <a:t>https://github.com/nebula-plugins/nebula-test</a:t>
+            </a:r>
+            <a:endParaRPr lang="pl-PL" sz="1200" kern="1200" dirty="0" smtClean="0">
+              <a:solidFill>
+                <a:schemeClr val="tx1"/>
+              </a:solidFill>
+              <a:latin typeface="+mn-lt"/>
+              <a:ea typeface="+mn-ea"/>
+              <a:cs typeface="+mn-cs"/>
+            </a:endParaRPr>
+          </a:p>
+          <a:p>
+            <a:r>
+              <a:rPr lang="pl-PL" sz="1200" kern="1200" dirty="0" smtClean="0">
+                <a:solidFill>
+                  <a:schemeClr val="tx1"/>
+                </a:solidFill>
+                <a:latin typeface="+mn-lt"/>
+                <a:ea typeface="+mn-ea"/>
+                <a:cs typeface="+mn-cs"/>
+                <a:hlinkClick r:id="rId8"/>
+              </a:rPr>
+              <a:t>https://nebula-plugins.github.io/documentation/plugin_overview.html</a:t>
+            </a:r>
+            <a:endParaRPr lang="pl-PL" sz="1200" kern="1200" dirty="0" smtClean="0">
+              <a:solidFill>
+                <a:schemeClr val="tx1"/>
+              </a:solidFill>
+              <a:latin typeface="+mn-lt"/>
+              <a:ea typeface="+mn-ea"/>
+              <a:cs typeface="+mn-cs"/>
+            </a:endParaRPr>
+          </a:p>
+          <a:p>
+            <a:endParaRPr lang="pl-PL" dirty="0"/>
           </a:p>
         </p:txBody>
       </p:sp>
@@ -887,40 +1008,45 @@
           <a:lstStyle/>
           <a:p>
             <a:r>
-              <a:rPr lang="en-US" dirty="0" smtClean="0"/>
-              <a:t>1. IDE</a:t>
+              <a:rPr lang="en-US" dirty="0" err="1" smtClean="0"/>
+              <a:t>Cli</a:t>
             </a:r>
             <a:r>
               <a:rPr lang="en-US" baseline="0" dirty="0" smtClean="0"/>
-              <a:t> </a:t>
-            </a:r>
-            <a:r>
-              <a:rPr lang="en-US" baseline="0" dirty="0" err="1" smtClean="0"/>
-              <a:t>dubug</a:t>
-            </a:r>
-            <a:endParaRPr lang="en-US" baseline="0" dirty="0" smtClean="0"/>
-          </a:p>
-          <a:p>
-            <a:r>
-              <a:rPr lang="en-US" baseline="0" dirty="0" smtClean="0"/>
-              <a:t>Ex10, </a:t>
-            </a:r>
-            <a:r>
-              <a:rPr lang="en-US" baseline="0" dirty="0" err="1" smtClean="0"/>
-              <a:t>JavaPlugin</a:t>
-            </a:r>
-            <a:r>
-              <a:rPr lang="en-US" baseline="0" dirty="0" smtClean="0"/>
-              <a:t> breakpoint, run </a:t>
-            </a:r>
-            <a:r>
-              <a:rPr lang="en-US" baseline="0" dirty="0" err="1" smtClean="0"/>
-              <a:t>build.gradle</a:t>
-            </a:r>
-            <a:endParaRPr lang="en-US" baseline="0" dirty="0" smtClean="0"/>
-          </a:p>
-          <a:p>
-            <a:endParaRPr lang="en-US" baseline="0" dirty="0" smtClean="0"/>
+              <a:t> example based on Ex10</a:t>
+            </a:r>
+          </a:p>
+          <a:p>
+            <a:endParaRPr lang="en-US" dirty="0" smtClean="0"/>
+          </a:p>
+          <a:p>
+            <a:r>
+              <a:rPr lang="en-US" dirty="0" smtClean="0"/>
+              <a:t>https://docs.gradle.org/current/userguide/tutorial_gradle_command_line.html</a:t>
+            </a:r>
+            <a:endParaRPr lang="pl-PL" dirty="0" smtClean="0"/>
+          </a:p>
+          <a:p>
+            <a:endParaRPr lang="pl-PL" dirty="0" smtClean="0"/>
+          </a:p>
+          <a:p>
+            <a:r>
+              <a:rPr lang="pl-PL" dirty="0" smtClean="0"/>
+              <a:t>gradle --profile</a:t>
+            </a:r>
+          </a:p>
+          <a:p>
+            <a:r>
+              <a:rPr lang="pl-PL" dirty="0" smtClean="0"/>
+              <a:t>- generate</a:t>
+            </a:r>
+            <a:r>
+              <a:rPr lang="pl-PL" baseline="0" dirty="0" smtClean="0"/>
+              <a:t>s execution report</a:t>
+            </a:r>
+          </a:p>
+          <a:p>
+            <a:endParaRPr lang="en-US" dirty="0"/>
           </a:p>
         </p:txBody>
       </p:sp>
@@ -942,7 +1068,7 @@
             <a:fld id="{A731FDFD-A218-4148-99B7-B51AF9CA9585}" type="slidenum">
               <a:rPr lang="en-US" smtClean="0"/>
               <a:pPr/>
-              <a:t>25</a:t>
+              <a:t>24</a:t>
             </a:fld>
             <a:endParaRPr lang="en-US"/>
           </a:p>
@@ -1002,7 +1128,41 @@
           </a:bodyPr>
           <a:lstStyle/>
           <a:p>
-            <a:endParaRPr lang="en-US"/>
+            <a:r>
+              <a:rPr lang="en-US" dirty="0" smtClean="0"/>
+              <a:t>1. IDE</a:t>
+            </a:r>
+            <a:r>
+              <a:rPr lang="en-US" baseline="0" dirty="0" smtClean="0"/>
+              <a:t> </a:t>
+            </a:r>
+            <a:r>
+              <a:rPr lang="en-US" baseline="0" dirty="0" err="1" smtClean="0"/>
+              <a:t>dubug</a:t>
+            </a:r>
+            <a:endParaRPr lang="en-US" baseline="0" dirty="0" smtClean="0"/>
+          </a:p>
+          <a:p>
+            <a:r>
+              <a:rPr lang="en-US" baseline="0" dirty="0" smtClean="0"/>
+              <a:t>Ex10, </a:t>
+            </a:r>
+            <a:r>
+              <a:rPr lang="en-US" baseline="0" dirty="0" err="1" smtClean="0"/>
+              <a:t>JavaPlugin</a:t>
+            </a:r>
+            <a:r>
+              <a:rPr lang="en-US" baseline="0" dirty="0" smtClean="0"/>
+              <a:t> breakpoint, run </a:t>
+            </a:r>
+            <a:r>
+              <a:rPr lang="en-US" baseline="0" dirty="0" err="1" smtClean="0"/>
+              <a:t>build.gradle</a:t>
+            </a:r>
+            <a:endParaRPr lang="en-US" baseline="0" dirty="0" smtClean="0"/>
+          </a:p>
+          <a:p>
+            <a:endParaRPr lang="en-US" baseline="0" dirty="0" smtClean="0"/>
           </a:p>
         </p:txBody>
       </p:sp>
@@ -1084,17 +1244,7 @@
           </a:bodyPr>
           <a:lstStyle/>
           <a:p>
-            <a:r>
-              <a:rPr lang="en-US" dirty="0" smtClean="0"/>
-              <a:t>http://technologyconversations.com/2014/06/18/build-tools/</a:t>
-            </a:r>
-          </a:p>
-          <a:p>
-            <a:r>
-              <a:rPr lang="en-US" dirty="0" smtClean="0"/>
-              <a:t>http://zeroturnaround.com/rebellabs/java-build-tools-part-2-a-decision-makers-comparison-of-maven-gradle-and-ant-ivy/</a:t>
-            </a:r>
-            <a:endParaRPr lang="en-US" dirty="0"/>
+            <a:endParaRPr lang="en-US"/>
           </a:p>
         </p:txBody>
       </p:sp>
@@ -1116,7 +1266,99 @@
             <a:fld id="{A731FDFD-A218-4148-99B7-B51AF9CA9585}" type="slidenum">
               <a:rPr lang="en-US" smtClean="0"/>
               <a:pPr/>
-              <a:t>35</a:t>
+              <a:t>27</a:t>
+            </a:fld>
+            <a:endParaRPr lang="en-US"/>
+          </a:p>
+        </p:txBody>
+      </p:sp>
+    </p:spTree>
+  </p:cSld>
+  <p:clrMapOvr>
+    <a:masterClrMapping/>
+  </p:clrMapOvr>
+</p:notes>
+</file>
+
+<file path=ppt/notesSlides/notesSlide15.xml><?xml version="1.0" encoding="utf-8"?>
+<p:notes xmlns:a="http://schemas.openxmlformats.org/drawingml/2006/main" xmlns:r="http://schemas.openxmlformats.org/officeDocument/2006/relationships" xmlns:p="http://schemas.openxmlformats.org/presentationml/2006/main">
+  <p:cSld>
+    <p:spTree>
+      <p:nvGrpSpPr>
+        <p:cNvPr id="1" name=""/>
+        <p:cNvGrpSpPr/>
+        <p:nvPr/>
+      </p:nvGrpSpPr>
+      <p:grpSpPr>
+        <a:xfrm>
+          <a:off x="0" y="0"/>
+          <a:ext cx="0" cy="0"/>
+          <a:chOff x="0" y="0"/>
+          <a:chExt cx="0" cy="0"/>
+        </a:xfrm>
+      </p:grpSpPr>
+      <p:sp>
+        <p:nvSpPr>
+          <p:cNvPr id="2" name="Slide Image Placeholder 1"/>
+          <p:cNvSpPr>
+            <a:spLocks noGrp="1" noRot="1" noChangeAspect="1"/>
+          </p:cNvSpPr>
+          <p:nvPr>
+            <p:ph type="sldImg"/>
+          </p:nvPr>
+        </p:nvSpPr>
+        <p:spPr/>
+      </p:sp>
+      <p:sp>
+        <p:nvSpPr>
+          <p:cNvPr id="3" name="Notes Placeholder 2"/>
+          <p:cNvSpPr>
+            <a:spLocks noGrp="1"/>
+          </p:cNvSpPr>
+          <p:nvPr>
+            <p:ph type="body" idx="1"/>
+          </p:nvPr>
+        </p:nvSpPr>
+        <p:spPr/>
+        <p:txBody>
+          <a:bodyPr>
+            <a:normAutofit/>
+          </a:bodyPr>
+          <a:lstStyle/>
+          <a:p>
+            <a:r>
+              <a:rPr lang="en-US" dirty="0" smtClean="0"/>
+              <a:t>http://technologyconversations.com/2014/06/18/build-tools/</a:t>
+            </a:r>
+          </a:p>
+          <a:p>
+            <a:r>
+              <a:rPr lang="en-US" dirty="0" smtClean="0"/>
+              <a:t>http://zeroturnaround.com/rebellabs/java-build-tools-part-2-a-decision-makers-comparison-of-maven-gradle-and-ant-ivy/</a:t>
+            </a:r>
+            <a:endParaRPr lang="en-US" dirty="0"/>
+          </a:p>
+        </p:txBody>
+      </p:sp>
+      <p:sp>
+        <p:nvSpPr>
+          <p:cNvPr id="4" name="Slide Number Placeholder 3"/>
+          <p:cNvSpPr>
+            <a:spLocks noGrp="1"/>
+          </p:cNvSpPr>
+          <p:nvPr>
+            <p:ph type="sldNum" sz="quarter" idx="10"/>
+          </p:nvPr>
+        </p:nvSpPr>
+        <p:spPr/>
+        <p:txBody>
+          <a:bodyPr/>
+          <a:lstStyle/>
+          <a:p>
+            <a:fld id="{A731FDFD-A218-4148-99B7-B51AF9CA9585}" type="slidenum">
+              <a:rPr lang="en-US" smtClean="0"/>
+              <a:pPr/>
+              <a:t>36</a:t>
             </a:fld>
             <a:endParaRPr lang="en-US"/>
           </a:p>
@@ -2216,7 +2458,7 @@
             <a:fld id="{8E40BA57-46E3-4466-90A1-75266991A688}" type="datetimeFigureOut">
               <a:rPr lang="en-US" smtClean="0"/>
               <a:pPr/>
-              <a:t>4/18/2016</a:t>
+              <a:t>11/13/2016</a:t>
             </a:fld>
             <a:endParaRPr lang="en-US"/>
           </a:p>
@@ -2383,7 +2625,7 @@
             <a:fld id="{8E40BA57-46E3-4466-90A1-75266991A688}" type="datetimeFigureOut">
               <a:rPr lang="en-US" smtClean="0"/>
               <a:pPr/>
-              <a:t>4/18/2016</a:t>
+              <a:t>11/13/2016</a:t>
             </a:fld>
             <a:endParaRPr lang="en-US"/>
           </a:p>
@@ -2560,7 +2802,7 @@
             <a:fld id="{8E40BA57-46E3-4466-90A1-75266991A688}" type="datetimeFigureOut">
               <a:rPr lang="en-US" smtClean="0"/>
               <a:pPr/>
-              <a:t>4/18/2016</a:t>
+              <a:t>11/13/2016</a:t>
             </a:fld>
             <a:endParaRPr lang="en-US"/>
           </a:p>
@@ -2727,7 +2969,7 @@
             <a:fld id="{8E40BA57-46E3-4466-90A1-75266991A688}" type="datetimeFigureOut">
               <a:rPr lang="en-US" smtClean="0"/>
               <a:pPr/>
-              <a:t>4/18/2016</a:t>
+              <a:t>11/13/2016</a:t>
             </a:fld>
             <a:endParaRPr lang="en-US"/>
           </a:p>
@@ -2970,7 +3212,7 @@
             <a:fld id="{8E40BA57-46E3-4466-90A1-75266991A688}" type="datetimeFigureOut">
               <a:rPr lang="en-US" smtClean="0"/>
               <a:pPr/>
-              <a:t>4/18/2016</a:t>
+              <a:t>11/13/2016</a:t>
             </a:fld>
             <a:endParaRPr lang="en-US"/>
           </a:p>
@@ -3255,7 +3497,7 @@
             <a:fld id="{8E40BA57-46E3-4466-90A1-75266991A688}" type="datetimeFigureOut">
               <a:rPr lang="en-US" smtClean="0"/>
               <a:pPr/>
-              <a:t>4/18/2016</a:t>
+              <a:t>11/13/2016</a:t>
             </a:fld>
             <a:endParaRPr lang="en-US"/>
           </a:p>
@@ -3674,7 +3916,7 @@
             <a:fld id="{8E40BA57-46E3-4466-90A1-75266991A688}" type="datetimeFigureOut">
               <a:rPr lang="en-US" smtClean="0"/>
               <a:pPr/>
-              <a:t>4/18/2016</a:t>
+              <a:t>11/13/2016</a:t>
             </a:fld>
             <a:endParaRPr lang="en-US"/>
           </a:p>
@@ -3789,7 +4031,7 @@
             <a:fld id="{8E40BA57-46E3-4466-90A1-75266991A688}" type="datetimeFigureOut">
               <a:rPr lang="en-US" smtClean="0"/>
               <a:pPr/>
-              <a:t>4/18/2016</a:t>
+              <a:t>11/13/2016</a:t>
             </a:fld>
             <a:endParaRPr lang="en-US"/>
           </a:p>
@@ -3881,7 +4123,7 @@
             <a:fld id="{8E40BA57-46E3-4466-90A1-75266991A688}" type="datetimeFigureOut">
               <a:rPr lang="en-US" smtClean="0"/>
               <a:pPr/>
-              <a:t>4/18/2016</a:t>
+              <a:t>11/13/2016</a:t>
             </a:fld>
             <a:endParaRPr lang="en-US"/>
           </a:p>
@@ -4155,7 +4397,7 @@
             <a:fld id="{8E40BA57-46E3-4466-90A1-75266991A688}" type="datetimeFigureOut">
               <a:rPr lang="en-US" smtClean="0"/>
               <a:pPr/>
-              <a:t>4/18/2016</a:t>
+              <a:t>11/13/2016</a:t>
             </a:fld>
             <a:endParaRPr lang="en-US"/>
           </a:p>
@@ -4405,7 +4647,7 @@
             <a:fld id="{8E40BA57-46E3-4466-90A1-75266991A688}" type="datetimeFigureOut">
               <a:rPr lang="en-US" smtClean="0"/>
               <a:pPr/>
-              <a:t>4/18/2016</a:t>
+              <a:t>11/13/2016</a:t>
             </a:fld>
             <a:endParaRPr lang="en-US"/>
           </a:p>
@@ -4615,7 +4857,7 @@
             <a:fld id="{8E40BA57-46E3-4466-90A1-75266991A688}" type="datetimeFigureOut">
               <a:rPr lang="en-US" smtClean="0"/>
               <a:pPr/>
-              <a:t>4/18/2016</a:t>
+              <a:t>11/13/2016</a:t>
             </a:fld>
             <a:endParaRPr lang="en-US"/>
           </a:p>
@@ -7252,10 +7494,10 @@
           <a:lstStyle/>
           <a:p>
             <a:r>
-              <a:rPr lang="en-US" dirty="0" err="1" smtClean="0"/>
-              <a:t>Cli</a:t>
-            </a:r>
-            <a:endParaRPr lang="en-US" dirty="0"/>
+              <a:rPr lang="pl-PL" dirty="0" smtClean="0"/>
+              <a:t>Custom plugin - testing</a:t>
+            </a:r>
+            <a:endParaRPr lang="pl-PL" dirty="0"/>
           </a:p>
         </p:txBody>
       </p:sp>
@@ -7269,229 +7511,62 @@
             <p:ph idx="1"/>
           </p:nvPr>
         </p:nvSpPr>
-        <p:spPr>
-          <a:xfrm>
-            <a:off x="457200" y="1600200"/>
-            <a:ext cx="8229600" cy="4972072"/>
-          </a:xfrm>
-        </p:spPr>
-        <p:txBody>
-          <a:bodyPr>
-            <a:normAutofit fontScale="55000" lnSpcReduction="20000"/>
-          </a:bodyPr>
-          <a:lstStyle/>
-          <a:p>
-            <a:r>
-              <a:rPr lang="en-US" dirty="0" err="1" smtClean="0"/>
-              <a:t>gradle</a:t>
-            </a:r>
-            <a:r>
-              <a:rPr lang="en-US" dirty="0" smtClean="0"/>
-              <a:t> [option...] [task...]</a:t>
-            </a:r>
-          </a:p>
-          <a:p>
-            <a:r>
-              <a:rPr lang="en-US" dirty="0" err="1" smtClean="0"/>
-              <a:t>gradle</a:t>
-            </a:r>
-            <a:r>
-              <a:rPr lang="en-US" dirty="0" smtClean="0"/>
-              <a:t> -h</a:t>
-            </a:r>
-          </a:p>
-          <a:p>
-            <a:r>
-              <a:rPr lang="en-US" dirty="0" err="1" smtClean="0"/>
-              <a:t>gradle</a:t>
-            </a:r>
-            <a:r>
-              <a:rPr lang="en-US" dirty="0" smtClean="0"/>
-              <a:t> help</a:t>
-            </a:r>
-          </a:p>
-          <a:p>
-            <a:r>
-              <a:rPr lang="en-US" dirty="0" err="1" smtClean="0"/>
-              <a:t>gradle</a:t>
-            </a:r>
-            <a:r>
-              <a:rPr lang="en-US" dirty="0" smtClean="0"/>
-              <a:t> tasks --all</a:t>
-            </a:r>
-          </a:p>
-          <a:p>
-            <a:r>
-              <a:rPr lang="en-US" dirty="0" err="1" smtClean="0"/>
-              <a:t>gradle</a:t>
-            </a:r>
-            <a:r>
-              <a:rPr lang="en-US" dirty="0" smtClean="0"/>
-              <a:t> help --task &lt;name&gt;</a:t>
-            </a:r>
-          </a:p>
-          <a:p>
-            <a:r>
-              <a:rPr lang="en-US" dirty="0" err="1" smtClean="0"/>
-              <a:t>gradle</a:t>
-            </a:r>
-            <a:r>
-              <a:rPr lang="en-US" dirty="0" smtClean="0"/>
-              <a:t> projects</a:t>
-            </a:r>
-          </a:p>
-          <a:p>
-            <a:r>
-              <a:rPr lang="en-US" dirty="0" err="1" smtClean="0"/>
-              <a:t>gradle</a:t>
-            </a:r>
-            <a:r>
-              <a:rPr lang="en-US" dirty="0" smtClean="0"/>
-              <a:t> properties</a:t>
-            </a:r>
-          </a:p>
-          <a:p>
-            <a:r>
-              <a:rPr lang="en-US" dirty="0" err="1" smtClean="0"/>
-              <a:t>gradle</a:t>
-            </a:r>
-            <a:r>
-              <a:rPr lang="en-US" dirty="0" smtClean="0"/>
-              <a:t> --info --debug --</a:t>
-            </a:r>
-            <a:r>
-              <a:rPr lang="en-US" dirty="0" err="1" smtClean="0"/>
-              <a:t>stacktrace</a:t>
-            </a:r>
-            <a:endParaRPr lang="en-US" dirty="0" smtClean="0"/>
-          </a:p>
-          <a:p>
-            <a:r>
-              <a:rPr lang="en-US" dirty="0" err="1" smtClean="0"/>
-              <a:t>gradle</a:t>
-            </a:r>
-            <a:r>
-              <a:rPr lang="en-US" dirty="0" smtClean="0"/>
-              <a:t> --profile</a:t>
-            </a:r>
-          </a:p>
-          <a:p>
-            <a:r>
-              <a:rPr lang="en-US" dirty="0" err="1" smtClean="0"/>
-              <a:t>gradle</a:t>
-            </a:r>
-            <a:r>
-              <a:rPr lang="en-US" dirty="0" smtClean="0"/>
-              <a:t> task1 </a:t>
-            </a:r>
-            <a:r>
-              <a:rPr lang="en-US" dirty="0" err="1" smtClean="0"/>
-              <a:t>task1</a:t>
-            </a:r>
-            <a:endParaRPr lang="en-US" dirty="0" smtClean="0"/>
-          </a:p>
-          <a:p>
-            <a:pPr lvl="1"/>
-            <a:r>
-              <a:rPr lang="en-US" dirty="0" smtClean="0"/>
-              <a:t>task1 will be executed once</a:t>
-            </a:r>
-          </a:p>
-          <a:p>
-            <a:r>
-              <a:rPr lang="en-US" dirty="0" err="1" smtClean="0"/>
-              <a:t>gradle</a:t>
-            </a:r>
-            <a:r>
-              <a:rPr lang="en-US" dirty="0" smtClean="0"/>
-              <a:t> </a:t>
-            </a:r>
-            <a:r>
-              <a:rPr lang="en-US" dirty="0" err="1" smtClean="0"/>
-              <a:t>mT</a:t>
-            </a:r>
-            <a:r>
-              <a:rPr lang="en-US" dirty="0" smtClean="0"/>
-              <a:t> = </a:t>
-            </a:r>
-            <a:r>
-              <a:rPr lang="en-US" dirty="0" err="1" smtClean="0"/>
-              <a:t>gradle</a:t>
-            </a:r>
-            <a:r>
-              <a:rPr lang="en-US" dirty="0" smtClean="0"/>
-              <a:t> </a:t>
-            </a:r>
-            <a:r>
-              <a:rPr lang="en-US" dirty="0" err="1" smtClean="0"/>
-              <a:t>myTask</a:t>
-            </a:r>
-            <a:endParaRPr lang="en-US" dirty="0" smtClean="0"/>
-          </a:p>
-          <a:p>
-            <a:pPr lvl="1"/>
+        <p:spPr/>
+        <p:txBody>
+          <a:bodyPr/>
+          <a:lstStyle/>
+          <a:p>
             <a:r>
               <a:rPr lang="pl-PL" dirty="0" smtClean="0"/>
-              <a:t>t</a:t>
-            </a:r>
-            <a:r>
-              <a:rPr lang="en-US" dirty="0" smtClean="0"/>
-              <a:t>ask name abbreviation</a:t>
-            </a:r>
-          </a:p>
-          <a:p>
-            <a:r>
-              <a:rPr lang="en-US" dirty="0" err="1" smtClean="0"/>
-              <a:t>gradle</a:t>
-            </a:r>
-            <a:r>
-              <a:rPr lang="en-US" dirty="0" smtClean="0"/>
-              <a:t> dist -x test</a:t>
-            </a:r>
-          </a:p>
-          <a:p>
-            <a:r>
-              <a:rPr lang="pl-PL" dirty="0" err="1" smtClean="0"/>
-              <a:t>g</a:t>
-            </a:r>
-            <a:r>
-              <a:rPr lang="en-US" dirty="0" err="1" smtClean="0"/>
-              <a:t>radle</a:t>
-            </a:r>
+              <a:t>ProjectBuilder</a:t>
+            </a:r>
+          </a:p>
+          <a:p>
+            <a:pPr lvl="1"/>
             <a:r>
               <a:rPr lang="pl-PL" dirty="0" smtClean="0"/>
-              <a:t> --</a:t>
-            </a:r>
-            <a:r>
-              <a:rPr lang="en-US" dirty="0" smtClean="0"/>
-              <a:t>continuous</a:t>
-            </a:r>
-            <a:endParaRPr lang="pl-PL" dirty="0" smtClean="0"/>
-          </a:p>
-          <a:p>
+              <a:t>Low level testing of plugin configuration </a:t>
+            </a:r>
+          </a:p>
+          <a:p>
+            <a:pPr lvl="1"/>
             <a:r>
               <a:rPr lang="pl-PL" dirty="0" smtClean="0"/>
-              <a:t>gradle </a:t>
-            </a:r>
-            <a:r>
-              <a:rPr lang="en-US" dirty="0" smtClean="0"/>
-              <a:t>--continue</a:t>
-            </a:r>
-          </a:p>
-          <a:p>
-            <a:r>
-              <a:rPr lang="en-US" dirty="0" err="1" smtClean="0"/>
-              <a:t>gradle</a:t>
-            </a:r>
-            <a:r>
-              <a:rPr lang="en-US" dirty="0" smtClean="0"/>
-              <a:t> --</a:t>
-            </a:r>
-            <a:r>
-              <a:rPr lang="en-US" dirty="0" err="1" smtClean="0"/>
-              <a:t>gui</a:t>
-            </a:r>
-            <a:endParaRPr lang="en-US" dirty="0" smtClean="0"/>
+              <a:t>No build execution</a:t>
+            </a:r>
+          </a:p>
+          <a:p>
+            <a:r>
+              <a:rPr lang="pl-PL" dirty="0" smtClean="0"/>
+              <a:t>TestKit</a:t>
+            </a:r>
+          </a:p>
+          <a:p>
+            <a:pPr lvl="1"/>
+            <a:r>
+              <a:rPr lang="pl-PL" dirty="0" smtClean="0"/>
+              <a:t>Functional testing (build execution)</a:t>
+            </a:r>
+          </a:p>
+          <a:p>
+            <a:r>
+              <a:rPr lang="pl-PL" dirty="0" smtClean="0"/>
+              <a:t>Nebula-test (deprecated)</a:t>
+            </a:r>
+          </a:p>
+          <a:p>
+            <a:pPr lvl="1"/>
+            <a:r>
+              <a:rPr lang="pl-PL" dirty="0" smtClean="0"/>
+              <a:t>Replaced by TestKit</a:t>
+            </a:r>
+          </a:p>
+          <a:p>
+            <a:r>
+              <a:rPr lang="pl-PL" dirty="0" smtClean="0"/>
+              <a:t>Ex9-5</a:t>
+            </a:r>
+            <a:endParaRPr lang="pl-PL" dirty="0"/>
           </a:p>
         </p:txBody>
       </p:sp>
@@ -7500,13 +7575,6 @@
   <p:clrMapOvr>
     <a:masterClrMapping/>
   </p:clrMapOvr>
-  <p:timing>
-    <p:tnLst>
-      <p:par>
-        <p:cTn id="1" dur="indefinite" restart="never" nodeType="tmRoot"/>
-      </p:par>
-    </p:tnLst>
-  </p:timing>
 </p:sld>
 </file>
 
@@ -7543,39 +7611,13 @@
           <a:lstStyle/>
           <a:p>
             <a:r>
-              <a:rPr lang="en-US" dirty="0" smtClean="0"/>
-              <a:t>Java processes</a:t>
+              <a:rPr lang="en-US" dirty="0" err="1" smtClean="0"/>
+              <a:t>Cli</a:t>
             </a:r>
             <a:endParaRPr lang="en-US" dirty="0"/>
           </a:p>
         </p:txBody>
       </p:sp>
-      <p:pic>
-        <p:nvPicPr>
-          <p:cNvPr id="4" name="Picture 2" descr="C:\Users\adaml\Desktop\gradle-processes.png"/>
-          <p:cNvPicPr>
-            <a:picLocks noChangeAspect="1" noChangeArrowheads="1"/>
-          </p:cNvPicPr>
-          <p:nvPr/>
-        </p:nvPicPr>
-        <p:blipFill>
-          <a:blip r:embed="rId2"/>
-          <a:srcRect/>
-          <a:stretch>
-            <a:fillRect/>
-          </a:stretch>
-        </p:blipFill>
-        <p:spPr bwMode="auto">
-          <a:xfrm>
-            <a:off x="163890" y="1309689"/>
-            <a:ext cx="8816221" cy="3190881"/>
-          </a:xfrm>
-          <a:prstGeom prst="rect">
-            <a:avLst/>
-          </a:prstGeom>
-          <a:noFill/>
-        </p:spPr>
-      </p:pic>
       <p:sp>
         <p:nvSpPr>
           <p:cNvPr id="3" name="Content Placeholder 2"/>
@@ -7588,132 +7630,226 @@
         </p:nvSpPr>
         <p:spPr>
           <a:xfrm>
-            <a:off x="285720" y="2857496"/>
-            <a:ext cx="6429420" cy="3500462"/>
+            <a:off x="457200" y="1600200"/>
+            <a:ext cx="8229600" cy="4972072"/>
           </a:xfrm>
         </p:spPr>
         <p:txBody>
           <a:bodyPr>
-            <a:normAutofit fontScale="77500" lnSpcReduction="20000"/>
+            <a:normAutofit fontScale="55000" lnSpcReduction="20000"/>
           </a:bodyPr>
           <a:lstStyle/>
           <a:p>
-            <a:r>
-              <a:rPr lang="en-US" b="1" dirty="0" err="1" smtClean="0"/>
-              <a:t>GradleMain</a:t>
-            </a:r>
-            <a:r>
-              <a:rPr lang="pl-PL" b="1" dirty="0" smtClean="0"/>
-              <a:t> or GradleWrapperMain</a:t>
-            </a:r>
-            <a:endParaRPr lang="en-US" b="1" dirty="0" smtClean="0"/>
-          </a:p>
-          <a:p>
-            <a:pPr lvl="1"/>
-            <a:r>
-              <a:rPr lang="en-US" dirty="0" smtClean="0"/>
-              <a:t>./</a:t>
-            </a:r>
             <a:r>
               <a:rPr lang="en-US" dirty="0" err="1" smtClean="0"/>
               <a:t>gradle</a:t>
             </a:r>
             <a:r>
+              <a:rPr lang="en-US" dirty="0" smtClean="0"/>
+              <a:t> [option...] [task...]</a:t>
+            </a:r>
+          </a:p>
+          <a:p>
+            <a:r>
+              <a:rPr lang="en-US" dirty="0" err="1" smtClean="0"/>
+              <a:t>gradle</a:t>
+            </a:r>
+            <a:r>
+              <a:rPr lang="en-US" dirty="0" smtClean="0"/>
+              <a:t> -h</a:t>
+            </a:r>
+          </a:p>
+          <a:p>
+            <a:r>
+              <a:rPr lang="en-US" dirty="0" err="1" smtClean="0"/>
+              <a:t>gradle</a:t>
+            </a:r>
+            <a:r>
+              <a:rPr lang="en-US" dirty="0" smtClean="0"/>
+              <a:t> help</a:t>
+            </a:r>
+          </a:p>
+          <a:p>
+            <a:r>
+              <a:rPr lang="en-US" dirty="0" err="1" smtClean="0"/>
+              <a:t>gradle</a:t>
+            </a:r>
+            <a:r>
+              <a:rPr lang="en-US" dirty="0" smtClean="0"/>
+              <a:t> tasks --all</a:t>
+            </a:r>
+          </a:p>
+          <a:p>
+            <a:r>
+              <a:rPr lang="en-US" dirty="0" err="1" smtClean="0"/>
+              <a:t>gradle</a:t>
+            </a:r>
+            <a:r>
+              <a:rPr lang="en-US" dirty="0" smtClean="0"/>
+              <a:t> help --task &lt;name&gt;</a:t>
+            </a:r>
+          </a:p>
+          <a:p>
+            <a:r>
+              <a:rPr lang="en-US" dirty="0" err="1" smtClean="0"/>
+              <a:t>gradle</a:t>
+            </a:r>
+            <a:r>
+              <a:rPr lang="en-US" dirty="0" smtClean="0"/>
+              <a:t> projects</a:t>
+            </a:r>
+          </a:p>
+          <a:p>
+            <a:r>
+              <a:rPr lang="en-US" dirty="0" err="1" smtClean="0"/>
+              <a:t>gradle</a:t>
+            </a:r>
+            <a:r>
+              <a:rPr lang="en-US" dirty="0" smtClean="0"/>
+              <a:t> properties</a:t>
+            </a:r>
+          </a:p>
+          <a:p>
+            <a:r>
+              <a:rPr lang="en-US" dirty="0" err="1" smtClean="0"/>
+              <a:t>gradle</a:t>
+            </a:r>
+            <a:r>
+              <a:rPr lang="en-US" dirty="0" smtClean="0"/>
+              <a:t> --info --debug --</a:t>
+            </a:r>
+            <a:r>
+              <a:rPr lang="en-US" dirty="0" err="1" smtClean="0"/>
+              <a:t>stacktrace</a:t>
+            </a:r>
+            <a:endParaRPr lang="en-US" dirty="0" smtClean="0"/>
+          </a:p>
+          <a:p>
+            <a:r>
+              <a:rPr lang="en-US" dirty="0" err="1" smtClean="0"/>
+              <a:t>gradle</a:t>
+            </a:r>
+            <a:r>
+              <a:rPr lang="en-US" dirty="0" smtClean="0"/>
+              <a:t> --profile</a:t>
+            </a:r>
+          </a:p>
+          <a:p>
+            <a:r>
+              <a:rPr lang="en-US" dirty="0" err="1" smtClean="0"/>
+              <a:t>gradle</a:t>
+            </a:r>
+            <a:r>
+              <a:rPr lang="en-US" dirty="0" smtClean="0"/>
+              <a:t> task1 </a:t>
+            </a:r>
+            <a:r>
+              <a:rPr lang="en-US" dirty="0" err="1" smtClean="0"/>
+              <a:t>task1</a:t>
+            </a:r>
+            <a:endParaRPr lang="en-US" dirty="0" smtClean="0"/>
+          </a:p>
+          <a:p>
+            <a:pPr lvl="1"/>
+            <a:r>
+              <a:rPr lang="en-US" dirty="0" smtClean="0"/>
+              <a:t>task1 will be executed once</a:t>
+            </a:r>
+          </a:p>
+          <a:p>
+            <a:r>
+              <a:rPr lang="en-US" dirty="0" err="1" smtClean="0"/>
+              <a:t>gradle</a:t>
+            </a:r>
+            <a:r>
+              <a:rPr lang="en-US" dirty="0" smtClean="0"/>
+              <a:t> </a:t>
+            </a:r>
+            <a:r>
+              <a:rPr lang="en-US" dirty="0" err="1" smtClean="0"/>
+              <a:t>mT</a:t>
+            </a:r>
+            <a:r>
+              <a:rPr lang="en-US" dirty="0" smtClean="0"/>
+              <a:t> = </a:t>
+            </a:r>
+            <a:r>
+              <a:rPr lang="en-US" dirty="0" err="1" smtClean="0"/>
+              <a:t>gradle</a:t>
+            </a:r>
+            <a:r>
+              <a:rPr lang="en-US" dirty="0" smtClean="0"/>
+              <a:t> </a:t>
+            </a:r>
+            <a:r>
+              <a:rPr lang="en-US" dirty="0" err="1" smtClean="0"/>
+              <a:t>myTask</a:t>
+            </a:r>
+            <a:endParaRPr lang="en-US" dirty="0" smtClean="0"/>
+          </a:p>
+          <a:p>
+            <a:pPr lvl="1"/>
+            <a:r>
               <a:rPr lang="pl-PL" dirty="0" smtClean="0"/>
-              <a:t>, ./gradlew </a:t>
-            </a:r>
-            <a:r>
-              <a:rPr lang="en-US" dirty="0" smtClean="0"/>
-              <a:t>– always 1 new </a:t>
-            </a:r>
+              <a:t>t</a:t>
+            </a:r>
+            <a:r>
+              <a:rPr lang="en-US" dirty="0" smtClean="0"/>
+              <a:t>ask name abbreviation</a:t>
+            </a:r>
+          </a:p>
+          <a:p>
             <a:r>
               <a:rPr lang="en-US" dirty="0" err="1" smtClean="0"/>
-              <a:t>jvm</a:t>
-            </a:r>
-            <a:r>
-              <a:rPr lang="en-US" dirty="0" smtClean="0"/>
-              <a:t> created</a:t>
-            </a:r>
-          </a:p>
-          <a:p>
-            <a:pPr lvl="1"/>
+              <a:t>gradle</a:t>
+            </a:r>
+            <a:r>
+              <a:rPr lang="en-US" dirty="0" smtClean="0"/>
+              <a:t> dist -x test</a:t>
+            </a:r>
+          </a:p>
+          <a:p>
+            <a:r>
+              <a:rPr lang="pl-PL" dirty="0" err="1" smtClean="0"/>
+              <a:t>g</a:t>
+            </a:r>
+            <a:r>
+              <a:rPr lang="en-US" dirty="0" err="1" smtClean="0"/>
+              <a:t>radle</a:t>
+            </a:r>
             <a:r>
               <a:rPr lang="pl-PL" dirty="0" smtClean="0"/>
-              <a:t>When </a:t>
-            </a:r>
+              <a:t> --</a:t>
+            </a:r>
+            <a:r>
+              <a:rPr lang="en-US" dirty="0" smtClean="0"/>
+              <a:t>continuous</a:t>
+            </a:r>
+            <a:endParaRPr lang="pl-PL" dirty="0" smtClean="0"/>
+          </a:p>
+          <a:p>
+            <a:r>
+              <a:rPr lang="pl-PL" dirty="0" smtClean="0"/>
+              <a:t>gradle </a:t>
+            </a:r>
+            <a:r>
+              <a:rPr lang="en-US" dirty="0" smtClean="0"/>
+              <a:t>--continue</a:t>
+            </a:r>
+          </a:p>
+          <a:p>
             <a:r>
               <a:rPr lang="en-US" dirty="0" err="1" smtClean="0"/>
-              <a:t>org.gradle.jvmargs</a:t>
-            </a:r>
-            <a:r>
-              <a:rPr lang="pl-PL" dirty="0" smtClean="0"/>
-              <a:t> is specified then </a:t>
-            </a:r>
-            <a:r>
-              <a:rPr lang="en-US" dirty="0" smtClean="0"/>
-              <a:t>2</a:t>
-            </a:r>
-            <a:r>
-              <a:rPr lang="en-US" baseline="30000" dirty="0" smtClean="0"/>
-              <a:t>nd</a:t>
-            </a:r>
-            <a:r>
-              <a:rPr lang="en-US" dirty="0" smtClean="0"/>
-              <a:t> </a:t>
+              <a:t>gradle</a:t>
+            </a:r>
+            <a:r>
+              <a:rPr lang="en-US" dirty="0" smtClean="0"/>
+              <a:t> --</a:t>
             </a:r>
             <a:r>
               <a:rPr lang="en-US" dirty="0" err="1" smtClean="0"/>
-              <a:t>jvm</a:t>
-            </a:r>
-            <a:r>
-              <a:rPr lang="pl-PL" dirty="0" smtClean="0"/>
-              <a:t> is created (GradleDaemon)</a:t>
-            </a:r>
-            <a:endParaRPr lang="en-US" dirty="0" smtClean="0"/>
-          </a:p>
-          <a:p>
-            <a:r>
-              <a:rPr lang="en-US" b="1" dirty="0" err="1" smtClean="0"/>
-              <a:t>GradleDaemon</a:t>
-            </a:r>
-            <a:endParaRPr lang="pl-PL" b="1" dirty="0" smtClean="0"/>
-          </a:p>
-          <a:p>
-            <a:r>
-              <a:rPr lang="en-US" b="1" dirty="0" err="1" smtClean="0"/>
-              <a:t>GradleWorkerMain</a:t>
-            </a:r>
-            <a:endParaRPr lang="en-US" b="1" dirty="0" smtClean="0"/>
-          </a:p>
-          <a:p>
-            <a:pPr lvl="1"/>
-            <a:r>
-              <a:rPr lang="en-US" dirty="0" smtClean="0"/>
-              <a:t>Each execution of test task creates new worker</a:t>
-            </a:r>
-          </a:p>
-          <a:p>
-            <a:pPr lvl="1"/>
-            <a:r>
-              <a:rPr lang="en-US" dirty="0" smtClean="0"/>
-              <a:t>--parallel option</a:t>
-            </a:r>
-          </a:p>
-          <a:p>
-            <a:pPr lvl="1"/>
-            <a:r>
-              <a:rPr lang="en-US" dirty="0" smtClean="0"/>
-              <a:t>max-workers = number of processors by default</a:t>
-            </a:r>
-          </a:p>
-          <a:p>
-            <a:endParaRPr lang="en-US" b="1" dirty="0" smtClean="0"/>
-          </a:p>
-          <a:p>
-            <a:endParaRPr lang="en-US" dirty="0" smtClean="0"/>
-          </a:p>
-          <a:p>
-            <a:pPr lvl="1"/>
+              <a:t>gui</a:t>
+            </a:r>
             <a:endParaRPr lang="en-US" dirty="0" smtClean="0"/>
           </a:p>
         </p:txBody>
@@ -7767,134 +7903,177 @@
           <a:p>
             <a:r>
               <a:rPr lang="en-US" dirty="0" smtClean="0"/>
-              <a:t>Debugging </a:t>
+              <a:t>Java processes</a:t>
+            </a:r>
+            <a:endParaRPr lang="en-US" dirty="0"/>
+          </a:p>
+        </p:txBody>
+      </p:sp>
+      <p:pic>
+        <p:nvPicPr>
+          <p:cNvPr id="4" name="Picture 2" descr="C:\Users\adaml\Desktop\gradle-processes.png"/>
+          <p:cNvPicPr>
+            <a:picLocks noChangeAspect="1" noChangeArrowheads="1"/>
+          </p:cNvPicPr>
+          <p:nvPr/>
+        </p:nvPicPr>
+        <p:blipFill>
+          <a:blip r:embed="rId2"/>
+          <a:srcRect/>
+          <a:stretch>
+            <a:fillRect/>
+          </a:stretch>
+        </p:blipFill>
+        <p:spPr bwMode="auto">
+          <a:xfrm>
+            <a:off x="163890" y="1309689"/>
+            <a:ext cx="8816221" cy="3190881"/>
+          </a:xfrm>
+          <a:prstGeom prst="rect">
+            <a:avLst/>
+          </a:prstGeom>
+          <a:noFill/>
+        </p:spPr>
+      </p:pic>
+      <p:sp>
+        <p:nvSpPr>
+          <p:cNvPr id="3" name="Content Placeholder 2"/>
+          <p:cNvSpPr>
+            <a:spLocks noGrp="1"/>
+          </p:cNvSpPr>
+          <p:nvPr>
+            <p:ph idx="1"/>
+          </p:nvPr>
+        </p:nvSpPr>
+        <p:spPr>
+          <a:xfrm>
+            <a:off x="285720" y="2857496"/>
+            <a:ext cx="6429420" cy="3500462"/>
+          </a:xfrm>
+        </p:spPr>
+        <p:txBody>
+          <a:bodyPr>
+            <a:normAutofit fontScale="77500" lnSpcReduction="20000"/>
+          </a:bodyPr>
+          <a:lstStyle/>
+          <a:p>
+            <a:r>
+              <a:rPr lang="en-US" b="1" dirty="0" err="1" smtClean="0"/>
+              <a:t>GradleMain</a:t>
+            </a:r>
+            <a:r>
+              <a:rPr lang="pl-PL" b="1" dirty="0" smtClean="0"/>
+              <a:t> or GradleWrapperMain</a:t>
+            </a:r>
+            <a:endParaRPr lang="en-US" b="1" dirty="0" smtClean="0"/>
+          </a:p>
+          <a:p>
+            <a:pPr lvl="1"/>
+            <a:r>
+              <a:rPr lang="en-US" dirty="0" smtClean="0"/>
+              <a:t>./</a:t>
+            </a:r>
+            <a:r>
+              <a:rPr lang="en-US" dirty="0" err="1" smtClean="0"/>
+              <a:t>gradle</a:t>
             </a:r>
             <a:r>
               <a:rPr lang="pl-PL" dirty="0" smtClean="0"/>
-              <a:t>gradle script</a:t>
-            </a:r>
-            <a:endParaRPr lang="en-US" dirty="0"/>
-          </a:p>
-        </p:txBody>
-      </p:sp>
-      <p:sp>
-        <p:nvSpPr>
-          <p:cNvPr id="3" name="Content Placeholder 2"/>
-          <p:cNvSpPr>
-            <a:spLocks noGrp="1"/>
-          </p:cNvSpPr>
-          <p:nvPr>
-            <p:ph idx="1"/>
-          </p:nvPr>
-        </p:nvSpPr>
-        <p:spPr/>
-        <p:txBody>
-          <a:bodyPr/>
-          <a:lstStyle/>
-          <a:p>
-            <a:r>
-              <a:rPr lang="en-US" dirty="0" smtClean="0"/>
-              <a:t>Run build script as debug in IDE</a:t>
-            </a:r>
-          </a:p>
-          <a:p>
-            <a:r>
-              <a:rPr lang="en-US" dirty="0" smtClean="0"/>
-              <a:t>Remote </a:t>
-            </a:r>
-            <a:r>
-              <a:rPr lang="en-US" dirty="0" smtClean="0"/>
-              <a:t>debug</a:t>
-            </a:r>
-          </a:p>
-          <a:p>
-            <a:pPr lvl="1"/>
-            <a:r>
-              <a:rPr lang="pl-PL" b="1" dirty="0" smtClean="0"/>
-              <a:t>./</a:t>
-            </a:r>
-            <a:r>
-              <a:rPr lang="pl-PL" b="1" dirty="0" err="1" smtClean="0"/>
-              <a:t>gradle</a:t>
-            </a:r>
-            <a:r>
-              <a:rPr lang="pl-PL" b="1" dirty="0" smtClean="0"/>
+              <a:t>, ./gradlew </a:t>
+            </a:r>
+            <a:r>
+              <a:rPr lang="en-US" dirty="0" smtClean="0"/>
+              <a:t>– always 1 new </a:t>
+            </a:r>
+            <a:r>
+              <a:rPr lang="en-US" dirty="0" err="1" smtClean="0"/>
+              <a:t>jvm</a:t>
+            </a:r>
+            <a:r>
+              <a:rPr lang="en-US" dirty="0" smtClean="0"/>
+              <a:t> created</a:t>
+            </a:r>
+          </a:p>
+          <a:p>
+            <a:pPr lvl="1"/>
+            <a:r>
+              <a:rPr lang="pl-PL" dirty="0" smtClean="0"/>
+              <a:t>When </a:t>
+            </a:r>
+            <a:r>
+              <a:rPr lang="en-US" dirty="0" err="1" smtClean="0"/>
+              <a:t>org.gradle.jvmargs</a:t>
+            </a:r>
+            <a:r>
+              <a:rPr lang="pl-PL" dirty="0" smtClean="0"/>
+              <a:t> is specified then </a:t>
+            </a:r>
+            <a:r>
+              <a:rPr lang="en-US" dirty="0" smtClean="0"/>
+              <a:t>2</a:t>
+            </a:r>
+            <a:r>
+              <a:rPr lang="en-US" baseline="30000" dirty="0" smtClean="0"/>
+              <a:t>nd</a:t>
+            </a:r>
+            <a:r>
+              <a:rPr lang="en-US" dirty="0" smtClean="0"/>
               <a:t> </a:t>
             </a:r>
             <a:r>
-              <a:rPr lang="en-US" b="1" dirty="0" smtClean="0"/>
-              <a:t>-</a:t>
-            </a:r>
-            <a:r>
-              <a:rPr lang="pl-PL" dirty="0" err="1" smtClean="0"/>
-              <a:t>D</a:t>
-            </a:r>
-            <a:r>
-              <a:rPr lang="pl-PL" b="1" dirty="0" err="1" smtClean="0"/>
-              <a:t>org.gradle</a:t>
-            </a:r>
-            <a:r>
-              <a:rPr lang="pl-PL" b="1" dirty="0" smtClean="0"/>
-              <a:t>.</a:t>
-            </a:r>
-            <a:r>
-              <a:rPr lang="en-US" b="1" dirty="0" smtClean="0"/>
-              <a:t>debug</a:t>
+              <a:rPr lang="en-US" dirty="0" err="1" smtClean="0"/>
+              <a:t>jvm</a:t>
             </a:r>
             <a:r>
               <a:rPr lang="pl-PL" dirty="0" smtClean="0"/>
-              <a:t>=</a:t>
-            </a:r>
-            <a:r>
-              <a:rPr lang="en-US" dirty="0" smtClean="0"/>
-              <a:t>true</a:t>
-            </a:r>
-          </a:p>
-          <a:p>
-            <a:pPr lvl="1"/>
-            <a:r>
-              <a:rPr lang="pl-PL" dirty="0" err="1" smtClean="0"/>
-              <a:t>also</a:t>
-            </a:r>
-            <a:r>
-              <a:rPr lang="pl-PL" dirty="0" smtClean="0"/>
-              <a:t> </a:t>
-            </a:r>
-            <a:r>
-              <a:rPr lang="pl-PL" dirty="0" smtClean="0"/>
-              <a:t>supported via </a:t>
-            </a:r>
-            <a:r>
-              <a:rPr lang="en-US" dirty="0" err="1" smtClean="0"/>
-              <a:t>gradle.properties</a:t>
-            </a:r>
-            <a:r>
-              <a:rPr lang="pl-PL" dirty="0" smtClean="0"/>
-              <a:t>, </a:t>
-            </a:r>
-            <a:r>
-              <a:rPr lang="en-US" dirty="0" smtClean="0"/>
-              <a:t>GRADLE_OPTS</a:t>
-            </a:r>
-          </a:p>
-          <a:p>
-            <a:pPr lvl="1"/>
-            <a:r>
-              <a:rPr lang="en-US" dirty="0" smtClean="0"/>
-              <a:t>or -</a:t>
-            </a:r>
-            <a:r>
-              <a:rPr lang="en-US" dirty="0" err="1" smtClean="0"/>
-              <a:t>Dorg.gradle.jvmargs</a:t>
-            </a:r>
-            <a:r>
-              <a:rPr lang="en-US" dirty="0" smtClean="0"/>
-              <a:t>=…</a:t>
+              <a:t> is created (GradleDaemon)</a:t>
             </a:r>
             <a:endParaRPr lang="en-US" dirty="0" smtClean="0"/>
           </a:p>
           <a:p>
-            <a:endParaRPr lang="en-US" dirty="0"/>
+            <a:r>
+              <a:rPr lang="en-US" b="1" dirty="0" err="1" smtClean="0"/>
+              <a:t>GradleDaemon</a:t>
+            </a:r>
+            <a:endParaRPr lang="pl-PL" b="1" dirty="0" smtClean="0"/>
+          </a:p>
+          <a:p>
+            <a:r>
+              <a:rPr lang="en-US" b="1" dirty="0" err="1" smtClean="0"/>
+              <a:t>GradleWorkerMain</a:t>
+            </a:r>
+            <a:endParaRPr lang="en-US" b="1" dirty="0" smtClean="0"/>
+          </a:p>
+          <a:p>
+            <a:pPr lvl="1"/>
+            <a:r>
+              <a:rPr lang="en-US" dirty="0" smtClean="0"/>
+              <a:t>Each execution of test task creates new worker</a:t>
+            </a:r>
+          </a:p>
+          <a:p>
+            <a:pPr lvl="1"/>
+            <a:r>
+              <a:rPr lang="en-US" dirty="0" smtClean="0"/>
+              <a:t>--parallel option</a:t>
+            </a:r>
+          </a:p>
+          <a:p>
+            <a:pPr lvl="1"/>
+            <a:r>
+              <a:rPr lang="en-US" dirty="0" smtClean="0"/>
+              <a:t>max-workers = number of processors by default</a:t>
+            </a:r>
+          </a:p>
+          <a:p>
+            <a:endParaRPr lang="en-US" b="1" dirty="0" smtClean="0"/>
+          </a:p>
+          <a:p>
+            <a:endParaRPr lang="en-US" dirty="0" smtClean="0"/>
+          </a:p>
+          <a:p>
+            <a:pPr lvl="1"/>
+            <a:endParaRPr lang="en-US" dirty="0" smtClean="0"/>
           </a:p>
         </p:txBody>
       </p:sp>
@@ -7942,9 +8121,7 @@
         </p:nvSpPr>
         <p:spPr/>
         <p:txBody>
-          <a:bodyPr>
-            <a:normAutofit fontScale="90000"/>
-          </a:bodyPr>
+          <a:bodyPr/>
           <a:lstStyle/>
           <a:p>
             <a:r>
@@ -7953,292 +8130,121 @@
             </a:r>
             <a:r>
               <a:rPr lang="pl-PL" dirty="0" smtClean="0"/>
-              <a:t>forked jvm</a:t>
-            </a:r>
-            <a:br>
+              <a:t>gradle script</a:t>
+            </a:r>
+            <a:endParaRPr lang="en-US" dirty="0"/>
+          </a:p>
+        </p:txBody>
+      </p:sp>
+      <p:sp>
+        <p:nvSpPr>
+          <p:cNvPr id="3" name="Content Placeholder 2"/>
+          <p:cNvSpPr>
+            <a:spLocks noGrp="1"/>
+          </p:cNvSpPr>
+          <p:nvPr>
+            <p:ph idx="1"/>
+          </p:nvPr>
+        </p:nvSpPr>
+        <p:spPr/>
+        <p:txBody>
+          <a:bodyPr/>
+          <a:lstStyle/>
+          <a:p>
+            <a:r>
+              <a:rPr lang="en-US" dirty="0" smtClean="0"/>
+              <a:t>Run build script as debug in IDE</a:t>
+            </a:r>
+          </a:p>
+          <a:p>
+            <a:r>
+              <a:rPr lang="en-US" dirty="0" smtClean="0"/>
+              <a:t>Remote debug</a:t>
+            </a:r>
+          </a:p>
+          <a:p>
+            <a:pPr lvl="1"/>
+            <a:r>
+              <a:rPr lang="pl-PL" b="1" dirty="0" smtClean="0"/>
+              <a:t>./</a:t>
+            </a:r>
+            <a:r>
+              <a:rPr lang="pl-PL" b="1" dirty="0" err="1" smtClean="0"/>
+              <a:t>gradle</a:t>
+            </a:r>
+            <a:r>
+              <a:rPr lang="pl-PL" b="1" dirty="0" smtClean="0"/>
+              <a:t> </a:t>
+            </a:r>
+            <a:r>
+              <a:rPr lang="en-US" b="1" dirty="0" smtClean="0"/>
+              <a:t>-</a:t>
+            </a:r>
+            <a:r>
+              <a:rPr lang="pl-PL" dirty="0" err="1" smtClean="0"/>
+              <a:t>D</a:t>
+            </a:r>
+            <a:r>
+              <a:rPr lang="pl-PL" b="1" dirty="0" err="1" smtClean="0"/>
+              <a:t>org.gradle</a:t>
+            </a:r>
+            <a:r>
+              <a:rPr lang="pl-PL" b="1" dirty="0" smtClean="0"/>
+              <a:t>.</a:t>
+            </a:r>
+            <a:r>
+              <a:rPr lang="en-US" b="1" dirty="0" smtClean="0"/>
+              <a:t>debug</a:t>
+            </a:r>
+            <a:r>
               <a:rPr lang="pl-PL" dirty="0" smtClean="0"/>
-            </a:br>
+              <a:t>=</a:t>
+            </a:r>
+            <a:r>
+              <a:rPr lang="en-US" dirty="0" smtClean="0"/>
+              <a:t>true</a:t>
+            </a:r>
+          </a:p>
+          <a:p>
+            <a:pPr lvl="1"/>
+            <a:r>
+              <a:rPr lang="pl-PL" dirty="0" err="1" smtClean="0"/>
+              <a:t>also</a:t>
+            </a:r>
+            <a:r>
+              <a:rPr lang="pl-PL" dirty="0" smtClean="0"/>
+              <a:t> supported via </a:t>
+            </a:r>
             <a:r>
               <a:rPr lang="en-US" dirty="0" err="1" smtClean="0"/>
-              <a:t>GradleWorkerMain</a:t>
-            </a:r>
+              <a:t>gradle.properties</a:t>
+            </a:r>
+            <a:r>
+              <a:rPr lang="pl-PL" dirty="0" smtClean="0"/>
+              <a:t>, </a:t>
+            </a:r>
+            <a:r>
+              <a:rPr lang="en-US" dirty="0" smtClean="0"/>
+              <a:t>GRADLE_OPTS</a:t>
+            </a:r>
+          </a:p>
+          <a:p>
+            <a:pPr lvl="1"/>
+            <a:r>
+              <a:rPr lang="en-US" dirty="0" smtClean="0"/>
+              <a:t>or -</a:t>
+            </a:r>
+            <a:r>
+              <a:rPr lang="en-US" dirty="0" err="1" smtClean="0"/>
+              <a:t>Dorg.gradle.jvmargs</a:t>
+            </a:r>
+            <a:r>
+              <a:rPr lang="en-US" dirty="0" smtClean="0"/>
+              <a:t>=…</a:t>
+            </a:r>
+          </a:p>
+          <a:p>
             <a:endParaRPr lang="en-US" dirty="0"/>
-          </a:p>
-        </p:txBody>
-      </p:sp>
-      <p:sp>
-        <p:nvSpPr>
-          <p:cNvPr id="3" name="Content Placeholder 2"/>
-          <p:cNvSpPr>
-            <a:spLocks noGrp="1"/>
-          </p:cNvSpPr>
-          <p:nvPr>
-            <p:ph idx="1"/>
-          </p:nvPr>
-        </p:nvSpPr>
-        <p:spPr/>
-        <p:txBody>
-          <a:bodyPr>
-            <a:normAutofit/>
-          </a:bodyPr>
-          <a:lstStyle/>
-          <a:p>
-            <a:r>
-              <a:rPr lang="en-US" sz="2000" dirty="0" smtClean="0"/>
-              <a:t>Only </a:t>
-            </a:r>
-            <a:r>
-              <a:rPr lang="en-US" sz="2000" b="1" dirty="0" smtClean="0"/>
-              <a:t>remote </a:t>
-            </a:r>
-            <a:r>
-              <a:rPr lang="en-US" sz="2000" dirty="0" err="1" smtClean="0"/>
-              <a:t>debuging</a:t>
-            </a:r>
-            <a:endParaRPr lang="en-US" sz="2000" dirty="0" smtClean="0"/>
-          </a:p>
-          <a:p>
-            <a:pPr lvl="1"/>
-            <a:r>
-              <a:rPr lang="en-US" sz="2000" dirty="0" smtClean="0"/>
-              <a:t>-</a:t>
-            </a:r>
-            <a:r>
-              <a:rPr lang="en-US" sz="2000" dirty="0" err="1" smtClean="0"/>
-              <a:t>agentlib:jdwp</a:t>
-            </a:r>
-            <a:r>
-              <a:rPr lang="en-US" sz="2000" dirty="0" smtClean="0"/>
-              <a:t>=transport=</a:t>
-            </a:r>
-            <a:r>
-              <a:rPr lang="en-US" sz="2000" dirty="0" err="1" smtClean="0"/>
-              <a:t>dt_socket,server</a:t>
-            </a:r>
-            <a:r>
-              <a:rPr lang="en-US" sz="2000" dirty="0" smtClean="0"/>
-              <a:t>=</a:t>
-            </a:r>
-            <a:r>
-              <a:rPr lang="en-US" sz="2000" dirty="0" err="1" smtClean="0"/>
-              <a:t>y,suspend</a:t>
-            </a:r>
-            <a:r>
-              <a:rPr lang="en-US" sz="2000" dirty="0" smtClean="0"/>
-              <a:t>=</a:t>
-            </a:r>
-            <a:r>
-              <a:rPr lang="en-US" sz="2000" dirty="0" err="1" smtClean="0"/>
-              <a:t>y,address</a:t>
-            </a:r>
-            <a:r>
-              <a:rPr lang="en-US" sz="2000" dirty="0" smtClean="0"/>
-              <a:t>=5005</a:t>
-            </a:r>
-          </a:p>
-          <a:p>
-            <a:r>
-              <a:rPr lang="en-US" sz="2000" dirty="0" smtClean="0"/>
-              <a:t>Can be specified </a:t>
-            </a:r>
-            <a:r>
-              <a:rPr lang="en-US" sz="2000" b="1" dirty="0" smtClean="0"/>
-              <a:t>only</a:t>
-            </a:r>
-            <a:r>
-              <a:rPr lang="en-US" sz="2000" dirty="0" smtClean="0"/>
-              <a:t> in task configuration</a:t>
-            </a:r>
-          </a:p>
-          <a:p>
-            <a:pPr lvl="1"/>
-            <a:r>
-              <a:rPr lang="en-US" sz="2000" dirty="0" err="1" smtClean="0"/>
-              <a:t>tasks.withType</a:t>
-            </a:r>
-            <a:r>
-              <a:rPr lang="en-US" sz="2000" dirty="0" smtClean="0"/>
-              <a:t>(</a:t>
-            </a:r>
-            <a:r>
-              <a:rPr lang="en-US" sz="2000" dirty="0" err="1" smtClean="0"/>
-              <a:t>JavaForkOptions</a:t>
-            </a:r>
-            <a:r>
-              <a:rPr lang="en-US" sz="2000" dirty="0" smtClean="0"/>
-              <a:t>) {</a:t>
-            </a:r>
-            <a:br>
-              <a:rPr lang="en-US" sz="2000" dirty="0" smtClean="0"/>
-            </a:br>
-            <a:r>
-              <a:rPr lang="en-US" sz="2000" dirty="0" smtClean="0"/>
-              <a:t>  </a:t>
-            </a:r>
-            <a:r>
-              <a:rPr lang="en-US" sz="2000" dirty="0" err="1" smtClean="0"/>
-              <a:t>systemProperty</a:t>
-            </a:r>
-            <a:r>
-              <a:rPr lang="en-US" sz="2000" dirty="0" smtClean="0"/>
-              <a:t> "cool.opt", "1“</a:t>
-            </a:r>
-            <a:br>
-              <a:rPr lang="en-US" sz="2000" dirty="0" smtClean="0"/>
-            </a:br>
-            <a:r>
-              <a:rPr lang="en-US" sz="2000" dirty="0" smtClean="0"/>
-              <a:t>  </a:t>
-            </a:r>
-            <a:r>
-              <a:rPr lang="en-US" sz="2000" b="1" dirty="0" err="1" smtClean="0"/>
-              <a:t>jvmArgs</a:t>
-            </a:r>
-            <a:r>
-              <a:rPr lang="en-US" sz="2000" dirty="0" smtClean="0"/>
-              <a:t> “</a:t>
-            </a:r>
-            <a:r>
-              <a:rPr lang="en-US" sz="2000" dirty="0" err="1" smtClean="0"/>
-              <a:t>ar</a:t>
-            </a:r>
-            <a:r>
-              <a:rPr lang="pl-PL" sz="2000" dirty="0" smtClean="0"/>
-              <a:t>g</a:t>
-            </a:r>
-            <a:r>
-              <a:rPr lang="en-US" sz="2000" dirty="0" smtClean="0"/>
-              <a:t>s“</a:t>
-            </a:r>
-            <a:br>
-              <a:rPr lang="en-US" sz="2000" dirty="0" smtClean="0"/>
-            </a:br>
-            <a:r>
-              <a:rPr lang="en-US" sz="2000" dirty="0" smtClean="0"/>
-              <a:t>}</a:t>
-            </a:r>
-          </a:p>
-          <a:p>
-            <a:pPr lvl="1"/>
-            <a:r>
-              <a:rPr lang="en-US" sz="2000" dirty="0" err="1" smtClean="0"/>
-              <a:t>tasks.withType</a:t>
-            </a:r>
-            <a:r>
-              <a:rPr lang="en-US" sz="2000" dirty="0" smtClean="0"/>
-              <a:t>(</a:t>
-            </a:r>
-            <a:r>
-              <a:rPr lang="en-US" sz="2000" dirty="0" err="1" smtClean="0"/>
-              <a:t>JavaCompile</a:t>
-            </a:r>
-            <a:r>
-              <a:rPr lang="en-US" sz="2000" dirty="0" smtClean="0"/>
-              <a:t>) {</a:t>
-            </a:r>
-            <a:br>
-              <a:rPr lang="en-US" sz="2000" dirty="0" smtClean="0"/>
-            </a:br>
-            <a:r>
-              <a:rPr lang="en-US" sz="2000" dirty="0" smtClean="0"/>
-              <a:t>  </a:t>
-            </a:r>
-            <a:r>
-              <a:rPr lang="en-US" sz="2000" dirty="0" err="1" smtClean="0"/>
-              <a:t>options.fork</a:t>
-            </a:r>
-            <a:r>
-              <a:rPr lang="en-US" sz="2000" dirty="0" smtClean="0"/>
-              <a:t> = true // otherwise won't fork</a:t>
-            </a:r>
-            <a:br>
-              <a:rPr lang="en-US" sz="2000" dirty="0" smtClean="0"/>
-            </a:br>
-            <a:r>
-              <a:rPr lang="en-US" sz="2000" dirty="0" smtClean="0"/>
-              <a:t>  </a:t>
-            </a:r>
-            <a:r>
-              <a:rPr lang="en-US" sz="2000" dirty="0" err="1" smtClean="0"/>
-              <a:t>options.forkOptions.</a:t>
-            </a:r>
-            <a:r>
-              <a:rPr lang="en-US" sz="2000" b="1" dirty="0" err="1" smtClean="0"/>
-              <a:t>jvmArgs</a:t>
-            </a:r>
-            <a:r>
-              <a:rPr lang="en-US" sz="2000" dirty="0" smtClean="0"/>
-              <a:t> = [“</a:t>
-            </a:r>
-            <a:r>
-              <a:rPr lang="en-US" sz="2000" dirty="0" err="1" smtClean="0"/>
-              <a:t>arg</a:t>
-            </a:r>
-            <a:r>
-              <a:rPr lang="pl-PL" sz="2000" dirty="0" smtClean="0"/>
-              <a:t>s”</a:t>
-            </a:r>
-            <a:r>
-              <a:rPr lang="en-US" sz="2000" dirty="0" smtClean="0"/>
-              <a:t>]</a:t>
-            </a:r>
-            <a:br>
-              <a:rPr lang="en-US" sz="2000" dirty="0" smtClean="0"/>
-            </a:br>
-            <a:r>
-              <a:rPr lang="en-US" sz="2000" dirty="0" smtClean="0"/>
-              <a:t>}</a:t>
-            </a:r>
-          </a:p>
-          <a:p>
-            <a:r>
-              <a:rPr lang="en-US" sz="2000" b="1" dirty="0" smtClean="0"/>
-              <a:t>Test task</a:t>
-            </a:r>
-            <a:r>
-              <a:rPr lang="en-US" sz="2000" dirty="0" smtClean="0"/>
-              <a:t> (</a:t>
-            </a:r>
-            <a:r>
-              <a:rPr lang="en-US" sz="2000" dirty="0" err="1" smtClean="0"/>
-              <a:t>gradle</a:t>
-            </a:r>
-            <a:r>
-              <a:rPr lang="en-US" sz="2000" dirty="0" smtClean="0"/>
-              <a:t> help --task test)</a:t>
-            </a:r>
-          </a:p>
-          <a:p>
-            <a:pPr lvl="1"/>
-            <a:r>
-              <a:rPr lang="en-US" sz="2000" dirty="0" smtClean="0"/>
-              <a:t>shortcut: </a:t>
-            </a:r>
-            <a:r>
-              <a:rPr lang="en-US" sz="2000" b="1" dirty="0" err="1" smtClean="0"/>
-              <a:t>gradle</a:t>
-            </a:r>
-            <a:r>
-              <a:rPr lang="en-US" sz="2000" dirty="0" smtClean="0"/>
-              <a:t> </a:t>
-            </a:r>
-            <a:r>
-              <a:rPr lang="en-US" sz="2000" dirty="0" err="1" smtClean="0"/>
-              <a:t>someTestTask</a:t>
-            </a:r>
-            <a:r>
-              <a:rPr lang="en-US" sz="2000" dirty="0" smtClean="0"/>
-              <a:t> </a:t>
-            </a:r>
-            <a:r>
-              <a:rPr lang="en-US" sz="2000" b="1" dirty="0" smtClean="0"/>
-              <a:t>--debug-</a:t>
-            </a:r>
-            <a:r>
-              <a:rPr lang="en-US" sz="2000" b="1" dirty="0" err="1" smtClean="0"/>
-              <a:t>jvm</a:t>
-            </a:r>
-            <a:endParaRPr lang="en-US" sz="2000" dirty="0" smtClean="0"/>
           </a:p>
         </p:txBody>
       </p:sp>
@@ -8286,12 +8292,25 @@
         </p:nvSpPr>
         <p:spPr/>
         <p:txBody>
-          <a:bodyPr/>
-          <a:lstStyle/>
-          <a:p>
-            <a:r>
-              <a:rPr lang="en-US" dirty="0" smtClean="0"/>
-              <a:t>Daemon</a:t>
+          <a:bodyPr>
+            <a:normAutofit fontScale="90000"/>
+          </a:bodyPr>
+          <a:lstStyle/>
+          <a:p>
+            <a:r>
+              <a:rPr lang="en-US" dirty="0" smtClean="0"/>
+              <a:t>Debugging </a:t>
+            </a:r>
+            <a:r>
+              <a:rPr lang="pl-PL" dirty="0" smtClean="0"/>
+              <a:t>forked jvm</a:t>
+            </a:r>
+            <a:br>
+              <a:rPr lang="pl-PL" dirty="0" smtClean="0"/>
+            </a:br>
+            <a:r>
+              <a:rPr lang="en-US" dirty="0" err="1" smtClean="0"/>
+              <a:t>GradleWorkerMain</a:t>
             </a:r>
             <a:endParaRPr lang="en-US" dirty="0"/>
           </a:p>
@@ -8309,71 +8328,267 @@
         </p:nvSpPr>
         <p:spPr/>
         <p:txBody>
-          <a:bodyPr/>
-          <a:lstStyle/>
-          <a:p>
-            <a:r>
-              <a:rPr lang="en-US" dirty="0" smtClean="0"/>
-              <a:t>Use it always on local dev machine</a:t>
-            </a:r>
-          </a:p>
-          <a:p>
-            <a:r>
-              <a:rPr lang="en-US" dirty="0" smtClean="0"/>
-              <a:t>Activation</a:t>
-            </a:r>
-          </a:p>
-          <a:p>
-            <a:pPr lvl="1"/>
-            <a:r>
-              <a:rPr lang="en-US" dirty="0" err="1" smtClean="0"/>
-              <a:t>org.gradle.daemon</a:t>
-            </a:r>
-            <a:r>
-              <a:rPr lang="en-US" dirty="0" smtClean="0"/>
-              <a:t>=true in </a:t>
-            </a:r>
-            <a:r>
-              <a:rPr lang="en-US" dirty="0" err="1" smtClean="0"/>
-              <a:t>gradle.properties</a:t>
-            </a:r>
-            <a:endParaRPr lang="en-US" dirty="0" smtClean="0"/>
-          </a:p>
-          <a:p>
-            <a:pPr lvl="1"/>
-            <a:r>
-              <a:rPr lang="en-US" dirty="0" err="1" smtClean="0"/>
+          <a:bodyPr>
+            <a:normAutofit/>
+          </a:bodyPr>
+          <a:lstStyle/>
+          <a:p>
+            <a:r>
+              <a:rPr lang="en-US" sz="2000" dirty="0" smtClean="0"/>
+              <a:t>Only </a:t>
+            </a:r>
+            <a:r>
+              <a:rPr lang="en-US" sz="2000" b="1" dirty="0" smtClean="0"/>
+              <a:t>remote </a:t>
+            </a:r>
+            <a:r>
+              <a:rPr lang="en-US" sz="2000" dirty="0" err="1" smtClean="0"/>
+              <a:t>debuging</a:t>
+            </a:r>
+            <a:endParaRPr lang="en-US" sz="2000" dirty="0" smtClean="0"/>
+          </a:p>
+          <a:p>
+            <a:pPr lvl="1"/>
+            <a:r>
+              <a:rPr lang="en-US" sz="2000" dirty="0" smtClean="0"/>
+              <a:t>-</a:t>
+            </a:r>
+            <a:r>
+              <a:rPr lang="en-US" sz="2000" dirty="0" err="1" smtClean="0"/>
+              <a:t>agentlib:jdwp</a:t>
+            </a:r>
+            <a:r>
+              <a:rPr lang="en-US" sz="2000" dirty="0" smtClean="0"/>
+              <a:t>=transport=</a:t>
+            </a:r>
+            <a:r>
+              <a:rPr lang="en-US" sz="2000" dirty="0" err="1" smtClean="0"/>
+              <a:t>dt_socket,server</a:t>
+            </a:r>
+            <a:r>
+              <a:rPr lang="en-US" sz="2000" dirty="0" smtClean="0"/>
+              <a:t>=</a:t>
+            </a:r>
+            <a:r>
+              <a:rPr lang="en-US" sz="2000" dirty="0" err="1" smtClean="0"/>
+              <a:t>y,suspend</a:t>
+            </a:r>
+            <a:r>
+              <a:rPr lang="en-US" sz="2000" dirty="0" smtClean="0"/>
+              <a:t>=</a:t>
+            </a:r>
+            <a:r>
+              <a:rPr lang="en-US" sz="2000" dirty="0" err="1" smtClean="0"/>
+              <a:t>y,address</a:t>
+            </a:r>
+            <a:r>
+              <a:rPr lang="en-US" sz="2000" dirty="0" smtClean="0"/>
+              <a:t>=5005</a:t>
+            </a:r>
+          </a:p>
+          <a:p>
+            <a:r>
+              <a:rPr lang="en-US" sz="2000" dirty="0" smtClean="0"/>
+              <a:t>Can be specified </a:t>
+            </a:r>
+            <a:r>
+              <a:rPr lang="en-US" sz="2000" b="1" dirty="0" smtClean="0"/>
+              <a:t>only</a:t>
+            </a:r>
+            <a:r>
+              <a:rPr lang="en-US" sz="2000" dirty="0" smtClean="0"/>
+              <a:t> in task configuration</a:t>
+            </a:r>
+          </a:p>
+          <a:p>
+            <a:pPr lvl="1"/>
+            <a:r>
+              <a:rPr lang="en-US" sz="2000" dirty="0" err="1" smtClean="0"/>
+              <a:t>tasks.withType</a:t>
+            </a:r>
+            <a:r>
+              <a:rPr lang="en-US" sz="2000" dirty="0" smtClean="0"/>
+              <a:t>(</a:t>
+            </a:r>
+            <a:r>
+              <a:rPr lang="en-US" sz="2000" dirty="0" err="1" smtClean="0"/>
+              <a:t>JavaForkOptions</a:t>
+            </a:r>
+            <a:r>
+              <a:rPr lang="en-US" sz="2000" dirty="0" smtClean="0"/>
+              <a:t>) {</a:t>
+            </a:r>
+            <a:br>
+              <a:rPr lang="en-US" sz="2000" dirty="0" smtClean="0"/>
+            </a:br>
+            <a:r>
+              <a:rPr lang="en-US" sz="2000" dirty="0" smtClean="0"/>
+              <a:t>  </a:t>
+            </a:r>
+            <a:r>
+              <a:rPr lang="en-US" sz="2000" dirty="0" err="1" smtClean="0"/>
+              <a:t>systemProperty</a:t>
+            </a:r>
+            <a:r>
+              <a:rPr lang="en-US" sz="2000" dirty="0" smtClean="0"/>
+              <a:t> "cool.opt", "1“</a:t>
+            </a:r>
+            <a:br>
+              <a:rPr lang="en-US" sz="2000" dirty="0" smtClean="0"/>
+            </a:br>
+            <a:r>
+              <a:rPr lang="en-US" sz="2000" dirty="0" smtClean="0"/>
+              <a:t>  </a:t>
+            </a:r>
+            <a:r>
+              <a:rPr lang="en-US" sz="2000" b="1" dirty="0" err="1" smtClean="0"/>
+              <a:t>jvmArgs</a:t>
+            </a:r>
+            <a:r>
+              <a:rPr lang="en-US" sz="2000" dirty="0" smtClean="0"/>
+              <a:t> “</a:t>
+            </a:r>
+            <a:r>
+              <a:rPr lang="en-US" sz="2000" dirty="0" err="1" smtClean="0"/>
+              <a:t>ar</a:t>
+            </a:r>
+            <a:r>
+              <a:rPr lang="pl-PL" sz="2000" dirty="0" smtClean="0"/>
+              <a:t>g</a:t>
+            </a:r>
+            <a:r>
+              <a:rPr lang="en-US" sz="2000" dirty="0" smtClean="0"/>
+              <a:t>s“</a:t>
+            </a:r>
+            <a:br>
+              <a:rPr lang="en-US" sz="2000" dirty="0" smtClean="0"/>
+            </a:br>
+            <a:r>
+              <a:rPr lang="en-US" sz="2000" dirty="0" smtClean="0"/>
+              <a:t>}</a:t>
+            </a:r>
+          </a:p>
+          <a:p>
+            <a:pPr lvl="1"/>
+            <a:r>
+              <a:rPr lang="en-US" sz="2000" dirty="0" err="1" smtClean="0"/>
+              <a:t>tasks.withType</a:t>
+            </a:r>
+            <a:r>
+              <a:rPr lang="en-US" sz="2000" dirty="0" smtClean="0"/>
+              <a:t>(</a:t>
+            </a:r>
+            <a:r>
+              <a:rPr lang="en-US" sz="2000" dirty="0" err="1" smtClean="0"/>
+              <a:t>JavaCompile</a:t>
+            </a:r>
+            <a:r>
+              <a:rPr lang="en-US" sz="2000" dirty="0" smtClean="0"/>
+              <a:t>) {</a:t>
+            </a:r>
+            <a:br>
+              <a:rPr lang="en-US" sz="2000" dirty="0" smtClean="0"/>
+            </a:br>
+            <a:r>
+              <a:rPr lang="en-US" sz="2000" dirty="0" smtClean="0"/>
+              <a:t>  </a:t>
+            </a:r>
+            <a:r>
+              <a:rPr lang="en-US" sz="2000" dirty="0" err="1" smtClean="0"/>
+              <a:t>options.fork</a:t>
+            </a:r>
+            <a:r>
+              <a:rPr lang="en-US" sz="2000" dirty="0" smtClean="0"/>
+              <a:t> = true // otherwise won't fork</a:t>
+            </a:r>
+            <a:br>
+              <a:rPr lang="en-US" sz="2000" dirty="0" smtClean="0"/>
+            </a:br>
+            <a:r>
+              <a:rPr lang="en-US" sz="2000" dirty="0" smtClean="0"/>
+              <a:t>  </a:t>
+            </a:r>
+            <a:r>
+              <a:rPr lang="en-US" sz="2000" dirty="0" err="1" smtClean="0"/>
+              <a:t>options.forkOptions.</a:t>
+            </a:r>
+            <a:r>
+              <a:rPr lang="en-US" sz="2000" b="1" dirty="0" err="1" smtClean="0"/>
+              <a:t>jvmArgs</a:t>
+            </a:r>
+            <a:r>
+              <a:rPr lang="en-US" sz="2000" dirty="0" smtClean="0"/>
+              <a:t> = [“</a:t>
+            </a:r>
+            <a:r>
+              <a:rPr lang="en-US" sz="2000" dirty="0" err="1" smtClean="0"/>
+              <a:t>arg</a:t>
+            </a:r>
+            <a:r>
+              <a:rPr lang="pl-PL" sz="2000" dirty="0" smtClean="0"/>
+              <a:t>s”</a:t>
+            </a:r>
+            <a:r>
+              <a:rPr lang="en-US" sz="2000" dirty="0" smtClean="0"/>
+              <a:t>]</a:t>
+            </a:r>
+            <a:br>
+              <a:rPr lang="en-US" sz="2000" dirty="0" smtClean="0"/>
+            </a:br>
+            <a:r>
+              <a:rPr lang="en-US" sz="2000" dirty="0" smtClean="0"/>
+              <a:t>}</a:t>
+            </a:r>
+          </a:p>
+          <a:p>
+            <a:r>
+              <a:rPr lang="en-US" sz="2000" b="1" dirty="0" smtClean="0"/>
+              <a:t>Test task</a:t>
+            </a:r>
+            <a:r>
+              <a:rPr lang="en-US" sz="2000" dirty="0" smtClean="0"/>
+              <a:t> (</a:t>
+            </a:r>
+            <a:r>
+              <a:rPr lang="en-US" sz="2000" dirty="0" err="1" smtClean="0"/>
               <a:t>gradle</a:t>
             </a:r>
             <a:r>
-              <a:rPr lang="en-US" dirty="0" smtClean="0"/>
-              <a:t> --daemon</a:t>
-            </a:r>
-          </a:p>
-          <a:p>
-            <a:pPr lvl="1"/>
-            <a:r>
-              <a:rPr lang="en-US" dirty="0" err="1" smtClean="0"/>
+              <a:rPr lang="en-US" sz="2000" dirty="0" smtClean="0"/>
+              <a:t> help --task test)</a:t>
+            </a:r>
+          </a:p>
+          <a:p>
+            <a:pPr lvl="1"/>
+            <a:r>
+              <a:rPr lang="en-US" sz="2000" dirty="0" smtClean="0"/>
+              <a:t>shortcut: </a:t>
+            </a:r>
+            <a:r>
+              <a:rPr lang="en-US" sz="2000" b="1" dirty="0" err="1" smtClean="0"/>
               <a:t>gradle</a:t>
             </a:r>
             <a:r>
-              <a:rPr lang="en-US" dirty="0" smtClean="0"/>
-              <a:t> --no-daemon</a:t>
-            </a:r>
-            <a:endParaRPr lang="pl-PL" dirty="0" smtClean="0"/>
-          </a:p>
-          <a:p>
-            <a:r>
-              <a:rPr lang="pl-PL" dirty="0" smtClean="0"/>
-              <a:t>Daemon can be debugged</a:t>
-            </a:r>
-            <a:endParaRPr lang="en-US" dirty="0" smtClean="0"/>
-          </a:p>
-          <a:p>
-            <a:pPr>
-              <a:buNone/>
-            </a:pPr>
-            <a:endParaRPr lang="en-US" dirty="0"/>
+              <a:rPr lang="en-US" sz="2000" dirty="0" smtClean="0"/>
+              <a:t> </a:t>
+            </a:r>
+            <a:r>
+              <a:rPr lang="en-US" sz="2000" dirty="0" err="1" smtClean="0"/>
+              <a:t>someTestTask</a:t>
+            </a:r>
+            <a:r>
+              <a:rPr lang="en-US" sz="2000" dirty="0" smtClean="0"/>
+              <a:t> </a:t>
+            </a:r>
+            <a:r>
+              <a:rPr lang="en-US" sz="2000" b="1" dirty="0" smtClean="0"/>
+              <a:t>--debug-</a:t>
+            </a:r>
+            <a:r>
+              <a:rPr lang="en-US" sz="2000" b="1" dirty="0" err="1" smtClean="0"/>
+              <a:t>jvm</a:t>
+            </a:r>
+            <a:endParaRPr lang="en-US" sz="2000" dirty="0" smtClean="0"/>
           </a:p>
         </p:txBody>
       </p:sp>
@@ -8426,7 +8641,7 @@
           <a:p>
             <a:r>
               <a:rPr lang="en-US" dirty="0" smtClean="0"/>
-              <a:t>Wrapper</a:t>
+              <a:t>Daemon</a:t>
             </a:r>
             <a:endParaRPr lang="en-US" dirty="0"/>
           </a:p>
@@ -8444,109 +8659,70 @@
         </p:nvSpPr>
         <p:spPr/>
         <p:txBody>
-          <a:bodyPr>
-            <a:normAutofit fontScale="92500" lnSpcReduction="20000"/>
-          </a:bodyPr>
-          <a:lstStyle/>
-          <a:p>
-            <a:r>
-              <a:rPr lang="en-US" dirty="0" smtClean="0"/>
-              <a:t>Script which download (if needed) and start </a:t>
-            </a:r>
+          <a:bodyPr/>
+          <a:lstStyle/>
+          <a:p>
+            <a:r>
+              <a:rPr lang="en-US" dirty="0" smtClean="0"/>
+              <a:t>Use it always on local dev machine</a:t>
+            </a:r>
+          </a:p>
+          <a:p>
+            <a:r>
+              <a:rPr lang="en-US" dirty="0" smtClean="0"/>
+              <a:t>Activation</a:t>
+            </a:r>
+          </a:p>
+          <a:p>
+            <a:pPr lvl="1"/>
+            <a:r>
+              <a:rPr lang="en-US" dirty="0" err="1" smtClean="0"/>
+              <a:t>org.gradle.daemon</a:t>
+            </a:r>
+            <a:r>
+              <a:rPr lang="en-US" dirty="0" smtClean="0"/>
+              <a:t>=true in </a:t>
+            </a:r>
+            <a:r>
+              <a:rPr lang="en-US" dirty="0" err="1" smtClean="0"/>
+              <a:t>gradle.properties</a:t>
+            </a:r>
+            <a:endParaRPr lang="en-US" dirty="0" smtClean="0"/>
+          </a:p>
+          <a:p>
+            <a:pPr lvl="1"/>
             <a:r>
               <a:rPr lang="en-US" dirty="0" err="1" smtClean="0"/>
               <a:t>gradle</a:t>
             </a:r>
+            <a:r>
+              <a:rPr lang="en-US" dirty="0" smtClean="0"/>
+              <a:t> --daemon</a:t>
+            </a:r>
+          </a:p>
+          <a:p>
+            <a:pPr lvl="1"/>
+            <a:r>
+              <a:rPr lang="en-US" dirty="0" err="1" smtClean="0"/>
+              <a:t>gradle</a:t>
+            </a:r>
+            <a:r>
+              <a:rPr lang="en-US" dirty="0" smtClean="0"/>
+              <a:t> --no-daemon</a:t>
+            </a:r>
+            <a:endParaRPr lang="pl-PL" dirty="0" smtClean="0"/>
+          </a:p>
+          <a:p>
+            <a:r>
+              <a:rPr lang="pl-PL" dirty="0" smtClean="0"/>
+              <a:t>Daemon can be debugged</a:t>
+            </a:r>
             <a:endParaRPr lang="en-US" dirty="0" smtClean="0"/>
           </a:p>
           <a:p>
-            <a:r>
-              <a:rPr lang="en-US" dirty="0" smtClean="0"/>
-              <a:t>task wrapper(type: Wrapper) {</a:t>
-            </a:r>
-            <a:br>
-              <a:rPr lang="en-US" dirty="0" smtClean="0"/>
-            </a:br>
-            <a:r>
-              <a:rPr lang="en-US" dirty="0" smtClean="0"/>
-              <a:t>  </a:t>
-            </a:r>
-            <a:r>
-              <a:rPr lang="en-US" dirty="0" err="1" smtClean="0"/>
-              <a:t>gradleVersion</a:t>
-            </a:r>
-            <a:r>
-              <a:rPr lang="en-US" dirty="0" smtClean="0"/>
-              <a:t> = '2.</a:t>
-            </a:r>
-            <a:r>
-              <a:rPr lang="pl-PL" dirty="0" smtClean="0"/>
-              <a:t>9’</a:t>
-            </a:r>
-            <a:r>
-              <a:rPr lang="en-US" dirty="0" smtClean="0"/>
-              <a:t/>
-            </a:r>
-            <a:br>
-              <a:rPr lang="en-US" dirty="0" smtClean="0"/>
-            </a:br>
-            <a:r>
-              <a:rPr lang="en-US" dirty="0" smtClean="0"/>
-              <a:t>}</a:t>
-            </a:r>
-          </a:p>
-          <a:p>
-            <a:r>
-              <a:rPr lang="en-US" dirty="0" smtClean="0"/>
-              <a:t>Result of Wrapper task execution should be committed to repository</a:t>
-            </a:r>
-            <a:r>
-              <a:rPr lang="pl-PL" dirty="0" smtClean="0"/>
-              <a:t> (</a:t>
-            </a:r>
-            <a:r>
-              <a:rPr lang="en-US" dirty="0" smtClean="0"/>
-              <a:t>few </a:t>
-            </a:r>
-            <a:r>
-              <a:rPr lang="pl-PL" dirty="0" smtClean="0"/>
-              <a:t>small </a:t>
-            </a:r>
-            <a:r>
-              <a:rPr lang="en-US" dirty="0" smtClean="0"/>
-              <a:t>files)</a:t>
-            </a:r>
-          </a:p>
-          <a:p>
-            <a:r>
-              <a:rPr lang="en-US" dirty="0" smtClean="0"/>
-              <a:t>Accessing from sub-projects</a:t>
-            </a:r>
-          </a:p>
-          <a:p>
-            <a:pPr lvl="1"/>
-            <a:r>
-              <a:rPr lang="en-US" dirty="0" smtClean="0">
-                <a:hlinkClick r:id="rId2"/>
-              </a:rPr>
-              <a:t>https://issues.gradle.org/browse/GRADLE-2429</a:t>
-            </a:r>
-            <a:endParaRPr lang="en-US" dirty="0" smtClean="0"/>
-          </a:p>
-          <a:p>
-            <a:pPr lvl="1"/>
-            <a:r>
-              <a:rPr lang="en-US" dirty="0" smtClean="0">
-                <a:hlinkClick r:id="rId3"/>
-              </a:rPr>
-              <a:t>http://www.gdub.rocks/</a:t>
-            </a:r>
-            <a:endParaRPr lang="en-US" dirty="0" smtClean="0"/>
-          </a:p>
-          <a:p>
-            <a:endParaRPr lang="en-US" dirty="0" smtClean="0"/>
-          </a:p>
-          <a:p>
+            <a:pPr>
+              <a:buNone/>
+            </a:pPr>
             <a:endParaRPr lang="en-US" dirty="0"/>
           </a:p>
         </p:txBody>
@@ -8556,6 +8732,13 @@
   <p:clrMapOvr>
     <a:masterClrMapping/>
   </p:clrMapOvr>
+  <p:timing>
+    <p:tnLst>
+      <p:par>
+        <p:cTn id="1" dur="indefinite" restart="never" nodeType="tmRoot"/>
+      </p:par>
+    </p:tnLst>
+  </p:timing>
 </p:sld>
 </file>
 
@@ -8588,182 +8771,129 @@
         </p:nvSpPr>
         <p:spPr/>
         <p:txBody>
+          <a:bodyPr/>
+          <a:lstStyle/>
+          <a:p>
+            <a:r>
+              <a:rPr lang="en-US" dirty="0" smtClean="0"/>
+              <a:t>Wrapper</a:t>
+            </a:r>
+            <a:endParaRPr lang="en-US" dirty="0"/>
+          </a:p>
+        </p:txBody>
+      </p:sp>
+      <p:sp>
+        <p:nvSpPr>
+          <p:cNvPr id="3" name="Content Placeholder 2"/>
+          <p:cNvSpPr>
+            <a:spLocks noGrp="1"/>
+          </p:cNvSpPr>
+          <p:nvPr>
+            <p:ph idx="1"/>
+          </p:nvPr>
+        </p:nvSpPr>
+        <p:spPr/>
+        <p:txBody>
           <a:bodyPr>
-            <a:normAutofit/>
+            <a:normAutofit fontScale="92500" lnSpcReduction="20000"/>
           </a:bodyPr>
           <a:lstStyle/>
           <a:p>
             <a:r>
               <a:rPr lang="en-US" dirty="0" smtClean="0"/>
-              <a:t>Organizing build logic</a:t>
-            </a:r>
-            <a:endParaRPr lang="en-US" dirty="0"/>
-          </a:p>
-        </p:txBody>
-      </p:sp>
-      <p:sp>
-        <p:nvSpPr>
-          <p:cNvPr id="3" name="Content Placeholder 2"/>
-          <p:cNvSpPr>
-            <a:spLocks noGrp="1"/>
-          </p:cNvSpPr>
-          <p:nvPr>
-            <p:ph idx="1"/>
-          </p:nvPr>
-        </p:nvSpPr>
-        <p:spPr/>
-        <p:txBody>
-          <a:bodyPr>
-            <a:normAutofit fontScale="77500" lnSpcReduction="20000"/>
-          </a:bodyPr>
-          <a:lstStyle/>
-          <a:p>
-            <a:r>
-              <a:rPr lang="en-US" b="1" dirty="0" smtClean="0"/>
-              <a:t>Custom tasks/plugins</a:t>
-            </a:r>
-          </a:p>
-          <a:p>
-            <a:r>
-              <a:rPr lang="en-US" b="1" dirty="0" smtClean="0"/>
-              <a:t>Multi-project</a:t>
-            </a:r>
-            <a:r>
-              <a:rPr lang="en-US" dirty="0" smtClean="0"/>
-              <a:t> build</a:t>
-            </a:r>
-          </a:p>
-          <a:p>
-            <a:pPr lvl="1"/>
-            <a:r>
-              <a:rPr lang="en-US" dirty="0" smtClean="0"/>
-              <a:t>Inherited properties and methods</a:t>
-            </a:r>
-          </a:p>
-          <a:p>
-            <a:pPr lvl="1"/>
-            <a:r>
-              <a:rPr lang="en-US" dirty="0" smtClean="0"/>
-              <a:t>Injected configuration</a:t>
-            </a:r>
-          </a:p>
-          <a:p>
-            <a:pPr lvl="2"/>
-            <a:r>
-              <a:rPr lang="en-US" dirty="0" smtClean="0"/>
-              <a:t>subprojects {}, </a:t>
+              <a:t>Script which download (if needed) and start </a:t>
             </a:r>
             <a:r>
               <a:rPr lang="en-US" dirty="0" err="1" smtClean="0"/>
-              <a:t>allprojects</a:t>
-            </a:r>
-            <a:r>
-              <a:rPr lang="en-US" dirty="0" smtClean="0"/>
-              <a:t> {}, project(name).task &lt;&lt; {}</a:t>
-            </a:r>
-          </a:p>
-          <a:p>
-            <a:r>
-              <a:rPr lang="en-US" b="1" dirty="0" err="1" smtClean="0"/>
-              <a:t>buildSrc</a:t>
-            </a:r>
-            <a:r>
-              <a:rPr lang="en-US" b="1" dirty="0" smtClean="0"/>
-              <a:t> project</a:t>
-            </a:r>
-          </a:p>
-          <a:p>
-            <a:pPr lvl="1"/>
+              <a:t>gradle</a:t>
+            </a:r>
+            <a:endParaRPr lang="en-US" dirty="0" smtClean="0"/>
+          </a:p>
+          <a:p>
+            <a:r>
+              <a:rPr lang="en-US" dirty="0" smtClean="0"/>
+              <a:t>task wrapper(type: Wrapper) {</a:t>
+            </a:r>
+            <a:br>
+              <a:rPr lang="en-US" dirty="0" smtClean="0"/>
+            </a:br>
+            <a:r>
+              <a:rPr lang="en-US" dirty="0" smtClean="0"/>
+              <a:t>  </a:t>
+            </a:r>
             <a:r>
               <a:rPr lang="en-US" dirty="0" err="1" smtClean="0"/>
-              <a:t>build.gradle</a:t>
-            </a:r>
-            <a:r>
-              <a:rPr lang="en-US" dirty="0" smtClean="0"/>
-              <a:t> is optional, by default groovy plugin applied</a:t>
-            </a:r>
-          </a:p>
-          <a:p>
-            <a:pPr lvl="1"/>
-            <a:r>
-              <a:rPr lang="en-US" dirty="0" smtClean="0"/>
-              <a:t>Ex - </a:t>
-            </a:r>
+              <a:t>gradleVersion</a:t>
+            </a:r>
+            <a:r>
+              <a:rPr lang="en-US" dirty="0" smtClean="0"/>
+              <a:t> = '2.</a:t>
+            </a:r>
+            <a:r>
+              <a:rPr lang="pl-PL" dirty="0" smtClean="0"/>
+              <a:t>9’</a:t>
+            </a:r>
+            <a:r>
+              <a:rPr lang="en-US" dirty="0" smtClean="0"/>
+              <a:t/>
+            </a:r>
+            <a:br>
+              <a:rPr lang="en-US" dirty="0" smtClean="0"/>
+            </a:br>
+            <a:r>
+              <a:rPr lang="en-US" dirty="0" smtClean="0"/>
+              <a:t>}</a:t>
+            </a:r>
+          </a:p>
+          <a:p>
+            <a:r>
+              <a:rPr lang="en-US" dirty="0" smtClean="0"/>
+              <a:t>Result of Wrapper task execution should be committed to repository</a:t>
+            </a:r>
+            <a:r>
+              <a:rPr lang="pl-PL" dirty="0" smtClean="0"/>
+              <a:t> (</a:t>
+            </a:r>
+            <a:r>
+              <a:rPr lang="en-US" dirty="0" smtClean="0"/>
+              <a:t>few </a:t>
+            </a:r>
+            <a:r>
+              <a:rPr lang="pl-PL" dirty="0" smtClean="0"/>
+              <a:t>small </a:t>
+            </a:r>
+            <a:r>
+              <a:rPr lang="en-US" dirty="0" smtClean="0"/>
+              <a:t>files)</a:t>
+            </a:r>
+          </a:p>
+          <a:p>
+            <a:r>
+              <a:rPr lang="en-US" dirty="0" smtClean="0"/>
+              <a:t>Accessing from sub-projects</a:t>
+            </a:r>
+          </a:p>
+          <a:p>
+            <a:pPr lvl="1"/>
             <a:r>
               <a:rPr lang="en-US" dirty="0" smtClean="0">
                 <a:hlinkClick r:id="rId2"/>
               </a:rPr>
-              <a:t>https://github.com/mockito/mockito</a:t>
+              <a:t>https://issues.gradle.org/browse/GRADLE-2429</a:t>
             </a:r>
             <a:endParaRPr lang="en-US" dirty="0" smtClean="0"/>
           </a:p>
           <a:p>
-            <a:r>
-              <a:rPr lang="en-US" b="1" dirty="0" smtClean="0"/>
-              <a:t>Shared scripts</a:t>
-            </a:r>
-          </a:p>
-          <a:p>
-            <a:pPr lvl="1"/>
-            <a:r>
-              <a:rPr lang="en-US" dirty="0" smtClean="0"/>
-              <a:t>apply from: '</a:t>
-            </a:r>
-            <a:r>
-              <a:rPr lang="en-US" dirty="0" err="1" smtClean="0"/>
-              <a:t>other.gradle</a:t>
-            </a:r>
-            <a:r>
-              <a:rPr lang="en-US" dirty="0" smtClean="0"/>
-              <a:t>‘</a:t>
-            </a:r>
-          </a:p>
-          <a:p>
-            <a:r>
-              <a:rPr lang="en-US" b="1" dirty="0" smtClean="0"/>
-              <a:t>Execute external build</a:t>
-            </a:r>
-          </a:p>
-          <a:p>
-            <a:pPr lvl="1"/>
-            <a:r>
-              <a:rPr lang="en-US" dirty="0" smtClean="0"/>
-              <a:t>task build(type: </a:t>
-            </a:r>
-            <a:r>
-              <a:rPr lang="en-US" dirty="0" err="1" smtClean="0"/>
-              <a:t>GradleBuild</a:t>
-            </a:r>
-            <a:r>
-              <a:rPr lang="en-US" dirty="0" smtClean="0"/>
-              <a:t>) </a:t>
-            </a:r>
-            <a:br>
-              <a:rPr lang="en-US" dirty="0" smtClean="0"/>
-            </a:br>
-            <a:r>
-              <a:rPr lang="en-US" dirty="0" smtClean="0"/>
-              <a:t>{ </a:t>
-            </a:r>
-            <a:r>
-              <a:rPr lang="en-US" dirty="0" err="1" smtClean="0"/>
-              <a:t>buildFile</a:t>
-            </a:r>
-            <a:r>
-              <a:rPr lang="en-US" dirty="0" smtClean="0"/>
-              <a:t> = '</a:t>
-            </a:r>
-            <a:r>
-              <a:rPr lang="en-US" dirty="0" err="1" smtClean="0"/>
-              <a:t>other.gradle</a:t>
-            </a:r>
-            <a:r>
-              <a:rPr lang="en-US" dirty="0" smtClean="0"/>
-              <a:t>' tasks = ['hello'] }</a:t>
-            </a:r>
-          </a:p>
-          <a:p>
-            <a:pPr lvl="1"/>
+            <a:pPr lvl="1"/>
+            <a:r>
+              <a:rPr lang="en-US" dirty="0" smtClean="0">
+                <a:hlinkClick r:id="rId3"/>
+              </a:rPr>
+              <a:t>http://www.gdub.rocks/</a:t>
+            </a:r>
+            <a:endParaRPr lang="en-US" dirty="0" smtClean="0"/>
+          </a:p>
+          <a:p>
             <a:endParaRPr lang="en-US" dirty="0" smtClean="0"/>
           </a:p>
           <a:p>
@@ -8776,13 +8906,6 @@
   <p:clrMapOvr>
     <a:masterClrMapping/>
   </p:clrMapOvr>
-  <p:timing>
-    <p:tnLst>
-      <p:par>
-        <p:cTn id="1" dur="indefinite" restart="never" nodeType="tmRoot"/>
-      </p:par>
-    </p:tnLst>
-  </p:timing>
 </p:sld>
 </file>
 
@@ -9001,6 +9124,233 @@
           <a:lstStyle/>
           <a:p>
             <a:r>
+              <a:rPr lang="en-US" dirty="0" smtClean="0"/>
+              <a:t>Organizing build logic</a:t>
+            </a:r>
+            <a:endParaRPr lang="en-US" dirty="0"/>
+          </a:p>
+        </p:txBody>
+      </p:sp>
+      <p:sp>
+        <p:nvSpPr>
+          <p:cNvPr id="3" name="Content Placeholder 2"/>
+          <p:cNvSpPr>
+            <a:spLocks noGrp="1"/>
+          </p:cNvSpPr>
+          <p:nvPr>
+            <p:ph idx="1"/>
+          </p:nvPr>
+        </p:nvSpPr>
+        <p:spPr/>
+        <p:txBody>
+          <a:bodyPr>
+            <a:normAutofit fontScale="77500" lnSpcReduction="20000"/>
+          </a:bodyPr>
+          <a:lstStyle/>
+          <a:p>
+            <a:r>
+              <a:rPr lang="en-US" b="1" dirty="0" smtClean="0"/>
+              <a:t>Custom tasks/plugins</a:t>
+            </a:r>
+          </a:p>
+          <a:p>
+            <a:r>
+              <a:rPr lang="en-US" b="1" dirty="0" smtClean="0"/>
+              <a:t>Multi-project</a:t>
+            </a:r>
+            <a:r>
+              <a:rPr lang="en-US" dirty="0" smtClean="0"/>
+              <a:t> build</a:t>
+            </a:r>
+          </a:p>
+          <a:p>
+            <a:pPr lvl="1"/>
+            <a:r>
+              <a:rPr lang="en-US" dirty="0" smtClean="0"/>
+              <a:t>Inherited properties and methods</a:t>
+            </a:r>
+          </a:p>
+          <a:p>
+            <a:pPr lvl="1"/>
+            <a:r>
+              <a:rPr lang="en-US" dirty="0" smtClean="0"/>
+              <a:t>Injected configuration</a:t>
+            </a:r>
+          </a:p>
+          <a:p>
+            <a:pPr lvl="2"/>
+            <a:r>
+              <a:rPr lang="en-US" dirty="0" smtClean="0"/>
+              <a:t>subprojects {}, </a:t>
+            </a:r>
+            <a:r>
+              <a:rPr lang="en-US" dirty="0" err="1" smtClean="0"/>
+              <a:t>allprojects</a:t>
+            </a:r>
+            <a:r>
+              <a:rPr lang="en-US" dirty="0" smtClean="0"/>
+              <a:t> {}, project(name).task &lt;&lt; {}</a:t>
+            </a:r>
+          </a:p>
+          <a:p>
+            <a:r>
+              <a:rPr lang="en-US" b="1" dirty="0" err="1" smtClean="0"/>
+              <a:t>buildSrc</a:t>
+            </a:r>
+            <a:r>
+              <a:rPr lang="en-US" b="1" dirty="0" smtClean="0"/>
+              <a:t> project</a:t>
+            </a:r>
+          </a:p>
+          <a:p>
+            <a:pPr lvl="1"/>
+            <a:r>
+              <a:rPr lang="en-US" dirty="0" err="1" smtClean="0"/>
+              <a:t>build.gradle</a:t>
+            </a:r>
+            <a:r>
+              <a:rPr lang="en-US" dirty="0" smtClean="0"/>
+              <a:t> is optional, by default groovy plugin applied</a:t>
+            </a:r>
+          </a:p>
+          <a:p>
+            <a:pPr lvl="1"/>
+            <a:r>
+              <a:rPr lang="en-US" dirty="0" smtClean="0"/>
+              <a:t>Ex - </a:t>
+            </a:r>
+            <a:r>
+              <a:rPr lang="en-US" dirty="0" smtClean="0">
+                <a:hlinkClick r:id="rId2"/>
+              </a:rPr>
+              <a:t>https://github.com/mockito/mockito</a:t>
+            </a:r>
+            <a:endParaRPr lang="en-US" dirty="0" smtClean="0"/>
+          </a:p>
+          <a:p>
+            <a:r>
+              <a:rPr lang="en-US" b="1" dirty="0" smtClean="0"/>
+              <a:t>Shared scripts</a:t>
+            </a:r>
+          </a:p>
+          <a:p>
+            <a:pPr lvl="1"/>
+            <a:r>
+              <a:rPr lang="en-US" dirty="0" smtClean="0"/>
+              <a:t>apply from: '</a:t>
+            </a:r>
+            <a:r>
+              <a:rPr lang="en-US" dirty="0" err="1" smtClean="0"/>
+              <a:t>other.gradle</a:t>
+            </a:r>
+            <a:r>
+              <a:rPr lang="en-US" dirty="0" smtClean="0"/>
+              <a:t>‘</a:t>
+            </a:r>
+          </a:p>
+          <a:p>
+            <a:r>
+              <a:rPr lang="en-US" b="1" dirty="0" smtClean="0"/>
+              <a:t>Execute external build</a:t>
+            </a:r>
+          </a:p>
+          <a:p>
+            <a:pPr lvl="1"/>
+            <a:r>
+              <a:rPr lang="en-US" dirty="0" smtClean="0"/>
+              <a:t>task build(type: </a:t>
+            </a:r>
+            <a:r>
+              <a:rPr lang="en-US" dirty="0" err="1" smtClean="0"/>
+              <a:t>GradleBuild</a:t>
+            </a:r>
+            <a:r>
+              <a:rPr lang="en-US" dirty="0" smtClean="0"/>
+              <a:t>) </a:t>
+            </a:r>
+            <a:br>
+              <a:rPr lang="en-US" dirty="0" smtClean="0"/>
+            </a:br>
+            <a:r>
+              <a:rPr lang="en-US" dirty="0" smtClean="0"/>
+              <a:t>{ </a:t>
+            </a:r>
+            <a:r>
+              <a:rPr lang="en-US" dirty="0" err="1" smtClean="0"/>
+              <a:t>buildFile</a:t>
+            </a:r>
+            <a:r>
+              <a:rPr lang="en-US" dirty="0" smtClean="0"/>
+              <a:t> = '</a:t>
+            </a:r>
+            <a:r>
+              <a:rPr lang="en-US" dirty="0" err="1" smtClean="0"/>
+              <a:t>other.gradle</a:t>
+            </a:r>
+            <a:r>
+              <a:rPr lang="en-US" dirty="0" smtClean="0"/>
+              <a:t>' tasks = ['hello'] }</a:t>
+            </a:r>
+          </a:p>
+          <a:p>
+            <a:pPr lvl="1"/>
+            <a:endParaRPr lang="en-US" dirty="0" smtClean="0"/>
+          </a:p>
+          <a:p>
+            <a:endParaRPr lang="en-US" dirty="0"/>
+          </a:p>
+        </p:txBody>
+      </p:sp>
+    </p:spTree>
+  </p:cSld>
+  <p:clrMapOvr>
+    <a:masterClrMapping/>
+  </p:clrMapOvr>
+  <p:timing>
+    <p:tnLst>
+      <p:par>
+        <p:cTn id="1" dur="indefinite" restart="never" nodeType="tmRoot"/>
+      </p:par>
+    </p:tnLst>
+  </p:timing>
+</p:sld>
+</file>
+
+<file path=ppt/slides/slide31.xml><?xml version="1.0" encoding="utf-8"?>
+<p:sld xmlns:a="http://schemas.openxmlformats.org/drawingml/2006/main" xmlns:r="http://schemas.openxmlformats.org/officeDocument/2006/relationships" xmlns:p="http://schemas.openxmlformats.org/presentationml/2006/main">
+  <p:cSld>
+    <p:spTree>
+      <p:nvGrpSpPr>
+        <p:cNvPr id="1" name=""/>
+        <p:cNvGrpSpPr/>
+        <p:nvPr/>
+      </p:nvGrpSpPr>
+      <p:grpSpPr>
+        <a:xfrm>
+          <a:off x="0" y="0"/>
+          <a:ext cx="0" cy="0"/>
+          <a:chOff x="0" y="0"/>
+          <a:chExt cx="0" cy="0"/>
+        </a:xfrm>
+      </p:grpSpPr>
+      <p:sp>
+        <p:nvSpPr>
+          <p:cNvPr id="2" name="Title 1"/>
+          <p:cNvSpPr>
+            <a:spLocks noGrp="1"/>
+          </p:cNvSpPr>
+          <p:nvPr>
+            <p:ph type="title"/>
+          </p:nvPr>
+        </p:nvSpPr>
+        <p:spPr/>
+        <p:txBody>
+          <a:bodyPr>
+            <a:normAutofit/>
+          </a:bodyPr>
+          <a:lstStyle/>
+          <a:p>
+            <a:r>
               <a:rPr lang="pl-PL" dirty="0" smtClean="0"/>
               <a:t>Java plugin</a:t>
             </a:r>
@@ -9062,7 +9412,7 @@
 </p:sld>
 </file>
 
-<file path=ppt/slides/slide31.xml><?xml version="1.0" encoding="utf-8"?>
+<file path=ppt/slides/slide32.xml><?xml version="1.0" encoding="utf-8"?>
 <p:sld xmlns:a="http://schemas.openxmlformats.org/drawingml/2006/main" xmlns:r="http://schemas.openxmlformats.org/officeDocument/2006/relationships" xmlns:p="http://schemas.openxmlformats.org/presentationml/2006/main">
   <p:cSld>
     <p:spTree>
@@ -9143,7 +9493,7 @@
 </p:sld>
 </file>
 
-<file path=ppt/slides/slide32.xml><?xml version="1.0" encoding="utf-8"?>
+<file path=ppt/slides/slide33.xml><?xml version="1.0" encoding="utf-8"?>
 <p:sld xmlns:a="http://schemas.openxmlformats.org/drawingml/2006/main" xmlns:r="http://schemas.openxmlformats.org/officeDocument/2006/relationships" xmlns:p="http://schemas.openxmlformats.org/presentationml/2006/main">
   <p:cSld>
     <p:spTree>
@@ -9224,7 +9574,7 @@
 </p:sld>
 </file>
 
-<file path=ppt/slides/slide33.xml><?xml version="1.0" encoding="utf-8"?>
+<file path=ppt/slides/slide34.xml><?xml version="1.0" encoding="utf-8"?>
 <p:sld xmlns:a="http://schemas.openxmlformats.org/drawingml/2006/main" xmlns:r="http://schemas.openxmlformats.org/officeDocument/2006/relationships" xmlns:p="http://schemas.openxmlformats.org/presentationml/2006/main">
   <p:cSld>
     <p:spTree>
@@ -9305,7 +9655,7 @@
 </p:sld>
 </file>
 
-<file path=ppt/slides/slide34.xml><?xml version="1.0" encoding="utf-8"?>
+<file path=ppt/slides/slide35.xml><?xml version="1.0" encoding="utf-8"?>
 <p:sld xmlns:a="http://schemas.openxmlformats.org/drawingml/2006/main" xmlns:r="http://schemas.openxmlformats.org/officeDocument/2006/relationships" xmlns:p="http://schemas.openxmlformats.org/presentationml/2006/main">
   <p:cSld>
     <p:spTree>
@@ -9387,7 +9737,7 @@
 </p:sld>
 </file>
 
-<file path=ppt/slides/slide35.xml><?xml version="1.0" encoding="utf-8"?>
+<file path=ppt/slides/slide36.xml><?xml version="1.0" encoding="utf-8"?>
 <p:sld xmlns:a="http://schemas.openxmlformats.org/drawingml/2006/main" xmlns:r="http://schemas.openxmlformats.org/officeDocument/2006/relationships" xmlns:p="http://schemas.openxmlformats.org/presentationml/2006/main">
   <p:cSld>
     <p:spTree>
@@ -9505,7 +9855,7 @@
 </p:sld>
 </file>
 
-<file path=ppt/slides/slide36.xml><?xml version="1.0" encoding="utf-8"?>
+<file path=ppt/slides/slide37.xml><?xml version="1.0" encoding="utf-8"?>
 <p:sld xmlns:a="http://schemas.openxmlformats.org/drawingml/2006/main" xmlns:r="http://schemas.openxmlformats.org/officeDocument/2006/relationships" xmlns:p="http://schemas.openxmlformats.org/presentationml/2006/main">
   <p:cSld>
     <p:spTree>
@@ -9556,7 +9906,7 @@
 </p:sld>
 </file>
 
-<file path=ppt/slides/slide37.xml><?xml version="1.0" encoding="utf-8"?>
+<file path=ppt/slides/slide38.xml><?xml version="1.0" encoding="utf-8"?>
 <p:sld xmlns:a="http://schemas.openxmlformats.org/drawingml/2006/main" xmlns:r="http://schemas.openxmlformats.org/officeDocument/2006/relationships" xmlns:p="http://schemas.openxmlformats.org/presentationml/2006/main">
   <p:cSld>
     <p:spTree>
@@ -9614,7 +9964,7 @@
 </p:sld>
 </file>
 
-<file path=ppt/slides/slide38.xml><?xml version="1.0" encoding="utf-8"?>
+<file path=ppt/slides/slide39.xml><?xml version="1.0" encoding="utf-8"?>
 <p:sld xmlns:a="http://schemas.openxmlformats.org/drawingml/2006/main" xmlns:r="http://schemas.openxmlformats.org/officeDocument/2006/relationships" xmlns:p="http://schemas.openxmlformats.org/presentationml/2006/main">
   <p:cSld>
     <p:spTree>
@@ -9795,7 +10145,123 @@
 </p:sld>
 </file>
 
-<file path=ppt/slides/slide39.xml><?xml version="1.0" encoding="utf-8"?>
+<file path=ppt/slides/slide4.xml><?xml version="1.0" encoding="utf-8"?>
+<p:sld xmlns:a="http://schemas.openxmlformats.org/drawingml/2006/main" xmlns:r="http://schemas.openxmlformats.org/officeDocument/2006/relationships" xmlns:p="http://schemas.openxmlformats.org/presentationml/2006/main">
+  <p:cSld>
+    <p:spTree>
+      <p:nvGrpSpPr>
+        <p:cNvPr id="1" name=""/>
+        <p:cNvGrpSpPr/>
+        <p:nvPr/>
+      </p:nvGrpSpPr>
+      <p:grpSpPr>
+        <a:xfrm>
+          <a:off x="0" y="0"/>
+          <a:ext cx="0" cy="0"/>
+          <a:chOff x="0" y="0"/>
+          <a:chExt cx="0" cy="0"/>
+        </a:xfrm>
+      </p:grpSpPr>
+      <p:sp>
+        <p:nvSpPr>
+          <p:cNvPr id="2" name="Title 1"/>
+          <p:cNvSpPr>
+            <a:spLocks noGrp="1"/>
+          </p:cNvSpPr>
+          <p:nvPr>
+            <p:ph type="title"/>
+          </p:nvPr>
+        </p:nvSpPr>
+        <p:spPr/>
+        <p:txBody>
+          <a:bodyPr/>
+          <a:lstStyle/>
+          <a:p>
+            <a:r>
+              <a:rPr lang="en-US" dirty="0" smtClean="0"/>
+              <a:t>Gradle scripts</a:t>
+            </a:r>
+            <a:endParaRPr lang="en-US" dirty="0"/>
+          </a:p>
+        </p:txBody>
+      </p:sp>
+      <p:sp>
+        <p:nvSpPr>
+          <p:cNvPr id="3" name="Content Placeholder 2"/>
+          <p:cNvSpPr>
+            <a:spLocks noGrp="1"/>
+          </p:cNvSpPr>
+          <p:nvPr>
+            <p:ph idx="1"/>
+          </p:nvPr>
+        </p:nvSpPr>
+        <p:spPr/>
+        <p:txBody>
+          <a:bodyPr/>
+          <a:lstStyle/>
+          <a:p>
+            <a:r>
+              <a:rPr lang="en-US" dirty="0" smtClean="0"/>
+              <a:t>Gradle scripts are </a:t>
+            </a:r>
+            <a:r>
+              <a:rPr lang="en-US" b="1" dirty="0" smtClean="0"/>
+              <a:t>configuration</a:t>
+            </a:r>
+            <a:r>
+              <a:rPr lang="en-US" dirty="0" smtClean="0"/>
+              <a:t> scripts</a:t>
+            </a:r>
+          </a:p>
+          <a:p>
+            <a:pPr lvl="1"/>
+            <a:r>
+              <a:rPr lang="en-US" dirty="0" smtClean="0"/>
+              <a:t>As the script executes, it configures an object of a particular type</a:t>
+            </a:r>
+          </a:p>
+          <a:p>
+            <a:r>
+              <a:rPr lang="en-US" dirty="0" smtClean="0"/>
+              <a:t>Gradle script implements the </a:t>
+            </a:r>
+            <a:r>
+              <a:rPr lang="en-US" b="1" dirty="0" smtClean="0"/>
+              <a:t>Script</a:t>
+            </a:r>
+            <a:r>
+              <a:rPr lang="en-US" dirty="0" smtClean="0"/>
+              <a:t> interface</a:t>
+            </a:r>
+          </a:p>
+          <a:p>
+            <a:pPr lvl="1"/>
+            <a:r>
+              <a:rPr lang="en-US" dirty="0" smtClean="0"/>
+              <a:t>Provides helper method like file(&lt;path&gt;), exec(&lt;command&gt;), …</a:t>
+            </a:r>
+          </a:p>
+          <a:p>
+            <a:endParaRPr lang="en-US" dirty="0"/>
+          </a:p>
+        </p:txBody>
+      </p:sp>
+    </p:spTree>
+  </p:cSld>
+  <p:clrMapOvr>
+    <a:masterClrMapping/>
+  </p:clrMapOvr>
+  <p:timing>
+    <p:tnLst>
+      <p:par>
+        <p:cTn id="1" dur="indefinite" restart="never" nodeType="tmRoot"/>
+      </p:par>
+    </p:tnLst>
+  </p:timing>
+</p:sld>
+</file>
+
+<file path=ppt/slides/slide40.xml><?xml version="1.0" encoding="utf-8"?>
 <p:sld xmlns:a="http://schemas.openxmlformats.org/drawingml/2006/main" xmlns:r="http://schemas.openxmlformats.org/officeDocument/2006/relationships" xmlns:p="http://schemas.openxmlformats.org/presentationml/2006/main">
   <p:cSld>
     <p:spTree>
@@ -9843,122 +10309,6 @@
   <p:clrMapOvr>
     <a:masterClrMapping/>
   </p:clrMapOvr>
-</p:sld>
-</file>
-
-<file path=ppt/slides/slide4.xml><?xml version="1.0" encoding="utf-8"?>
-<p:sld xmlns:a="http://schemas.openxmlformats.org/drawingml/2006/main" xmlns:r="http://schemas.openxmlformats.org/officeDocument/2006/relationships" xmlns:p="http://schemas.openxmlformats.org/presentationml/2006/main">
-  <p:cSld>
-    <p:spTree>
-      <p:nvGrpSpPr>
-        <p:cNvPr id="1" name=""/>
-        <p:cNvGrpSpPr/>
-        <p:nvPr/>
-      </p:nvGrpSpPr>
-      <p:grpSpPr>
-        <a:xfrm>
-          <a:off x="0" y="0"/>
-          <a:ext cx="0" cy="0"/>
-          <a:chOff x="0" y="0"/>
-          <a:chExt cx="0" cy="0"/>
-        </a:xfrm>
-      </p:grpSpPr>
-      <p:sp>
-        <p:nvSpPr>
-          <p:cNvPr id="2" name="Title 1"/>
-          <p:cNvSpPr>
-            <a:spLocks noGrp="1"/>
-          </p:cNvSpPr>
-          <p:nvPr>
-            <p:ph type="title"/>
-          </p:nvPr>
-        </p:nvSpPr>
-        <p:spPr/>
-        <p:txBody>
-          <a:bodyPr/>
-          <a:lstStyle/>
-          <a:p>
-            <a:r>
-              <a:rPr lang="en-US" dirty="0" smtClean="0"/>
-              <a:t>Gradle scripts</a:t>
-            </a:r>
-            <a:endParaRPr lang="en-US" dirty="0"/>
-          </a:p>
-        </p:txBody>
-      </p:sp>
-      <p:sp>
-        <p:nvSpPr>
-          <p:cNvPr id="3" name="Content Placeholder 2"/>
-          <p:cNvSpPr>
-            <a:spLocks noGrp="1"/>
-          </p:cNvSpPr>
-          <p:nvPr>
-            <p:ph idx="1"/>
-          </p:nvPr>
-        </p:nvSpPr>
-        <p:spPr/>
-        <p:txBody>
-          <a:bodyPr/>
-          <a:lstStyle/>
-          <a:p>
-            <a:r>
-              <a:rPr lang="en-US" dirty="0" smtClean="0"/>
-              <a:t>Gradle scripts are </a:t>
-            </a:r>
-            <a:r>
-              <a:rPr lang="en-US" b="1" dirty="0" smtClean="0"/>
-              <a:t>configuration</a:t>
-            </a:r>
-            <a:r>
-              <a:rPr lang="en-US" dirty="0" smtClean="0"/>
-              <a:t> scripts</a:t>
-            </a:r>
-          </a:p>
-          <a:p>
-            <a:pPr lvl="1"/>
-            <a:r>
-              <a:rPr lang="en-US" dirty="0" smtClean="0"/>
-              <a:t>As the script executes, it configures an object of a particular type</a:t>
-            </a:r>
-          </a:p>
-          <a:p>
-            <a:r>
-              <a:rPr lang="en-US" dirty="0" smtClean="0"/>
-              <a:t>Gradle script implements the </a:t>
-            </a:r>
-            <a:r>
-              <a:rPr lang="en-US" b="1" dirty="0" smtClean="0"/>
-              <a:t>Script</a:t>
-            </a:r>
-            <a:r>
-              <a:rPr lang="en-US" dirty="0" smtClean="0"/>
-              <a:t> interface</a:t>
-            </a:r>
-          </a:p>
-          <a:p>
-            <a:pPr lvl="1"/>
-            <a:r>
-              <a:rPr lang="en-US" dirty="0" smtClean="0"/>
-              <a:t>Provides helper method like file(&lt;path&gt;), exec(&lt;command&gt;), …</a:t>
-            </a:r>
-          </a:p>
-          <a:p>
-            <a:endParaRPr lang="en-US" dirty="0"/>
-          </a:p>
-        </p:txBody>
-      </p:sp>
-    </p:spTree>
-  </p:cSld>
-  <p:clrMapOvr>
-    <a:masterClrMapping/>
-  </p:clrMapOvr>
-  <p:timing>
-    <p:tnLst>
-      <p:par>
-        <p:cTn id="1" dur="indefinite" restart="never" nodeType="tmRoot"/>
-      </p:par>
-    </p:tnLst>
-  </p:timing>
 </p:sld>
 </file>
 
